--- a/Verticox.pptx
+++ b/Verticox.pptx
@@ -32,14 +32,14 @@
       <p:boldItalic r:id="rId18"/>
     </p:embeddedFont>
     <p:embeddedFont>
-      <p:font typeface="Lato Light" panose="020B0604020202020204" charset="0"/>
+      <p:font typeface="Calibri" panose="020F0502020204030204" pitchFamily="34" charset="0"/>
       <p:regular r:id="rId19"/>
       <p:bold r:id="rId20"/>
       <p:italic r:id="rId21"/>
       <p:boldItalic r:id="rId22"/>
     </p:embeddedFont>
     <p:embeddedFont>
-      <p:font typeface="Calibri" panose="020F0502020204030204" pitchFamily="34" charset="0"/>
+      <p:font typeface="Lato Light" panose="020B0604020202020204" charset="0"/>
       <p:regular r:id="rId23"/>
       <p:bold r:id="rId24"/>
       <p:italic r:id="rId25"/>
@@ -6480,15 +6480,19 @@
                 </a14:m>
                 <a:r>
                   <a:rPr lang="en-US" sz="1600" dirty="0" smtClean="0"/>
-                  <a:t> is the scalar product </a:t>
-                </a:r>
-                <a:r>
-                  <a:rPr lang="en-US" sz="1600" dirty="0" err="1" smtClean="0"/>
-                  <a:t>product</a:t>
+                  <a:t> is the </a:t>
                 </a:r>
                 <a:r>
                   <a:rPr lang="en-US" sz="1600" dirty="0" smtClean="0"/>
-                  <a:t> protocol over all parties </a:t>
+                  <a:t>n-party SSP</a:t>
+                </a:r>
+                <a:r>
+                  <a:rPr lang="en-US" sz="1600" dirty="0" smtClean="0"/>
+                  <a:t> </a:t>
+                </a:r>
+                <a:r>
+                  <a:rPr lang="en-US" sz="1600" dirty="0" smtClean="0"/>
+                  <a:t>over all parties </a:t>
                 </a:r>
                 <a14:m>
                   <m:oMath xmlns:m="http://schemas.openxmlformats.org/officeDocument/2006/math">
@@ -6530,7 +6534,7 @@
               <a:blipFill>
                 <a:blip r:embed="rId3"/>
                 <a:stretch>
-                  <a:fillRect l="-1717" t="-3808" r="-1010" b="-19439"/>
+                  <a:fillRect l="-1717" t="-3808" b="-19439"/>
                 </a:stretch>
               </a:blipFill>
             </p:spPr>
@@ -6704,8 +6708,8 @@
           </a:p>
         </p:txBody>
       </p:sp>
-      <mc:AlternateContent xmlns:mc="http://schemas.openxmlformats.org/markup-compatibility/2006">
-        <mc:Choice xmlns:a14="http://schemas.microsoft.com/office/drawing/2010/main" Requires="a14">
+      <mc:AlternateContent xmlns:mc="http://schemas.openxmlformats.org/markup-compatibility/2006" xmlns:a14="http://schemas.microsoft.com/office/drawing/2010/main">
+        <mc:Choice Requires="a14">
           <p:sp>
             <p:nvSpPr>
               <p:cNvPr id="117" name="Google Shape;117;p17"/>
@@ -7242,7 +7246,7 @@
             </p:txBody>
           </p:sp>
         </mc:Choice>
-        <mc:Fallback>
+        <mc:Fallback xmlns="">
           <p:sp>
             <p:nvSpPr>
               <p:cNvPr id="117" name="Google Shape;117;p17"/>
@@ -7866,8 +7870,8 @@
           </a:p>
         </p:txBody>
       </p:sp>
-      <mc:AlternateContent xmlns:mc="http://schemas.openxmlformats.org/markup-compatibility/2006">
-        <mc:Choice xmlns:a14="http://schemas.microsoft.com/office/drawing/2010/main" Requires="a14">
+      <mc:AlternateContent xmlns:mc="http://schemas.openxmlformats.org/markup-compatibility/2006" xmlns:a14="http://schemas.microsoft.com/office/drawing/2010/main">
+        <mc:Choice Requires="a14">
           <p:sp>
             <p:nvSpPr>
               <p:cNvPr id="117" name="Google Shape;117;p17"/>
@@ -8110,7 +8114,7 @@
             </p:txBody>
           </p:sp>
         </mc:Choice>
-        <mc:Fallback>
+        <mc:Fallback xmlns="">
           <p:sp>
             <p:nvSpPr>
               <p:cNvPr id="117" name="Google Shape;117;p17"/>
@@ -9192,7 +9196,7 @@
           <a:blip r:embed="rId4">
             <a:extLst>
               <a:ext uri="{96DAC541-7B7A-43D3-8B79-37D633B846F1}">
-                <asvg:svgBlip xmlns="" xmlns:asvg="http://schemas.microsoft.com/office/drawing/2016/SVG/main" r:embed="rId5"/>
+                <asvg:svgBlip xmlns:asvg="http://schemas.microsoft.com/office/drawing/2016/SVG/main" xmlns="" r:embed="rId5"/>
               </a:ext>
             </a:extLst>
           </a:blip>
@@ -9228,7 +9232,7 @@
           <a:blip r:embed="rId6">
             <a:extLst>
               <a:ext uri="{96DAC541-7B7A-43D3-8B79-37D633B846F1}">
-                <asvg:svgBlip xmlns="" xmlns:asvg="http://schemas.microsoft.com/office/drawing/2016/SVG/main" r:embed="rId7"/>
+                <asvg:svgBlip xmlns:asvg="http://schemas.microsoft.com/office/drawing/2016/SVG/main" xmlns="" r:embed="rId7"/>
               </a:ext>
             </a:extLst>
           </a:blip>
@@ -9264,7 +9268,7 @@
           <a:blip r:embed="rId8">
             <a:extLst>
               <a:ext uri="{96DAC541-7B7A-43D3-8B79-37D633B846F1}">
-                <asvg:svgBlip xmlns="" xmlns:asvg="http://schemas.microsoft.com/office/drawing/2016/SVG/main" r:embed="rId9"/>
+                <asvg:svgBlip xmlns:asvg="http://schemas.microsoft.com/office/drawing/2016/SVG/main" xmlns="" r:embed="rId9"/>
               </a:ext>
             </a:extLst>
           </a:blip>
@@ -9300,7 +9304,7 @@
           <a:blip r:embed="rId10">
             <a:extLst>
               <a:ext uri="{96DAC541-7B7A-43D3-8B79-37D633B846F1}">
-                <asvg:svgBlip xmlns="" xmlns:asvg="http://schemas.microsoft.com/office/drawing/2016/SVG/main" r:embed="rId11"/>
+                <asvg:svgBlip xmlns:asvg="http://schemas.microsoft.com/office/drawing/2016/SVG/main" xmlns="" r:embed="rId11"/>
               </a:ext>
             </a:extLst>
           </a:blip>
@@ -9336,7 +9340,7 @@
           <a:blip r:embed="rId12">
             <a:extLst>
               <a:ext uri="{96DAC541-7B7A-43D3-8B79-37D633B846F1}">
-                <asvg:svgBlip xmlns="" xmlns:asvg="http://schemas.microsoft.com/office/drawing/2016/SVG/main" r:embed="rId14"/>
+                <asvg:svgBlip xmlns:asvg="http://schemas.microsoft.com/office/drawing/2016/SVG/main" xmlns="" r:embed="rId14"/>
               </a:ext>
             </a:extLst>
           </a:blip>
@@ -9372,7 +9376,7 @@
           <a:blip r:embed="rId15">
             <a:extLst>
               <a:ext uri="{96DAC541-7B7A-43D3-8B79-37D633B846F1}">
-                <asvg:svgBlip xmlns="" xmlns:asvg="http://schemas.microsoft.com/office/drawing/2016/SVG/main" r:embed="rId16"/>
+                <asvg:svgBlip xmlns:asvg="http://schemas.microsoft.com/office/drawing/2016/SVG/main" xmlns="" r:embed="rId16"/>
               </a:ext>
             </a:extLst>
           </a:blip>
@@ -9408,7 +9412,7 @@
           <a:blip r:embed="rId17">
             <a:extLst>
               <a:ext uri="{96DAC541-7B7A-43D3-8B79-37D633B846F1}">
-                <asvg:svgBlip xmlns="" xmlns:asvg="http://schemas.microsoft.com/office/drawing/2016/SVG/main" r:embed="rId18"/>
+                <asvg:svgBlip xmlns:asvg="http://schemas.microsoft.com/office/drawing/2016/SVG/main" xmlns="" r:embed="rId18"/>
               </a:ext>
             </a:extLst>
           </a:blip>
@@ -9444,7 +9448,7 @@
           <a:blip r:embed="rId19">
             <a:extLst>
               <a:ext uri="{96DAC541-7B7A-43D3-8B79-37D633B846F1}">
-                <asvg:svgBlip xmlns="" xmlns:asvg="http://schemas.microsoft.com/office/drawing/2016/SVG/main" r:embed="rId22"/>
+                <asvg:svgBlip xmlns:asvg="http://schemas.microsoft.com/office/drawing/2016/SVG/main" xmlns="" r:embed="rId22"/>
               </a:ext>
             </a:extLst>
           </a:blip>
@@ -9480,7 +9484,7 @@
           <a:blip r:embed="rId23">
             <a:extLst>
               <a:ext uri="{96DAC541-7B7A-43D3-8B79-37D633B846F1}">
-                <asvg:svgBlip xmlns="" xmlns:asvg="http://schemas.microsoft.com/office/drawing/2016/SVG/main" r:embed="rId24"/>
+                <asvg:svgBlip xmlns:asvg="http://schemas.microsoft.com/office/drawing/2016/SVG/main" xmlns="" r:embed="rId24"/>
               </a:ext>
             </a:extLst>
           </a:blip>
@@ -9516,7 +9520,7 @@
           <a:blip r:embed="rId25">
             <a:extLst>
               <a:ext uri="{96DAC541-7B7A-43D3-8B79-37D633B846F1}">
-                <asvg:svgBlip xmlns="" xmlns:asvg="http://schemas.microsoft.com/office/drawing/2016/SVG/main" r:embed="rId26"/>
+                <asvg:svgBlip xmlns:asvg="http://schemas.microsoft.com/office/drawing/2016/SVG/main" xmlns="" r:embed="rId26"/>
               </a:ext>
             </a:extLst>
           </a:blip>
@@ -9552,7 +9556,7 @@
           <a:blip r:embed="rId27">
             <a:extLst>
               <a:ext uri="{96DAC541-7B7A-43D3-8B79-37D633B846F1}">
-                <asvg:svgBlip xmlns="" xmlns:asvg="http://schemas.microsoft.com/office/drawing/2016/SVG/main" r:embed="rId30"/>
+                <asvg:svgBlip xmlns:asvg="http://schemas.microsoft.com/office/drawing/2016/SVG/main" xmlns="" r:embed="rId30"/>
               </a:ext>
             </a:extLst>
           </a:blip>
@@ -9753,7 +9757,7 @@
           <a:blip r:embed="rId31">
             <a:extLst>
               <a:ext uri="{96DAC541-7B7A-43D3-8B79-37D633B846F1}">
-                <asvg:svgBlip xmlns="" xmlns:asvg="http://schemas.microsoft.com/office/drawing/2016/SVG/main" r:embed="rId32"/>
+                <asvg:svgBlip xmlns:asvg="http://schemas.microsoft.com/office/drawing/2016/SVG/main" xmlns="" r:embed="rId32"/>
               </a:ext>
             </a:extLst>
           </a:blip>
@@ -9789,7 +9793,7 @@
           <a:blip r:embed="rId33">
             <a:extLst>
               <a:ext uri="{96DAC541-7B7A-43D3-8B79-37D633B846F1}">
-                <asvg:svgBlip xmlns="" xmlns:asvg="http://schemas.microsoft.com/office/drawing/2016/SVG/main" r:embed="rId34"/>
+                <asvg:svgBlip xmlns:asvg="http://schemas.microsoft.com/office/drawing/2016/SVG/main" xmlns="" r:embed="rId34"/>
               </a:ext>
             </a:extLst>
           </a:blip>
@@ -9825,7 +9829,7 @@
           <a:blip r:embed="rId35">
             <a:extLst>
               <a:ext uri="{96DAC541-7B7A-43D3-8B79-37D633B846F1}">
-                <asvg:svgBlip xmlns="" xmlns:asvg="http://schemas.microsoft.com/office/drawing/2016/SVG/main" r:embed="rId36"/>
+                <asvg:svgBlip xmlns:asvg="http://schemas.microsoft.com/office/drawing/2016/SVG/main" xmlns="" r:embed="rId36"/>
               </a:ext>
             </a:extLst>
           </a:blip>
@@ -12052,8 +12056,8 @@
           </a:p>
         </p:txBody>
       </p:sp>
-      <mc:AlternateContent xmlns:mc="http://schemas.openxmlformats.org/markup-compatibility/2006">
-        <mc:Choice xmlns:a14="http://schemas.microsoft.com/office/drawing/2010/main" Requires="a14">
+      <mc:AlternateContent xmlns:mc="http://schemas.openxmlformats.org/markup-compatibility/2006" xmlns:a14="http://schemas.microsoft.com/office/drawing/2010/main">
+        <mc:Choice Requires="a14">
           <p:sp>
             <p:nvSpPr>
               <p:cNvPr id="117" name="Google Shape;117;p17"/>
@@ -13000,7 +13004,7 @@
             </p:txBody>
           </p:sp>
         </mc:Choice>
-        <mc:Fallback>
+        <mc:Fallback xmlns="">
           <p:sp>
             <p:nvSpPr>
               <p:cNvPr id="117" name="Google Shape;117;p17"/>

--- a/Verticox.pptx
+++ b/Verticox.pptx
@@ -5,7 +5,7 @@
     <p:sldMasterId id="2147483658" r:id="rId1"/>
   </p:sldMasterIdLst>
   <p:notesMasterIdLst>
-    <p:notesMasterId r:id="rId16"/>
+    <p:notesMasterId r:id="rId18"/>
   </p:notesMasterIdLst>
   <p:sldIdLst>
     <p:sldId id="256" r:id="rId2"/>
@@ -22,15 +22,12 @@
     <p:sldId id="283" r:id="rId13"/>
     <p:sldId id="278" r:id="rId14"/>
     <p:sldId id="270" r:id="rId15"/>
+    <p:sldId id="292" r:id="rId16"/>
+    <p:sldId id="293" r:id="rId17"/>
   </p:sldIdLst>
   <p:sldSz cx="9144000" cy="5143500" type="screen16x9"/>
   <p:notesSz cx="6858000" cy="9144000"/>
   <p:embeddedFontLst>
-    <p:embeddedFont>
-      <p:font typeface="Lato Black" panose="020B0604020202020204" charset="0"/>
-      <p:bold r:id="rId17"/>
-      <p:boldItalic r:id="rId18"/>
-    </p:embeddedFont>
     <p:embeddedFont>
       <p:font typeface="Calibri" panose="020F0502020204030204" pitchFamily="34" charset="0"/>
       <p:regular r:id="rId19"/>
@@ -39,15 +36,20 @@
       <p:boldItalic r:id="rId22"/>
     </p:embeddedFont>
     <p:embeddedFont>
-      <p:font typeface="Lato Light" panose="020B0604020202020204" charset="0"/>
-      <p:regular r:id="rId23"/>
-      <p:bold r:id="rId24"/>
-      <p:italic r:id="rId25"/>
-      <p:boldItalic r:id="rId26"/>
+      <p:font typeface="Lato Black" panose="020B0604020202020204" charset="0"/>
+      <p:bold r:id="rId23"/>
+      <p:boldItalic r:id="rId24"/>
     </p:embeddedFont>
     <p:embeddedFont>
       <p:font typeface="Cambria Math" panose="02040503050406030204" pitchFamily="18" charset="0"/>
-      <p:regular r:id="rId27"/>
+      <p:regular r:id="rId25"/>
+    </p:embeddedFont>
+    <p:embeddedFont>
+      <p:font typeface="Lato Light" panose="020B0604020202020204" charset="0"/>
+      <p:regular r:id="rId26"/>
+      <p:bold r:id="rId27"/>
+      <p:italic r:id="rId28"/>
+      <p:boldItalic r:id="rId29"/>
     </p:embeddedFont>
   </p:embeddedFontLst>
   <p:defaultTextStyle>
@@ -5398,8 +5400,8 @@
           </a:p>
         </p:txBody>
       </p:sp>
-      <mc:AlternateContent xmlns:mc="http://schemas.openxmlformats.org/markup-compatibility/2006">
-        <mc:Choice xmlns:a14="http://schemas.microsoft.com/office/drawing/2010/main" Requires="a14">
+      <mc:AlternateContent xmlns:mc="http://schemas.openxmlformats.org/markup-compatibility/2006" xmlns:a14="http://schemas.microsoft.com/office/drawing/2010/main">
+        <mc:Choice Requires="a14">
           <p:sp>
             <p:nvSpPr>
               <p:cNvPr id="117" name="Google Shape;117;p17"/>
@@ -6480,19 +6482,7 @@
                 </a14:m>
                 <a:r>
                   <a:rPr lang="en-US" sz="1600" dirty="0" smtClean="0"/>
-                  <a:t> is the </a:t>
-                </a:r>
-                <a:r>
-                  <a:rPr lang="en-US" sz="1600" dirty="0" smtClean="0"/>
-                  <a:t>n-party SSP</a:t>
-                </a:r>
-                <a:r>
-                  <a:rPr lang="en-US" sz="1600" dirty="0" smtClean="0"/>
-                  <a:t> </a:t>
-                </a:r>
-                <a:r>
-                  <a:rPr lang="en-US" sz="1600" dirty="0" smtClean="0"/>
-                  <a:t>over all parties </a:t>
+                  <a:t> is the n-party SSP over all parties </a:t>
                 </a:r>
                 <a14:m>
                   <m:oMath xmlns:m="http://schemas.openxmlformats.org/officeDocument/2006/math">
@@ -6512,7 +6502,7 @@
             </p:txBody>
           </p:sp>
         </mc:Choice>
-        <mc:Fallback>
+        <mc:Fallback xmlns="">
           <p:sp>
             <p:nvSpPr>
               <p:cNvPr id="117" name="Google Shape;117;p17"/>
@@ -6708,8 +6698,8 @@
           </a:p>
         </p:txBody>
       </p:sp>
-      <mc:AlternateContent xmlns:mc="http://schemas.openxmlformats.org/markup-compatibility/2006" xmlns:a14="http://schemas.microsoft.com/office/drawing/2010/main">
-        <mc:Choice Requires="a14">
+      <mc:AlternateContent xmlns:mc="http://schemas.openxmlformats.org/markup-compatibility/2006">
+        <mc:Choice xmlns:a14="http://schemas.microsoft.com/office/drawing/2010/main" Requires="a14">
           <p:sp>
             <p:nvSpPr>
               <p:cNvPr id="117" name="Google Shape;117;p17"/>
@@ -7116,56 +7106,116 @@
               <a:p>
                 <a14:m>
                   <m:oMath xmlns:m="http://schemas.openxmlformats.org/officeDocument/2006/math">
-                    <m:nary>
-                      <m:naryPr>
-                        <m:chr m:val="∏"/>
-                        <m:supHide m:val="on"/>
+                    <m:sSub>
+                      <m:sSubPr>
                         <m:ctrlPr>
                           <a:rPr lang="en-US" sz="1600" i="1">
                             <a:latin typeface="Cambria Math" panose="02040503050406030204" pitchFamily="18" charset="0"/>
+                            <a:ea typeface="Cambria Math" panose="02040503050406030204" pitchFamily="18" charset="0"/>
                           </a:rPr>
                         </m:ctrlPr>
-                      </m:naryPr>
+                      </m:sSubPr>
+                      <m:e>
+                        <m:r>
+                          <a:rPr lang="en-US" sz="1600" i="1">
+                            <a:latin typeface="Cambria Math" panose="02040503050406030204" pitchFamily="18" charset="0"/>
+                            <a:ea typeface="Cambria Math" panose="02040503050406030204" pitchFamily="18" charset="0"/>
+                          </a:rPr>
+                          <m:t>𝜑</m:t>
+                        </m:r>
+                      </m:e>
                       <m:sub>
                         <m:r>
-                          <m:rPr>
-                            <m:brk m:alnAt="7"/>
-                          </m:rPr>
                           <a:rPr lang="en-US" sz="1600" i="1">
                             <a:latin typeface="Cambria Math" panose="02040503050406030204" pitchFamily="18" charset="0"/>
+                            <a:ea typeface="Cambria Math" panose="02040503050406030204" pitchFamily="18" charset="0"/>
                           </a:rPr>
                           <m:t>𝑃</m:t>
                         </m:r>
                       </m:sub>
-                      <m:sup/>
+                    </m:sSub>
+                    <m:r>
+                      <a:rPr lang="en-US" sz="1600" i="1">
+                        <a:latin typeface="Cambria Math" panose="02040503050406030204" pitchFamily="18" charset="0"/>
+                        <a:ea typeface="Cambria Math" panose="02040503050406030204" pitchFamily="18" charset="0"/>
+                      </a:rPr>
+                      <m:t>(</m:t>
+                    </m:r>
+                    <m:sSubSup>
+                      <m:sSubSupPr>
+                        <m:ctrlPr>
+                          <a:rPr lang="en-US" sz="1600" i="1">
+                            <a:latin typeface="Cambria Math" panose="02040503050406030204" pitchFamily="18" charset="0"/>
+                          </a:rPr>
+                        </m:ctrlPr>
+                      </m:sSubSupPr>
                       <m:e>
-                        <m:sSub>
-                          <m:sSubPr>
+                        <m:r>
+                          <a:rPr lang="en-US" sz="1600" i="1">
+                            <a:latin typeface="Cambria Math" panose="02040503050406030204" pitchFamily="18" charset="0"/>
+                          </a:rPr>
+                          <m:t>𝑉</m:t>
+                        </m:r>
+                      </m:e>
+                      <m:sub>
+                        <m:r>
+                          <a:rPr lang="en-US" sz="1600" i="1">
+                            <a:latin typeface="Cambria Math" panose="02040503050406030204" pitchFamily="18" charset="0"/>
+                          </a:rPr>
+                          <m:t>𝑝</m:t>
+                        </m:r>
+                      </m:sub>
+                      <m:sup>
+                        <m:r>
+                          <a:rPr lang="en-US" sz="1600" i="1">
+                            <a:latin typeface="Cambria Math" panose="02040503050406030204" pitchFamily="18" charset="0"/>
+                          </a:rPr>
+                          <m:t>𝑡</m:t>
+                        </m:r>
+                        <m:r>
+                          <a:rPr lang="en-US" sz="1600" i="1">
+                            <a:latin typeface="Cambria Math" panose="02040503050406030204" pitchFamily="18" charset="0"/>
+                            <a:ea typeface="Cambria Math" panose="02040503050406030204" pitchFamily="18" charset="0"/>
+                          </a:rPr>
+                          <m:t>∈</m:t>
+                        </m:r>
+                        <m:d>
+                          <m:dPr>
+                            <m:begChr m:val="["/>
+                            <m:endChr m:val="]"/>
                             <m:ctrlPr>
                               <a:rPr lang="en-US" sz="1600" i="1">
                                 <a:latin typeface="Cambria Math" panose="02040503050406030204" pitchFamily="18" charset="0"/>
+                                <a:ea typeface="Cambria Math" panose="02040503050406030204" pitchFamily="18" charset="0"/>
                               </a:rPr>
                             </m:ctrlPr>
-                          </m:sSubPr>
+                          </m:dPr>
                           <m:e>
                             <m:r>
                               <a:rPr lang="en-US" sz="1600" i="1">
                                 <a:latin typeface="Cambria Math" panose="02040503050406030204" pitchFamily="18" charset="0"/>
+                                <a:ea typeface="Cambria Math" panose="02040503050406030204" pitchFamily="18" charset="0"/>
                               </a:rPr>
-                              <m:t>𝑉</m:t>
+                              <m:t>1,</m:t>
                             </m:r>
-                          </m:e>
-                          <m:sub>
                             <m:r>
                               <a:rPr lang="en-US" sz="1600" i="1">
                                 <a:latin typeface="Cambria Math" panose="02040503050406030204" pitchFamily="18" charset="0"/>
+                                <a:ea typeface="Cambria Math" panose="02040503050406030204" pitchFamily="18" charset="0"/>
                               </a:rPr>
-                              <m:t>𝑝</m:t>
+                              <m:t>𝑇</m:t>
                             </m:r>
-                          </m:sub>
-                        </m:sSub>
-                      </m:e>
-                    </m:nary>
+                          </m:e>
+                        </m:d>
+                      </m:sup>
+                    </m:sSubSup>
+                    <m:r>
+                      <a:rPr lang="en-US" sz="1600" i="1">
+                        <a:latin typeface="Cambria Math" panose="02040503050406030204" pitchFamily="18" charset="0"/>
+                        <a:ea typeface="Cambria Math" panose="02040503050406030204" pitchFamily="18" charset="0"/>
+                      </a:rPr>
+                      <m:t>)</m:t>
+                    </m:r>
                     <m:r>
                       <a:rPr lang="en-US" sz="1600" b="0" i="0" smtClean="0">
                         <a:latin typeface="Cambria Math" panose="02040503050406030204" pitchFamily="18" charset="0"/>
@@ -7246,7 +7296,7 @@
             </p:txBody>
           </p:sp>
         </mc:Choice>
-        <mc:Fallback xmlns="">
+        <mc:Fallback>
           <p:sp>
             <p:nvSpPr>
               <p:cNvPr id="117" name="Google Shape;117;p17"/>
@@ -7870,8 +7920,8 @@
           </a:p>
         </p:txBody>
       </p:sp>
-      <mc:AlternateContent xmlns:mc="http://schemas.openxmlformats.org/markup-compatibility/2006" xmlns:a14="http://schemas.microsoft.com/office/drawing/2010/main">
-        <mc:Choice Requires="a14">
+      <mc:AlternateContent xmlns:mc="http://schemas.openxmlformats.org/markup-compatibility/2006">
+        <mc:Choice xmlns:a14="http://schemas.microsoft.com/office/drawing/2010/main" Requires="a14">
           <p:sp>
             <p:nvSpPr>
               <p:cNvPr id="117" name="Google Shape;117;p17"/>
@@ -7904,72 +7954,104 @@
                 </a:r>
                 <a14:m>
                   <m:oMath xmlns:m="http://schemas.openxmlformats.org/officeDocument/2006/math">
-                    <m:r>
-                      <a:rPr lang="en-US" sz="1600" b="0" i="0" smtClean="0">
-                        <a:latin typeface="Cambria Math" panose="02040503050406030204" pitchFamily="18" charset="0"/>
-                      </a:rPr>
-                      <m:t> </m:t>
-                    </m:r>
-                    <m:nary>
-                      <m:naryPr>
-                        <m:chr m:val="∏"/>
-                        <m:supHide m:val="on"/>
+                    <m:sSub>
+                      <m:sSubPr>
                         <m:ctrlPr>
                           <a:rPr lang="en-US" sz="1600" i="1">
                             <a:latin typeface="Cambria Math" panose="02040503050406030204" pitchFamily="18" charset="0"/>
+                            <a:ea typeface="Cambria Math" panose="02040503050406030204" pitchFamily="18" charset="0"/>
                           </a:rPr>
                         </m:ctrlPr>
-                      </m:naryPr>
+                      </m:sSubPr>
+                      <m:e>
+                        <m:r>
+                          <a:rPr lang="en-US" sz="1600" b="0" i="1" smtClean="0">
+                            <a:latin typeface="Cambria Math" panose="02040503050406030204" pitchFamily="18" charset="0"/>
+                            <a:ea typeface="Cambria Math" panose="02040503050406030204" pitchFamily="18" charset="0"/>
+                          </a:rPr>
+                          <m:t> </m:t>
+                        </m:r>
+                        <m:r>
+                          <a:rPr lang="en-US" sz="1600" i="1">
+                            <a:latin typeface="Cambria Math" panose="02040503050406030204" pitchFamily="18" charset="0"/>
+                            <a:ea typeface="Cambria Math" panose="02040503050406030204" pitchFamily="18" charset="0"/>
+                          </a:rPr>
+                          <m:t>𝜑</m:t>
+                        </m:r>
+                      </m:e>
                       <m:sub>
                         <m:r>
-                          <m:rPr>
-                            <m:brk m:alnAt="7"/>
-                          </m:rPr>
                           <a:rPr lang="en-US" sz="1600" i="1">
                             <a:latin typeface="Cambria Math" panose="02040503050406030204" pitchFamily="18" charset="0"/>
+                            <a:ea typeface="Cambria Math" panose="02040503050406030204" pitchFamily="18" charset="0"/>
                           </a:rPr>
                           <m:t>𝑃</m:t>
                         </m:r>
                       </m:sub>
-                      <m:sup/>
+                    </m:sSub>
+                    <m:r>
+                      <a:rPr lang="en-US" sz="1600" i="1">
+                        <a:latin typeface="Cambria Math" panose="02040503050406030204" pitchFamily="18" charset="0"/>
+                        <a:ea typeface="Cambria Math" panose="02040503050406030204" pitchFamily="18" charset="0"/>
+                      </a:rPr>
+                      <m:t>(</m:t>
+                    </m:r>
+                    <m:sSubSup>
+                      <m:sSubSupPr>
+                        <m:ctrlPr>
+                          <a:rPr lang="en-US" sz="1600" i="1">
+                            <a:latin typeface="Cambria Math" panose="02040503050406030204" pitchFamily="18" charset="0"/>
+                          </a:rPr>
+                        </m:ctrlPr>
+                      </m:sSubSupPr>
                       <m:e>
-                        <m:sSubSup>
-                          <m:sSubSupPr>
+                        <m:r>
+                          <a:rPr lang="en-US" sz="1600" i="1">
+                            <a:latin typeface="Cambria Math" panose="02040503050406030204" pitchFamily="18" charset="0"/>
+                          </a:rPr>
+                          <m:t>𝑉</m:t>
+                        </m:r>
+                      </m:e>
+                      <m:sub>
+                        <m:r>
+                          <a:rPr lang="en-US" sz="1600" i="1">
+                            <a:latin typeface="Cambria Math" panose="02040503050406030204" pitchFamily="18" charset="0"/>
+                          </a:rPr>
+                          <m:t>𝑝</m:t>
+                        </m:r>
+                      </m:sub>
+                      <m:sup>
+                        <m:r>
+                          <a:rPr lang="en-US" sz="1600" i="1">
+                            <a:latin typeface="Cambria Math" panose="02040503050406030204" pitchFamily="18" charset="0"/>
+                          </a:rPr>
+                          <m:t>𝑡</m:t>
+                        </m:r>
+                        <m:r>
+                          <a:rPr lang="en-US" sz="1600" i="1">
+                            <a:latin typeface="Cambria Math" panose="02040503050406030204" pitchFamily="18" charset="0"/>
+                            <a:ea typeface="Cambria Math" panose="02040503050406030204" pitchFamily="18" charset="0"/>
+                          </a:rPr>
+                          <m:t>∈</m:t>
+                        </m:r>
+                        <m:d>
+                          <m:dPr>
+                            <m:begChr m:val="["/>
+                            <m:endChr m:val="]"/>
                             <m:ctrlPr>
                               <a:rPr lang="en-US" sz="1600" i="1">
                                 <a:latin typeface="Cambria Math" panose="02040503050406030204" pitchFamily="18" charset="0"/>
+                                <a:ea typeface="Cambria Math" panose="02040503050406030204" pitchFamily="18" charset="0"/>
                               </a:rPr>
                             </m:ctrlPr>
-                          </m:sSubSupPr>
+                          </m:dPr>
                           <m:e>
-                            <m:r>
-                              <a:rPr lang="en-US" sz="1600" i="1">
-                                <a:latin typeface="Cambria Math" panose="02040503050406030204" pitchFamily="18" charset="0"/>
-                              </a:rPr>
-                              <m:t>𝑉</m:t>
-                            </m:r>
-                          </m:e>
-                          <m:sub>
-                            <m:r>
-                              <a:rPr lang="en-US" sz="1600" i="1">
-                                <a:latin typeface="Cambria Math" panose="02040503050406030204" pitchFamily="18" charset="0"/>
-                              </a:rPr>
-                              <m:t>𝑝</m:t>
-                            </m:r>
-                          </m:sub>
-                          <m:sup>
-                            <m:r>
-                              <a:rPr lang="en-US" sz="1600" i="1">
-                                <a:latin typeface="Cambria Math" panose="02040503050406030204" pitchFamily="18" charset="0"/>
-                              </a:rPr>
-                              <m:t>𝑡</m:t>
-                            </m:r>
                             <m:r>
                               <a:rPr lang="en-US" sz="1600" i="1">
                                 <a:latin typeface="Cambria Math" panose="02040503050406030204" pitchFamily="18" charset="0"/>
                                 <a:ea typeface="Cambria Math" panose="02040503050406030204" pitchFamily="18" charset="0"/>
                               </a:rPr>
-                              <m:t>∈[1,</m:t>
+                              <m:t>1,</m:t>
                             </m:r>
                             <m:r>
                               <a:rPr lang="en-US" sz="1600" i="1">
@@ -7978,19 +8060,23 @@
                               </a:rPr>
                               <m:t>𝑇</m:t>
                             </m:r>
-                            <m:r>
-                              <a:rPr lang="en-US" sz="1600" i="1">
-                                <a:latin typeface="Cambria Math" panose="02040503050406030204" pitchFamily="18" charset="0"/>
-                                <a:ea typeface="Cambria Math" panose="02040503050406030204" pitchFamily="18" charset="0"/>
-                              </a:rPr>
-                              <m:t>]</m:t>
-                            </m:r>
-                          </m:sup>
-                        </m:sSubSup>
-                      </m:e>
-                    </m:nary>
+                          </m:e>
+                        </m:d>
+                      </m:sup>
+                    </m:sSubSup>
+                    <m:r>
+                      <a:rPr lang="en-US" sz="1600" i="1">
+                        <a:latin typeface="Cambria Math" panose="02040503050406030204" pitchFamily="18" charset="0"/>
+                        <a:ea typeface="Cambria Math" panose="02040503050406030204" pitchFamily="18" charset="0"/>
+                      </a:rPr>
+                      <m:t>)</m:t>
+                    </m:r>
                   </m:oMath>
                 </a14:m>
+                <a:r>
+                  <a:rPr lang="en-US" sz="1600" dirty="0" smtClean="0"/>
+                  <a:t> </a:t>
+                </a:r>
                 <a:r>
                   <a:rPr lang="en-US" sz="1600" dirty="0"/>
                   <a:t>can reveal the selected individuals to the owner </a:t>
@@ -8017,70 +8103,108 @@
                 </a:r>
                 <a:r>
                   <a:rPr lang="en-US" sz="1600" dirty="0"/>
-                  <a:t>skew </a:t>
+                  <a:t>skew</a:t>
                 </a:r>
                 <a14:m>
                   <m:oMath xmlns:m="http://schemas.openxmlformats.org/officeDocument/2006/math">
-                    <m:nary>
-                      <m:naryPr>
-                        <m:chr m:val="∏"/>
-                        <m:supHide m:val="on"/>
+                    <m:sSub>
+                      <m:sSubPr>
                         <m:ctrlPr>
                           <a:rPr lang="en-US" sz="1600" i="1">
                             <a:latin typeface="Cambria Math" panose="02040503050406030204" pitchFamily="18" charset="0"/>
+                            <a:ea typeface="Cambria Math" panose="02040503050406030204" pitchFamily="18" charset="0"/>
                           </a:rPr>
                         </m:ctrlPr>
-                      </m:naryPr>
+                      </m:sSubPr>
+                      <m:e>
+                        <m:r>
+                          <a:rPr lang="en-US" sz="1600" b="0" i="1" smtClean="0">
+                            <a:latin typeface="Cambria Math" panose="02040503050406030204" pitchFamily="18" charset="0"/>
+                            <a:ea typeface="Cambria Math" panose="02040503050406030204" pitchFamily="18" charset="0"/>
+                          </a:rPr>
+                          <m:t> </m:t>
+                        </m:r>
+                        <m:r>
+                          <a:rPr lang="en-US" sz="1600" i="1">
+                            <a:latin typeface="Cambria Math" panose="02040503050406030204" pitchFamily="18" charset="0"/>
+                            <a:ea typeface="Cambria Math" panose="02040503050406030204" pitchFamily="18" charset="0"/>
+                          </a:rPr>
+                          <m:t>𝜑</m:t>
+                        </m:r>
+                      </m:e>
                       <m:sub>
                         <m:r>
-                          <m:rPr>
-                            <m:brk m:alnAt="7"/>
-                          </m:rPr>
                           <a:rPr lang="en-US" sz="1600" i="1">
                             <a:latin typeface="Cambria Math" panose="02040503050406030204" pitchFamily="18" charset="0"/>
+                            <a:ea typeface="Cambria Math" panose="02040503050406030204" pitchFamily="18" charset="0"/>
                           </a:rPr>
                           <m:t>𝑃</m:t>
                         </m:r>
                       </m:sub>
-                      <m:sup/>
+                    </m:sSub>
+                    <m:r>
+                      <a:rPr lang="en-US" sz="1600" i="1">
+                        <a:latin typeface="Cambria Math" panose="02040503050406030204" pitchFamily="18" charset="0"/>
+                        <a:ea typeface="Cambria Math" panose="02040503050406030204" pitchFamily="18" charset="0"/>
+                      </a:rPr>
+                      <m:t>(</m:t>
+                    </m:r>
+                    <m:sSubSup>
+                      <m:sSubSupPr>
+                        <m:ctrlPr>
+                          <a:rPr lang="en-US" sz="1600" i="1">
+                            <a:latin typeface="Cambria Math" panose="02040503050406030204" pitchFamily="18" charset="0"/>
+                          </a:rPr>
+                        </m:ctrlPr>
+                      </m:sSubSupPr>
                       <m:e>
-                        <m:sSubSup>
-                          <m:sSubSupPr>
+                        <m:r>
+                          <a:rPr lang="en-US" sz="1600" i="1">
+                            <a:latin typeface="Cambria Math" panose="02040503050406030204" pitchFamily="18" charset="0"/>
+                          </a:rPr>
+                          <m:t>𝑉</m:t>
+                        </m:r>
+                      </m:e>
+                      <m:sub>
+                        <m:r>
+                          <a:rPr lang="en-US" sz="1600" i="1">
+                            <a:latin typeface="Cambria Math" panose="02040503050406030204" pitchFamily="18" charset="0"/>
+                          </a:rPr>
+                          <m:t>𝑝</m:t>
+                        </m:r>
+                      </m:sub>
+                      <m:sup>
+                        <m:r>
+                          <a:rPr lang="en-US" sz="1600" i="1">
+                            <a:latin typeface="Cambria Math" panose="02040503050406030204" pitchFamily="18" charset="0"/>
+                          </a:rPr>
+                          <m:t>𝑡</m:t>
+                        </m:r>
+                        <m:r>
+                          <a:rPr lang="en-US" sz="1600" i="1">
+                            <a:latin typeface="Cambria Math" panose="02040503050406030204" pitchFamily="18" charset="0"/>
+                            <a:ea typeface="Cambria Math" panose="02040503050406030204" pitchFamily="18" charset="0"/>
+                          </a:rPr>
+                          <m:t>∈</m:t>
+                        </m:r>
+                        <m:d>
+                          <m:dPr>
+                            <m:begChr m:val="["/>
+                            <m:endChr m:val="]"/>
                             <m:ctrlPr>
                               <a:rPr lang="en-US" sz="1600" i="1">
                                 <a:latin typeface="Cambria Math" panose="02040503050406030204" pitchFamily="18" charset="0"/>
+                                <a:ea typeface="Cambria Math" panose="02040503050406030204" pitchFamily="18" charset="0"/>
                               </a:rPr>
                             </m:ctrlPr>
-                          </m:sSubSupPr>
+                          </m:dPr>
                           <m:e>
-                            <m:r>
-                              <a:rPr lang="en-US" sz="1600" i="1">
-                                <a:latin typeface="Cambria Math" panose="02040503050406030204" pitchFamily="18" charset="0"/>
-                              </a:rPr>
-                              <m:t>𝑉</m:t>
-                            </m:r>
-                          </m:e>
-                          <m:sub>
-                            <m:r>
-                              <a:rPr lang="en-US" sz="1600" i="1">
-                                <a:latin typeface="Cambria Math" panose="02040503050406030204" pitchFamily="18" charset="0"/>
-                              </a:rPr>
-                              <m:t>𝑝</m:t>
-                            </m:r>
-                          </m:sub>
-                          <m:sup>
-                            <m:r>
-                              <a:rPr lang="en-US" sz="1600" i="1">
-                                <a:latin typeface="Cambria Math" panose="02040503050406030204" pitchFamily="18" charset="0"/>
-                              </a:rPr>
-                              <m:t>𝑡</m:t>
-                            </m:r>
                             <m:r>
                               <a:rPr lang="en-US" sz="1600" i="1">
                                 <a:latin typeface="Cambria Math" panose="02040503050406030204" pitchFamily="18" charset="0"/>
                                 <a:ea typeface="Cambria Math" panose="02040503050406030204" pitchFamily="18" charset="0"/>
                               </a:rPr>
-                              <m:t>∈[1,</m:t>
+                              <m:t>1,</m:t>
                             </m:r>
                             <m:r>
                               <a:rPr lang="en-US" sz="1600" i="1">
@@ -8089,19 +8213,23 @@
                               </a:rPr>
                               <m:t>𝑇</m:t>
                             </m:r>
-                            <m:r>
-                              <a:rPr lang="en-US" sz="1600" i="1">
-                                <a:latin typeface="Cambria Math" panose="02040503050406030204" pitchFamily="18" charset="0"/>
-                                <a:ea typeface="Cambria Math" panose="02040503050406030204" pitchFamily="18" charset="0"/>
-                              </a:rPr>
-                              <m:t>]</m:t>
-                            </m:r>
-                          </m:sup>
-                        </m:sSubSup>
-                      </m:e>
-                    </m:nary>
+                          </m:e>
+                        </m:d>
+                      </m:sup>
+                    </m:sSubSup>
+                    <m:r>
+                      <a:rPr lang="en-US" sz="1600" i="1">
+                        <a:latin typeface="Cambria Math" panose="02040503050406030204" pitchFamily="18" charset="0"/>
+                        <a:ea typeface="Cambria Math" panose="02040503050406030204" pitchFamily="18" charset="0"/>
+                      </a:rPr>
+                      <m:t>)</m:t>
+                    </m:r>
                   </m:oMath>
                 </a14:m>
+                <a:r>
+                  <a:rPr lang="en-US" sz="1600" dirty="0" smtClean="0"/>
+                  <a:t> </a:t>
+                </a:r>
                 <a:r>
                   <a:rPr lang="en-US" sz="1600" dirty="0"/>
                   <a:t>and reveal selected </a:t>
@@ -8114,7 +8242,7 @@
             </p:txBody>
           </p:sp>
         </mc:Choice>
-        <mc:Fallback xmlns="">
+        <mc:Fallback>
           <p:sp>
             <p:nvSpPr>
               <p:cNvPr id="117" name="Google Shape;117;p17"/>
@@ -8136,7 +8264,7 @@
               <a:blipFill>
                 <a:blip r:embed="rId3"/>
                 <a:stretch>
-                  <a:fillRect l="-1599" t="-3808"/>
+                  <a:fillRect l="-1599" t="-3808" r="-1693"/>
                 </a:stretch>
               </a:blipFill>
             </p:spPr>
@@ -8404,8 +8532,24 @@
           <a:p>
             <a:pPr lvl="1"/>
             <a:r>
+              <a:rPr lang="en-US" sz="1600" dirty="0" smtClean="0"/>
+              <a:t>Adjust local calculation for a hybrid </a:t>
+            </a:r>
+            <a:r>
+              <a:rPr lang="en-US" sz="1600" dirty="0" err="1" smtClean="0"/>
+              <a:t>enviroment</a:t>
+            </a:r>
+            <a:endParaRPr lang="en-US" sz="1600" dirty="0" smtClean="0"/>
+          </a:p>
+          <a:p>
+            <a:pPr lvl="1"/>
+            <a:r>
+              <a:rPr lang="en-US" sz="1600" dirty="0" smtClean="0"/>
+              <a:t>Validate </a:t>
+            </a:r>
+            <a:r>
               <a:rPr lang="en-US" sz="1600" dirty="0"/>
-              <a:t>Validate solution</a:t>
+              <a:t>solution</a:t>
             </a:r>
           </a:p>
           <a:p>
@@ -8672,6 +8816,4310 @@
 </p:sld>
 </file>
 
+<file path=ppt/slides/slide15.xml><?xml version="1.0" encoding="utf-8"?>
+<p:sld xmlns:a="http://schemas.openxmlformats.org/drawingml/2006/main" xmlns:r="http://schemas.openxmlformats.org/officeDocument/2006/relationships" xmlns:p="http://schemas.openxmlformats.org/presentationml/2006/main">
+  <p:cSld>
+    <p:spTree>
+      <p:nvGrpSpPr>
+        <p:cNvPr id="1" name=""/>
+        <p:cNvGrpSpPr/>
+        <p:nvPr/>
+      </p:nvGrpSpPr>
+      <p:grpSpPr>
+        <a:xfrm>
+          <a:off x="0" y="0"/>
+          <a:ext cx="0" cy="0"/>
+          <a:chOff x="0" y="0"/>
+          <a:chExt cx="0" cy="0"/>
+        </a:xfrm>
+      </p:grpSpPr>
+      <p:sp>
+        <p:nvSpPr>
+          <p:cNvPr id="2" name="Title 1"/>
+          <p:cNvSpPr>
+            <a:spLocks noGrp="1"/>
+          </p:cNvSpPr>
+          <p:nvPr>
+            <p:ph type="title"/>
+          </p:nvPr>
+        </p:nvSpPr>
+        <p:spPr/>
+        <p:txBody>
+          <a:bodyPr/>
+          <a:lstStyle/>
+          <a:p>
+            <a:r>
+              <a:rPr lang="en-US" dirty="0" smtClean="0"/>
+              <a:t>Hybridizing the local update</a:t>
+            </a:r>
+            <a:endParaRPr lang="nl-NL" dirty="0"/>
+          </a:p>
+        </p:txBody>
+      </p:sp>
+      <mc:AlternateContent xmlns:mc="http://schemas.openxmlformats.org/markup-compatibility/2006">
+        <mc:Choice xmlns:a14="http://schemas.microsoft.com/office/drawing/2010/main" Requires="a14">
+          <p:sp>
+            <p:nvSpPr>
+              <p:cNvPr id="3" name="Text Placeholder 2"/>
+              <p:cNvSpPr>
+                <a:spLocks noGrp="1"/>
+              </p:cNvSpPr>
+              <p:nvPr>
+                <p:ph type="body" idx="1"/>
+              </p:nvPr>
+            </p:nvSpPr>
+            <p:spPr/>
+            <p:txBody>
+              <a:bodyPr/>
+              <a:lstStyle/>
+              <a:p>
+                <a14:m>
+                  <m:oMath xmlns:m="http://schemas.openxmlformats.org/officeDocument/2006/math">
+                    <m:sSubSup>
+                      <m:sSubSupPr>
+                        <m:ctrlPr>
+                          <a:rPr lang="en-US" sz="1200" i="1" smtClean="0">
+                            <a:latin typeface="Cambria Math" panose="02040503050406030204" pitchFamily="18" charset="0"/>
+                            <a:ea typeface="Cambria Math" panose="02040503050406030204" pitchFamily="18" charset="0"/>
+                          </a:rPr>
+                        </m:ctrlPr>
+                      </m:sSubSupPr>
+                      <m:e>
+                        <m:r>
+                          <a:rPr lang="en-US" sz="1200" i="1">
+                            <a:latin typeface="Cambria Math" panose="02040503050406030204" pitchFamily="18" charset="0"/>
+                            <a:ea typeface="Cambria Math" panose="02040503050406030204" pitchFamily="18" charset="0"/>
+                          </a:rPr>
+                          <m:t>𝛽</m:t>
+                        </m:r>
+                      </m:e>
+                      <m:sub>
+                        <m:r>
+                          <a:rPr lang="en-US" sz="1200" i="1">
+                            <a:latin typeface="Cambria Math" panose="02040503050406030204" pitchFamily="18" charset="0"/>
+                            <a:ea typeface="Cambria Math" panose="02040503050406030204" pitchFamily="18" charset="0"/>
+                          </a:rPr>
+                          <m:t>𝑘</m:t>
+                        </m:r>
+                      </m:sub>
+                      <m:sup>
+                        <m:r>
+                          <a:rPr lang="en-US" sz="1200" i="1">
+                            <a:latin typeface="Cambria Math" panose="02040503050406030204" pitchFamily="18" charset="0"/>
+                            <a:ea typeface="Cambria Math" panose="02040503050406030204" pitchFamily="18" charset="0"/>
+                          </a:rPr>
+                          <m:t>(</m:t>
+                        </m:r>
+                        <m:r>
+                          <a:rPr lang="en-US" sz="1200" i="1">
+                            <a:latin typeface="Cambria Math" panose="02040503050406030204" pitchFamily="18" charset="0"/>
+                            <a:ea typeface="Cambria Math" panose="02040503050406030204" pitchFamily="18" charset="0"/>
+                          </a:rPr>
+                          <m:t>𝑝</m:t>
+                        </m:r>
+                        <m:r>
+                          <a:rPr lang="en-US" sz="1200" i="1">
+                            <a:latin typeface="Cambria Math" panose="02040503050406030204" pitchFamily="18" charset="0"/>
+                            <a:ea typeface="Cambria Math" panose="02040503050406030204" pitchFamily="18" charset="0"/>
+                          </a:rPr>
+                          <m:t>)</m:t>
+                        </m:r>
+                      </m:sup>
+                    </m:sSubSup>
+                    <m:r>
+                      <a:rPr lang="en-US" sz="1200" i="1">
+                        <a:latin typeface="Cambria Math" panose="02040503050406030204" pitchFamily="18" charset="0"/>
+                        <a:ea typeface="Cambria Math" panose="02040503050406030204" pitchFamily="18" charset="0"/>
+                      </a:rPr>
+                      <m:t>=</m:t>
+                    </m:r>
+                    <m:sSup>
+                      <m:sSupPr>
+                        <m:ctrlPr>
+                          <a:rPr lang="en-US" sz="1200" i="1">
+                            <a:latin typeface="Cambria Math" panose="02040503050406030204" pitchFamily="18" charset="0"/>
+                            <a:ea typeface="Cambria Math" panose="02040503050406030204" pitchFamily="18" charset="0"/>
+                          </a:rPr>
+                        </m:ctrlPr>
+                      </m:sSupPr>
+                      <m:e>
+                        <m:d>
+                          <m:dPr>
+                            <m:begChr m:val="["/>
+                            <m:endChr m:val="]"/>
+                            <m:ctrlPr>
+                              <a:rPr lang="en-US" sz="1200" i="1">
+                                <a:latin typeface="Cambria Math" panose="02040503050406030204" pitchFamily="18" charset="0"/>
+                              </a:rPr>
+                            </m:ctrlPr>
+                          </m:dPr>
+                          <m:e>
+                            <m:r>
+                              <a:rPr lang="en-US" sz="1200" i="1">
+                                <a:latin typeface="Cambria Math" panose="02040503050406030204" pitchFamily="18" charset="0"/>
+                              </a:rPr>
+                              <m:t> </m:t>
+                            </m:r>
+                            <m:r>
+                              <a:rPr lang="en-US" sz="1200" i="1">
+                                <a:latin typeface="Cambria Math" panose="02040503050406030204" pitchFamily="18" charset="0"/>
+                                <a:ea typeface="Cambria Math" panose="02040503050406030204" pitchFamily="18" charset="0"/>
+                              </a:rPr>
+                              <m:t>𝜌</m:t>
+                            </m:r>
+                            <m:r>
+                              <a:rPr lang="en-US" sz="1200" i="1">
+                                <a:latin typeface="Cambria Math" panose="02040503050406030204" pitchFamily="18" charset="0"/>
+                                <a:ea typeface="Cambria Math" panose="02040503050406030204" pitchFamily="18" charset="0"/>
+                              </a:rPr>
+                              <m:t>∗</m:t>
+                            </m:r>
+                            <m:sSub>
+                              <m:sSubPr>
+                                <m:ctrlPr>
+                                  <a:rPr lang="en-US" sz="1200" i="1">
+                                    <a:latin typeface="Cambria Math" panose="02040503050406030204" pitchFamily="18" charset="0"/>
+                                    <a:ea typeface="Cambria Math" panose="02040503050406030204" pitchFamily="18" charset="0"/>
+                                  </a:rPr>
+                                </m:ctrlPr>
+                              </m:sSubPr>
+                              <m:e>
+                                <m:r>
+                                  <a:rPr lang="en-US" sz="1200" i="1">
+                                    <a:latin typeface="Cambria Math" panose="02040503050406030204" pitchFamily="18" charset="0"/>
+                                    <a:ea typeface="Cambria Math" panose="02040503050406030204" pitchFamily="18" charset="0"/>
+                                  </a:rPr>
+                                  <m:t>𝑋</m:t>
+                                </m:r>
+                              </m:e>
+                              <m:sub>
+                                <m:r>
+                                  <a:rPr lang="en-US" sz="1200" i="1">
+                                    <a:latin typeface="Cambria Math" panose="02040503050406030204" pitchFamily="18" charset="0"/>
+                                    <a:ea typeface="Cambria Math" panose="02040503050406030204" pitchFamily="18" charset="0"/>
+                                  </a:rPr>
+                                  <m:t>𝑘</m:t>
+                                </m:r>
+                              </m:sub>
+                            </m:sSub>
+                            <m:sSubSup>
+                              <m:sSubSupPr>
+                                <m:ctrlPr>
+                                  <a:rPr lang="en-US" sz="1200" i="1">
+                                    <a:latin typeface="Cambria Math" panose="02040503050406030204" pitchFamily="18" charset="0"/>
+                                    <a:ea typeface="Cambria Math" panose="02040503050406030204" pitchFamily="18" charset="0"/>
+                                  </a:rPr>
+                                </m:ctrlPr>
+                              </m:sSubSupPr>
+                              <m:e>
+                                <m:r>
+                                  <a:rPr lang="en-US" sz="1200" i="1">
+                                    <a:latin typeface="Cambria Math" panose="02040503050406030204" pitchFamily="18" charset="0"/>
+                                    <a:ea typeface="Cambria Math" panose="02040503050406030204" pitchFamily="18" charset="0"/>
+                                  </a:rPr>
+                                  <m:t>𝑋</m:t>
+                                </m:r>
+                              </m:e>
+                              <m:sub>
+                                <m:r>
+                                  <a:rPr lang="en-US" sz="1200" i="1">
+                                    <a:latin typeface="Cambria Math" panose="02040503050406030204" pitchFamily="18" charset="0"/>
+                                    <a:ea typeface="Cambria Math" panose="02040503050406030204" pitchFamily="18" charset="0"/>
+                                  </a:rPr>
+                                  <m:t>𝑘</m:t>
+                                </m:r>
+                              </m:sub>
+                              <m:sup>
+                                <m:r>
+                                  <a:rPr lang="en-US" sz="1200" i="1">
+                                    <a:latin typeface="Cambria Math" panose="02040503050406030204" pitchFamily="18" charset="0"/>
+                                    <a:ea typeface="Cambria Math" panose="02040503050406030204" pitchFamily="18" charset="0"/>
+                                  </a:rPr>
+                                  <m:t>𝑇</m:t>
+                                </m:r>
+                              </m:sup>
+                            </m:sSubSup>
+                          </m:e>
+                        </m:d>
+                      </m:e>
+                      <m:sup>
+                        <m:r>
+                          <a:rPr lang="en-US" sz="1200" i="1">
+                            <a:latin typeface="Cambria Math" panose="02040503050406030204" pitchFamily="18" charset="0"/>
+                            <a:ea typeface="Cambria Math" panose="02040503050406030204" pitchFamily="18" charset="0"/>
+                          </a:rPr>
+                          <m:t>−1</m:t>
+                        </m:r>
+                      </m:sup>
+                    </m:sSup>
+                    <m:r>
+                      <a:rPr lang="en-US" sz="1200" i="1">
+                        <a:latin typeface="Cambria Math" panose="02040503050406030204" pitchFamily="18" charset="0"/>
+                        <a:ea typeface="Cambria Math" panose="02040503050406030204" pitchFamily="18" charset="0"/>
+                      </a:rPr>
+                      <m:t> ∗ </m:t>
+                    </m:r>
+                    <m:d>
+                      <m:dPr>
+                        <m:begChr m:val="["/>
+                        <m:endChr m:val="]"/>
+                        <m:ctrlPr>
+                          <a:rPr lang="en-US" sz="1200" i="1">
+                            <a:latin typeface="Cambria Math" panose="02040503050406030204" pitchFamily="18" charset="0"/>
+                            <a:ea typeface="Cambria Math" panose="02040503050406030204" pitchFamily="18" charset="0"/>
+                          </a:rPr>
+                        </m:ctrlPr>
+                      </m:dPr>
+                      <m:e>
+                        <m:r>
+                          <a:rPr lang="en-US" sz="1200" i="1">
+                            <a:latin typeface="Cambria Math" panose="02040503050406030204" pitchFamily="18" charset="0"/>
+                          </a:rPr>
+                          <m:t> </m:t>
+                        </m:r>
+                        <m:nary>
+                          <m:naryPr>
+                            <m:chr m:val="∑"/>
+                            <m:ctrlPr>
+                              <a:rPr lang="en-US" sz="1200" i="1">
+                                <a:latin typeface="Cambria Math" panose="02040503050406030204" pitchFamily="18" charset="0"/>
+                                <a:ea typeface="Cambria Math" panose="02040503050406030204" pitchFamily="18" charset="0"/>
+                              </a:rPr>
+                            </m:ctrlPr>
+                          </m:naryPr>
+                          <m:sub>
+                            <m:r>
+                              <m:rPr>
+                                <m:brk m:alnAt="23"/>
+                              </m:rPr>
+                              <a:rPr lang="en-US" sz="1200" i="1">
+                                <a:latin typeface="Cambria Math" panose="02040503050406030204" pitchFamily="18" charset="0"/>
+                                <a:ea typeface="Cambria Math" panose="02040503050406030204" pitchFamily="18" charset="0"/>
+                              </a:rPr>
+                              <m:t>𝑛</m:t>
+                            </m:r>
+                            <m:r>
+                              <a:rPr lang="en-US" sz="1200" i="1">
+                                <a:latin typeface="Cambria Math" panose="02040503050406030204" pitchFamily="18" charset="0"/>
+                                <a:ea typeface="Cambria Math" panose="02040503050406030204" pitchFamily="18" charset="0"/>
+                              </a:rPr>
+                              <m:t>=1</m:t>
+                            </m:r>
+                          </m:sub>
+                          <m:sup>
+                            <m:r>
+                              <a:rPr lang="en-US" sz="1200" i="1">
+                                <a:latin typeface="Cambria Math" panose="02040503050406030204" pitchFamily="18" charset="0"/>
+                                <a:ea typeface="Cambria Math" panose="02040503050406030204" pitchFamily="18" charset="0"/>
+                              </a:rPr>
+                              <m:t>𝑁</m:t>
+                            </m:r>
+                          </m:sup>
+                          <m:e>
+                            <m:d>
+                              <m:dPr>
+                                <m:ctrlPr>
+                                  <a:rPr lang="en-US" sz="1200" i="1">
+                                    <a:latin typeface="Cambria Math" panose="02040503050406030204" pitchFamily="18" charset="0"/>
+                                    <a:ea typeface="Cambria Math" panose="02040503050406030204" pitchFamily="18" charset="0"/>
+                                  </a:rPr>
+                                </m:ctrlPr>
+                              </m:dPr>
+                              <m:e>
+                                <m:r>
+                                  <a:rPr lang="en-US" sz="1200" i="1">
+                                    <a:latin typeface="Cambria Math" panose="02040503050406030204" pitchFamily="18" charset="0"/>
+                                    <a:ea typeface="Cambria Math" panose="02040503050406030204" pitchFamily="18" charset="0"/>
+                                  </a:rPr>
+                                  <m:t>𝜌</m:t>
+                                </m:r>
+                                <m:sSubSup>
+                                  <m:sSubSupPr>
+                                    <m:ctrlPr>
+                                      <a:rPr lang="en-US" sz="1200" i="1">
+                                        <a:latin typeface="Cambria Math" panose="02040503050406030204" pitchFamily="18" charset="0"/>
+                                        <a:ea typeface="Cambria Math" panose="02040503050406030204" pitchFamily="18" charset="0"/>
+                                      </a:rPr>
+                                    </m:ctrlPr>
+                                  </m:sSubSupPr>
+                                  <m:e>
+                                    <m:r>
+                                      <a:rPr lang="en-US" sz="1200" i="1">
+                                        <a:latin typeface="Cambria Math" panose="02040503050406030204" pitchFamily="18" charset="0"/>
+                                        <a:ea typeface="Cambria Math" panose="02040503050406030204" pitchFamily="18" charset="0"/>
+                                      </a:rPr>
+                                      <m:t>𝑧</m:t>
+                                    </m:r>
+                                  </m:e>
+                                  <m:sub>
+                                    <m:r>
+                                      <a:rPr lang="en-US" sz="1200" i="1">
+                                        <a:latin typeface="Cambria Math" panose="02040503050406030204" pitchFamily="18" charset="0"/>
+                                        <a:ea typeface="Cambria Math" panose="02040503050406030204" pitchFamily="18" charset="0"/>
+                                      </a:rPr>
+                                      <m:t>𝑛𝑘</m:t>
+                                    </m:r>
+                                  </m:sub>
+                                  <m:sup>
+                                    <m:r>
+                                      <a:rPr lang="en-US" sz="1200" i="1">
+                                        <a:latin typeface="Cambria Math" panose="02040503050406030204" pitchFamily="18" charset="0"/>
+                                        <a:ea typeface="Cambria Math" panose="02040503050406030204" pitchFamily="18" charset="0"/>
+                                      </a:rPr>
+                                      <m:t>𝑝</m:t>
+                                    </m:r>
+                                    <m:r>
+                                      <a:rPr lang="en-US" sz="1200" i="1">
+                                        <a:latin typeface="Cambria Math" panose="02040503050406030204" pitchFamily="18" charset="0"/>
+                                        <a:ea typeface="Cambria Math" panose="02040503050406030204" pitchFamily="18" charset="0"/>
+                                      </a:rPr>
+                                      <m:t>−1</m:t>
+                                    </m:r>
+                                  </m:sup>
+                                </m:sSubSup>
+                                <m:r>
+                                  <a:rPr lang="en-US" sz="1200" i="1">
+                                    <a:latin typeface="Cambria Math" panose="02040503050406030204" pitchFamily="18" charset="0"/>
+                                    <a:ea typeface="Cambria Math" panose="02040503050406030204" pitchFamily="18" charset="0"/>
+                                  </a:rPr>
+                                  <m:t>−</m:t>
+                                </m:r>
+                                <m:sSubSup>
+                                  <m:sSubSupPr>
+                                    <m:ctrlPr>
+                                      <a:rPr lang="en-US" sz="1200" i="1">
+                                        <a:latin typeface="Cambria Math" panose="02040503050406030204" pitchFamily="18" charset="0"/>
+                                        <a:ea typeface="Cambria Math" panose="02040503050406030204" pitchFamily="18" charset="0"/>
+                                      </a:rPr>
+                                    </m:ctrlPr>
+                                  </m:sSubSupPr>
+                                  <m:e>
+                                    <m:r>
+                                      <a:rPr lang="en-US" sz="1200" i="1">
+                                        <a:latin typeface="Cambria Math" panose="02040503050406030204" pitchFamily="18" charset="0"/>
+                                        <a:ea typeface="Cambria Math" panose="02040503050406030204" pitchFamily="18" charset="0"/>
+                                      </a:rPr>
+                                      <m:t>𝛾</m:t>
+                                    </m:r>
+                                  </m:e>
+                                  <m:sub>
+                                    <m:r>
+                                      <a:rPr lang="en-US" sz="1200" i="1">
+                                        <a:latin typeface="Cambria Math" panose="02040503050406030204" pitchFamily="18" charset="0"/>
+                                        <a:ea typeface="Cambria Math" panose="02040503050406030204" pitchFamily="18" charset="0"/>
+                                      </a:rPr>
+                                      <m:t>𝑛𝑘</m:t>
+                                    </m:r>
+                                  </m:sub>
+                                  <m:sup>
+                                    <m:r>
+                                      <a:rPr lang="en-US" sz="1200" i="1">
+                                        <a:latin typeface="Cambria Math" panose="02040503050406030204" pitchFamily="18" charset="0"/>
+                                        <a:ea typeface="Cambria Math" panose="02040503050406030204" pitchFamily="18" charset="0"/>
+                                      </a:rPr>
+                                      <m:t>𝑝</m:t>
+                                    </m:r>
+                                    <m:r>
+                                      <a:rPr lang="en-US" sz="1200" i="1">
+                                        <a:latin typeface="Cambria Math" panose="02040503050406030204" pitchFamily="18" charset="0"/>
+                                        <a:ea typeface="Cambria Math" panose="02040503050406030204" pitchFamily="18" charset="0"/>
+                                      </a:rPr>
+                                      <m:t>−1</m:t>
+                                    </m:r>
+                                  </m:sup>
+                                </m:sSubSup>
+                              </m:e>
+                            </m:d>
+                          </m:e>
+                        </m:nary>
+                        <m:sSub>
+                          <m:sSubPr>
+                            <m:ctrlPr>
+                              <a:rPr lang="en-US" sz="1200" i="1">
+                                <a:latin typeface="Cambria Math" panose="02040503050406030204" pitchFamily="18" charset="0"/>
+                                <a:ea typeface="Cambria Math" panose="02040503050406030204" pitchFamily="18" charset="0"/>
+                              </a:rPr>
+                            </m:ctrlPr>
+                          </m:sSubPr>
+                          <m:e>
+                            <m:r>
+                              <a:rPr lang="en-US" sz="1200" i="1">
+                                <a:latin typeface="Cambria Math" panose="02040503050406030204" pitchFamily="18" charset="0"/>
+                                <a:ea typeface="Cambria Math" panose="02040503050406030204" pitchFamily="18" charset="0"/>
+                              </a:rPr>
+                              <m:t>𝑋</m:t>
+                            </m:r>
+                          </m:e>
+                          <m:sub>
+                            <m:r>
+                              <a:rPr lang="en-US" sz="1200" i="1">
+                                <a:latin typeface="Cambria Math" panose="02040503050406030204" pitchFamily="18" charset="0"/>
+                                <a:ea typeface="Cambria Math" panose="02040503050406030204" pitchFamily="18" charset="0"/>
+                              </a:rPr>
+                              <m:t>𝑛𝑘</m:t>
+                            </m:r>
+                          </m:sub>
+                        </m:sSub>
+                        <m:r>
+                          <a:rPr lang="en-US" sz="1200" i="1">
+                            <a:latin typeface="Cambria Math" panose="02040503050406030204" pitchFamily="18" charset="0"/>
+                            <a:ea typeface="Cambria Math" panose="02040503050406030204" pitchFamily="18" charset="0"/>
+                          </a:rPr>
+                          <m:t>+</m:t>
+                        </m:r>
+                        <m:sSub>
+                          <m:sSubPr>
+                            <m:ctrlPr>
+                              <a:rPr lang="en-US" sz="1200" i="1">
+                                <a:latin typeface="Cambria Math" panose="02040503050406030204" pitchFamily="18" charset="0"/>
+                                <a:ea typeface="Cambria Math" panose="02040503050406030204" pitchFamily="18" charset="0"/>
+                              </a:rPr>
+                            </m:ctrlPr>
+                          </m:sSubPr>
+                          <m:e>
+                            <m:r>
+                              <a:rPr lang="en-US" sz="1200" i="1">
+                                <a:latin typeface="Cambria Math" panose="02040503050406030204" pitchFamily="18" charset="0"/>
+                                <a:ea typeface="Cambria Math" panose="02040503050406030204" pitchFamily="18" charset="0"/>
+                              </a:rPr>
+                              <m:t>𝜑</m:t>
+                            </m:r>
+                          </m:e>
+                          <m:sub>
+                            <m:r>
+                              <a:rPr lang="en-US" sz="1200" i="1">
+                                <a:latin typeface="Cambria Math" panose="02040503050406030204" pitchFamily="18" charset="0"/>
+                                <a:ea typeface="Cambria Math" panose="02040503050406030204" pitchFamily="18" charset="0"/>
+                              </a:rPr>
+                              <m:t>𝑃</m:t>
+                            </m:r>
+                          </m:sub>
+                        </m:sSub>
+                        <m:r>
+                          <a:rPr lang="en-US" sz="1200" i="1">
+                            <a:latin typeface="Cambria Math" panose="02040503050406030204" pitchFamily="18" charset="0"/>
+                            <a:ea typeface="Cambria Math" panose="02040503050406030204" pitchFamily="18" charset="0"/>
+                          </a:rPr>
+                          <m:t>(</m:t>
+                        </m:r>
+                        <m:sSubSup>
+                          <m:sSubSupPr>
+                            <m:ctrlPr>
+                              <a:rPr lang="en-US" sz="1200" i="1">
+                                <a:latin typeface="Cambria Math" panose="02040503050406030204" pitchFamily="18" charset="0"/>
+                              </a:rPr>
+                            </m:ctrlPr>
+                          </m:sSubSupPr>
+                          <m:e>
+                            <m:r>
+                              <a:rPr lang="en-US" sz="1200" i="1">
+                                <a:latin typeface="Cambria Math" panose="02040503050406030204" pitchFamily="18" charset="0"/>
+                              </a:rPr>
+                              <m:t>𝑉</m:t>
+                            </m:r>
+                          </m:e>
+                          <m:sub>
+                            <m:r>
+                              <a:rPr lang="en-US" sz="1200" i="1">
+                                <a:latin typeface="Cambria Math" panose="02040503050406030204" pitchFamily="18" charset="0"/>
+                              </a:rPr>
+                              <m:t>𝑝</m:t>
+                            </m:r>
+                          </m:sub>
+                          <m:sup>
+                            <m:r>
+                              <a:rPr lang="en-US" sz="1200" i="1">
+                                <a:latin typeface="Cambria Math" panose="02040503050406030204" pitchFamily="18" charset="0"/>
+                              </a:rPr>
+                              <m:t>𝑡</m:t>
+                            </m:r>
+                            <m:r>
+                              <a:rPr lang="en-US" sz="1200" i="1">
+                                <a:latin typeface="Cambria Math" panose="02040503050406030204" pitchFamily="18" charset="0"/>
+                                <a:ea typeface="Cambria Math" panose="02040503050406030204" pitchFamily="18" charset="0"/>
+                              </a:rPr>
+                              <m:t>∈</m:t>
+                            </m:r>
+                            <m:d>
+                              <m:dPr>
+                                <m:begChr m:val="["/>
+                                <m:endChr m:val="]"/>
+                                <m:ctrlPr>
+                                  <a:rPr lang="en-US" sz="1200" i="1">
+                                    <a:latin typeface="Cambria Math" panose="02040503050406030204" pitchFamily="18" charset="0"/>
+                                    <a:ea typeface="Cambria Math" panose="02040503050406030204" pitchFamily="18" charset="0"/>
+                                  </a:rPr>
+                                </m:ctrlPr>
+                              </m:dPr>
+                              <m:e>
+                                <m:r>
+                                  <a:rPr lang="en-US" sz="1200" i="1">
+                                    <a:latin typeface="Cambria Math" panose="02040503050406030204" pitchFamily="18" charset="0"/>
+                                    <a:ea typeface="Cambria Math" panose="02040503050406030204" pitchFamily="18" charset="0"/>
+                                  </a:rPr>
+                                  <m:t>1,</m:t>
+                                </m:r>
+                                <m:r>
+                                  <a:rPr lang="en-US" sz="1200" i="1">
+                                    <a:latin typeface="Cambria Math" panose="02040503050406030204" pitchFamily="18" charset="0"/>
+                                    <a:ea typeface="Cambria Math" panose="02040503050406030204" pitchFamily="18" charset="0"/>
+                                  </a:rPr>
+                                  <m:t>𝑇</m:t>
+                                </m:r>
+                              </m:e>
+                            </m:d>
+                          </m:sup>
+                        </m:sSubSup>
+                        <m:r>
+                          <a:rPr lang="en-US" sz="1200" i="1">
+                            <a:latin typeface="Cambria Math" panose="02040503050406030204" pitchFamily="18" charset="0"/>
+                            <a:ea typeface="Cambria Math" panose="02040503050406030204" pitchFamily="18" charset="0"/>
+                          </a:rPr>
+                          <m:t>)</m:t>
+                        </m:r>
+                        <m:r>
+                          <m:rPr>
+                            <m:nor/>
+                          </m:rPr>
+                          <a:rPr lang="en-US" sz="1200" dirty="0">
+                            <a:ea typeface="Cambria Math" panose="02040503050406030204" pitchFamily="18" charset="0"/>
+                          </a:rPr>
+                          <m:t> </m:t>
+                        </m:r>
+                      </m:e>
+                    </m:d>
+                  </m:oMath>
+                </a14:m>
+                <a:endParaRPr lang="en-US" sz="1200" dirty="0"/>
+              </a:p>
+              <a:p>
+                <a14:m>
+                  <m:oMath xmlns:m="http://schemas.openxmlformats.org/officeDocument/2006/math">
+                    <m:sSub>
+                      <m:sSubPr>
+                        <m:ctrlPr>
+                          <a:rPr lang="en-US" sz="1200" i="1">
+                            <a:latin typeface="Cambria Math" panose="02040503050406030204" pitchFamily="18" charset="0"/>
+                          </a:rPr>
+                        </m:ctrlPr>
+                      </m:sSubPr>
+                      <m:e>
+                        <m:r>
+                          <a:rPr lang="en-US" sz="1200" i="1">
+                            <a:latin typeface="Cambria Math" panose="02040503050406030204" pitchFamily="18" charset="0"/>
+                            <a:ea typeface="Cambria Math" panose="02040503050406030204" pitchFamily="18" charset="0"/>
+                          </a:rPr>
+                          <m:t>𝜎</m:t>
+                        </m:r>
+                      </m:e>
+                      <m:sub>
+                        <m:r>
+                          <a:rPr lang="en-US" sz="1200" i="1">
+                            <a:latin typeface="Cambria Math" panose="02040503050406030204" pitchFamily="18" charset="0"/>
+                          </a:rPr>
+                          <m:t>𝑛𝑘</m:t>
+                        </m:r>
+                      </m:sub>
+                    </m:sSub>
+                    <m:r>
+                      <a:rPr lang="en-US" sz="1200" i="1">
+                        <a:latin typeface="Cambria Math" panose="02040503050406030204" pitchFamily="18" charset="0"/>
+                      </a:rPr>
+                      <m:t>=</m:t>
+                    </m:r>
+                  </m:oMath>
+                </a14:m>
+                <a:r>
+                  <a:rPr lang="en-US" sz="1200" dirty="0"/>
+                  <a:t> </a:t>
+                </a:r>
+                <a14:m>
+                  <m:oMath xmlns:m="http://schemas.openxmlformats.org/officeDocument/2006/math">
+                    <m:sSubSup>
+                      <m:sSubSupPr>
+                        <m:ctrlPr>
+                          <a:rPr lang="en-US" sz="1200" i="1">
+                            <a:latin typeface="Cambria Math" panose="02040503050406030204" pitchFamily="18" charset="0"/>
+                            <a:ea typeface="Cambria Math" panose="02040503050406030204" pitchFamily="18" charset="0"/>
+                          </a:rPr>
+                        </m:ctrlPr>
+                      </m:sSubSupPr>
+                      <m:e>
+                        <m:r>
+                          <a:rPr lang="en-US" sz="1200" i="1">
+                            <a:latin typeface="Cambria Math" panose="02040503050406030204" pitchFamily="18" charset="0"/>
+                            <a:ea typeface="Cambria Math" panose="02040503050406030204" pitchFamily="18" charset="0"/>
+                          </a:rPr>
+                          <m:t>𝛽</m:t>
+                        </m:r>
+                      </m:e>
+                      <m:sub>
+                        <m:r>
+                          <a:rPr lang="en-US" sz="1200" i="1">
+                            <a:latin typeface="Cambria Math" panose="02040503050406030204" pitchFamily="18" charset="0"/>
+                            <a:ea typeface="Cambria Math" panose="02040503050406030204" pitchFamily="18" charset="0"/>
+                          </a:rPr>
+                          <m:t>𝑘</m:t>
+                        </m:r>
+                      </m:sub>
+                      <m:sup>
+                        <m:r>
+                          <a:rPr lang="en-US" sz="1200" i="1">
+                            <a:latin typeface="Cambria Math" panose="02040503050406030204" pitchFamily="18" charset="0"/>
+                            <a:ea typeface="Cambria Math" panose="02040503050406030204" pitchFamily="18" charset="0"/>
+                          </a:rPr>
+                          <m:t>𝑇</m:t>
+                        </m:r>
+                      </m:sup>
+                    </m:sSubSup>
+                  </m:oMath>
+                </a14:m>
+                <a:r>
+                  <a:rPr lang="en-US" sz="1200" dirty="0"/>
+                  <a:t>*</a:t>
+                </a:r>
+                <a14:m>
+                  <m:oMath xmlns:m="http://schemas.openxmlformats.org/officeDocument/2006/math">
+                    <m:sSub>
+                      <m:sSubPr>
+                        <m:ctrlPr>
+                          <a:rPr lang="en-US" sz="1200" i="1">
+                            <a:latin typeface="Cambria Math" panose="02040503050406030204" pitchFamily="18" charset="0"/>
+                            <a:ea typeface="Cambria Math" panose="02040503050406030204" pitchFamily="18" charset="0"/>
+                          </a:rPr>
+                        </m:ctrlPr>
+                      </m:sSubPr>
+                      <m:e>
+                        <m:r>
+                          <a:rPr lang="en-US" sz="1200" i="1">
+                            <a:latin typeface="Cambria Math" panose="02040503050406030204" pitchFamily="18" charset="0"/>
+                            <a:ea typeface="Cambria Math" panose="02040503050406030204" pitchFamily="18" charset="0"/>
+                          </a:rPr>
+                          <m:t>𝑋</m:t>
+                        </m:r>
+                      </m:e>
+                      <m:sub>
+                        <m:r>
+                          <a:rPr lang="en-US" sz="1200" i="1">
+                            <a:latin typeface="Cambria Math" panose="02040503050406030204" pitchFamily="18" charset="0"/>
+                            <a:ea typeface="Cambria Math" panose="02040503050406030204" pitchFamily="18" charset="0"/>
+                          </a:rPr>
+                          <m:t>𝑛𝑘</m:t>
+                        </m:r>
+                      </m:sub>
+                    </m:sSub>
+                  </m:oMath>
+                </a14:m>
+                <a:endParaRPr lang="en-US" sz="1200" dirty="0" smtClean="0">
+                  <a:ea typeface="Cambria Math" panose="02040503050406030204" pitchFamily="18" charset="0"/>
+                </a:endParaRPr>
+              </a:p>
+              <a:p>
+                <a:r>
+                  <a:rPr lang="en-US" sz="1200" dirty="0" smtClean="0">
+                    <a:ea typeface="Cambria Math" panose="02040503050406030204" pitchFamily="18" charset="0"/>
+                  </a:rPr>
+                  <a:t>Combined makes:</a:t>
+                </a:r>
+              </a:p>
+              <a:p>
+                <a:pPr lvl="1"/>
+                <a14:m>
+                  <m:oMath xmlns:m="http://schemas.openxmlformats.org/officeDocument/2006/math">
+                    <m:sSub>
+                      <m:sSubPr>
+                        <m:ctrlPr>
+                          <a:rPr lang="en-US" sz="1200" i="1">
+                            <a:latin typeface="Cambria Math" panose="02040503050406030204" pitchFamily="18" charset="0"/>
+                          </a:rPr>
+                        </m:ctrlPr>
+                      </m:sSubPr>
+                      <m:e>
+                        <m:r>
+                          <a:rPr lang="en-US" sz="1200" i="1">
+                            <a:latin typeface="Cambria Math" panose="02040503050406030204" pitchFamily="18" charset="0"/>
+                            <a:ea typeface="Cambria Math" panose="02040503050406030204" pitchFamily="18" charset="0"/>
+                          </a:rPr>
+                          <m:t>𝜎</m:t>
+                        </m:r>
+                      </m:e>
+                      <m:sub>
+                        <m:r>
+                          <a:rPr lang="en-US" sz="1200" i="1">
+                            <a:latin typeface="Cambria Math" panose="02040503050406030204" pitchFamily="18" charset="0"/>
+                          </a:rPr>
+                          <m:t>𝑛𝑘</m:t>
+                        </m:r>
+                      </m:sub>
+                    </m:sSub>
+                  </m:oMath>
+                </a14:m>
+                <a:r>
+                  <a:rPr lang="nl-NL" sz="1200" dirty="0" smtClean="0"/>
+                  <a:t>=(</a:t>
+                </a:r>
+                <a14:m>
+                  <m:oMath xmlns:m="http://schemas.openxmlformats.org/officeDocument/2006/math">
+                    <m:sSubSup>
+                      <m:sSubSupPr>
+                        <m:ctrlPr>
+                          <a:rPr lang="en-US" sz="1200" i="1">
+                            <a:latin typeface="Cambria Math" panose="02040503050406030204" pitchFamily="18" charset="0"/>
+                            <a:ea typeface="Cambria Math" panose="02040503050406030204" pitchFamily="18" charset="0"/>
+                          </a:rPr>
+                        </m:ctrlPr>
+                      </m:sSubSupPr>
+                      <m:e>
+                        <m:sSup>
+                          <m:sSupPr>
+                            <m:ctrlPr>
+                              <a:rPr lang="en-US" sz="1200" i="1">
+                                <a:latin typeface="Cambria Math" panose="02040503050406030204" pitchFamily="18" charset="0"/>
+                                <a:ea typeface="Cambria Math" panose="02040503050406030204" pitchFamily="18" charset="0"/>
+                              </a:rPr>
+                            </m:ctrlPr>
+                          </m:sSupPr>
+                          <m:e>
+                            <m:d>
+                              <m:dPr>
+                                <m:begChr m:val="["/>
+                                <m:endChr m:val="]"/>
+                                <m:ctrlPr>
+                                  <a:rPr lang="en-US" sz="1200" i="1">
+                                    <a:latin typeface="Cambria Math" panose="02040503050406030204" pitchFamily="18" charset="0"/>
+                                  </a:rPr>
+                                </m:ctrlPr>
+                              </m:dPr>
+                              <m:e>
+                                <m:r>
+                                  <a:rPr lang="en-US" sz="1200" i="1">
+                                    <a:latin typeface="Cambria Math" panose="02040503050406030204" pitchFamily="18" charset="0"/>
+                                  </a:rPr>
+                                  <m:t> </m:t>
+                                </m:r>
+                                <m:r>
+                                  <a:rPr lang="en-US" sz="1200" i="1">
+                                    <a:latin typeface="Cambria Math" panose="02040503050406030204" pitchFamily="18" charset="0"/>
+                                    <a:ea typeface="Cambria Math" panose="02040503050406030204" pitchFamily="18" charset="0"/>
+                                  </a:rPr>
+                                  <m:t>𝜌</m:t>
+                                </m:r>
+                                <m:r>
+                                  <a:rPr lang="en-US" sz="1200" i="1">
+                                    <a:latin typeface="Cambria Math" panose="02040503050406030204" pitchFamily="18" charset="0"/>
+                                    <a:ea typeface="Cambria Math" panose="02040503050406030204" pitchFamily="18" charset="0"/>
+                                  </a:rPr>
+                                  <m:t>∗</m:t>
+                                </m:r>
+                                <m:sSub>
+                                  <m:sSubPr>
+                                    <m:ctrlPr>
+                                      <a:rPr lang="en-US" sz="1200" i="1">
+                                        <a:latin typeface="Cambria Math" panose="02040503050406030204" pitchFamily="18" charset="0"/>
+                                        <a:ea typeface="Cambria Math" panose="02040503050406030204" pitchFamily="18" charset="0"/>
+                                      </a:rPr>
+                                    </m:ctrlPr>
+                                  </m:sSubPr>
+                                  <m:e>
+                                    <m:r>
+                                      <a:rPr lang="en-US" sz="1200" i="1">
+                                        <a:latin typeface="Cambria Math" panose="02040503050406030204" pitchFamily="18" charset="0"/>
+                                        <a:ea typeface="Cambria Math" panose="02040503050406030204" pitchFamily="18" charset="0"/>
+                                      </a:rPr>
+                                      <m:t>𝑋</m:t>
+                                    </m:r>
+                                  </m:e>
+                                  <m:sub>
+                                    <m:r>
+                                      <a:rPr lang="en-US" sz="1200" i="1">
+                                        <a:latin typeface="Cambria Math" panose="02040503050406030204" pitchFamily="18" charset="0"/>
+                                        <a:ea typeface="Cambria Math" panose="02040503050406030204" pitchFamily="18" charset="0"/>
+                                      </a:rPr>
+                                      <m:t>𝑘</m:t>
+                                    </m:r>
+                                  </m:sub>
+                                </m:sSub>
+                                <m:sSubSup>
+                                  <m:sSubSupPr>
+                                    <m:ctrlPr>
+                                      <a:rPr lang="en-US" sz="1200" i="1">
+                                        <a:latin typeface="Cambria Math" panose="02040503050406030204" pitchFamily="18" charset="0"/>
+                                        <a:ea typeface="Cambria Math" panose="02040503050406030204" pitchFamily="18" charset="0"/>
+                                      </a:rPr>
+                                    </m:ctrlPr>
+                                  </m:sSubSupPr>
+                                  <m:e>
+                                    <m:r>
+                                      <a:rPr lang="en-US" sz="1200" i="1">
+                                        <a:latin typeface="Cambria Math" panose="02040503050406030204" pitchFamily="18" charset="0"/>
+                                        <a:ea typeface="Cambria Math" panose="02040503050406030204" pitchFamily="18" charset="0"/>
+                                      </a:rPr>
+                                      <m:t>𝑋</m:t>
+                                    </m:r>
+                                  </m:e>
+                                  <m:sub>
+                                    <m:r>
+                                      <a:rPr lang="en-US" sz="1200" i="1">
+                                        <a:latin typeface="Cambria Math" panose="02040503050406030204" pitchFamily="18" charset="0"/>
+                                        <a:ea typeface="Cambria Math" panose="02040503050406030204" pitchFamily="18" charset="0"/>
+                                      </a:rPr>
+                                      <m:t>𝑘</m:t>
+                                    </m:r>
+                                  </m:sub>
+                                  <m:sup>
+                                    <m:r>
+                                      <a:rPr lang="en-US" sz="1200" i="1">
+                                        <a:latin typeface="Cambria Math" panose="02040503050406030204" pitchFamily="18" charset="0"/>
+                                        <a:ea typeface="Cambria Math" panose="02040503050406030204" pitchFamily="18" charset="0"/>
+                                      </a:rPr>
+                                      <m:t>𝑇</m:t>
+                                    </m:r>
+                                  </m:sup>
+                                </m:sSubSup>
+                              </m:e>
+                            </m:d>
+                          </m:e>
+                          <m:sup>
+                            <m:r>
+                              <a:rPr lang="en-US" sz="1200" i="1">
+                                <a:latin typeface="Cambria Math" panose="02040503050406030204" pitchFamily="18" charset="0"/>
+                                <a:ea typeface="Cambria Math" panose="02040503050406030204" pitchFamily="18" charset="0"/>
+                              </a:rPr>
+                              <m:t>−1</m:t>
+                            </m:r>
+                          </m:sup>
+                        </m:sSup>
+                        <m:r>
+                          <a:rPr lang="en-US" sz="1200" i="1">
+                            <a:latin typeface="Cambria Math" panose="02040503050406030204" pitchFamily="18" charset="0"/>
+                            <a:ea typeface="Cambria Math" panose="02040503050406030204" pitchFamily="18" charset="0"/>
+                          </a:rPr>
+                          <m:t> ∗ </m:t>
+                        </m:r>
+                        <m:d>
+                          <m:dPr>
+                            <m:begChr m:val="["/>
+                            <m:endChr m:val="]"/>
+                            <m:ctrlPr>
+                              <a:rPr lang="en-US" sz="1200" i="1">
+                                <a:latin typeface="Cambria Math" panose="02040503050406030204" pitchFamily="18" charset="0"/>
+                                <a:ea typeface="Cambria Math" panose="02040503050406030204" pitchFamily="18" charset="0"/>
+                              </a:rPr>
+                            </m:ctrlPr>
+                          </m:dPr>
+                          <m:e>
+                            <m:r>
+                              <a:rPr lang="en-US" sz="1200" i="1">
+                                <a:latin typeface="Cambria Math" panose="02040503050406030204" pitchFamily="18" charset="0"/>
+                              </a:rPr>
+                              <m:t> </m:t>
+                            </m:r>
+                            <m:nary>
+                              <m:naryPr>
+                                <m:chr m:val="∑"/>
+                                <m:ctrlPr>
+                                  <a:rPr lang="en-US" sz="1200" i="1">
+                                    <a:latin typeface="Cambria Math" panose="02040503050406030204" pitchFamily="18" charset="0"/>
+                                    <a:ea typeface="Cambria Math" panose="02040503050406030204" pitchFamily="18" charset="0"/>
+                                  </a:rPr>
+                                </m:ctrlPr>
+                              </m:naryPr>
+                              <m:sub>
+                                <m:r>
+                                  <m:rPr>
+                                    <m:brk m:alnAt="23"/>
+                                  </m:rPr>
+                                  <a:rPr lang="en-US" sz="1200" i="1">
+                                    <a:latin typeface="Cambria Math" panose="02040503050406030204" pitchFamily="18" charset="0"/>
+                                    <a:ea typeface="Cambria Math" panose="02040503050406030204" pitchFamily="18" charset="0"/>
+                                  </a:rPr>
+                                  <m:t>𝑛</m:t>
+                                </m:r>
+                                <m:r>
+                                  <a:rPr lang="en-US" sz="1200" i="1">
+                                    <a:latin typeface="Cambria Math" panose="02040503050406030204" pitchFamily="18" charset="0"/>
+                                    <a:ea typeface="Cambria Math" panose="02040503050406030204" pitchFamily="18" charset="0"/>
+                                  </a:rPr>
+                                  <m:t>=1</m:t>
+                                </m:r>
+                              </m:sub>
+                              <m:sup>
+                                <m:r>
+                                  <a:rPr lang="en-US" sz="1200" i="1">
+                                    <a:latin typeface="Cambria Math" panose="02040503050406030204" pitchFamily="18" charset="0"/>
+                                    <a:ea typeface="Cambria Math" panose="02040503050406030204" pitchFamily="18" charset="0"/>
+                                  </a:rPr>
+                                  <m:t>𝑁</m:t>
+                                </m:r>
+                              </m:sup>
+                              <m:e>
+                                <m:d>
+                                  <m:dPr>
+                                    <m:ctrlPr>
+                                      <a:rPr lang="en-US" sz="1200" i="1">
+                                        <a:latin typeface="Cambria Math" panose="02040503050406030204" pitchFamily="18" charset="0"/>
+                                        <a:ea typeface="Cambria Math" panose="02040503050406030204" pitchFamily="18" charset="0"/>
+                                      </a:rPr>
+                                    </m:ctrlPr>
+                                  </m:dPr>
+                                  <m:e>
+                                    <m:r>
+                                      <a:rPr lang="en-US" sz="1200" i="1">
+                                        <a:latin typeface="Cambria Math" panose="02040503050406030204" pitchFamily="18" charset="0"/>
+                                        <a:ea typeface="Cambria Math" panose="02040503050406030204" pitchFamily="18" charset="0"/>
+                                      </a:rPr>
+                                      <m:t>𝜌</m:t>
+                                    </m:r>
+                                    <m:sSubSup>
+                                      <m:sSubSupPr>
+                                        <m:ctrlPr>
+                                          <a:rPr lang="en-US" sz="1200" i="1">
+                                            <a:latin typeface="Cambria Math" panose="02040503050406030204" pitchFamily="18" charset="0"/>
+                                            <a:ea typeface="Cambria Math" panose="02040503050406030204" pitchFamily="18" charset="0"/>
+                                          </a:rPr>
+                                        </m:ctrlPr>
+                                      </m:sSubSupPr>
+                                      <m:e>
+                                        <m:r>
+                                          <a:rPr lang="en-US" sz="1200" i="1">
+                                            <a:latin typeface="Cambria Math" panose="02040503050406030204" pitchFamily="18" charset="0"/>
+                                            <a:ea typeface="Cambria Math" panose="02040503050406030204" pitchFamily="18" charset="0"/>
+                                          </a:rPr>
+                                          <m:t>𝑧</m:t>
+                                        </m:r>
+                                      </m:e>
+                                      <m:sub>
+                                        <m:r>
+                                          <a:rPr lang="en-US" sz="1200" i="1">
+                                            <a:latin typeface="Cambria Math" panose="02040503050406030204" pitchFamily="18" charset="0"/>
+                                            <a:ea typeface="Cambria Math" panose="02040503050406030204" pitchFamily="18" charset="0"/>
+                                          </a:rPr>
+                                          <m:t>𝑛𝑘</m:t>
+                                        </m:r>
+                                      </m:sub>
+                                      <m:sup>
+                                        <m:r>
+                                          <a:rPr lang="en-US" sz="1200" i="1">
+                                            <a:latin typeface="Cambria Math" panose="02040503050406030204" pitchFamily="18" charset="0"/>
+                                            <a:ea typeface="Cambria Math" panose="02040503050406030204" pitchFamily="18" charset="0"/>
+                                          </a:rPr>
+                                          <m:t>𝑝</m:t>
+                                        </m:r>
+                                        <m:r>
+                                          <a:rPr lang="en-US" sz="1200" i="1">
+                                            <a:latin typeface="Cambria Math" panose="02040503050406030204" pitchFamily="18" charset="0"/>
+                                            <a:ea typeface="Cambria Math" panose="02040503050406030204" pitchFamily="18" charset="0"/>
+                                          </a:rPr>
+                                          <m:t>−1</m:t>
+                                        </m:r>
+                                      </m:sup>
+                                    </m:sSubSup>
+                                    <m:r>
+                                      <a:rPr lang="en-US" sz="1200" i="1">
+                                        <a:latin typeface="Cambria Math" panose="02040503050406030204" pitchFamily="18" charset="0"/>
+                                        <a:ea typeface="Cambria Math" panose="02040503050406030204" pitchFamily="18" charset="0"/>
+                                      </a:rPr>
+                                      <m:t>−</m:t>
+                                    </m:r>
+                                    <m:sSubSup>
+                                      <m:sSubSupPr>
+                                        <m:ctrlPr>
+                                          <a:rPr lang="en-US" sz="1200" i="1">
+                                            <a:latin typeface="Cambria Math" panose="02040503050406030204" pitchFamily="18" charset="0"/>
+                                            <a:ea typeface="Cambria Math" panose="02040503050406030204" pitchFamily="18" charset="0"/>
+                                          </a:rPr>
+                                        </m:ctrlPr>
+                                      </m:sSubSupPr>
+                                      <m:e>
+                                        <m:r>
+                                          <a:rPr lang="en-US" sz="1200" i="1">
+                                            <a:latin typeface="Cambria Math" panose="02040503050406030204" pitchFamily="18" charset="0"/>
+                                            <a:ea typeface="Cambria Math" panose="02040503050406030204" pitchFamily="18" charset="0"/>
+                                          </a:rPr>
+                                          <m:t>𝛾</m:t>
+                                        </m:r>
+                                      </m:e>
+                                      <m:sub>
+                                        <m:r>
+                                          <a:rPr lang="en-US" sz="1200" i="1">
+                                            <a:latin typeface="Cambria Math" panose="02040503050406030204" pitchFamily="18" charset="0"/>
+                                            <a:ea typeface="Cambria Math" panose="02040503050406030204" pitchFamily="18" charset="0"/>
+                                          </a:rPr>
+                                          <m:t>𝑛𝑘</m:t>
+                                        </m:r>
+                                      </m:sub>
+                                      <m:sup>
+                                        <m:r>
+                                          <a:rPr lang="en-US" sz="1200" i="1">
+                                            <a:latin typeface="Cambria Math" panose="02040503050406030204" pitchFamily="18" charset="0"/>
+                                            <a:ea typeface="Cambria Math" panose="02040503050406030204" pitchFamily="18" charset="0"/>
+                                          </a:rPr>
+                                          <m:t>𝑝</m:t>
+                                        </m:r>
+                                        <m:r>
+                                          <a:rPr lang="en-US" sz="1200" i="1">
+                                            <a:latin typeface="Cambria Math" panose="02040503050406030204" pitchFamily="18" charset="0"/>
+                                            <a:ea typeface="Cambria Math" panose="02040503050406030204" pitchFamily="18" charset="0"/>
+                                          </a:rPr>
+                                          <m:t>−1</m:t>
+                                        </m:r>
+                                      </m:sup>
+                                    </m:sSubSup>
+                                  </m:e>
+                                </m:d>
+                              </m:e>
+                            </m:nary>
+                            <m:sSub>
+                              <m:sSubPr>
+                                <m:ctrlPr>
+                                  <a:rPr lang="en-US" sz="1200" i="1">
+                                    <a:latin typeface="Cambria Math" panose="02040503050406030204" pitchFamily="18" charset="0"/>
+                                    <a:ea typeface="Cambria Math" panose="02040503050406030204" pitchFamily="18" charset="0"/>
+                                  </a:rPr>
+                                </m:ctrlPr>
+                              </m:sSubPr>
+                              <m:e>
+                                <m:r>
+                                  <a:rPr lang="en-US" sz="1200" i="1">
+                                    <a:latin typeface="Cambria Math" panose="02040503050406030204" pitchFamily="18" charset="0"/>
+                                    <a:ea typeface="Cambria Math" panose="02040503050406030204" pitchFamily="18" charset="0"/>
+                                  </a:rPr>
+                                  <m:t>𝑋</m:t>
+                                </m:r>
+                              </m:e>
+                              <m:sub>
+                                <m:r>
+                                  <a:rPr lang="en-US" sz="1200" i="1">
+                                    <a:latin typeface="Cambria Math" panose="02040503050406030204" pitchFamily="18" charset="0"/>
+                                    <a:ea typeface="Cambria Math" panose="02040503050406030204" pitchFamily="18" charset="0"/>
+                                  </a:rPr>
+                                  <m:t>𝑛𝑘</m:t>
+                                </m:r>
+                              </m:sub>
+                            </m:sSub>
+                            <m:r>
+                              <a:rPr lang="en-US" sz="1200" i="1">
+                                <a:latin typeface="Cambria Math" panose="02040503050406030204" pitchFamily="18" charset="0"/>
+                                <a:ea typeface="Cambria Math" panose="02040503050406030204" pitchFamily="18" charset="0"/>
+                              </a:rPr>
+                              <m:t>+</m:t>
+                            </m:r>
+                            <m:sSub>
+                              <m:sSubPr>
+                                <m:ctrlPr>
+                                  <a:rPr lang="en-US" sz="1200" i="1">
+                                    <a:latin typeface="Cambria Math" panose="02040503050406030204" pitchFamily="18" charset="0"/>
+                                    <a:ea typeface="Cambria Math" panose="02040503050406030204" pitchFamily="18" charset="0"/>
+                                  </a:rPr>
+                                </m:ctrlPr>
+                              </m:sSubPr>
+                              <m:e>
+                                <m:r>
+                                  <a:rPr lang="en-US" sz="1200" i="1">
+                                    <a:latin typeface="Cambria Math" panose="02040503050406030204" pitchFamily="18" charset="0"/>
+                                    <a:ea typeface="Cambria Math" panose="02040503050406030204" pitchFamily="18" charset="0"/>
+                                  </a:rPr>
+                                  <m:t>𝜑</m:t>
+                                </m:r>
+                              </m:e>
+                              <m:sub>
+                                <m:r>
+                                  <a:rPr lang="en-US" sz="1200" i="1">
+                                    <a:latin typeface="Cambria Math" panose="02040503050406030204" pitchFamily="18" charset="0"/>
+                                    <a:ea typeface="Cambria Math" panose="02040503050406030204" pitchFamily="18" charset="0"/>
+                                  </a:rPr>
+                                  <m:t>𝑃</m:t>
+                                </m:r>
+                              </m:sub>
+                            </m:sSub>
+                            <m:r>
+                              <a:rPr lang="en-US" sz="1200" i="1">
+                                <a:latin typeface="Cambria Math" panose="02040503050406030204" pitchFamily="18" charset="0"/>
+                                <a:ea typeface="Cambria Math" panose="02040503050406030204" pitchFamily="18" charset="0"/>
+                              </a:rPr>
+                              <m:t>(</m:t>
+                            </m:r>
+                            <m:sSubSup>
+                              <m:sSubSupPr>
+                                <m:ctrlPr>
+                                  <a:rPr lang="en-US" sz="1200" i="1">
+                                    <a:latin typeface="Cambria Math" panose="02040503050406030204" pitchFamily="18" charset="0"/>
+                                  </a:rPr>
+                                </m:ctrlPr>
+                              </m:sSubSupPr>
+                              <m:e>
+                                <m:r>
+                                  <a:rPr lang="en-US" sz="1200" i="1">
+                                    <a:latin typeface="Cambria Math" panose="02040503050406030204" pitchFamily="18" charset="0"/>
+                                  </a:rPr>
+                                  <m:t>𝑉</m:t>
+                                </m:r>
+                              </m:e>
+                              <m:sub>
+                                <m:r>
+                                  <a:rPr lang="en-US" sz="1200" i="1">
+                                    <a:latin typeface="Cambria Math" panose="02040503050406030204" pitchFamily="18" charset="0"/>
+                                  </a:rPr>
+                                  <m:t>𝑝</m:t>
+                                </m:r>
+                              </m:sub>
+                              <m:sup>
+                                <m:r>
+                                  <a:rPr lang="en-US" sz="1200" i="1">
+                                    <a:latin typeface="Cambria Math" panose="02040503050406030204" pitchFamily="18" charset="0"/>
+                                  </a:rPr>
+                                  <m:t>𝑡</m:t>
+                                </m:r>
+                                <m:r>
+                                  <a:rPr lang="en-US" sz="1200" i="1">
+                                    <a:latin typeface="Cambria Math" panose="02040503050406030204" pitchFamily="18" charset="0"/>
+                                    <a:ea typeface="Cambria Math" panose="02040503050406030204" pitchFamily="18" charset="0"/>
+                                  </a:rPr>
+                                  <m:t>∈</m:t>
+                                </m:r>
+                                <m:d>
+                                  <m:dPr>
+                                    <m:begChr m:val="["/>
+                                    <m:endChr m:val="]"/>
+                                    <m:ctrlPr>
+                                      <a:rPr lang="en-US" sz="1200" i="1">
+                                        <a:latin typeface="Cambria Math" panose="02040503050406030204" pitchFamily="18" charset="0"/>
+                                        <a:ea typeface="Cambria Math" panose="02040503050406030204" pitchFamily="18" charset="0"/>
+                                      </a:rPr>
+                                    </m:ctrlPr>
+                                  </m:dPr>
+                                  <m:e>
+                                    <m:r>
+                                      <a:rPr lang="en-US" sz="1200" i="1">
+                                        <a:latin typeface="Cambria Math" panose="02040503050406030204" pitchFamily="18" charset="0"/>
+                                        <a:ea typeface="Cambria Math" panose="02040503050406030204" pitchFamily="18" charset="0"/>
+                                      </a:rPr>
+                                      <m:t>1,</m:t>
+                                    </m:r>
+                                    <m:r>
+                                      <a:rPr lang="en-US" sz="1200" i="1">
+                                        <a:latin typeface="Cambria Math" panose="02040503050406030204" pitchFamily="18" charset="0"/>
+                                        <a:ea typeface="Cambria Math" panose="02040503050406030204" pitchFamily="18" charset="0"/>
+                                      </a:rPr>
+                                      <m:t>𝑇</m:t>
+                                    </m:r>
+                                  </m:e>
+                                </m:d>
+                              </m:sup>
+                            </m:sSubSup>
+                            <m:r>
+                              <a:rPr lang="en-US" sz="1200" i="1">
+                                <a:latin typeface="Cambria Math" panose="02040503050406030204" pitchFamily="18" charset="0"/>
+                                <a:ea typeface="Cambria Math" panose="02040503050406030204" pitchFamily="18" charset="0"/>
+                              </a:rPr>
+                              <m:t>)</m:t>
+                            </m:r>
+                            <m:r>
+                              <m:rPr>
+                                <m:nor/>
+                              </m:rPr>
+                              <a:rPr lang="en-US" sz="1200" dirty="0">
+                                <a:ea typeface="Cambria Math" panose="02040503050406030204" pitchFamily="18" charset="0"/>
+                              </a:rPr>
+                              <m:t> </m:t>
+                            </m:r>
+                          </m:e>
+                        </m:d>
+                        <m:r>
+                          <a:rPr lang="en-US" sz="1200" b="0" i="1" smtClean="0">
+                            <a:latin typeface="Cambria Math" panose="02040503050406030204" pitchFamily="18" charset="0"/>
+                            <a:ea typeface="Cambria Math" panose="02040503050406030204" pitchFamily="18" charset="0"/>
+                          </a:rPr>
+                          <m:t>)</m:t>
+                        </m:r>
+                      </m:e>
+                      <m:sub>
+                        <m:r>
+                          <a:rPr lang="en-US" sz="1200" i="1">
+                            <a:latin typeface="Cambria Math" panose="02040503050406030204" pitchFamily="18" charset="0"/>
+                            <a:ea typeface="Cambria Math" panose="02040503050406030204" pitchFamily="18" charset="0"/>
+                          </a:rPr>
+                          <m:t>𝑘</m:t>
+                        </m:r>
+                      </m:sub>
+                      <m:sup>
+                        <m:r>
+                          <a:rPr lang="en-US" sz="1200" i="1">
+                            <a:latin typeface="Cambria Math" panose="02040503050406030204" pitchFamily="18" charset="0"/>
+                            <a:ea typeface="Cambria Math" panose="02040503050406030204" pitchFamily="18" charset="0"/>
+                          </a:rPr>
+                          <m:t>𝑇</m:t>
+                        </m:r>
+                      </m:sup>
+                    </m:sSubSup>
+                  </m:oMath>
+                </a14:m>
+                <a:r>
+                  <a:rPr lang="en-US" sz="1200" dirty="0"/>
+                  <a:t>*</a:t>
+                </a:r>
+                <a14:m>
+                  <m:oMath xmlns:m="http://schemas.openxmlformats.org/officeDocument/2006/math">
+                    <m:sSub>
+                      <m:sSubPr>
+                        <m:ctrlPr>
+                          <a:rPr lang="en-US" sz="1200" i="1">
+                            <a:latin typeface="Cambria Math" panose="02040503050406030204" pitchFamily="18" charset="0"/>
+                            <a:ea typeface="Cambria Math" panose="02040503050406030204" pitchFamily="18" charset="0"/>
+                          </a:rPr>
+                        </m:ctrlPr>
+                      </m:sSubPr>
+                      <m:e>
+                        <m:r>
+                          <a:rPr lang="en-US" sz="1200" i="1">
+                            <a:latin typeface="Cambria Math" panose="02040503050406030204" pitchFamily="18" charset="0"/>
+                            <a:ea typeface="Cambria Math" panose="02040503050406030204" pitchFamily="18" charset="0"/>
+                          </a:rPr>
+                          <m:t>𝑋</m:t>
+                        </m:r>
+                      </m:e>
+                      <m:sub>
+                        <m:r>
+                          <a:rPr lang="en-US" sz="1200" i="1">
+                            <a:latin typeface="Cambria Math" panose="02040503050406030204" pitchFamily="18" charset="0"/>
+                            <a:ea typeface="Cambria Math" panose="02040503050406030204" pitchFamily="18" charset="0"/>
+                          </a:rPr>
+                          <m:t>𝑛𝑘</m:t>
+                        </m:r>
+                      </m:sub>
+                    </m:sSub>
+                  </m:oMath>
+                </a14:m>
+                <a:endParaRPr lang="en-US" sz="1200" dirty="0" smtClean="0">
+                  <a:ea typeface="Cambria Math" panose="02040503050406030204" pitchFamily="18" charset="0"/>
+                </a:endParaRPr>
+              </a:p>
+              <a:p>
+                <a:pPr lvl="1"/>
+                <a:endParaRPr lang="en-US" sz="1200" dirty="0" smtClean="0">
+                  <a:ea typeface="Cambria Math" panose="02040503050406030204" pitchFamily="18" charset="0"/>
+                </a:endParaRPr>
+              </a:p>
+              <a:p>
+                <a:r>
+                  <a:rPr lang="en-US" sz="1200" dirty="0" smtClean="0"/>
+                  <a:t>Can be separated into:</a:t>
+                </a:r>
+                <a:endParaRPr lang="en-US" sz="1200" b="0" i="1" dirty="0" smtClean="0">
+                  <a:latin typeface="Cambria Math" panose="02040503050406030204" pitchFamily="18" charset="0"/>
+                  <a:ea typeface="Cambria Math" panose="02040503050406030204" pitchFamily="18" charset="0"/>
+                </a:endParaRPr>
+              </a:p>
+              <a:p>
+                <a:pPr lvl="1"/>
+                <a14:m>
+                  <m:oMath xmlns:m="http://schemas.openxmlformats.org/officeDocument/2006/math">
+                    <m:r>
+                      <a:rPr lang="en-US" sz="1200" b="0" i="1" smtClean="0">
+                        <a:latin typeface="Cambria Math" panose="02040503050406030204" pitchFamily="18" charset="0"/>
+                        <a:ea typeface="Cambria Math" panose="02040503050406030204" pitchFamily="18" charset="0"/>
+                      </a:rPr>
+                      <m:t>𝐴</m:t>
+                    </m:r>
+                    <m:r>
+                      <a:rPr lang="en-US" sz="1200" b="0" i="1" smtClean="0">
+                        <a:latin typeface="Cambria Math" panose="02040503050406030204" pitchFamily="18" charset="0"/>
+                        <a:ea typeface="Cambria Math" panose="02040503050406030204" pitchFamily="18" charset="0"/>
+                      </a:rPr>
+                      <m:t>=</m:t>
+                    </m:r>
+                    <m:sSup>
+                      <m:sSupPr>
+                        <m:ctrlPr>
+                          <a:rPr lang="en-US" sz="1200" i="1">
+                            <a:latin typeface="Cambria Math" panose="02040503050406030204" pitchFamily="18" charset="0"/>
+                            <a:ea typeface="Cambria Math" panose="02040503050406030204" pitchFamily="18" charset="0"/>
+                          </a:rPr>
+                        </m:ctrlPr>
+                      </m:sSupPr>
+                      <m:e>
+                        <m:d>
+                          <m:dPr>
+                            <m:begChr m:val="["/>
+                            <m:endChr m:val="]"/>
+                            <m:ctrlPr>
+                              <a:rPr lang="en-US" sz="1200" i="1">
+                                <a:latin typeface="Cambria Math" panose="02040503050406030204" pitchFamily="18" charset="0"/>
+                              </a:rPr>
+                            </m:ctrlPr>
+                          </m:dPr>
+                          <m:e>
+                            <m:r>
+                              <a:rPr lang="en-US" sz="1200" i="1">
+                                <a:latin typeface="Cambria Math" panose="02040503050406030204" pitchFamily="18" charset="0"/>
+                              </a:rPr>
+                              <m:t> </m:t>
+                            </m:r>
+                            <m:r>
+                              <a:rPr lang="en-US" sz="1200" i="1">
+                                <a:latin typeface="Cambria Math" panose="02040503050406030204" pitchFamily="18" charset="0"/>
+                                <a:ea typeface="Cambria Math" panose="02040503050406030204" pitchFamily="18" charset="0"/>
+                              </a:rPr>
+                              <m:t>𝜌</m:t>
+                            </m:r>
+                            <m:r>
+                              <a:rPr lang="en-US" sz="1200" i="1">
+                                <a:latin typeface="Cambria Math" panose="02040503050406030204" pitchFamily="18" charset="0"/>
+                                <a:ea typeface="Cambria Math" panose="02040503050406030204" pitchFamily="18" charset="0"/>
+                              </a:rPr>
+                              <m:t>∗</m:t>
+                            </m:r>
+                            <m:sSub>
+                              <m:sSubPr>
+                                <m:ctrlPr>
+                                  <a:rPr lang="en-US" sz="1200" i="1">
+                                    <a:latin typeface="Cambria Math" panose="02040503050406030204" pitchFamily="18" charset="0"/>
+                                    <a:ea typeface="Cambria Math" panose="02040503050406030204" pitchFamily="18" charset="0"/>
+                                  </a:rPr>
+                                </m:ctrlPr>
+                              </m:sSubPr>
+                              <m:e>
+                                <m:r>
+                                  <a:rPr lang="en-US" sz="1200" i="1">
+                                    <a:latin typeface="Cambria Math" panose="02040503050406030204" pitchFamily="18" charset="0"/>
+                                    <a:ea typeface="Cambria Math" panose="02040503050406030204" pitchFamily="18" charset="0"/>
+                                  </a:rPr>
+                                  <m:t>𝑋</m:t>
+                                </m:r>
+                              </m:e>
+                              <m:sub>
+                                <m:r>
+                                  <a:rPr lang="en-US" sz="1200" i="1">
+                                    <a:latin typeface="Cambria Math" panose="02040503050406030204" pitchFamily="18" charset="0"/>
+                                    <a:ea typeface="Cambria Math" panose="02040503050406030204" pitchFamily="18" charset="0"/>
+                                  </a:rPr>
+                                  <m:t>𝑘</m:t>
+                                </m:r>
+                              </m:sub>
+                            </m:sSub>
+                            <m:sSubSup>
+                              <m:sSubSupPr>
+                                <m:ctrlPr>
+                                  <a:rPr lang="en-US" sz="1200" i="1">
+                                    <a:latin typeface="Cambria Math" panose="02040503050406030204" pitchFamily="18" charset="0"/>
+                                    <a:ea typeface="Cambria Math" panose="02040503050406030204" pitchFamily="18" charset="0"/>
+                                  </a:rPr>
+                                </m:ctrlPr>
+                              </m:sSubSupPr>
+                              <m:e>
+                                <m:r>
+                                  <a:rPr lang="en-US" sz="1200" i="1">
+                                    <a:latin typeface="Cambria Math" panose="02040503050406030204" pitchFamily="18" charset="0"/>
+                                    <a:ea typeface="Cambria Math" panose="02040503050406030204" pitchFamily="18" charset="0"/>
+                                  </a:rPr>
+                                  <m:t>𝑋</m:t>
+                                </m:r>
+                              </m:e>
+                              <m:sub>
+                                <m:r>
+                                  <a:rPr lang="en-US" sz="1200" i="1">
+                                    <a:latin typeface="Cambria Math" panose="02040503050406030204" pitchFamily="18" charset="0"/>
+                                    <a:ea typeface="Cambria Math" panose="02040503050406030204" pitchFamily="18" charset="0"/>
+                                  </a:rPr>
+                                  <m:t>𝑘</m:t>
+                                </m:r>
+                              </m:sub>
+                              <m:sup>
+                                <m:r>
+                                  <a:rPr lang="en-US" sz="1200" i="1">
+                                    <a:latin typeface="Cambria Math" panose="02040503050406030204" pitchFamily="18" charset="0"/>
+                                    <a:ea typeface="Cambria Math" panose="02040503050406030204" pitchFamily="18" charset="0"/>
+                                  </a:rPr>
+                                  <m:t>𝑇</m:t>
+                                </m:r>
+                              </m:sup>
+                            </m:sSubSup>
+                          </m:e>
+                        </m:d>
+                      </m:e>
+                      <m:sup>
+                        <m:r>
+                          <a:rPr lang="en-US" sz="1200" i="1">
+                            <a:latin typeface="Cambria Math" panose="02040503050406030204" pitchFamily="18" charset="0"/>
+                            <a:ea typeface="Cambria Math" panose="02040503050406030204" pitchFamily="18" charset="0"/>
+                          </a:rPr>
+                          <m:t>−1</m:t>
+                        </m:r>
+                      </m:sup>
+                    </m:sSup>
+                  </m:oMath>
+                </a14:m>
+                <a:endParaRPr lang="nl-NL" sz="1200" dirty="0" smtClean="0"/>
+              </a:p>
+              <a:p>
+                <a:pPr lvl="1"/>
+                <a14:m>
+                  <m:oMath xmlns:m="http://schemas.openxmlformats.org/officeDocument/2006/math">
+                    <m:r>
+                      <a:rPr lang="en-US" sz="1200" b="0" i="1" smtClean="0">
+                        <a:latin typeface="Cambria Math" panose="02040503050406030204" pitchFamily="18" charset="0"/>
+                        <a:ea typeface="Cambria Math" panose="02040503050406030204" pitchFamily="18" charset="0"/>
+                      </a:rPr>
+                      <m:t>𝐵</m:t>
+                    </m:r>
+                    <m:r>
+                      <a:rPr lang="en-US" sz="1200" b="0" i="1" smtClean="0">
+                        <a:latin typeface="Cambria Math" panose="02040503050406030204" pitchFamily="18" charset="0"/>
+                        <a:ea typeface="Cambria Math" panose="02040503050406030204" pitchFamily="18" charset="0"/>
+                      </a:rPr>
+                      <m:t>=</m:t>
+                    </m:r>
+                    <m:d>
+                      <m:dPr>
+                        <m:begChr m:val="["/>
+                        <m:endChr m:val="]"/>
+                        <m:ctrlPr>
+                          <a:rPr lang="en-US" sz="1200" i="1">
+                            <a:latin typeface="Cambria Math" panose="02040503050406030204" pitchFamily="18" charset="0"/>
+                            <a:ea typeface="Cambria Math" panose="02040503050406030204" pitchFamily="18" charset="0"/>
+                          </a:rPr>
+                        </m:ctrlPr>
+                      </m:dPr>
+                      <m:e>
+                        <m:r>
+                          <a:rPr lang="en-US" sz="1200" i="1">
+                            <a:latin typeface="Cambria Math" panose="02040503050406030204" pitchFamily="18" charset="0"/>
+                          </a:rPr>
+                          <m:t> </m:t>
+                        </m:r>
+                        <m:nary>
+                          <m:naryPr>
+                            <m:chr m:val="∑"/>
+                            <m:ctrlPr>
+                              <a:rPr lang="en-US" sz="1200" i="1">
+                                <a:latin typeface="Cambria Math" panose="02040503050406030204" pitchFamily="18" charset="0"/>
+                                <a:ea typeface="Cambria Math" panose="02040503050406030204" pitchFamily="18" charset="0"/>
+                              </a:rPr>
+                            </m:ctrlPr>
+                          </m:naryPr>
+                          <m:sub>
+                            <m:r>
+                              <m:rPr>
+                                <m:brk m:alnAt="23"/>
+                              </m:rPr>
+                              <a:rPr lang="en-US" sz="1200" i="1">
+                                <a:latin typeface="Cambria Math" panose="02040503050406030204" pitchFamily="18" charset="0"/>
+                                <a:ea typeface="Cambria Math" panose="02040503050406030204" pitchFamily="18" charset="0"/>
+                              </a:rPr>
+                              <m:t>𝑛</m:t>
+                            </m:r>
+                            <m:r>
+                              <a:rPr lang="en-US" sz="1200" i="1">
+                                <a:latin typeface="Cambria Math" panose="02040503050406030204" pitchFamily="18" charset="0"/>
+                                <a:ea typeface="Cambria Math" panose="02040503050406030204" pitchFamily="18" charset="0"/>
+                              </a:rPr>
+                              <m:t>=1</m:t>
+                            </m:r>
+                          </m:sub>
+                          <m:sup>
+                            <m:r>
+                              <a:rPr lang="en-US" sz="1200" i="1">
+                                <a:latin typeface="Cambria Math" panose="02040503050406030204" pitchFamily="18" charset="0"/>
+                                <a:ea typeface="Cambria Math" panose="02040503050406030204" pitchFamily="18" charset="0"/>
+                              </a:rPr>
+                              <m:t>𝑁</m:t>
+                            </m:r>
+                          </m:sup>
+                          <m:e>
+                            <m:d>
+                              <m:dPr>
+                                <m:ctrlPr>
+                                  <a:rPr lang="en-US" sz="1200" i="1">
+                                    <a:latin typeface="Cambria Math" panose="02040503050406030204" pitchFamily="18" charset="0"/>
+                                    <a:ea typeface="Cambria Math" panose="02040503050406030204" pitchFamily="18" charset="0"/>
+                                  </a:rPr>
+                                </m:ctrlPr>
+                              </m:dPr>
+                              <m:e>
+                                <m:r>
+                                  <a:rPr lang="en-US" sz="1200" i="1">
+                                    <a:latin typeface="Cambria Math" panose="02040503050406030204" pitchFamily="18" charset="0"/>
+                                    <a:ea typeface="Cambria Math" panose="02040503050406030204" pitchFamily="18" charset="0"/>
+                                  </a:rPr>
+                                  <m:t>𝜌</m:t>
+                                </m:r>
+                                <m:sSubSup>
+                                  <m:sSubSupPr>
+                                    <m:ctrlPr>
+                                      <a:rPr lang="en-US" sz="1200" i="1">
+                                        <a:latin typeface="Cambria Math" panose="02040503050406030204" pitchFamily="18" charset="0"/>
+                                        <a:ea typeface="Cambria Math" panose="02040503050406030204" pitchFamily="18" charset="0"/>
+                                      </a:rPr>
+                                    </m:ctrlPr>
+                                  </m:sSubSupPr>
+                                  <m:e>
+                                    <m:r>
+                                      <a:rPr lang="en-US" sz="1200" i="1">
+                                        <a:latin typeface="Cambria Math" panose="02040503050406030204" pitchFamily="18" charset="0"/>
+                                        <a:ea typeface="Cambria Math" panose="02040503050406030204" pitchFamily="18" charset="0"/>
+                                      </a:rPr>
+                                      <m:t>𝑧</m:t>
+                                    </m:r>
+                                  </m:e>
+                                  <m:sub>
+                                    <m:r>
+                                      <a:rPr lang="en-US" sz="1200" i="1">
+                                        <a:latin typeface="Cambria Math" panose="02040503050406030204" pitchFamily="18" charset="0"/>
+                                        <a:ea typeface="Cambria Math" panose="02040503050406030204" pitchFamily="18" charset="0"/>
+                                      </a:rPr>
+                                      <m:t>𝑛𝑘</m:t>
+                                    </m:r>
+                                  </m:sub>
+                                  <m:sup>
+                                    <m:r>
+                                      <a:rPr lang="en-US" sz="1200" i="1">
+                                        <a:latin typeface="Cambria Math" panose="02040503050406030204" pitchFamily="18" charset="0"/>
+                                        <a:ea typeface="Cambria Math" panose="02040503050406030204" pitchFamily="18" charset="0"/>
+                                      </a:rPr>
+                                      <m:t>𝑝</m:t>
+                                    </m:r>
+                                    <m:r>
+                                      <a:rPr lang="en-US" sz="1200" i="1">
+                                        <a:latin typeface="Cambria Math" panose="02040503050406030204" pitchFamily="18" charset="0"/>
+                                        <a:ea typeface="Cambria Math" panose="02040503050406030204" pitchFamily="18" charset="0"/>
+                                      </a:rPr>
+                                      <m:t>−1</m:t>
+                                    </m:r>
+                                  </m:sup>
+                                </m:sSubSup>
+                                <m:r>
+                                  <a:rPr lang="en-US" sz="1200" i="1">
+                                    <a:latin typeface="Cambria Math" panose="02040503050406030204" pitchFamily="18" charset="0"/>
+                                    <a:ea typeface="Cambria Math" panose="02040503050406030204" pitchFamily="18" charset="0"/>
+                                  </a:rPr>
+                                  <m:t>−</m:t>
+                                </m:r>
+                                <m:sSubSup>
+                                  <m:sSubSupPr>
+                                    <m:ctrlPr>
+                                      <a:rPr lang="en-US" sz="1200" i="1">
+                                        <a:latin typeface="Cambria Math" panose="02040503050406030204" pitchFamily="18" charset="0"/>
+                                        <a:ea typeface="Cambria Math" panose="02040503050406030204" pitchFamily="18" charset="0"/>
+                                      </a:rPr>
+                                    </m:ctrlPr>
+                                  </m:sSubSupPr>
+                                  <m:e>
+                                    <m:r>
+                                      <a:rPr lang="en-US" sz="1200" i="1">
+                                        <a:latin typeface="Cambria Math" panose="02040503050406030204" pitchFamily="18" charset="0"/>
+                                        <a:ea typeface="Cambria Math" panose="02040503050406030204" pitchFamily="18" charset="0"/>
+                                      </a:rPr>
+                                      <m:t>𝛾</m:t>
+                                    </m:r>
+                                  </m:e>
+                                  <m:sub>
+                                    <m:r>
+                                      <a:rPr lang="en-US" sz="1200" i="1">
+                                        <a:latin typeface="Cambria Math" panose="02040503050406030204" pitchFamily="18" charset="0"/>
+                                        <a:ea typeface="Cambria Math" panose="02040503050406030204" pitchFamily="18" charset="0"/>
+                                      </a:rPr>
+                                      <m:t>𝑛𝑘</m:t>
+                                    </m:r>
+                                  </m:sub>
+                                  <m:sup>
+                                    <m:r>
+                                      <a:rPr lang="en-US" sz="1200" i="1">
+                                        <a:latin typeface="Cambria Math" panose="02040503050406030204" pitchFamily="18" charset="0"/>
+                                        <a:ea typeface="Cambria Math" panose="02040503050406030204" pitchFamily="18" charset="0"/>
+                                      </a:rPr>
+                                      <m:t>𝑝</m:t>
+                                    </m:r>
+                                    <m:r>
+                                      <a:rPr lang="en-US" sz="1200" i="1">
+                                        <a:latin typeface="Cambria Math" panose="02040503050406030204" pitchFamily="18" charset="0"/>
+                                        <a:ea typeface="Cambria Math" panose="02040503050406030204" pitchFamily="18" charset="0"/>
+                                      </a:rPr>
+                                      <m:t>−1</m:t>
+                                    </m:r>
+                                  </m:sup>
+                                </m:sSubSup>
+                              </m:e>
+                            </m:d>
+                          </m:e>
+                        </m:nary>
+                        <m:sSub>
+                          <m:sSubPr>
+                            <m:ctrlPr>
+                              <a:rPr lang="en-US" sz="1200" i="1">
+                                <a:latin typeface="Cambria Math" panose="02040503050406030204" pitchFamily="18" charset="0"/>
+                                <a:ea typeface="Cambria Math" panose="02040503050406030204" pitchFamily="18" charset="0"/>
+                              </a:rPr>
+                            </m:ctrlPr>
+                          </m:sSubPr>
+                          <m:e>
+                            <m:r>
+                              <a:rPr lang="en-US" sz="1200" i="1">
+                                <a:latin typeface="Cambria Math" panose="02040503050406030204" pitchFamily="18" charset="0"/>
+                                <a:ea typeface="Cambria Math" panose="02040503050406030204" pitchFamily="18" charset="0"/>
+                              </a:rPr>
+                              <m:t>𝑋</m:t>
+                            </m:r>
+                          </m:e>
+                          <m:sub>
+                            <m:r>
+                              <a:rPr lang="en-US" sz="1200" i="1">
+                                <a:latin typeface="Cambria Math" panose="02040503050406030204" pitchFamily="18" charset="0"/>
+                                <a:ea typeface="Cambria Math" panose="02040503050406030204" pitchFamily="18" charset="0"/>
+                              </a:rPr>
+                              <m:t>𝑛𝑘</m:t>
+                            </m:r>
+                          </m:sub>
+                        </m:sSub>
+                        <m:r>
+                          <a:rPr lang="en-US" sz="1200" i="1">
+                            <a:latin typeface="Cambria Math" panose="02040503050406030204" pitchFamily="18" charset="0"/>
+                            <a:ea typeface="Cambria Math" panose="02040503050406030204" pitchFamily="18" charset="0"/>
+                          </a:rPr>
+                          <m:t>+</m:t>
+                        </m:r>
+                        <m:sSub>
+                          <m:sSubPr>
+                            <m:ctrlPr>
+                              <a:rPr lang="en-US" sz="1200" i="1">
+                                <a:latin typeface="Cambria Math" panose="02040503050406030204" pitchFamily="18" charset="0"/>
+                                <a:ea typeface="Cambria Math" panose="02040503050406030204" pitchFamily="18" charset="0"/>
+                              </a:rPr>
+                            </m:ctrlPr>
+                          </m:sSubPr>
+                          <m:e>
+                            <m:r>
+                              <a:rPr lang="en-US" sz="1200" i="1">
+                                <a:latin typeface="Cambria Math" panose="02040503050406030204" pitchFamily="18" charset="0"/>
+                                <a:ea typeface="Cambria Math" panose="02040503050406030204" pitchFamily="18" charset="0"/>
+                              </a:rPr>
+                              <m:t>𝜑</m:t>
+                            </m:r>
+                          </m:e>
+                          <m:sub>
+                            <m:r>
+                              <a:rPr lang="en-US" sz="1200" i="1">
+                                <a:latin typeface="Cambria Math" panose="02040503050406030204" pitchFamily="18" charset="0"/>
+                                <a:ea typeface="Cambria Math" panose="02040503050406030204" pitchFamily="18" charset="0"/>
+                              </a:rPr>
+                              <m:t>𝑃</m:t>
+                            </m:r>
+                          </m:sub>
+                        </m:sSub>
+                        <m:r>
+                          <a:rPr lang="en-US" sz="1200" i="1">
+                            <a:latin typeface="Cambria Math" panose="02040503050406030204" pitchFamily="18" charset="0"/>
+                            <a:ea typeface="Cambria Math" panose="02040503050406030204" pitchFamily="18" charset="0"/>
+                          </a:rPr>
+                          <m:t>(</m:t>
+                        </m:r>
+                        <m:sSubSup>
+                          <m:sSubSupPr>
+                            <m:ctrlPr>
+                              <a:rPr lang="en-US" sz="1200" i="1">
+                                <a:latin typeface="Cambria Math" panose="02040503050406030204" pitchFamily="18" charset="0"/>
+                              </a:rPr>
+                            </m:ctrlPr>
+                          </m:sSubSupPr>
+                          <m:e>
+                            <m:r>
+                              <a:rPr lang="en-US" sz="1200" i="1">
+                                <a:latin typeface="Cambria Math" panose="02040503050406030204" pitchFamily="18" charset="0"/>
+                              </a:rPr>
+                              <m:t>𝑉</m:t>
+                            </m:r>
+                          </m:e>
+                          <m:sub>
+                            <m:r>
+                              <a:rPr lang="en-US" sz="1200" i="1">
+                                <a:latin typeface="Cambria Math" panose="02040503050406030204" pitchFamily="18" charset="0"/>
+                              </a:rPr>
+                              <m:t>𝑝</m:t>
+                            </m:r>
+                          </m:sub>
+                          <m:sup>
+                            <m:r>
+                              <a:rPr lang="en-US" sz="1200" i="1">
+                                <a:latin typeface="Cambria Math" panose="02040503050406030204" pitchFamily="18" charset="0"/>
+                              </a:rPr>
+                              <m:t>𝑡</m:t>
+                            </m:r>
+                            <m:r>
+                              <a:rPr lang="en-US" sz="1200" i="1">
+                                <a:latin typeface="Cambria Math" panose="02040503050406030204" pitchFamily="18" charset="0"/>
+                                <a:ea typeface="Cambria Math" panose="02040503050406030204" pitchFamily="18" charset="0"/>
+                              </a:rPr>
+                              <m:t>∈</m:t>
+                            </m:r>
+                            <m:d>
+                              <m:dPr>
+                                <m:begChr m:val="["/>
+                                <m:endChr m:val="]"/>
+                                <m:ctrlPr>
+                                  <a:rPr lang="en-US" sz="1200" i="1">
+                                    <a:latin typeface="Cambria Math" panose="02040503050406030204" pitchFamily="18" charset="0"/>
+                                    <a:ea typeface="Cambria Math" panose="02040503050406030204" pitchFamily="18" charset="0"/>
+                                  </a:rPr>
+                                </m:ctrlPr>
+                              </m:dPr>
+                              <m:e>
+                                <m:r>
+                                  <a:rPr lang="en-US" sz="1200" i="1">
+                                    <a:latin typeface="Cambria Math" panose="02040503050406030204" pitchFamily="18" charset="0"/>
+                                    <a:ea typeface="Cambria Math" panose="02040503050406030204" pitchFamily="18" charset="0"/>
+                                  </a:rPr>
+                                  <m:t>1,</m:t>
+                                </m:r>
+                                <m:r>
+                                  <a:rPr lang="en-US" sz="1200" i="1">
+                                    <a:latin typeface="Cambria Math" panose="02040503050406030204" pitchFamily="18" charset="0"/>
+                                    <a:ea typeface="Cambria Math" panose="02040503050406030204" pitchFamily="18" charset="0"/>
+                                  </a:rPr>
+                                  <m:t>𝑇</m:t>
+                                </m:r>
+                              </m:e>
+                            </m:d>
+                          </m:sup>
+                        </m:sSubSup>
+                        <m:r>
+                          <a:rPr lang="en-US" sz="1200" i="1">
+                            <a:latin typeface="Cambria Math" panose="02040503050406030204" pitchFamily="18" charset="0"/>
+                            <a:ea typeface="Cambria Math" panose="02040503050406030204" pitchFamily="18" charset="0"/>
+                          </a:rPr>
+                          <m:t>)</m:t>
+                        </m:r>
+                        <m:r>
+                          <m:rPr>
+                            <m:nor/>
+                          </m:rPr>
+                          <a:rPr lang="en-US" sz="1200" dirty="0">
+                            <a:ea typeface="Cambria Math" panose="02040503050406030204" pitchFamily="18" charset="0"/>
+                          </a:rPr>
+                          <m:t> </m:t>
+                        </m:r>
+                      </m:e>
+                    </m:d>
+                  </m:oMath>
+                </a14:m>
+                <a:r>
+                  <a:rPr lang="en-US" sz="1200" dirty="0" smtClean="0">
+                    <a:ea typeface="Cambria Math" panose="02040503050406030204" pitchFamily="18" charset="0"/>
+                  </a:rPr>
+                  <a:t> </a:t>
+                </a:r>
+              </a:p>
+              <a:p>
+                <a:pPr lvl="1"/>
+                <a14:m>
+                  <m:oMath xmlns:m="http://schemas.openxmlformats.org/officeDocument/2006/math">
+                    <m:sSub>
+                      <m:sSubPr>
+                        <m:ctrlPr>
+                          <a:rPr lang="en-US" sz="1200" i="1">
+                            <a:latin typeface="Cambria Math" panose="02040503050406030204" pitchFamily="18" charset="0"/>
+                            <a:ea typeface="Cambria Math" panose="02040503050406030204" pitchFamily="18" charset="0"/>
+                          </a:rPr>
+                        </m:ctrlPr>
+                      </m:sSubPr>
+                      <m:e>
+                        <m:r>
+                          <a:rPr lang="en-US" sz="1200" b="0" i="1" smtClean="0">
+                            <a:latin typeface="Cambria Math" panose="02040503050406030204" pitchFamily="18" charset="0"/>
+                            <a:ea typeface="Cambria Math" panose="02040503050406030204" pitchFamily="18" charset="0"/>
+                          </a:rPr>
+                          <m:t>𝐶</m:t>
+                        </m:r>
+                        <m:r>
+                          <a:rPr lang="en-US" sz="1200" b="0" i="1" smtClean="0">
+                            <a:latin typeface="Cambria Math" panose="02040503050406030204" pitchFamily="18" charset="0"/>
+                            <a:ea typeface="Cambria Math" panose="02040503050406030204" pitchFamily="18" charset="0"/>
+                          </a:rPr>
+                          <m:t>=</m:t>
+                        </m:r>
+                        <m:r>
+                          <a:rPr lang="en-US" sz="1200" i="1">
+                            <a:latin typeface="Cambria Math" panose="02040503050406030204" pitchFamily="18" charset="0"/>
+                            <a:ea typeface="Cambria Math" panose="02040503050406030204" pitchFamily="18" charset="0"/>
+                          </a:rPr>
+                          <m:t>𝑋</m:t>
+                        </m:r>
+                      </m:e>
+                      <m:sub>
+                        <m:r>
+                          <a:rPr lang="en-US" sz="1200" i="1">
+                            <a:latin typeface="Cambria Math" panose="02040503050406030204" pitchFamily="18" charset="0"/>
+                            <a:ea typeface="Cambria Math" panose="02040503050406030204" pitchFamily="18" charset="0"/>
+                          </a:rPr>
+                          <m:t>𝑛𝑘</m:t>
+                        </m:r>
+                      </m:sub>
+                    </m:sSub>
+                  </m:oMath>
+                </a14:m>
+                <a:endParaRPr lang="nl-NL" sz="1200" dirty="0" smtClean="0"/>
+              </a:p>
+              <a:p>
+                <a:pPr lvl="1"/>
+                <a:endParaRPr lang="nl-NL" sz="1200" dirty="0" smtClean="0"/>
+              </a:p>
+              <a:p>
+                <a:pPr lvl="1"/>
+                <a14:m>
+                  <m:oMath xmlns:m="http://schemas.openxmlformats.org/officeDocument/2006/math">
+                    <m:sSub>
+                      <m:sSubPr>
+                        <m:ctrlPr>
+                          <a:rPr lang="en-US" sz="1200" i="1">
+                            <a:latin typeface="Cambria Math" panose="02040503050406030204" pitchFamily="18" charset="0"/>
+                          </a:rPr>
+                        </m:ctrlPr>
+                      </m:sSubPr>
+                      <m:e>
+                        <m:r>
+                          <a:rPr lang="en-US" sz="1200" i="1">
+                            <a:latin typeface="Cambria Math" panose="02040503050406030204" pitchFamily="18" charset="0"/>
+                            <a:ea typeface="Cambria Math" panose="02040503050406030204" pitchFamily="18" charset="0"/>
+                          </a:rPr>
+                          <m:t>𝜎</m:t>
+                        </m:r>
+                      </m:e>
+                      <m:sub>
+                        <m:r>
+                          <a:rPr lang="en-US" sz="1200" i="1">
+                            <a:latin typeface="Cambria Math" panose="02040503050406030204" pitchFamily="18" charset="0"/>
+                          </a:rPr>
+                          <m:t>𝑛𝑘</m:t>
+                        </m:r>
+                      </m:sub>
+                    </m:sSub>
+                  </m:oMath>
+                </a14:m>
+                <a:r>
+                  <a:rPr lang="nl-NL" sz="1200" dirty="0" smtClean="0"/>
+                  <a:t> </a:t>
+                </a:r>
+                <a:r>
+                  <a:rPr lang="en-US" sz="1200" dirty="0" smtClean="0"/>
+                  <a:t>=</a:t>
+                </a:r>
+                <a14:m>
+                  <m:oMath xmlns:m="http://schemas.openxmlformats.org/officeDocument/2006/math">
+                    <m:sSup>
+                      <m:sSupPr>
+                        <m:ctrlPr>
+                          <a:rPr lang="en-US" sz="1200" i="1">
+                            <a:latin typeface="Cambria Math" panose="02040503050406030204" pitchFamily="18" charset="0"/>
+                            <a:ea typeface="Cambria Math" panose="02040503050406030204" pitchFamily="18" charset="0"/>
+                          </a:rPr>
+                        </m:ctrlPr>
+                      </m:sSupPr>
+                      <m:e>
+                        <m:r>
+                          <a:rPr lang="en-US" sz="1200" i="1">
+                            <a:latin typeface="Cambria Math" panose="02040503050406030204" pitchFamily="18" charset="0"/>
+                            <a:ea typeface="Cambria Math" panose="02040503050406030204" pitchFamily="18" charset="0"/>
+                          </a:rPr>
+                          <m:t>(</m:t>
+                        </m:r>
+                        <m:r>
+                          <a:rPr lang="en-US" sz="1200" i="1">
+                            <a:latin typeface="Cambria Math" panose="02040503050406030204" pitchFamily="18" charset="0"/>
+                            <a:ea typeface="Cambria Math" panose="02040503050406030204" pitchFamily="18" charset="0"/>
+                          </a:rPr>
+                          <m:t>𝐴</m:t>
+                        </m:r>
+                        <m:r>
+                          <a:rPr lang="en-US" sz="1200" i="1">
+                            <a:latin typeface="Cambria Math" panose="02040503050406030204" pitchFamily="18" charset="0"/>
+                            <a:ea typeface="Cambria Math" panose="02040503050406030204" pitchFamily="18" charset="0"/>
+                          </a:rPr>
+                          <m:t>∗</m:t>
+                        </m:r>
+                        <m:r>
+                          <a:rPr lang="en-US" sz="1200" i="1">
+                            <a:latin typeface="Cambria Math" panose="02040503050406030204" pitchFamily="18" charset="0"/>
+                            <a:ea typeface="Cambria Math" panose="02040503050406030204" pitchFamily="18" charset="0"/>
+                          </a:rPr>
+                          <m:t>𝐵</m:t>
+                        </m:r>
+                        <m:r>
+                          <a:rPr lang="en-US" sz="1200" i="1">
+                            <a:latin typeface="Cambria Math" panose="02040503050406030204" pitchFamily="18" charset="0"/>
+                            <a:ea typeface="Cambria Math" panose="02040503050406030204" pitchFamily="18" charset="0"/>
+                          </a:rPr>
+                          <m:t>)</m:t>
+                        </m:r>
+                      </m:e>
+                      <m:sup>
+                        <m:r>
+                          <a:rPr lang="en-US" sz="1200" i="1">
+                            <a:latin typeface="Cambria Math" panose="02040503050406030204" pitchFamily="18" charset="0"/>
+                            <a:ea typeface="Cambria Math" panose="02040503050406030204" pitchFamily="18" charset="0"/>
+                          </a:rPr>
+                          <m:t>𝑇</m:t>
+                        </m:r>
+                      </m:sup>
+                    </m:sSup>
+                    <m:r>
+                      <a:rPr lang="en-US" sz="1200" b="0" i="0" smtClean="0">
+                        <a:latin typeface="Cambria Math" panose="02040503050406030204" pitchFamily="18" charset="0"/>
+                        <a:ea typeface="Cambria Math" panose="02040503050406030204" pitchFamily="18" charset="0"/>
+                      </a:rPr>
+                      <m:t>∗</m:t>
+                    </m:r>
+                    <m:r>
+                      <m:rPr>
+                        <m:sty m:val="p"/>
+                      </m:rPr>
+                      <a:rPr lang="en-US" sz="1200" b="0" i="0" smtClean="0">
+                        <a:latin typeface="Cambria Math" panose="02040503050406030204" pitchFamily="18" charset="0"/>
+                        <a:ea typeface="Cambria Math" panose="02040503050406030204" pitchFamily="18" charset="0"/>
+                      </a:rPr>
+                      <m:t>C</m:t>
+                    </m:r>
+                  </m:oMath>
+                </a14:m>
+                <a:endParaRPr lang="nl-NL" sz="1200" dirty="0" smtClean="0"/>
+              </a:p>
+              <a:p>
+                <a:endParaRPr lang="en-US" sz="1200" dirty="0" smtClean="0"/>
+              </a:p>
+              <a:p>
+                <a:endParaRPr lang="nl-NL" sz="1200" dirty="0" smtClean="0"/>
+              </a:p>
+              <a:p>
+                <a:endParaRPr lang="nl-NL" sz="1200" dirty="0"/>
+              </a:p>
+            </p:txBody>
+          </p:sp>
+        </mc:Choice>
+        <mc:Fallback>
+          <p:sp>
+            <p:nvSpPr>
+              <p:cNvPr id="3" name="Text Placeholder 2"/>
+              <p:cNvSpPr>
+                <a:spLocks noGrp="1" noRot="1" noChangeAspect="1" noMove="1" noResize="1" noEditPoints="1" noAdjustHandles="1" noChangeArrowheads="1" noChangeShapeType="1" noTextEdit="1"/>
+              </p:cNvSpPr>
+              <p:nvPr>
+                <p:ph type="body" idx="1"/>
+              </p:nvPr>
+            </p:nvSpPr>
+            <p:spPr>
+              <a:blipFill>
+                <a:blip r:embed="rId2"/>
+                <a:stretch>
+                  <a:fillRect l="-1717" t="-6212"/>
+                </a:stretch>
+              </a:blipFill>
+            </p:spPr>
+            <p:txBody>
+              <a:bodyPr/>
+              <a:lstStyle/>
+              <a:p>
+                <a:r>
+                  <a:rPr lang="nl-NL">
+                    <a:noFill/>
+                  </a:rPr>
+                  <a:t> </a:t>
+                </a:r>
+              </a:p>
+            </p:txBody>
+          </p:sp>
+        </mc:Fallback>
+      </mc:AlternateContent>
+      <p:sp>
+        <p:nvSpPr>
+          <p:cNvPr id="4" name="Slide Number Placeholder 3"/>
+          <p:cNvSpPr>
+            <a:spLocks noGrp="1"/>
+          </p:cNvSpPr>
+          <p:nvPr>
+            <p:ph type="sldNum" idx="12"/>
+          </p:nvPr>
+        </p:nvSpPr>
+        <p:spPr/>
+        <p:txBody>
+          <a:bodyPr/>
+          <a:lstStyle/>
+          <a:p>
+            <a:pPr marL="0" lvl="0" indent="0" algn="r" rtl="0">
+              <a:spcBef>
+                <a:spcPts val="0"/>
+              </a:spcBef>
+              <a:spcAft>
+                <a:spcPts val="0"/>
+              </a:spcAft>
+              <a:buNone/>
+            </a:pPr>
+            <a:fld id="{00000000-1234-1234-1234-123412341234}" type="slidenum">
+              <a:rPr lang="en" smtClean="0"/>
+              <a:t>15</a:t>
+            </a:fld>
+            <a:endParaRPr lang="en"/>
+          </a:p>
+        </p:txBody>
+      </p:sp>
+    </p:spTree>
+    <p:extLst>
+      <p:ext uri="{BB962C8B-B14F-4D97-AF65-F5344CB8AC3E}">
+        <p14:creationId xmlns:p14="http://schemas.microsoft.com/office/powerpoint/2010/main" val="827392166"/>
+      </p:ext>
+    </p:extLst>
+  </p:cSld>
+  <p:clrMapOvr>
+    <a:masterClrMapping/>
+  </p:clrMapOvr>
+</p:sld>
+</file>
+
+<file path=ppt/slides/slide16.xml><?xml version="1.0" encoding="utf-8"?>
+<p:sld xmlns:a="http://schemas.openxmlformats.org/drawingml/2006/main" xmlns:r="http://schemas.openxmlformats.org/officeDocument/2006/relationships" xmlns:p="http://schemas.openxmlformats.org/presentationml/2006/main">
+  <p:cSld>
+    <p:spTree>
+      <p:nvGrpSpPr>
+        <p:cNvPr id="1" name=""/>
+        <p:cNvGrpSpPr/>
+        <p:nvPr/>
+      </p:nvGrpSpPr>
+      <p:grpSpPr>
+        <a:xfrm>
+          <a:off x="0" y="0"/>
+          <a:ext cx="0" cy="0"/>
+          <a:chOff x="0" y="0"/>
+          <a:chExt cx="0" cy="0"/>
+        </a:xfrm>
+      </p:grpSpPr>
+      <p:sp>
+        <p:nvSpPr>
+          <p:cNvPr id="2" name="Title 1"/>
+          <p:cNvSpPr>
+            <a:spLocks noGrp="1"/>
+          </p:cNvSpPr>
+          <p:nvPr>
+            <p:ph type="title"/>
+          </p:nvPr>
+        </p:nvSpPr>
+        <p:spPr/>
+        <p:txBody>
+          <a:bodyPr/>
+          <a:lstStyle/>
+          <a:p>
+            <a:r>
+              <a:rPr lang="en-US" dirty="0" smtClean="0"/>
+              <a:t>Hybridizing the local update</a:t>
+            </a:r>
+            <a:endParaRPr lang="nl-NL" dirty="0"/>
+          </a:p>
+        </p:txBody>
+      </p:sp>
+      <mc:AlternateContent xmlns:mc="http://schemas.openxmlformats.org/markup-compatibility/2006">
+        <mc:Choice xmlns:a14="http://schemas.microsoft.com/office/drawing/2010/main" Requires="a14">
+          <p:sp>
+            <p:nvSpPr>
+              <p:cNvPr id="3" name="Text Placeholder 2"/>
+              <p:cNvSpPr>
+                <a:spLocks noGrp="1"/>
+              </p:cNvSpPr>
+              <p:nvPr>
+                <p:ph type="body" idx="1"/>
+              </p:nvPr>
+            </p:nvSpPr>
+            <p:spPr>
+              <a:xfrm>
+                <a:off x="737850" y="1357935"/>
+                <a:ext cx="6034500" cy="3643556"/>
+              </a:xfrm>
+            </p:spPr>
+            <p:txBody>
+              <a:bodyPr/>
+              <a:lstStyle/>
+              <a:p>
+                <a14:m>
+                  <m:oMath xmlns:m="http://schemas.openxmlformats.org/officeDocument/2006/math">
+                    <m:r>
+                      <a:rPr lang="en-US" sz="900" b="0" i="1" smtClean="0">
+                        <a:latin typeface="Cambria Math" panose="02040503050406030204" pitchFamily="18" charset="0"/>
+                        <a:ea typeface="Cambria Math" panose="02040503050406030204" pitchFamily="18" charset="0"/>
+                      </a:rPr>
+                      <m:t>𝐴</m:t>
+                    </m:r>
+                    <m:r>
+                      <a:rPr lang="en-US" sz="900" b="0" i="1" smtClean="0">
+                        <a:latin typeface="Cambria Math" panose="02040503050406030204" pitchFamily="18" charset="0"/>
+                        <a:ea typeface="Cambria Math" panose="02040503050406030204" pitchFamily="18" charset="0"/>
+                      </a:rPr>
+                      <m:t>=</m:t>
+                    </m:r>
+                    <m:sSup>
+                      <m:sSupPr>
+                        <m:ctrlPr>
+                          <a:rPr lang="en-US" sz="900" i="1">
+                            <a:latin typeface="Cambria Math" panose="02040503050406030204" pitchFamily="18" charset="0"/>
+                            <a:ea typeface="Cambria Math" panose="02040503050406030204" pitchFamily="18" charset="0"/>
+                          </a:rPr>
+                        </m:ctrlPr>
+                      </m:sSupPr>
+                      <m:e>
+                        <m:d>
+                          <m:dPr>
+                            <m:begChr m:val="["/>
+                            <m:endChr m:val="]"/>
+                            <m:ctrlPr>
+                              <a:rPr lang="en-US" sz="900" i="1">
+                                <a:latin typeface="Cambria Math" panose="02040503050406030204" pitchFamily="18" charset="0"/>
+                              </a:rPr>
+                            </m:ctrlPr>
+                          </m:dPr>
+                          <m:e>
+                            <m:r>
+                              <a:rPr lang="en-US" sz="900" i="1">
+                                <a:latin typeface="Cambria Math" panose="02040503050406030204" pitchFamily="18" charset="0"/>
+                              </a:rPr>
+                              <m:t> </m:t>
+                            </m:r>
+                            <m:r>
+                              <a:rPr lang="en-US" sz="900" i="1">
+                                <a:latin typeface="Cambria Math" panose="02040503050406030204" pitchFamily="18" charset="0"/>
+                                <a:ea typeface="Cambria Math" panose="02040503050406030204" pitchFamily="18" charset="0"/>
+                              </a:rPr>
+                              <m:t>𝜌</m:t>
+                            </m:r>
+                            <m:r>
+                              <a:rPr lang="en-US" sz="900" i="1">
+                                <a:latin typeface="Cambria Math" panose="02040503050406030204" pitchFamily="18" charset="0"/>
+                                <a:ea typeface="Cambria Math" panose="02040503050406030204" pitchFamily="18" charset="0"/>
+                              </a:rPr>
+                              <m:t>∗</m:t>
+                            </m:r>
+                            <m:sSub>
+                              <m:sSubPr>
+                                <m:ctrlPr>
+                                  <a:rPr lang="en-US" sz="900" i="1">
+                                    <a:latin typeface="Cambria Math" panose="02040503050406030204" pitchFamily="18" charset="0"/>
+                                    <a:ea typeface="Cambria Math" panose="02040503050406030204" pitchFamily="18" charset="0"/>
+                                  </a:rPr>
+                                </m:ctrlPr>
+                              </m:sSubPr>
+                              <m:e>
+                                <m:r>
+                                  <a:rPr lang="en-US" sz="900" i="1">
+                                    <a:latin typeface="Cambria Math" panose="02040503050406030204" pitchFamily="18" charset="0"/>
+                                    <a:ea typeface="Cambria Math" panose="02040503050406030204" pitchFamily="18" charset="0"/>
+                                  </a:rPr>
+                                  <m:t>𝑋</m:t>
+                                </m:r>
+                              </m:e>
+                              <m:sub>
+                                <m:r>
+                                  <a:rPr lang="en-US" sz="900" i="1">
+                                    <a:latin typeface="Cambria Math" panose="02040503050406030204" pitchFamily="18" charset="0"/>
+                                    <a:ea typeface="Cambria Math" panose="02040503050406030204" pitchFamily="18" charset="0"/>
+                                  </a:rPr>
+                                  <m:t>𝑘</m:t>
+                                </m:r>
+                              </m:sub>
+                            </m:sSub>
+                            <m:sSubSup>
+                              <m:sSubSupPr>
+                                <m:ctrlPr>
+                                  <a:rPr lang="en-US" sz="900" i="1">
+                                    <a:latin typeface="Cambria Math" panose="02040503050406030204" pitchFamily="18" charset="0"/>
+                                    <a:ea typeface="Cambria Math" panose="02040503050406030204" pitchFamily="18" charset="0"/>
+                                  </a:rPr>
+                                </m:ctrlPr>
+                              </m:sSubSupPr>
+                              <m:e>
+                                <m:r>
+                                  <a:rPr lang="en-US" sz="900" i="1">
+                                    <a:latin typeface="Cambria Math" panose="02040503050406030204" pitchFamily="18" charset="0"/>
+                                    <a:ea typeface="Cambria Math" panose="02040503050406030204" pitchFamily="18" charset="0"/>
+                                  </a:rPr>
+                                  <m:t>𝑋</m:t>
+                                </m:r>
+                              </m:e>
+                              <m:sub>
+                                <m:r>
+                                  <a:rPr lang="en-US" sz="900" i="1">
+                                    <a:latin typeface="Cambria Math" panose="02040503050406030204" pitchFamily="18" charset="0"/>
+                                    <a:ea typeface="Cambria Math" panose="02040503050406030204" pitchFamily="18" charset="0"/>
+                                  </a:rPr>
+                                  <m:t>𝑘</m:t>
+                                </m:r>
+                              </m:sub>
+                              <m:sup>
+                                <m:r>
+                                  <a:rPr lang="en-US" sz="900" i="1">
+                                    <a:latin typeface="Cambria Math" panose="02040503050406030204" pitchFamily="18" charset="0"/>
+                                    <a:ea typeface="Cambria Math" panose="02040503050406030204" pitchFamily="18" charset="0"/>
+                                  </a:rPr>
+                                  <m:t>𝑇</m:t>
+                                </m:r>
+                              </m:sup>
+                            </m:sSubSup>
+                          </m:e>
+                        </m:d>
+                      </m:e>
+                      <m:sup>
+                        <m:r>
+                          <a:rPr lang="en-US" sz="900" i="1">
+                            <a:latin typeface="Cambria Math" panose="02040503050406030204" pitchFamily="18" charset="0"/>
+                            <a:ea typeface="Cambria Math" panose="02040503050406030204" pitchFamily="18" charset="0"/>
+                          </a:rPr>
+                          <m:t>−1</m:t>
+                        </m:r>
+                      </m:sup>
+                    </m:sSup>
+                  </m:oMath>
+                </a14:m>
+                <a:endParaRPr lang="en-US" sz="900" dirty="0" smtClean="0">
+                  <a:ea typeface="Cambria Math" panose="02040503050406030204" pitchFamily="18" charset="0"/>
+                </a:endParaRPr>
+              </a:p>
+              <a:p>
+                <a:pPr lvl="1"/>
+                <a:r>
+                  <a:rPr lang="en-US" sz="900" dirty="0" smtClean="0">
+                    <a:ea typeface="Cambria Math" panose="02040503050406030204" pitchFamily="18" charset="0"/>
+                  </a:rPr>
+                  <a:t>Divide </a:t>
+                </a:r>
+                <a14:m>
+                  <m:oMath xmlns:m="http://schemas.openxmlformats.org/officeDocument/2006/math">
+                    <m:sSub>
+                      <m:sSubPr>
+                        <m:ctrlPr>
+                          <a:rPr lang="en-US" sz="900" i="1">
+                            <a:latin typeface="Cambria Math" panose="02040503050406030204" pitchFamily="18" charset="0"/>
+                            <a:ea typeface="Cambria Math" panose="02040503050406030204" pitchFamily="18" charset="0"/>
+                          </a:rPr>
+                        </m:ctrlPr>
+                      </m:sSubPr>
+                      <m:e>
+                        <m:r>
+                          <a:rPr lang="en-US" sz="900" i="1">
+                            <a:latin typeface="Cambria Math" panose="02040503050406030204" pitchFamily="18" charset="0"/>
+                            <a:ea typeface="Cambria Math" panose="02040503050406030204" pitchFamily="18" charset="0"/>
+                          </a:rPr>
+                          <m:t>𝑋</m:t>
+                        </m:r>
+                      </m:e>
+                      <m:sub>
+                        <m:r>
+                          <a:rPr lang="en-US" sz="900" i="1">
+                            <a:latin typeface="Cambria Math" panose="02040503050406030204" pitchFamily="18" charset="0"/>
+                            <a:ea typeface="Cambria Math" panose="02040503050406030204" pitchFamily="18" charset="0"/>
+                          </a:rPr>
+                          <m:t>𝑘</m:t>
+                        </m:r>
+                      </m:sub>
+                    </m:sSub>
+                    <m:sSubSup>
+                      <m:sSubSupPr>
+                        <m:ctrlPr>
+                          <a:rPr lang="en-US" sz="900" i="1">
+                            <a:latin typeface="Cambria Math" panose="02040503050406030204" pitchFamily="18" charset="0"/>
+                            <a:ea typeface="Cambria Math" panose="02040503050406030204" pitchFamily="18" charset="0"/>
+                          </a:rPr>
+                        </m:ctrlPr>
+                      </m:sSubSupPr>
+                      <m:e>
+                        <m:r>
+                          <a:rPr lang="en-US" sz="900" i="1">
+                            <a:latin typeface="Cambria Math" panose="02040503050406030204" pitchFamily="18" charset="0"/>
+                            <a:ea typeface="Cambria Math" panose="02040503050406030204" pitchFamily="18" charset="0"/>
+                          </a:rPr>
+                          <m:t>𝑋</m:t>
+                        </m:r>
+                      </m:e>
+                      <m:sub>
+                        <m:r>
+                          <a:rPr lang="en-US" sz="900" i="1">
+                            <a:latin typeface="Cambria Math" panose="02040503050406030204" pitchFamily="18" charset="0"/>
+                            <a:ea typeface="Cambria Math" panose="02040503050406030204" pitchFamily="18" charset="0"/>
+                          </a:rPr>
+                          <m:t>𝑘</m:t>
+                        </m:r>
+                      </m:sub>
+                      <m:sup>
+                        <m:r>
+                          <a:rPr lang="en-US" sz="900" i="1">
+                            <a:latin typeface="Cambria Math" panose="02040503050406030204" pitchFamily="18" charset="0"/>
+                            <a:ea typeface="Cambria Math" panose="02040503050406030204" pitchFamily="18" charset="0"/>
+                          </a:rPr>
+                          <m:t>𝑇</m:t>
+                        </m:r>
+                      </m:sup>
+                    </m:sSubSup>
+                  </m:oMath>
+                </a14:m>
+                <a:r>
+                  <a:rPr lang="en-US" sz="900" dirty="0" smtClean="0">
+                    <a:ea typeface="Cambria Math" panose="02040503050406030204" pitchFamily="18" charset="0"/>
+                  </a:rPr>
+                  <a:t> into the multiplication of it’s individual scalar products.</a:t>
+                </a:r>
+              </a:p>
+              <a:p>
+                <a:pPr lvl="1"/>
+                <a:r>
+                  <a:rPr lang="en-US" sz="900" dirty="0" smtClean="0">
+                    <a:ea typeface="Cambria Math" panose="02040503050406030204" pitchFamily="18" charset="0"/>
+                  </a:rPr>
+                  <a:t>Calculate these using a n-party SSP. The sub-results can be stored in an auxiliary party</a:t>
+                </a:r>
+                <a:r>
+                  <a:rPr lang="en-US" sz="900" smtClean="0">
+                    <a:ea typeface="Cambria Math" panose="02040503050406030204" pitchFamily="18" charset="0"/>
+                  </a:rPr>
+                  <a:t>. </a:t>
+                </a:r>
+                <a:r>
+                  <a:rPr lang="en-US" sz="900" dirty="0" smtClean="0"/>
+                  <a:t/>
+                </a:r>
+                <a:br>
+                  <a:rPr lang="en-US" sz="900" dirty="0" smtClean="0"/>
+                </a:br>
+                <a:endParaRPr lang="nl-NL" sz="900" dirty="0" smtClean="0"/>
+              </a:p>
+              <a:p>
+                <a14:m>
+                  <m:oMath xmlns:m="http://schemas.openxmlformats.org/officeDocument/2006/math">
+                    <m:r>
+                      <a:rPr lang="en-US" sz="900" b="0" i="1" smtClean="0">
+                        <a:latin typeface="Cambria Math" panose="02040503050406030204" pitchFamily="18" charset="0"/>
+                        <a:ea typeface="Cambria Math" panose="02040503050406030204" pitchFamily="18" charset="0"/>
+                      </a:rPr>
+                      <m:t>𝐵</m:t>
+                    </m:r>
+                    <m:r>
+                      <a:rPr lang="en-US" sz="900" b="0" i="1" smtClean="0">
+                        <a:latin typeface="Cambria Math" panose="02040503050406030204" pitchFamily="18" charset="0"/>
+                        <a:ea typeface="Cambria Math" panose="02040503050406030204" pitchFamily="18" charset="0"/>
+                      </a:rPr>
+                      <m:t>=</m:t>
+                    </m:r>
+                    <m:d>
+                      <m:dPr>
+                        <m:begChr m:val="["/>
+                        <m:endChr m:val="]"/>
+                        <m:ctrlPr>
+                          <a:rPr lang="en-US" sz="900" i="1">
+                            <a:latin typeface="Cambria Math" panose="02040503050406030204" pitchFamily="18" charset="0"/>
+                            <a:ea typeface="Cambria Math" panose="02040503050406030204" pitchFamily="18" charset="0"/>
+                          </a:rPr>
+                        </m:ctrlPr>
+                      </m:dPr>
+                      <m:e>
+                        <m:r>
+                          <a:rPr lang="en-US" sz="900" i="1">
+                            <a:latin typeface="Cambria Math" panose="02040503050406030204" pitchFamily="18" charset="0"/>
+                          </a:rPr>
+                          <m:t> </m:t>
+                        </m:r>
+                        <m:nary>
+                          <m:naryPr>
+                            <m:chr m:val="∑"/>
+                            <m:ctrlPr>
+                              <a:rPr lang="en-US" sz="900" i="1">
+                                <a:latin typeface="Cambria Math" panose="02040503050406030204" pitchFamily="18" charset="0"/>
+                                <a:ea typeface="Cambria Math" panose="02040503050406030204" pitchFamily="18" charset="0"/>
+                              </a:rPr>
+                            </m:ctrlPr>
+                          </m:naryPr>
+                          <m:sub>
+                            <m:r>
+                              <m:rPr>
+                                <m:brk m:alnAt="23"/>
+                              </m:rPr>
+                              <a:rPr lang="en-US" sz="900" i="1">
+                                <a:latin typeface="Cambria Math" panose="02040503050406030204" pitchFamily="18" charset="0"/>
+                                <a:ea typeface="Cambria Math" panose="02040503050406030204" pitchFamily="18" charset="0"/>
+                              </a:rPr>
+                              <m:t>𝑛</m:t>
+                            </m:r>
+                            <m:r>
+                              <a:rPr lang="en-US" sz="900" i="1">
+                                <a:latin typeface="Cambria Math" panose="02040503050406030204" pitchFamily="18" charset="0"/>
+                                <a:ea typeface="Cambria Math" panose="02040503050406030204" pitchFamily="18" charset="0"/>
+                              </a:rPr>
+                              <m:t>=1</m:t>
+                            </m:r>
+                          </m:sub>
+                          <m:sup>
+                            <m:r>
+                              <a:rPr lang="en-US" sz="900" i="1">
+                                <a:latin typeface="Cambria Math" panose="02040503050406030204" pitchFamily="18" charset="0"/>
+                                <a:ea typeface="Cambria Math" panose="02040503050406030204" pitchFamily="18" charset="0"/>
+                              </a:rPr>
+                              <m:t>𝑁</m:t>
+                            </m:r>
+                          </m:sup>
+                          <m:e>
+                            <m:d>
+                              <m:dPr>
+                                <m:ctrlPr>
+                                  <a:rPr lang="en-US" sz="900" i="1">
+                                    <a:latin typeface="Cambria Math" panose="02040503050406030204" pitchFamily="18" charset="0"/>
+                                    <a:ea typeface="Cambria Math" panose="02040503050406030204" pitchFamily="18" charset="0"/>
+                                  </a:rPr>
+                                </m:ctrlPr>
+                              </m:dPr>
+                              <m:e>
+                                <m:r>
+                                  <a:rPr lang="en-US" sz="900" i="1">
+                                    <a:latin typeface="Cambria Math" panose="02040503050406030204" pitchFamily="18" charset="0"/>
+                                    <a:ea typeface="Cambria Math" panose="02040503050406030204" pitchFamily="18" charset="0"/>
+                                  </a:rPr>
+                                  <m:t>𝜌</m:t>
+                                </m:r>
+                                <m:sSubSup>
+                                  <m:sSubSupPr>
+                                    <m:ctrlPr>
+                                      <a:rPr lang="en-US" sz="900" i="1">
+                                        <a:latin typeface="Cambria Math" panose="02040503050406030204" pitchFamily="18" charset="0"/>
+                                        <a:ea typeface="Cambria Math" panose="02040503050406030204" pitchFamily="18" charset="0"/>
+                                      </a:rPr>
+                                    </m:ctrlPr>
+                                  </m:sSubSupPr>
+                                  <m:e>
+                                    <m:r>
+                                      <a:rPr lang="en-US" sz="900" i="1">
+                                        <a:latin typeface="Cambria Math" panose="02040503050406030204" pitchFamily="18" charset="0"/>
+                                        <a:ea typeface="Cambria Math" panose="02040503050406030204" pitchFamily="18" charset="0"/>
+                                      </a:rPr>
+                                      <m:t>𝑧</m:t>
+                                    </m:r>
+                                  </m:e>
+                                  <m:sub>
+                                    <m:r>
+                                      <a:rPr lang="en-US" sz="900" i="1">
+                                        <a:latin typeface="Cambria Math" panose="02040503050406030204" pitchFamily="18" charset="0"/>
+                                        <a:ea typeface="Cambria Math" panose="02040503050406030204" pitchFamily="18" charset="0"/>
+                                      </a:rPr>
+                                      <m:t>𝑛𝑘</m:t>
+                                    </m:r>
+                                  </m:sub>
+                                  <m:sup>
+                                    <m:r>
+                                      <a:rPr lang="en-US" sz="900" i="1">
+                                        <a:latin typeface="Cambria Math" panose="02040503050406030204" pitchFamily="18" charset="0"/>
+                                        <a:ea typeface="Cambria Math" panose="02040503050406030204" pitchFamily="18" charset="0"/>
+                                      </a:rPr>
+                                      <m:t>𝑝</m:t>
+                                    </m:r>
+                                    <m:r>
+                                      <a:rPr lang="en-US" sz="900" i="1">
+                                        <a:latin typeface="Cambria Math" panose="02040503050406030204" pitchFamily="18" charset="0"/>
+                                        <a:ea typeface="Cambria Math" panose="02040503050406030204" pitchFamily="18" charset="0"/>
+                                      </a:rPr>
+                                      <m:t>−1</m:t>
+                                    </m:r>
+                                  </m:sup>
+                                </m:sSubSup>
+                                <m:r>
+                                  <a:rPr lang="en-US" sz="900" i="1">
+                                    <a:latin typeface="Cambria Math" panose="02040503050406030204" pitchFamily="18" charset="0"/>
+                                    <a:ea typeface="Cambria Math" panose="02040503050406030204" pitchFamily="18" charset="0"/>
+                                  </a:rPr>
+                                  <m:t>−</m:t>
+                                </m:r>
+                                <m:sSubSup>
+                                  <m:sSubSupPr>
+                                    <m:ctrlPr>
+                                      <a:rPr lang="en-US" sz="900" i="1">
+                                        <a:latin typeface="Cambria Math" panose="02040503050406030204" pitchFamily="18" charset="0"/>
+                                        <a:ea typeface="Cambria Math" panose="02040503050406030204" pitchFamily="18" charset="0"/>
+                                      </a:rPr>
+                                    </m:ctrlPr>
+                                  </m:sSubSupPr>
+                                  <m:e>
+                                    <m:r>
+                                      <a:rPr lang="en-US" sz="900" i="1">
+                                        <a:latin typeface="Cambria Math" panose="02040503050406030204" pitchFamily="18" charset="0"/>
+                                        <a:ea typeface="Cambria Math" panose="02040503050406030204" pitchFamily="18" charset="0"/>
+                                      </a:rPr>
+                                      <m:t>𝛾</m:t>
+                                    </m:r>
+                                  </m:e>
+                                  <m:sub>
+                                    <m:r>
+                                      <a:rPr lang="en-US" sz="900" i="1">
+                                        <a:latin typeface="Cambria Math" panose="02040503050406030204" pitchFamily="18" charset="0"/>
+                                        <a:ea typeface="Cambria Math" panose="02040503050406030204" pitchFamily="18" charset="0"/>
+                                      </a:rPr>
+                                      <m:t>𝑛𝑘</m:t>
+                                    </m:r>
+                                  </m:sub>
+                                  <m:sup>
+                                    <m:r>
+                                      <a:rPr lang="en-US" sz="900" i="1">
+                                        <a:latin typeface="Cambria Math" panose="02040503050406030204" pitchFamily="18" charset="0"/>
+                                        <a:ea typeface="Cambria Math" panose="02040503050406030204" pitchFamily="18" charset="0"/>
+                                      </a:rPr>
+                                      <m:t>𝑝</m:t>
+                                    </m:r>
+                                    <m:r>
+                                      <a:rPr lang="en-US" sz="900" i="1">
+                                        <a:latin typeface="Cambria Math" panose="02040503050406030204" pitchFamily="18" charset="0"/>
+                                        <a:ea typeface="Cambria Math" panose="02040503050406030204" pitchFamily="18" charset="0"/>
+                                      </a:rPr>
+                                      <m:t>−1</m:t>
+                                    </m:r>
+                                  </m:sup>
+                                </m:sSubSup>
+                              </m:e>
+                            </m:d>
+                          </m:e>
+                        </m:nary>
+                        <m:sSub>
+                          <m:sSubPr>
+                            <m:ctrlPr>
+                              <a:rPr lang="en-US" sz="900" i="1">
+                                <a:latin typeface="Cambria Math" panose="02040503050406030204" pitchFamily="18" charset="0"/>
+                                <a:ea typeface="Cambria Math" panose="02040503050406030204" pitchFamily="18" charset="0"/>
+                              </a:rPr>
+                            </m:ctrlPr>
+                          </m:sSubPr>
+                          <m:e>
+                            <m:r>
+                              <a:rPr lang="en-US" sz="900" i="1">
+                                <a:latin typeface="Cambria Math" panose="02040503050406030204" pitchFamily="18" charset="0"/>
+                                <a:ea typeface="Cambria Math" panose="02040503050406030204" pitchFamily="18" charset="0"/>
+                              </a:rPr>
+                              <m:t>𝑋</m:t>
+                            </m:r>
+                          </m:e>
+                          <m:sub>
+                            <m:r>
+                              <a:rPr lang="en-US" sz="900" i="1">
+                                <a:latin typeface="Cambria Math" panose="02040503050406030204" pitchFamily="18" charset="0"/>
+                                <a:ea typeface="Cambria Math" panose="02040503050406030204" pitchFamily="18" charset="0"/>
+                              </a:rPr>
+                              <m:t>𝑛𝑘</m:t>
+                            </m:r>
+                          </m:sub>
+                        </m:sSub>
+                        <m:r>
+                          <a:rPr lang="en-US" sz="900" i="1">
+                            <a:latin typeface="Cambria Math" panose="02040503050406030204" pitchFamily="18" charset="0"/>
+                            <a:ea typeface="Cambria Math" panose="02040503050406030204" pitchFamily="18" charset="0"/>
+                          </a:rPr>
+                          <m:t>+</m:t>
+                        </m:r>
+                        <m:sSub>
+                          <m:sSubPr>
+                            <m:ctrlPr>
+                              <a:rPr lang="en-US" sz="900" i="1">
+                                <a:latin typeface="Cambria Math" panose="02040503050406030204" pitchFamily="18" charset="0"/>
+                                <a:ea typeface="Cambria Math" panose="02040503050406030204" pitchFamily="18" charset="0"/>
+                              </a:rPr>
+                            </m:ctrlPr>
+                          </m:sSubPr>
+                          <m:e>
+                            <m:r>
+                              <a:rPr lang="en-US" sz="900" i="1">
+                                <a:latin typeface="Cambria Math" panose="02040503050406030204" pitchFamily="18" charset="0"/>
+                                <a:ea typeface="Cambria Math" panose="02040503050406030204" pitchFamily="18" charset="0"/>
+                              </a:rPr>
+                              <m:t>𝜑</m:t>
+                            </m:r>
+                          </m:e>
+                          <m:sub>
+                            <m:r>
+                              <a:rPr lang="en-US" sz="900" i="1">
+                                <a:latin typeface="Cambria Math" panose="02040503050406030204" pitchFamily="18" charset="0"/>
+                                <a:ea typeface="Cambria Math" panose="02040503050406030204" pitchFamily="18" charset="0"/>
+                              </a:rPr>
+                              <m:t>𝑃</m:t>
+                            </m:r>
+                          </m:sub>
+                        </m:sSub>
+                        <m:r>
+                          <a:rPr lang="en-US" sz="900" i="1">
+                            <a:latin typeface="Cambria Math" panose="02040503050406030204" pitchFamily="18" charset="0"/>
+                            <a:ea typeface="Cambria Math" panose="02040503050406030204" pitchFamily="18" charset="0"/>
+                          </a:rPr>
+                          <m:t>(</m:t>
+                        </m:r>
+                        <m:sSubSup>
+                          <m:sSubSupPr>
+                            <m:ctrlPr>
+                              <a:rPr lang="en-US" sz="900" i="1">
+                                <a:latin typeface="Cambria Math" panose="02040503050406030204" pitchFamily="18" charset="0"/>
+                              </a:rPr>
+                            </m:ctrlPr>
+                          </m:sSubSupPr>
+                          <m:e>
+                            <m:r>
+                              <a:rPr lang="en-US" sz="900" i="1">
+                                <a:latin typeface="Cambria Math" panose="02040503050406030204" pitchFamily="18" charset="0"/>
+                              </a:rPr>
+                              <m:t>𝑉</m:t>
+                            </m:r>
+                          </m:e>
+                          <m:sub>
+                            <m:r>
+                              <a:rPr lang="en-US" sz="900" i="1">
+                                <a:latin typeface="Cambria Math" panose="02040503050406030204" pitchFamily="18" charset="0"/>
+                              </a:rPr>
+                              <m:t>𝑝</m:t>
+                            </m:r>
+                          </m:sub>
+                          <m:sup>
+                            <m:r>
+                              <a:rPr lang="en-US" sz="900" i="1">
+                                <a:latin typeface="Cambria Math" panose="02040503050406030204" pitchFamily="18" charset="0"/>
+                              </a:rPr>
+                              <m:t>𝑡</m:t>
+                            </m:r>
+                            <m:r>
+                              <a:rPr lang="en-US" sz="900" i="1">
+                                <a:latin typeface="Cambria Math" panose="02040503050406030204" pitchFamily="18" charset="0"/>
+                                <a:ea typeface="Cambria Math" panose="02040503050406030204" pitchFamily="18" charset="0"/>
+                              </a:rPr>
+                              <m:t>∈</m:t>
+                            </m:r>
+                            <m:d>
+                              <m:dPr>
+                                <m:begChr m:val="["/>
+                                <m:endChr m:val="]"/>
+                                <m:ctrlPr>
+                                  <a:rPr lang="en-US" sz="900" i="1">
+                                    <a:latin typeface="Cambria Math" panose="02040503050406030204" pitchFamily="18" charset="0"/>
+                                    <a:ea typeface="Cambria Math" panose="02040503050406030204" pitchFamily="18" charset="0"/>
+                                  </a:rPr>
+                                </m:ctrlPr>
+                              </m:dPr>
+                              <m:e>
+                                <m:r>
+                                  <a:rPr lang="en-US" sz="900" i="1">
+                                    <a:latin typeface="Cambria Math" panose="02040503050406030204" pitchFamily="18" charset="0"/>
+                                    <a:ea typeface="Cambria Math" panose="02040503050406030204" pitchFamily="18" charset="0"/>
+                                  </a:rPr>
+                                  <m:t>1,</m:t>
+                                </m:r>
+                                <m:r>
+                                  <a:rPr lang="en-US" sz="900" i="1">
+                                    <a:latin typeface="Cambria Math" panose="02040503050406030204" pitchFamily="18" charset="0"/>
+                                    <a:ea typeface="Cambria Math" panose="02040503050406030204" pitchFamily="18" charset="0"/>
+                                  </a:rPr>
+                                  <m:t>𝑇</m:t>
+                                </m:r>
+                              </m:e>
+                            </m:d>
+                          </m:sup>
+                        </m:sSubSup>
+                        <m:r>
+                          <a:rPr lang="en-US" sz="900" i="1">
+                            <a:latin typeface="Cambria Math" panose="02040503050406030204" pitchFamily="18" charset="0"/>
+                            <a:ea typeface="Cambria Math" panose="02040503050406030204" pitchFamily="18" charset="0"/>
+                          </a:rPr>
+                          <m:t>)</m:t>
+                        </m:r>
+                        <m:r>
+                          <m:rPr>
+                            <m:nor/>
+                          </m:rPr>
+                          <a:rPr lang="en-US" sz="900" dirty="0">
+                            <a:ea typeface="Cambria Math" panose="02040503050406030204" pitchFamily="18" charset="0"/>
+                          </a:rPr>
+                          <m:t> </m:t>
+                        </m:r>
+                      </m:e>
+                    </m:d>
+                  </m:oMath>
+                </a14:m>
+                <a:r>
+                  <a:rPr lang="en-US" sz="900" dirty="0" smtClean="0">
+                    <a:ea typeface="Cambria Math" panose="02040503050406030204" pitchFamily="18" charset="0"/>
+                  </a:rPr>
+                  <a:t> </a:t>
+                </a:r>
+              </a:p>
+              <a:p>
+                <a:pPr lvl="1"/>
+                <a:r>
+                  <a:rPr lang="en-US" sz="900" dirty="0" smtClean="0"/>
+                  <a:t>Can be separated into </a:t>
+                </a:r>
+                <a14:m>
+                  <m:oMath xmlns:m="http://schemas.openxmlformats.org/officeDocument/2006/math">
+                    <m:nary>
+                      <m:naryPr>
+                        <m:chr m:val="∑"/>
+                        <m:subHide m:val="on"/>
+                        <m:supHide m:val="on"/>
+                        <m:ctrlPr>
+                          <a:rPr lang="en-US" sz="900" i="1" smtClean="0">
+                            <a:latin typeface="Cambria Math" panose="02040503050406030204" pitchFamily="18" charset="0"/>
+                          </a:rPr>
+                        </m:ctrlPr>
+                      </m:naryPr>
+                      <m:sub/>
+                      <m:sup/>
+                      <m:e>
+                        <m:sSub>
+                          <m:sSubPr>
+                            <m:ctrlPr>
+                              <a:rPr lang="en-US" sz="900" i="1" smtClean="0">
+                                <a:latin typeface="Cambria Math" panose="02040503050406030204" pitchFamily="18" charset="0"/>
+                              </a:rPr>
+                            </m:ctrlPr>
+                          </m:sSubPr>
+                          <m:e>
+                            <m:r>
+                              <a:rPr lang="en-US" sz="900" b="0" i="1" smtClean="0">
+                                <a:latin typeface="Cambria Math" panose="02040503050406030204" pitchFamily="18" charset="0"/>
+                              </a:rPr>
+                              <m:t>𝑉</m:t>
+                            </m:r>
+                          </m:e>
+                          <m:sub>
+                            <m:r>
+                              <a:rPr lang="en-US" sz="900" b="0" i="1" smtClean="0">
+                                <a:latin typeface="Cambria Math" panose="02040503050406030204" pitchFamily="18" charset="0"/>
+                              </a:rPr>
+                              <m:t>𝑝</m:t>
+                            </m:r>
+                          </m:sub>
+                        </m:sSub>
+                      </m:e>
+                    </m:nary>
+                  </m:oMath>
+                </a14:m>
+                <a:r>
+                  <a:rPr lang="en-US" sz="900" dirty="0" smtClean="0"/>
+                  <a:t> with a vector </a:t>
+                </a:r>
+                <a14:m>
+                  <m:oMath xmlns:m="http://schemas.openxmlformats.org/officeDocument/2006/math">
+                    <m:sSub>
+                      <m:sSubPr>
+                        <m:ctrlPr>
+                          <a:rPr lang="en-US" sz="900" i="1">
+                            <a:latin typeface="Cambria Math" panose="02040503050406030204" pitchFamily="18" charset="0"/>
+                          </a:rPr>
+                        </m:ctrlPr>
+                      </m:sSubPr>
+                      <m:e>
+                        <m:r>
+                          <a:rPr lang="en-US" sz="900" i="1">
+                            <a:latin typeface="Cambria Math" panose="02040503050406030204" pitchFamily="18" charset="0"/>
+                          </a:rPr>
+                          <m:t>𝑉</m:t>
+                        </m:r>
+                      </m:e>
+                      <m:sub>
+                        <m:r>
+                          <a:rPr lang="en-US" sz="900" i="1">
+                            <a:latin typeface="Cambria Math" panose="02040503050406030204" pitchFamily="18" charset="0"/>
+                          </a:rPr>
+                          <m:t>𝑝</m:t>
+                        </m:r>
+                      </m:sub>
+                    </m:sSub>
+                  </m:oMath>
+                </a14:m>
+                <a:r>
+                  <a:rPr lang="en-US" sz="900" dirty="0" smtClean="0"/>
+                  <a:t> for each party </a:t>
+                </a:r>
+                <a:br>
+                  <a:rPr lang="en-US" sz="900" dirty="0" smtClean="0"/>
+                </a:br>
+                <a:r>
+                  <a:rPr lang="en-US" sz="900" dirty="0" smtClean="0"/>
+                  <a:t>where</a:t>
+                </a:r>
+                <a14:m>
+                  <m:oMath xmlns:m="http://schemas.openxmlformats.org/officeDocument/2006/math">
+                    <m:r>
+                      <a:rPr lang="en-US" sz="900" b="0" i="0" smtClean="0">
+                        <a:latin typeface="Cambria Math" panose="02040503050406030204" pitchFamily="18" charset="0"/>
+                        <a:ea typeface="Cambria Math" panose="02040503050406030204" pitchFamily="18" charset="0"/>
+                      </a:rPr>
+                      <m:t> </m:t>
+                    </m:r>
+                    <m:sSub>
+                      <m:sSubPr>
+                        <m:ctrlPr>
+                          <a:rPr lang="en-US" sz="900" i="1">
+                            <a:latin typeface="Cambria Math" panose="02040503050406030204" pitchFamily="18" charset="0"/>
+                            <a:ea typeface="Cambria Math" panose="02040503050406030204" pitchFamily="18" charset="0"/>
+                          </a:rPr>
+                        </m:ctrlPr>
+                      </m:sSubPr>
+                      <m:e>
+                        <m:r>
+                          <a:rPr lang="en-US" sz="900" b="0" i="1" smtClean="0">
+                            <a:latin typeface="Cambria Math" panose="02040503050406030204" pitchFamily="18" charset="0"/>
+                            <a:ea typeface="Cambria Math" panose="02040503050406030204" pitchFamily="18" charset="0"/>
+                          </a:rPr>
+                          <m:t>𝑉</m:t>
+                        </m:r>
+                      </m:e>
+                      <m:sub>
+                        <m:r>
+                          <a:rPr lang="en-US" sz="900" i="1">
+                            <a:latin typeface="Cambria Math" panose="02040503050406030204" pitchFamily="18" charset="0"/>
+                            <a:ea typeface="Cambria Math" panose="02040503050406030204" pitchFamily="18" charset="0"/>
+                          </a:rPr>
+                          <m:t>𝑝</m:t>
+                        </m:r>
+                      </m:sub>
+                    </m:sSub>
+                    <m:r>
+                      <a:rPr lang="en-US" sz="900" i="1">
+                        <a:latin typeface="Cambria Math" panose="02040503050406030204" pitchFamily="18" charset="0"/>
+                      </a:rPr>
+                      <m:t>= </m:t>
+                    </m:r>
+                    <m:sSubSup>
+                      <m:sSubSupPr>
+                        <m:ctrlPr>
+                          <a:rPr lang="en-US" sz="900" i="1">
+                            <a:latin typeface="Cambria Math" panose="02040503050406030204" pitchFamily="18" charset="0"/>
+                          </a:rPr>
+                        </m:ctrlPr>
+                      </m:sSubSupPr>
+                      <m:e>
+                        <m:r>
+                          <a:rPr lang="en-US" sz="900" i="1">
+                            <a:latin typeface="Cambria Math" panose="02040503050406030204" pitchFamily="18" charset="0"/>
+                          </a:rPr>
+                          <m:t>{</m:t>
+                        </m:r>
+                      </m:e>
+                      <m:sub>
+                        <m:nary>
+                          <m:naryPr>
+                            <m:chr m:val="∑"/>
+                            <m:ctrlPr>
+                              <a:rPr lang="en-US" sz="900" i="1">
+                                <a:latin typeface="Cambria Math" panose="02040503050406030204" pitchFamily="18" charset="0"/>
+                                <a:ea typeface="Cambria Math" panose="02040503050406030204" pitchFamily="18" charset="0"/>
+                              </a:rPr>
+                            </m:ctrlPr>
+                          </m:naryPr>
+                          <m:sub>
+                            <m:r>
+                              <m:rPr>
+                                <m:brk m:alnAt="23"/>
+                              </m:rPr>
+                              <a:rPr lang="en-US" sz="900" i="1">
+                                <a:latin typeface="Cambria Math" panose="02040503050406030204" pitchFamily="18" charset="0"/>
+                                <a:ea typeface="Cambria Math" panose="02040503050406030204" pitchFamily="18" charset="0"/>
+                              </a:rPr>
+                              <m:t>𝑛</m:t>
+                            </m:r>
+                            <m:r>
+                              <a:rPr lang="en-US" sz="900" i="1">
+                                <a:latin typeface="Cambria Math" panose="02040503050406030204" pitchFamily="18" charset="0"/>
+                                <a:ea typeface="Cambria Math" panose="02040503050406030204" pitchFamily="18" charset="0"/>
+                              </a:rPr>
+                              <m:t>=1</m:t>
+                            </m:r>
+                          </m:sub>
+                          <m:sup>
+                            <m:r>
+                              <a:rPr lang="en-US" sz="900" i="1">
+                                <a:latin typeface="Cambria Math" panose="02040503050406030204" pitchFamily="18" charset="0"/>
+                                <a:ea typeface="Cambria Math" panose="02040503050406030204" pitchFamily="18" charset="0"/>
+                              </a:rPr>
+                              <m:t>𝑁</m:t>
+                            </m:r>
+                          </m:sup>
+                          <m:e>
+                            <m:d>
+                              <m:dPr>
+                                <m:ctrlPr>
+                                  <a:rPr lang="en-US" sz="900" i="1">
+                                    <a:latin typeface="Cambria Math" panose="02040503050406030204" pitchFamily="18" charset="0"/>
+                                    <a:ea typeface="Cambria Math" panose="02040503050406030204" pitchFamily="18" charset="0"/>
+                                  </a:rPr>
+                                </m:ctrlPr>
+                              </m:dPr>
+                              <m:e>
+                                <m:r>
+                                  <a:rPr lang="en-US" sz="900" i="1">
+                                    <a:latin typeface="Cambria Math" panose="02040503050406030204" pitchFamily="18" charset="0"/>
+                                    <a:ea typeface="Cambria Math" panose="02040503050406030204" pitchFamily="18" charset="0"/>
+                                  </a:rPr>
+                                  <m:t>𝜌</m:t>
+                                </m:r>
+                                <m:sSubSup>
+                                  <m:sSubSupPr>
+                                    <m:ctrlPr>
+                                      <a:rPr lang="en-US" sz="900" i="1">
+                                        <a:latin typeface="Cambria Math" panose="02040503050406030204" pitchFamily="18" charset="0"/>
+                                        <a:ea typeface="Cambria Math" panose="02040503050406030204" pitchFamily="18" charset="0"/>
+                                      </a:rPr>
+                                    </m:ctrlPr>
+                                  </m:sSubSupPr>
+                                  <m:e>
+                                    <m:r>
+                                      <a:rPr lang="en-US" sz="900" i="1">
+                                        <a:latin typeface="Cambria Math" panose="02040503050406030204" pitchFamily="18" charset="0"/>
+                                        <a:ea typeface="Cambria Math" panose="02040503050406030204" pitchFamily="18" charset="0"/>
+                                      </a:rPr>
+                                      <m:t>𝑧</m:t>
+                                    </m:r>
+                                  </m:e>
+                                  <m:sub>
+                                    <m:r>
+                                      <a:rPr lang="en-US" sz="900" i="1">
+                                        <a:latin typeface="Cambria Math" panose="02040503050406030204" pitchFamily="18" charset="0"/>
+                                        <a:ea typeface="Cambria Math" panose="02040503050406030204" pitchFamily="18" charset="0"/>
+                                      </a:rPr>
+                                      <m:t>𝑛𝑘</m:t>
+                                    </m:r>
+                                  </m:sub>
+                                  <m:sup>
+                                    <m:r>
+                                      <a:rPr lang="en-US" sz="900" i="1">
+                                        <a:latin typeface="Cambria Math" panose="02040503050406030204" pitchFamily="18" charset="0"/>
+                                        <a:ea typeface="Cambria Math" panose="02040503050406030204" pitchFamily="18" charset="0"/>
+                                      </a:rPr>
+                                      <m:t>𝑝</m:t>
+                                    </m:r>
+                                    <m:r>
+                                      <a:rPr lang="en-US" sz="900" i="1">
+                                        <a:latin typeface="Cambria Math" panose="02040503050406030204" pitchFamily="18" charset="0"/>
+                                        <a:ea typeface="Cambria Math" panose="02040503050406030204" pitchFamily="18" charset="0"/>
+                                      </a:rPr>
+                                      <m:t>−1</m:t>
+                                    </m:r>
+                                  </m:sup>
+                                </m:sSubSup>
+                                <m:r>
+                                  <a:rPr lang="en-US" sz="900" i="1">
+                                    <a:latin typeface="Cambria Math" panose="02040503050406030204" pitchFamily="18" charset="0"/>
+                                    <a:ea typeface="Cambria Math" panose="02040503050406030204" pitchFamily="18" charset="0"/>
+                                  </a:rPr>
+                                  <m:t>−</m:t>
+                                </m:r>
+                                <m:sSubSup>
+                                  <m:sSubSupPr>
+                                    <m:ctrlPr>
+                                      <a:rPr lang="en-US" sz="900" i="1">
+                                        <a:latin typeface="Cambria Math" panose="02040503050406030204" pitchFamily="18" charset="0"/>
+                                        <a:ea typeface="Cambria Math" panose="02040503050406030204" pitchFamily="18" charset="0"/>
+                                      </a:rPr>
+                                    </m:ctrlPr>
+                                  </m:sSubSupPr>
+                                  <m:e>
+                                    <m:r>
+                                      <a:rPr lang="en-US" sz="900" i="1">
+                                        <a:latin typeface="Cambria Math" panose="02040503050406030204" pitchFamily="18" charset="0"/>
+                                        <a:ea typeface="Cambria Math" panose="02040503050406030204" pitchFamily="18" charset="0"/>
+                                      </a:rPr>
+                                      <m:t>𝛾</m:t>
+                                    </m:r>
+                                  </m:e>
+                                  <m:sub>
+                                    <m:r>
+                                      <a:rPr lang="en-US" sz="900" i="1">
+                                        <a:latin typeface="Cambria Math" panose="02040503050406030204" pitchFamily="18" charset="0"/>
+                                        <a:ea typeface="Cambria Math" panose="02040503050406030204" pitchFamily="18" charset="0"/>
+                                      </a:rPr>
+                                      <m:t>𝑛𝑘</m:t>
+                                    </m:r>
+                                  </m:sub>
+                                  <m:sup>
+                                    <m:r>
+                                      <a:rPr lang="en-US" sz="900" i="1">
+                                        <a:latin typeface="Cambria Math" panose="02040503050406030204" pitchFamily="18" charset="0"/>
+                                        <a:ea typeface="Cambria Math" panose="02040503050406030204" pitchFamily="18" charset="0"/>
+                                      </a:rPr>
+                                      <m:t>𝑝</m:t>
+                                    </m:r>
+                                    <m:r>
+                                      <a:rPr lang="en-US" sz="900" i="1">
+                                        <a:latin typeface="Cambria Math" panose="02040503050406030204" pitchFamily="18" charset="0"/>
+                                        <a:ea typeface="Cambria Math" panose="02040503050406030204" pitchFamily="18" charset="0"/>
+                                      </a:rPr>
+                                      <m:t>−1</m:t>
+                                    </m:r>
+                                  </m:sup>
+                                </m:sSubSup>
+                              </m:e>
+                            </m:d>
+                          </m:e>
+                        </m:nary>
+                        <m:sSub>
+                          <m:sSubPr>
+                            <m:ctrlPr>
+                              <a:rPr lang="en-US" sz="900" i="1">
+                                <a:latin typeface="Cambria Math" panose="02040503050406030204" pitchFamily="18" charset="0"/>
+                                <a:ea typeface="Cambria Math" panose="02040503050406030204" pitchFamily="18" charset="0"/>
+                              </a:rPr>
+                            </m:ctrlPr>
+                          </m:sSubPr>
+                          <m:e>
+                            <m:r>
+                              <a:rPr lang="en-US" sz="900" i="1">
+                                <a:latin typeface="Cambria Math" panose="02040503050406030204" pitchFamily="18" charset="0"/>
+                                <a:ea typeface="Cambria Math" panose="02040503050406030204" pitchFamily="18" charset="0"/>
+                              </a:rPr>
+                              <m:t>𝑋</m:t>
+                            </m:r>
+                          </m:e>
+                          <m:sub>
+                            <m:r>
+                              <a:rPr lang="en-US" sz="900" i="1">
+                                <a:latin typeface="Cambria Math" panose="02040503050406030204" pitchFamily="18" charset="0"/>
+                                <a:ea typeface="Cambria Math" panose="02040503050406030204" pitchFamily="18" charset="0"/>
+                              </a:rPr>
+                              <m:t>𝑛𝑘</m:t>
+                            </m:r>
+                          </m:sub>
+                        </m:sSub>
+                        <m:r>
+                          <a:rPr lang="en-US" sz="900" i="1">
+                            <a:latin typeface="Cambria Math" panose="02040503050406030204" pitchFamily="18" charset="0"/>
+                            <a:ea typeface="Cambria Math" panose="02040503050406030204" pitchFamily="18" charset="0"/>
+                          </a:rPr>
+                          <m:t>+</m:t>
+                        </m:r>
+                        <m:sSub>
+                          <m:sSubPr>
+                            <m:ctrlPr>
+                              <a:rPr lang="en-US" sz="900" i="1">
+                                <a:latin typeface="Cambria Math" panose="02040503050406030204" pitchFamily="18" charset="0"/>
+                                <a:ea typeface="Cambria Math" panose="02040503050406030204" pitchFamily="18" charset="0"/>
+                              </a:rPr>
+                            </m:ctrlPr>
+                          </m:sSubPr>
+                          <m:e>
+                            <m:r>
+                              <a:rPr lang="en-US" sz="900" i="1">
+                                <a:latin typeface="Cambria Math" panose="02040503050406030204" pitchFamily="18" charset="0"/>
+                                <a:ea typeface="Cambria Math" panose="02040503050406030204" pitchFamily="18" charset="0"/>
+                              </a:rPr>
+                              <m:t>𝜑</m:t>
+                            </m:r>
+                          </m:e>
+                          <m:sub>
+                            <m:r>
+                              <a:rPr lang="en-US" sz="900" i="1">
+                                <a:latin typeface="Cambria Math" panose="02040503050406030204" pitchFamily="18" charset="0"/>
+                                <a:ea typeface="Cambria Math" panose="02040503050406030204" pitchFamily="18" charset="0"/>
+                              </a:rPr>
+                              <m:t>𝑃</m:t>
+                            </m:r>
+                          </m:sub>
+                        </m:sSub>
+                        <m:d>
+                          <m:dPr>
+                            <m:ctrlPr>
+                              <a:rPr lang="en-US" sz="900" i="1">
+                                <a:latin typeface="Cambria Math" panose="02040503050406030204" pitchFamily="18" charset="0"/>
+                                <a:ea typeface="Cambria Math" panose="02040503050406030204" pitchFamily="18" charset="0"/>
+                              </a:rPr>
+                            </m:ctrlPr>
+                          </m:dPr>
+                          <m:e>
+                            <m:sSubSup>
+                              <m:sSubSupPr>
+                                <m:ctrlPr>
+                                  <a:rPr lang="en-US" sz="900" i="1">
+                                    <a:latin typeface="Cambria Math" panose="02040503050406030204" pitchFamily="18" charset="0"/>
+                                  </a:rPr>
+                                </m:ctrlPr>
+                              </m:sSubSupPr>
+                              <m:e>
+                                <m:r>
+                                  <a:rPr lang="en-US" sz="900" i="1">
+                                    <a:latin typeface="Cambria Math" panose="02040503050406030204" pitchFamily="18" charset="0"/>
+                                  </a:rPr>
+                                  <m:t>𝑉</m:t>
+                                </m:r>
+                              </m:e>
+                              <m:sub>
+                                <m:r>
+                                  <a:rPr lang="en-US" sz="900" i="1">
+                                    <a:latin typeface="Cambria Math" panose="02040503050406030204" pitchFamily="18" charset="0"/>
+                                  </a:rPr>
+                                  <m:t>𝑝</m:t>
+                                </m:r>
+                              </m:sub>
+                              <m:sup>
+                                <m:r>
+                                  <a:rPr lang="en-US" sz="900" i="1">
+                                    <a:latin typeface="Cambria Math" panose="02040503050406030204" pitchFamily="18" charset="0"/>
+                                  </a:rPr>
+                                  <m:t>𝑡</m:t>
+                                </m:r>
+                                <m:r>
+                                  <a:rPr lang="en-US" sz="900" i="1">
+                                    <a:latin typeface="Cambria Math" panose="02040503050406030204" pitchFamily="18" charset="0"/>
+                                    <a:ea typeface="Cambria Math" panose="02040503050406030204" pitchFamily="18" charset="0"/>
+                                  </a:rPr>
+                                  <m:t>∈</m:t>
+                                </m:r>
+                                <m:d>
+                                  <m:dPr>
+                                    <m:begChr m:val="["/>
+                                    <m:endChr m:val="]"/>
+                                    <m:ctrlPr>
+                                      <a:rPr lang="en-US" sz="900" i="1">
+                                        <a:latin typeface="Cambria Math" panose="02040503050406030204" pitchFamily="18" charset="0"/>
+                                        <a:ea typeface="Cambria Math" panose="02040503050406030204" pitchFamily="18" charset="0"/>
+                                      </a:rPr>
+                                    </m:ctrlPr>
+                                  </m:dPr>
+                                  <m:e>
+                                    <m:r>
+                                      <a:rPr lang="en-US" sz="900" i="1">
+                                        <a:latin typeface="Cambria Math" panose="02040503050406030204" pitchFamily="18" charset="0"/>
+                                        <a:ea typeface="Cambria Math" panose="02040503050406030204" pitchFamily="18" charset="0"/>
+                                      </a:rPr>
+                                      <m:t>1,</m:t>
+                                    </m:r>
+                                    <m:r>
+                                      <a:rPr lang="en-US" sz="900" i="1">
+                                        <a:latin typeface="Cambria Math" panose="02040503050406030204" pitchFamily="18" charset="0"/>
+                                        <a:ea typeface="Cambria Math" panose="02040503050406030204" pitchFamily="18" charset="0"/>
+                                      </a:rPr>
+                                      <m:t>𝑇</m:t>
+                                    </m:r>
+                                  </m:e>
+                                </m:d>
+                              </m:sup>
+                            </m:sSubSup>
+                          </m:e>
+                        </m:d>
+                        <m:r>
+                          <m:rPr>
+                            <m:nor/>
+                          </m:rPr>
+                          <a:rPr lang="en-US" sz="900" dirty="0">
+                            <a:ea typeface="Cambria Math" panose="02040503050406030204" pitchFamily="18" charset="0"/>
+                          </a:rPr>
+                          <m:t>  </m:t>
+                        </m:r>
+                        <m:r>
+                          <a:rPr lang="en-US" sz="900" i="1">
+                            <a:latin typeface="Cambria Math" panose="02040503050406030204" pitchFamily="18" charset="0"/>
+                          </a:rPr>
+                          <m:t>𝑖𝑓</m:t>
+                        </m:r>
+                        <m:sSub>
+                          <m:sSubPr>
+                            <m:ctrlPr>
+                              <a:rPr lang="en-US" sz="900" i="1">
+                                <a:latin typeface="Cambria Math" panose="02040503050406030204" pitchFamily="18" charset="0"/>
+                                <a:ea typeface="Cambria Math" panose="02040503050406030204" pitchFamily="18" charset="0"/>
+                              </a:rPr>
+                            </m:ctrlPr>
+                          </m:sSubPr>
+                          <m:e>
+                            <m:r>
+                              <a:rPr lang="en-US" sz="900" b="0" i="1" smtClean="0">
+                                <a:latin typeface="Cambria Math" panose="02040503050406030204" pitchFamily="18" charset="0"/>
+                                <a:ea typeface="Cambria Math" panose="02040503050406030204" pitchFamily="18" charset="0"/>
+                              </a:rPr>
+                              <m:t> </m:t>
+                            </m:r>
+                            <m:r>
+                              <a:rPr lang="en-US" sz="900" i="1">
+                                <a:latin typeface="Cambria Math" panose="02040503050406030204" pitchFamily="18" charset="0"/>
+                                <a:ea typeface="Cambria Math" panose="02040503050406030204" pitchFamily="18" charset="0"/>
+                              </a:rPr>
+                              <m:t>𝑋</m:t>
+                            </m:r>
+                          </m:e>
+                          <m:sub>
+                            <m:r>
+                              <a:rPr lang="en-US" sz="900" i="1">
+                                <a:latin typeface="Cambria Math" panose="02040503050406030204" pitchFamily="18" charset="0"/>
+                                <a:ea typeface="Cambria Math" panose="02040503050406030204" pitchFamily="18" charset="0"/>
+                              </a:rPr>
+                              <m:t>𝑛𝑘</m:t>
+                            </m:r>
+                          </m:sub>
+                        </m:sSub>
+                        <m:r>
+                          <a:rPr lang="en-US" sz="900" b="0" i="1" smtClean="0">
+                            <a:latin typeface="Cambria Math" panose="02040503050406030204" pitchFamily="18" charset="0"/>
+                            <a:ea typeface="Cambria Math" panose="02040503050406030204" pitchFamily="18" charset="0"/>
+                          </a:rPr>
+                          <m:t>𝑖𝑠</m:t>
+                        </m:r>
+                        <m:r>
+                          <a:rPr lang="en-US" sz="900" b="0" i="1" smtClean="0">
+                            <a:latin typeface="Cambria Math" panose="02040503050406030204" pitchFamily="18" charset="0"/>
+                            <a:ea typeface="Cambria Math" panose="02040503050406030204" pitchFamily="18" charset="0"/>
+                          </a:rPr>
+                          <m:t> </m:t>
+                        </m:r>
+                        <m:r>
+                          <a:rPr lang="en-US" sz="900" b="0" i="1" smtClean="0">
+                            <a:latin typeface="Cambria Math" panose="02040503050406030204" pitchFamily="18" charset="0"/>
+                            <a:ea typeface="Cambria Math" panose="02040503050406030204" pitchFamily="18" charset="0"/>
+                          </a:rPr>
+                          <m:t>𝑙𝑜𝑐𝑎𝑙𝑙𝑦</m:t>
+                        </m:r>
+                        <m:r>
+                          <a:rPr lang="en-US" sz="900" b="0" i="1" smtClean="0">
+                            <a:latin typeface="Cambria Math" panose="02040503050406030204" pitchFamily="18" charset="0"/>
+                            <a:ea typeface="Cambria Math" panose="02040503050406030204" pitchFamily="18" charset="0"/>
+                          </a:rPr>
+                          <m:t> </m:t>
+                        </m:r>
+                        <m:r>
+                          <a:rPr lang="en-US" sz="900" b="0" i="1" smtClean="0">
+                            <a:latin typeface="Cambria Math" panose="02040503050406030204" pitchFamily="18" charset="0"/>
+                            <a:ea typeface="Cambria Math" panose="02040503050406030204" pitchFamily="18" charset="0"/>
+                          </a:rPr>
+                          <m:t>𝑘𝑛𝑜𝑤𝑛</m:t>
+                        </m:r>
+                      </m:sub>
+                      <m:sup>
+                        <m:r>
+                          <a:rPr lang="en-US" sz="900" b="0" i="1" smtClean="0">
+                            <a:latin typeface="Cambria Math" panose="02040503050406030204" pitchFamily="18" charset="0"/>
+                          </a:rPr>
+                          <m:t>1 </m:t>
+                        </m:r>
+                        <m:r>
+                          <a:rPr lang="en-US" sz="900" i="1">
+                            <a:latin typeface="Cambria Math" panose="02040503050406030204" pitchFamily="18" charset="0"/>
+                          </a:rPr>
+                          <m:t>𝑖𝑓</m:t>
+                        </m:r>
+                        <m:sSub>
+                          <m:sSubPr>
+                            <m:ctrlPr>
+                              <a:rPr lang="en-US" sz="900" i="1">
+                                <a:latin typeface="Cambria Math" panose="02040503050406030204" pitchFamily="18" charset="0"/>
+                                <a:ea typeface="Cambria Math" panose="02040503050406030204" pitchFamily="18" charset="0"/>
+                              </a:rPr>
+                            </m:ctrlPr>
+                          </m:sSubPr>
+                          <m:e>
+                            <m:r>
+                              <a:rPr lang="en-US" sz="900" i="1">
+                                <a:latin typeface="Cambria Math" panose="02040503050406030204" pitchFamily="18" charset="0"/>
+                                <a:ea typeface="Cambria Math" panose="02040503050406030204" pitchFamily="18" charset="0"/>
+                              </a:rPr>
+                              <m:t> </m:t>
+                            </m:r>
+                            <m:r>
+                              <a:rPr lang="en-US" sz="900" i="1">
+                                <a:latin typeface="Cambria Math" panose="02040503050406030204" pitchFamily="18" charset="0"/>
+                                <a:ea typeface="Cambria Math" panose="02040503050406030204" pitchFamily="18" charset="0"/>
+                              </a:rPr>
+                              <m:t>𝑋</m:t>
+                            </m:r>
+                          </m:e>
+                          <m:sub>
+                            <m:r>
+                              <a:rPr lang="en-US" sz="900" i="1">
+                                <a:latin typeface="Cambria Math" panose="02040503050406030204" pitchFamily="18" charset="0"/>
+                                <a:ea typeface="Cambria Math" panose="02040503050406030204" pitchFamily="18" charset="0"/>
+                              </a:rPr>
+                              <m:t>𝑛𝑘</m:t>
+                            </m:r>
+                          </m:sub>
+                        </m:sSub>
+                        <m:r>
+                          <a:rPr lang="en-US" sz="900" i="1">
+                            <a:latin typeface="Cambria Math" panose="02040503050406030204" pitchFamily="18" charset="0"/>
+                            <a:ea typeface="Cambria Math" panose="02040503050406030204" pitchFamily="18" charset="0"/>
+                          </a:rPr>
+                          <m:t>𝑖𝑠</m:t>
+                        </m:r>
+                        <m:r>
+                          <a:rPr lang="en-US" sz="900" i="1">
+                            <a:latin typeface="Cambria Math" panose="02040503050406030204" pitchFamily="18" charset="0"/>
+                            <a:ea typeface="Cambria Math" panose="02040503050406030204" pitchFamily="18" charset="0"/>
+                          </a:rPr>
+                          <m:t> </m:t>
+                        </m:r>
+                        <m:r>
+                          <a:rPr lang="en-US" sz="900" b="0" i="1" smtClean="0">
+                            <a:latin typeface="Cambria Math" panose="02040503050406030204" pitchFamily="18" charset="0"/>
+                            <a:ea typeface="Cambria Math" panose="02040503050406030204" pitchFamily="18" charset="0"/>
+                          </a:rPr>
+                          <m:t>𝑛𝑜𝑡</m:t>
+                        </m:r>
+                        <m:r>
+                          <a:rPr lang="en-US" sz="900" b="0" i="1" smtClean="0">
+                            <a:latin typeface="Cambria Math" panose="02040503050406030204" pitchFamily="18" charset="0"/>
+                            <a:ea typeface="Cambria Math" panose="02040503050406030204" pitchFamily="18" charset="0"/>
+                          </a:rPr>
+                          <m:t> </m:t>
+                        </m:r>
+                        <m:r>
+                          <a:rPr lang="en-US" sz="900" i="1">
+                            <a:latin typeface="Cambria Math" panose="02040503050406030204" pitchFamily="18" charset="0"/>
+                            <a:ea typeface="Cambria Math" panose="02040503050406030204" pitchFamily="18" charset="0"/>
+                          </a:rPr>
+                          <m:t>𝑙𝑜𝑐𝑎𝑙𝑙𝑦</m:t>
+                        </m:r>
+                        <m:r>
+                          <a:rPr lang="en-US" sz="900" i="1">
+                            <a:latin typeface="Cambria Math" panose="02040503050406030204" pitchFamily="18" charset="0"/>
+                            <a:ea typeface="Cambria Math" panose="02040503050406030204" pitchFamily="18" charset="0"/>
+                          </a:rPr>
+                          <m:t> </m:t>
+                        </m:r>
+                        <m:r>
+                          <a:rPr lang="en-US" sz="900" i="1">
+                            <a:latin typeface="Cambria Math" panose="02040503050406030204" pitchFamily="18" charset="0"/>
+                            <a:ea typeface="Cambria Math" panose="02040503050406030204" pitchFamily="18" charset="0"/>
+                          </a:rPr>
+                          <m:t>𝑘𝑛𝑜𝑤𝑛</m:t>
+                        </m:r>
+                      </m:sup>
+                    </m:sSubSup>
+                  </m:oMath>
+                </a14:m>
+                <a:endParaRPr lang="nl-NL" sz="900" dirty="0" smtClean="0"/>
+              </a:p>
+              <a:p>
+                <a:pPr lvl="1"/>
+                <a:r>
+                  <a:rPr lang="en-US" sz="900" dirty="0" smtClean="0"/>
+                  <a:t>B can be revealed to the auxiliary party provided it does not know </a:t>
+                </a:r>
+                <a14:m>
+                  <m:oMath xmlns:m="http://schemas.openxmlformats.org/officeDocument/2006/math">
+                    <m:sSub>
+                      <m:sSubPr>
+                        <m:ctrlPr>
+                          <a:rPr lang="en-US" sz="900" i="1">
+                            <a:latin typeface="Cambria Math" panose="02040503050406030204" pitchFamily="18" charset="0"/>
+                            <a:ea typeface="Cambria Math" panose="02040503050406030204" pitchFamily="18" charset="0"/>
+                          </a:rPr>
+                        </m:ctrlPr>
+                      </m:sSubPr>
+                      <m:e>
+                        <m:r>
+                          <a:rPr lang="en-US" sz="900" i="1">
+                            <a:latin typeface="Cambria Math" panose="02040503050406030204" pitchFamily="18" charset="0"/>
+                            <a:ea typeface="Cambria Math" panose="02040503050406030204" pitchFamily="18" charset="0"/>
+                          </a:rPr>
+                          <m:t>𝜑</m:t>
+                        </m:r>
+                      </m:e>
+                      <m:sub>
+                        <m:r>
+                          <a:rPr lang="en-US" sz="900" i="1">
+                            <a:latin typeface="Cambria Math" panose="02040503050406030204" pitchFamily="18" charset="0"/>
+                            <a:ea typeface="Cambria Math" panose="02040503050406030204" pitchFamily="18" charset="0"/>
+                          </a:rPr>
+                          <m:t>𝑃</m:t>
+                        </m:r>
+                      </m:sub>
+                    </m:sSub>
+                    <m:r>
+                      <a:rPr lang="en-US" sz="900" i="1">
+                        <a:latin typeface="Cambria Math" panose="02040503050406030204" pitchFamily="18" charset="0"/>
+                        <a:ea typeface="Cambria Math" panose="02040503050406030204" pitchFamily="18" charset="0"/>
+                      </a:rPr>
+                      <m:t>(</m:t>
+                    </m:r>
+                    <m:sSubSup>
+                      <m:sSubSupPr>
+                        <m:ctrlPr>
+                          <a:rPr lang="en-US" sz="900" i="1">
+                            <a:latin typeface="Cambria Math" panose="02040503050406030204" pitchFamily="18" charset="0"/>
+                          </a:rPr>
+                        </m:ctrlPr>
+                      </m:sSubSupPr>
+                      <m:e>
+                        <m:r>
+                          <a:rPr lang="en-US" sz="900" i="1">
+                            <a:latin typeface="Cambria Math" panose="02040503050406030204" pitchFamily="18" charset="0"/>
+                          </a:rPr>
+                          <m:t>𝑉</m:t>
+                        </m:r>
+                      </m:e>
+                      <m:sub>
+                        <m:r>
+                          <a:rPr lang="en-US" sz="900" i="1">
+                            <a:latin typeface="Cambria Math" panose="02040503050406030204" pitchFamily="18" charset="0"/>
+                          </a:rPr>
+                          <m:t>𝑝</m:t>
+                        </m:r>
+                      </m:sub>
+                      <m:sup>
+                        <m:r>
+                          <a:rPr lang="en-US" sz="900" i="1">
+                            <a:latin typeface="Cambria Math" panose="02040503050406030204" pitchFamily="18" charset="0"/>
+                          </a:rPr>
+                          <m:t>𝑡</m:t>
+                        </m:r>
+                        <m:r>
+                          <a:rPr lang="en-US" sz="900" i="1">
+                            <a:latin typeface="Cambria Math" panose="02040503050406030204" pitchFamily="18" charset="0"/>
+                            <a:ea typeface="Cambria Math" panose="02040503050406030204" pitchFamily="18" charset="0"/>
+                          </a:rPr>
+                          <m:t>∈</m:t>
+                        </m:r>
+                        <m:d>
+                          <m:dPr>
+                            <m:begChr m:val="["/>
+                            <m:endChr m:val="]"/>
+                            <m:ctrlPr>
+                              <a:rPr lang="en-US" sz="900" i="1">
+                                <a:latin typeface="Cambria Math" panose="02040503050406030204" pitchFamily="18" charset="0"/>
+                                <a:ea typeface="Cambria Math" panose="02040503050406030204" pitchFamily="18" charset="0"/>
+                              </a:rPr>
+                            </m:ctrlPr>
+                          </m:dPr>
+                          <m:e>
+                            <m:r>
+                              <a:rPr lang="en-US" sz="900" i="1">
+                                <a:latin typeface="Cambria Math" panose="02040503050406030204" pitchFamily="18" charset="0"/>
+                                <a:ea typeface="Cambria Math" panose="02040503050406030204" pitchFamily="18" charset="0"/>
+                              </a:rPr>
+                              <m:t>1,</m:t>
+                            </m:r>
+                            <m:r>
+                              <a:rPr lang="en-US" sz="900" i="1">
+                                <a:latin typeface="Cambria Math" panose="02040503050406030204" pitchFamily="18" charset="0"/>
+                                <a:ea typeface="Cambria Math" panose="02040503050406030204" pitchFamily="18" charset="0"/>
+                              </a:rPr>
+                              <m:t>𝑇</m:t>
+                            </m:r>
+                          </m:e>
+                        </m:d>
+                      </m:sup>
+                    </m:sSubSup>
+                    <m:r>
+                      <a:rPr lang="en-US" sz="900" i="1">
+                        <a:latin typeface="Cambria Math" panose="02040503050406030204" pitchFamily="18" charset="0"/>
+                        <a:ea typeface="Cambria Math" panose="02040503050406030204" pitchFamily="18" charset="0"/>
+                      </a:rPr>
+                      <m:t>)</m:t>
+                    </m:r>
+                    <m:r>
+                      <m:rPr>
+                        <m:nor/>
+                      </m:rPr>
+                      <a:rPr lang="en-US" sz="900" dirty="0">
+                        <a:ea typeface="Cambria Math" panose="02040503050406030204" pitchFamily="18" charset="0"/>
+                      </a:rPr>
+                      <m:t> </m:t>
+                    </m:r>
+                  </m:oMath>
+                </a14:m>
+                <a:r>
+                  <a:rPr lang="en-US" sz="900" dirty="0" smtClean="0"/>
+                  <a:t>and </a:t>
+                </a:r>
+                <a14:m>
+                  <m:oMath xmlns:m="http://schemas.openxmlformats.org/officeDocument/2006/math">
+                    <m:d>
+                      <m:dPr>
+                        <m:ctrlPr>
+                          <a:rPr lang="en-US" sz="900" i="1">
+                            <a:latin typeface="Cambria Math" panose="02040503050406030204" pitchFamily="18" charset="0"/>
+                            <a:ea typeface="Cambria Math" panose="02040503050406030204" pitchFamily="18" charset="0"/>
+                          </a:rPr>
+                        </m:ctrlPr>
+                      </m:dPr>
+                      <m:e>
+                        <m:r>
+                          <a:rPr lang="en-US" sz="900" i="1">
+                            <a:latin typeface="Cambria Math" panose="02040503050406030204" pitchFamily="18" charset="0"/>
+                            <a:ea typeface="Cambria Math" panose="02040503050406030204" pitchFamily="18" charset="0"/>
+                          </a:rPr>
+                          <m:t>𝜌</m:t>
+                        </m:r>
+                        <m:sSubSup>
+                          <m:sSubSupPr>
+                            <m:ctrlPr>
+                              <a:rPr lang="en-US" sz="900" i="1">
+                                <a:latin typeface="Cambria Math" panose="02040503050406030204" pitchFamily="18" charset="0"/>
+                                <a:ea typeface="Cambria Math" panose="02040503050406030204" pitchFamily="18" charset="0"/>
+                              </a:rPr>
+                            </m:ctrlPr>
+                          </m:sSubSupPr>
+                          <m:e>
+                            <m:r>
+                              <a:rPr lang="en-US" sz="900" i="1">
+                                <a:latin typeface="Cambria Math" panose="02040503050406030204" pitchFamily="18" charset="0"/>
+                                <a:ea typeface="Cambria Math" panose="02040503050406030204" pitchFamily="18" charset="0"/>
+                              </a:rPr>
+                              <m:t>𝑧</m:t>
+                            </m:r>
+                          </m:e>
+                          <m:sub>
+                            <m:r>
+                              <a:rPr lang="en-US" sz="900" i="1">
+                                <a:latin typeface="Cambria Math" panose="02040503050406030204" pitchFamily="18" charset="0"/>
+                                <a:ea typeface="Cambria Math" panose="02040503050406030204" pitchFamily="18" charset="0"/>
+                              </a:rPr>
+                              <m:t>𝑛𝑘</m:t>
+                            </m:r>
+                          </m:sub>
+                          <m:sup>
+                            <m:r>
+                              <a:rPr lang="en-US" sz="900" i="1">
+                                <a:latin typeface="Cambria Math" panose="02040503050406030204" pitchFamily="18" charset="0"/>
+                                <a:ea typeface="Cambria Math" panose="02040503050406030204" pitchFamily="18" charset="0"/>
+                              </a:rPr>
+                              <m:t>𝑝</m:t>
+                            </m:r>
+                            <m:r>
+                              <a:rPr lang="en-US" sz="900" i="1">
+                                <a:latin typeface="Cambria Math" panose="02040503050406030204" pitchFamily="18" charset="0"/>
+                                <a:ea typeface="Cambria Math" panose="02040503050406030204" pitchFamily="18" charset="0"/>
+                              </a:rPr>
+                              <m:t>−1</m:t>
+                            </m:r>
+                          </m:sup>
+                        </m:sSubSup>
+                        <m:r>
+                          <a:rPr lang="en-US" sz="900" i="1">
+                            <a:latin typeface="Cambria Math" panose="02040503050406030204" pitchFamily="18" charset="0"/>
+                            <a:ea typeface="Cambria Math" panose="02040503050406030204" pitchFamily="18" charset="0"/>
+                          </a:rPr>
+                          <m:t>−</m:t>
+                        </m:r>
+                        <m:sSubSup>
+                          <m:sSubSupPr>
+                            <m:ctrlPr>
+                              <a:rPr lang="en-US" sz="900" i="1">
+                                <a:latin typeface="Cambria Math" panose="02040503050406030204" pitchFamily="18" charset="0"/>
+                                <a:ea typeface="Cambria Math" panose="02040503050406030204" pitchFamily="18" charset="0"/>
+                              </a:rPr>
+                            </m:ctrlPr>
+                          </m:sSubSupPr>
+                          <m:e>
+                            <m:r>
+                              <a:rPr lang="en-US" sz="900" i="1">
+                                <a:latin typeface="Cambria Math" panose="02040503050406030204" pitchFamily="18" charset="0"/>
+                                <a:ea typeface="Cambria Math" panose="02040503050406030204" pitchFamily="18" charset="0"/>
+                              </a:rPr>
+                              <m:t>𝛾</m:t>
+                            </m:r>
+                          </m:e>
+                          <m:sub>
+                            <m:r>
+                              <a:rPr lang="en-US" sz="900" i="1">
+                                <a:latin typeface="Cambria Math" panose="02040503050406030204" pitchFamily="18" charset="0"/>
+                                <a:ea typeface="Cambria Math" panose="02040503050406030204" pitchFamily="18" charset="0"/>
+                              </a:rPr>
+                              <m:t>𝑛𝑘</m:t>
+                            </m:r>
+                          </m:sub>
+                          <m:sup>
+                            <m:r>
+                              <a:rPr lang="en-US" sz="900" i="1">
+                                <a:latin typeface="Cambria Math" panose="02040503050406030204" pitchFamily="18" charset="0"/>
+                                <a:ea typeface="Cambria Math" panose="02040503050406030204" pitchFamily="18" charset="0"/>
+                              </a:rPr>
+                              <m:t>𝑝</m:t>
+                            </m:r>
+                            <m:r>
+                              <a:rPr lang="en-US" sz="900" i="1">
+                                <a:latin typeface="Cambria Math" panose="02040503050406030204" pitchFamily="18" charset="0"/>
+                                <a:ea typeface="Cambria Math" panose="02040503050406030204" pitchFamily="18" charset="0"/>
+                              </a:rPr>
+                              <m:t>−1</m:t>
+                            </m:r>
+                          </m:sup>
+                        </m:sSubSup>
+                      </m:e>
+                    </m:d>
+                  </m:oMath>
+                </a14:m>
+                <a:r>
+                  <a:rPr lang="en-US" sz="900" dirty="0" smtClean="0"/>
+                  <a:t> (logical or)</a:t>
+                </a:r>
+              </a:p>
+              <a:p>
+                <a:pPr lvl="1"/>
+                <a:endParaRPr lang="en-US" sz="900" dirty="0"/>
+              </a:p>
+              <a:p>
+                <a:r>
+                  <a:rPr lang="en-US" sz="900" dirty="0" smtClean="0"/>
+                  <a:t>Auxiliary party can calculate </a:t>
+                </a:r>
+                <a14:m>
+                  <m:oMath xmlns:m="http://schemas.openxmlformats.org/officeDocument/2006/math">
+                    <m:sSup>
+                      <m:sSupPr>
+                        <m:ctrlPr>
+                          <a:rPr lang="en-US" sz="900" i="1">
+                            <a:latin typeface="Cambria Math" panose="02040503050406030204" pitchFamily="18" charset="0"/>
+                            <a:ea typeface="Cambria Math" panose="02040503050406030204" pitchFamily="18" charset="0"/>
+                          </a:rPr>
+                        </m:ctrlPr>
+                      </m:sSupPr>
+                      <m:e>
+                        <m:r>
+                          <a:rPr lang="en-US" sz="900" i="1">
+                            <a:latin typeface="Cambria Math" panose="02040503050406030204" pitchFamily="18" charset="0"/>
+                            <a:ea typeface="Cambria Math" panose="02040503050406030204" pitchFamily="18" charset="0"/>
+                          </a:rPr>
+                          <m:t>(</m:t>
+                        </m:r>
+                        <m:r>
+                          <a:rPr lang="en-US" sz="900" i="1">
+                            <a:latin typeface="Cambria Math" panose="02040503050406030204" pitchFamily="18" charset="0"/>
+                            <a:ea typeface="Cambria Math" panose="02040503050406030204" pitchFamily="18" charset="0"/>
+                          </a:rPr>
+                          <m:t>𝐴</m:t>
+                        </m:r>
+                        <m:r>
+                          <a:rPr lang="en-US" sz="900" i="1">
+                            <a:latin typeface="Cambria Math" panose="02040503050406030204" pitchFamily="18" charset="0"/>
+                            <a:ea typeface="Cambria Math" panose="02040503050406030204" pitchFamily="18" charset="0"/>
+                          </a:rPr>
+                          <m:t>∗</m:t>
+                        </m:r>
+                        <m:r>
+                          <a:rPr lang="en-US" sz="900" i="1">
+                            <a:latin typeface="Cambria Math" panose="02040503050406030204" pitchFamily="18" charset="0"/>
+                            <a:ea typeface="Cambria Math" panose="02040503050406030204" pitchFamily="18" charset="0"/>
+                          </a:rPr>
+                          <m:t>𝐵</m:t>
+                        </m:r>
+                        <m:r>
+                          <a:rPr lang="en-US" sz="900" i="1">
+                            <a:latin typeface="Cambria Math" panose="02040503050406030204" pitchFamily="18" charset="0"/>
+                            <a:ea typeface="Cambria Math" panose="02040503050406030204" pitchFamily="18" charset="0"/>
+                          </a:rPr>
+                          <m:t>)</m:t>
+                        </m:r>
+                      </m:e>
+                      <m:sup>
+                        <m:r>
+                          <a:rPr lang="en-US" sz="900" i="1">
+                            <a:latin typeface="Cambria Math" panose="02040503050406030204" pitchFamily="18" charset="0"/>
+                            <a:ea typeface="Cambria Math" panose="02040503050406030204" pitchFamily="18" charset="0"/>
+                          </a:rPr>
+                          <m:t>𝑇</m:t>
+                        </m:r>
+                      </m:sup>
+                    </m:sSup>
+                  </m:oMath>
+                </a14:m>
+                <a:r>
+                  <a:rPr lang="en-US" sz="900" dirty="0" smtClean="0"/>
+                  <a:t> locally</a:t>
+                </a:r>
+              </a:p>
+              <a:p>
+                <a:endParaRPr lang="en-US" sz="900" dirty="0" smtClean="0"/>
+              </a:p>
+              <a:p>
+                <a14:m>
+                  <m:oMath xmlns:m="http://schemas.openxmlformats.org/officeDocument/2006/math">
+                    <m:sSub>
+                      <m:sSubPr>
+                        <m:ctrlPr>
+                          <a:rPr lang="en-US" sz="900" i="1">
+                            <a:latin typeface="Cambria Math" panose="02040503050406030204" pitchFamily="18" charset="0"/>
+                            <a:ea typeface="Cambria Math" panose="02040503050406030204" pitchFamily="18" charset="0"/>
+                          </a:rPr>
+                        </m:ctrlPr>
+                      </m:sSubPr>
+                      <m:e>
+                        <m:r>
+                          <a:rPr lang="en-US" sz="900" i="1">
+                            <a:latin typeface="Cambria Math" panose="02040503050406030204" pitchFamily="18" charset="0"/>
+                            <a:ea typeface="Cambria Math" panose="02040503050406030204" pitchFamily="18" charset="0"/>
+                          </a:rPr>
+                          <m:t>𝐶</m:t>
+                        </m:r>
+                        <m:r>
+                          <a:rPr lang="en-US" sz="900" i="1">
+                            <a:latin typeface="Cambria Math" panose="02040503050406030204" pitchFamily="18" charset="0"/>
+                            <a:ea typeface="Cambria Math" panose="02040503050406030204" pitchFamily="18" charset="0"/>
+                          </a:rPr>
+                          <m:t>=</m:t>
+                        </m:r>
+                        <m:r>
+                          <a:rPr lang="en-US" sz="900" i="1">
+                            <a:latin typeface="Cambria Math" panose="02040503050406030204" pitchFamily="18" charset="0"/>
+                            <a:ea typeface="Cambria Math" panose="02040503050406030204" pitchFamily="18" charset="0"/>
+                          </a:rPr>
+                          <m:t>𝑋</m:t>
+                        </m:r>
+                      </m:e>
+                      <m:sub>
+                        <m:r>
+                          <a:rPr lang="en-US" sz="900" i="1">
+                            <a:latin typeface="Cambria Math" panose="02040503050406030204" pitchFamily="18" charset="0"/>
+                            <a:ea typeface="Cambria Math" panose="02040503050406030204" pitchFamily="18" charset="0"/>
+                          </a:rPr>
+                          <m:t>𝑛𝑘</m:t>
+                        </m:r>
+                      </m:sub>
+                    </m:sSub>
+                  </m:oMath>
+                </a14:m>
+                <a:endParaRPr lang="en-US" sz="900" dirty="0" smtClean="0">
+                  <a:ea typeface="Cambria Math" panose="02040503050406030204" pitchFamily="18" charset="0"/>
+                </a:endParaRPr>
+              </a:p>
+              <a:p>
+                <a:pPr lvl="1"/>
+                <a:r>
+                  <a:rPr lang="en-US" sz="900" dirty="0" smtClean="0">
+                    <a:ea typeface="Cambria Math" panose="02040503050406030204" pitchFamily="18" charset="0"/>
+                  </a:rPr>
+                  <a:t>Locally calculate </a:t>
+                </a:r>
+                <a14:m>
+                  <m:oMath xmlns:m="http://schemas.openxmlformats.org/officeDocument/2006/math">
+                    <m:sSup>
+                      <m:sSupPr>
+                        <m:ctrlPr>
+                          <a:rPr lang="en-US" sz="900" i="1" smtClean="0">
+                            <a:latin typeface="Cambria Math" panose="02040503050406030204" pitchFamily="18" charset="0"/>
+                            <a:ea typeface="Cambria Math" panose="02040503050406030204" pitchFamily="18" charset="0"/>
+                          </a:rPr>
+                        </m:ctrlPr>
+                      </m:sSupPr>
+                      <m:e>
+                        <m:r>
+                          <a:rPr lang="en-US" sz="900" b="0" i="1" smtClean="0">
+                            <a:latin typeface="Cambria Math" panose="02040503050406030204" pitchFamily="18" charset="0"/>
+                            <a:ea typeface="Cambria Math" panose="02040503050406030204" pitchFamily="18" charset="0"/>
+                          </a:rPr>
+                          <m:t>(</m:t>
+                        </m:r>
+                        <m:r>
+                          <a:rPr lang="en-US" sz="900" b="0" i="1" smtClean="0">
+                            <a:latin typeface="Cambria Math" panose="02040503050406030204" pitchFamily="18" charset="0"/>
+                            <a:ea typeface="Cambria Math" panose="02040503050406030204" pitchFamily="18" charset="0"/>
+                          </a:rPr>
+                          <m:t>𝐴</m:t>
+                        </m:r>
+                        <m:r>
+                          <a:rPr lang="en-US" sz="900" b="0" i="1" smtClean="0">
+                            <a:latin typeface="Cambria Math" panose="02040503050406030204" pitchFamily="18" charset="0"/>
+                            <a:ea typeface="Cambria Math" panose="02040503050406030204" pitchFamily="18" charset="0"/>
+                          </a:rPr>
+                          <m:t>∗</m:t>
+                        </m:r>
+                        <m:r>
+                          <a:rPr lang="en-US" sz="900" b="0" i="1" smtClean="0">
+                            <a:latin typeface="Cambria Math" panose="02040503050406030204" pitchFamily="18" charset="0"/>
+                            <a:ea typeface="Cambria Math" panose="02040503050406030204" pitchFamily="18" charset="0"/>
+                          </a:rPr>
+                          <m:t>𝐵</m:t>
+                        </m:r>
+                        <m:r>
+                          <a:rPr lang="en-US" sz="900" b="0" i="1" smtClean="0">
+                            <a:latin typeface="Cambria Math" panose="02040503050406030204" pitchFamily="18" charset="0"/>
+                            <a:ea typeface="Cambria Math" panose="02040503050406030204" pitchFamily="18" charset="0"/>
+                          </a:rPr>
+                          <m:t>)</m:t>
+                        </m:r>
+                      </m:e>
+                      <m:sup>
+                        <m:r>
+                          <a:rPr lang="en-US" sz="900" b="0" i="1" smtClean="0">
+                            <a:latin typeface="Cambria Math" panose="02040503050406030204" pitchFamily="18" charset="0"/>
+                            <a:ea typeface="Cambria Math" panose="02040503050406030204" pitchFamily="18" charset="0"/>
+                          </a:rPr>
+                          <m:t>𝑇</m:t>
+                        </m:r>
+                      </m:sup>
+                    </m:sSup>
+                    <m:r>
+                      <a:rPr lang="en-US" sz="900" b="0" i="1" smtClean="0">
+                        <a:latin typeface="Cambria Math" panose="02040503050406030204" pitchFamily="18" charset="0"/>
+                        <a:ea typeface="Cambria Math" panose="02040503050406030204" pitchFamily="18" charset="0"/>
+                      </a:rPr>
+                      <m:t> ∗</m:t>
+                    </m:r>
+                    <m:sSub>
+                      <m:sSubPr>
+                        <m:ctrlPr>
+                          <a:rPr lang="en-US" sz="900" i="1">
+                            <a:latin typeface="Cambria Math" panose="02040503050406030204" pitchFamily="18" charset="0"/>
+                            <a:ea typeface="Cambria Math" panose="02040503050406030204" pitchFamily="18" charset="0"/>
+                          </a:rPr>
+                        </m:ctrlPr>
+                      </m:sSubPr>
+                      <m:e>
+                        <m:r>
+                          <a:rPr lang="en-US" sz="900" i="1">
+                            <a:latin typeface="Cambria Math" panose="02040503050406030204" pitchFamily="18" charset="0"/>
+                            <a:ea typeface="Cambria Math" panose="02040503050406030204" pitchFamily="18" charset="0"/>
+                          </a:rPr>
+                          <m:t>𝐶</m:t>
+                        </m:r>
+                      </m:e>
+                      <m:sub>
+                        <m:r>
+                          <a:rPr lang="en-US" sz="900" i="1">
+                            <a:latin typeface="Cambria Math" panose="02040503050406030204" pitchFamily="18" charset="0"/>
+                            <a:ea typeface="Cambria Math" panose="02040503050406030204" pitchFamily="18" charset="0"/>
+                          </a:rPr>
+                          <m:t>𝑝</m:t>
+                        </m:r>
+                      </m:sub>
+                    </m:sSub>
+                  </m:oMath>
+                </a14:m>
+                <a:r>
+                  <a:rPr lang="en-US" sz="900" dirty="0" smtClean="0">
+                    <a:ea typeface="Cambria Math" panose="02040503050406030204" pitchFamily="18" charset="0"/>
+                  </a:rPr>
+                  <a:t>, where you use a vector</a:t>
+                </a:r>
+                <a:r>
+                  <a:rPr lang="en-US" sz="900" dirty="0">
+                    <a:ea typeface="Cambria Math" panose="02040503050406030204" pitchFamily="18" charset="0"/>
+                  </a:rPr>
+                  <a:t> </a:t>
+                </a:r>
+                <a14:m>
+                  <m:oMath xmlns:m="http://schemas.openxmlformats.org/officeDocument/2006/math">
+                    <m:sSub>
+                      <m:sSubPr>
+                        <m:ctrlPr>
+                          <a:rPr lang="en-US" sz="900" i="1">
+                            <a:latin typeface="Cambria Math" panose="02040503050406030204" pitchFamily="18" charset="0"/>
+                            <a:ea typeface="Cambria Math" panose="02040503050406030204" pitchFamily="18" charset="0"/>
+                          </a:rPr>
+                        </m:ctrlPr>
+                      </m:sSubPr>
+                      <m:e>
+                        <m:r>
+                          <a:rPr lang="en-US" sz="900" i="1">
+                            <a:latin typeface="Cambria Math" panose="02040503050406030204" pitchFamily="18" charset="0"/>
+                            <a:ea typeface="Cambria Math" panose="02040503050406030204" pitchFamily="18" charset="0"/>
+                          </a:rPr>
+                          <m:t>𝐶</m:t>
+                        </m:r>
+                      </m:e>
+                      <m:sub>
+                        <m:r>
+                          <a:rPr lang="en-US" sz="900" b="0" i="1" smtClean="0">
+                            <a:latin typeface="Cambria Math" panose="02040503050406030204" pitchFamily="18" charset="0"/>
+                            <a:ea typeface="Cambria Math" panose="02040503050406030204" pitchFamily="18" charset="0"/>
+                          </a:rPr>
+                          <m:t>𝑝</m:t>
+                        </m:r>
+                      </m:sub>
+                    </m:sSub>
+                  </m:oMath>
+                </a14:m>
+                <a:r>
+                  <a:rPr lang="en-US" sz="900" dirty="0" smtClean="0">
+                    <a:ea typeface="Cambria Math" panose="02040503050406030204" pitchFamily="18" charset="0"/>
+                  </a:rPr>
+                  <a:t>for each party </a:t>
+                </a:r>
+                <a:br>
+                  <a:rPr lang="en-US" sz="900" dirty="0" smtClean="0">
+                    <a:ea typeface="Cambria Math" panose="02040503050406030204" pitchFamily="18" charset="0"/>
+                  </a:rPr>
+                </a:br>
+                <a:r>
+                  <a:rPr lang="en-US" sz="900" dirty="0" smtClean="0">
+                    <a:ea typeface="Cambria Math" panose="02040503050406030204" pitchFamily="18" charset="0"/>
+                  </a:rPr>
+                  <a:t>where </a:t>
+                </a:r>
+                <a14:m>
+                  <m:oMath xmlns:m="http://schemas.openxmlformats.org/officeDocument/2006/math">
+                    <m:sSub>
+                      <m:sSubPr>
+                        <m:ctrlPr>
+                          <a:rPr lang="en-US" sz="900" i="1">
+                            <a:latin typeface="Cambria Math" panose="02040503050406030204" pitchFamily="18" charset="0"/>
+                            <a:ea typeface="Cambria Math" panose="02040503050406030204" pitchFamily="18" charset="0"/>
+                          </a:rPr>
+                        </m:ctrlPr>
+                      </m:sSubPr>
+                      <m:e>
+                        <m:r>
+                          <a:rPr lang="en-US" sz="900" b="0" i="1" smtClean="0">
+                            <a:latin typeface="Cambria Math" panose="02040503050406030204" pitchFamily="18" charset="0"/>
+                            <a:ea typeface="Cambria Math" panose="02040503050406030204" pitchFamily="18" charset="0"/>
+                          </a:rPr>
+                          <m:t>𝐶</m:t>
+                        </m:r>
+                      </m:e>
+                      <m:sub>
+                        <m:r>
+                          <a:rPr lang="en-US" sz="900" i="1">
+                            <a:latin typeface="Cambria Math" panose="02040503050406030204" pitchFamily="18" charset="0"/>
+                            <a:ea typeface="Cambria Math" panose="02040503050406030204" pitchFamily="18" charset="0"/>
+                          </a:rPr>
+                          <m:t>𝑝</m:t>
+                        </m:r>
+                      </m:sub>
+                    </m:sSub>
+                    <m:r>
+                      <a:rPr lang="en-US" sz="900" i="1">
+                        <a:latin typeface="Cambria Math" panose="02040503050406030204" pitchFamily="18" charset="0"/>
+                      </a:rPr>
+                      <m:t>= </m:t>
+                    </m:r>
+                    <m:sSubSup>
+                      <m:sSubSupPr>
+                        <m:ctrlPr>
+                          <a:rPr lang="en-US" sz="900" i="1">
+                            <a:latin typeface="Cambria Math" panose="02040503050406030204" pitchFamily="18" charset="0"/>
+                          </a:rPr>
+                        </m:ctrlPr>
+                      </m:sSubSupPr>
+                      <m:e>
+                        <m:r>
+                          <a:rPr lang="en-US" sz="900" i="1">
+                            <a:latin typeface="Cambria Math" panose="02040503050406030204" pitchFamily="18" charset="0"/>
+                          </a:rPr>
+                          <m:t>{</m:t>
+                        </m:r>
+                      </m:e>
+                      <m:sub>
+                        <m:sSub>
+                          <m:sSubPr>
+                            <m:ctrlPr>
+                              <a:rPr lang="en-US" sz="900" i="1">
+                                <a:latin typeface="Cambria Math" panose="02040503050406030204" pitchFamily="18" charset="0"/>
+                                <a:ea typeface="Cambria Math" panose="02040503050406030204" pitchFamily="18" charset="0"/>
+                              </a:rPr>
+                            </m:ctrlPr>
+                          </m:sSubPr>
+                          <m:e>
+                            <m:r>
+                              <a:rPr lang="en-US" sz="900" i="1">
+                                <a:latin typeface="Cambria Math" panose="02040503050406030204" pitchFamily="18" charset="0"/>
+                                <a:ea typeface="Cambria Math" panose="02040503050406030204" pitchFamily="18" charset="0"/>
+                              </a:rPr>
+                              <m:t> </m:t>
+                            </m:r>
+                            <m:r>
+                              <a:rPr lang="en-US" sz="900" i="1">
+                                <a:latin typeface="Cambria Math" panose="02040503050406030204" pitchFamily="18" charset="0"/>
+                                <a:ea typeface="Cambria Math" panose="02040503050406030204" pitchFamily="18" charset="0"/>
+                              </a:rPr>
+                              <m:t>𝑋</m:t>
+                            </m:r>
+                          </m:e>
+                          <m:sub>
+                            <m:r>
+                              <a:rPr lang="en-US" sz="900" i="1">
+                                <a:latin typeface="Cambria Math" panose="02040503050406030204" pitchFamily="18" charset="0"/>
+                                <a:ea typeface="Cambria Math" panose="02040503050406030204" pitchFamily="18" charset="0"/>
+                              </a:rPr>
+                              <m:t>𝑛𝑘</m:t>
+                            </m:r>
+                          </m:sub>
+                        </m:sSub>
+                        <m:r>
+                          <a:rPr lang="en-US" sz="900" b="0" i="1" smtClean="0">
+                            <a:latin typeface="Cambria Math" panose="02040503050406030204" pitchFamily="18" charset="0"/>
+                            <a:ea typeface="Cambria Math" panose="02040503050406030204" pitchFamily="18" charset="0"/>
+                          </a:rPr>
+                          <m:t> </m:t>
+                        </m:r>
+                        <m:r>
+                          <a:rPr lang="en-US" sz="900" i="1">
+                            <a:latin typeface="Cambria Math" panose="02040503050406030204" pitchFamily="18" charset="0"/>
+                          </a:rPr>
+                          <m:t>𝑖𝑓</m:t>
+                        </m:r>
+                        <m:sSub>
+                          <m:sSubPr>
+                            <m:ctrlPr>
+                              <a:rPr lang="en-US" sz="900" i="1">
+                                <a:latin typeface="Cambria Math" panose="02040503050406030204" pitchFamily="18" charset="0"/>
+                                <a:ea typeface="Cambria Math" panose="02040503050406030204" pitchFamily="18" charset="0"/>
+                              </a:rPr>
+                            </m:ctrlPr>
+                          </m:sSubPr>
+                          <m:e>
+                            <m:r>
+                              <a:rPr lang="en-US" sz="900" i="1">
+                                <a:latin typeface="Cambria Math" panose="02040503050406030204" pitchFamily="18" charset="0"/>
+                                <a:ea typeface="Cambria Math" panose="02040503050406030204" pitchFamily="18" charset="0"/>
+                              </a:rPr>
+                              <m:t> </m:t>
+                            </m:r>
+                            <m:r>
+                              <a:rPr lang="en-US" sz="900" i="1">
+                                <a:latin typeface="Cambria Math" panose="02040503050406030204" pitchFamily="18" charset="0"/>
+                                <a:ea typeface="Cambria Math" panose="02040503050406030204" pitchFamily="18" charset="0"/>
+                              </a:rPr>
+                              <m:t>𝑋</m:t>
+                            </m:r>
+                          </m:e>
+                          <m:sub>
+                            <m:r>
+                              <a:rPr lang="en-US" sz="900" i="1">
+                                <a:latin typeface="Cambria Math" panose="02040503050406030204" pitchFamily="18" charset="0"/>
+                                <a:ea typeface="Cambria Math" panose="02040503050406030204" pitchFamily="18" charset="0"/>
+                              </a:rPr>
+                              <m:t>𝑛𝑘</m:t>
+                            </m:r>
+                          </m:sub>
+                        </m:sSub>
+                        <m:r>
+                          <a:rPr lang="en-US" sz="900" b="0" i="1" smtClean="0">
+                            <a:latin typeface="Cambria Math" panose="02040503050406030204" pitchFamily="18" charset="0"/>
+                            <a:ea typeface="Cambria Math" panose="02040503050406030204" pitchFamily="18" charset="0"/>
+                          </a:rPr>
+                          <m:t> </m:t>
+                        </m:r>
+                        <m:r>
+                          <a:rPr lang="en-US" sz="900" i="1">
+                            <a:latin typeface="Cambria Math" panose="02040503050406030204" pitchFamily="18" charset="0"/>
+                            <a:ea typeface="Cambria Math" panose="02040503050406030204" pitchFamily="18" charset="0"/>
+                          </a:rPr>
+                          <m:t>𝑖𝑠</m:t>
+                        </m:r>
+                        <m:r>
+                          <a:rPr lang="en-US" sz="900" i="1">
+                            <a:latin typeface="Cambria Math" panose="02040503050406030204" pitchFamily="18" charset="0"/>
+                            <a:ea typeface="Cambria Math" panose="02040503050406030204" pitchFamily="18" charset="0"/>
+                          </a:rPr>
+                          <m:t> </m:t>
+                        </m:r>
+                        <m:r>
+                          <a:rPr lang="en-US" sz="900" i="1">
+                            <a:latin typeface="Cambria Math" panose="02040503050406030204" pitchFamily="18" charset="0"/>
+                            <a:ea typeface="Cambria Math" panose="02040503050406030204" pitchFamily="18" charset="0"/>
+                          </a:rPr>
+                          <m:t>𝑙𝑜𝑐𝑎𝑙𝑙𝑦</m:t>
+                        </m:r>
+                        <m:r>
+                          <a:rPr lang="en-US" sz="900" i="1">
+                            <a:latin typeface="Cambria Math" panose="02040503050406030204" pitchFamily="18" charset="0"/>
+                            <a:ea typeface="Cambria Math" panose="02040503050406030204" pitchFamily="18" charset="0"/>
+                          </a:rPr>
+                          <m:t> </m:t>
+                        </m:r>
+                        <m:r>
+                          <a:rPr lang="en-US" sz="900" i="1">
+                            <a:latin typeface="Cambria Math" panose="02040503050406030204" pitchFamily="18" charset="0"/>
+                            <a:ea typeface="Cambria Math" panose="02040503050406030204" pitchFamily="18" charset="0"/>
+                          </a:rPr>
+                          <m:t>𝑘𝑛𝑜𝑤𝑛</m:t>
+                        </m:r>
+                      </m:sub>
+                      <m:sup>
+                        <m:r>
+                          <a:rPr lang="en-US" sz="900" b="0" i="1" smtClean="0">
+                            <a:latin typeface="Cambria Math" panose="02040503050406030204" pitchFamily="18" charset="0"/>
+                            <a:ea typeface="Cambria Math" panose="02040503050406030204" pitchFamily="18" charset="0"/>
+                          </a:rPr>
+                          <m:t>0</m:t>
+                        </m:r>
+                        <m:r>
+                          <a:rPr lang="en-US" sz="900" i="1">
+                            <a:latin typeface="Cambria Math" panose="02040503050406030204" pitchFamily="18" charset="0"/>
+                          </a:rPr>
+                          <m:t> </m:t>
+                        </m:r>
+                        <m:r>
+                          <a:rPr lang="en-US" sz="900" i="1">
+                            <a:latin typeface="Cambria Math" panose="02040503050406030204" pitchFamily="18" charset="0"/>
+                          </a:rPr>
+                          <m:t>𝑖𝑓</m:t>
+                        </m:r>
+                        <m:sSub>
+                          <m:sSubPr>
+                            <m:ctrlPr>
+                              <a:rPr lang="en-US" sz="900" i="1">
+                                <a:latin typeface="Cambria Math" panose="02040503050406030204" pitchFamily="18" charset="0"/>
+                                <a:ea typeface="Cambria Math" panose="02040503050406030204" pitchFamily="18" charset="0"/>
+                              </a:rPr>
+                            </m:ctrlPr>
+                          </m:sSubPr>
+                          <m:e>
+                            <m:r>
+                              <a:rPr lang="en-US" sz="900" i="1">
+                                <a:latin typeface="Cambria Math" panose="02040503050406030204" pitchFamily="18" charset="0"/>
+                                <a:ea typeface="Cambria Math" panose="02040503050406030204" pitchFamily="18" charset="0"/>
+                              </a:rPr>
+                              <m:t> </m:t>
+                            </m:r>
+                            <m:r>
+                              <a:rPr lang="en-US" sz="900" i="1">
+                                <a:latin typeface="Cambria Math" panose="02040503050406030204" pitchFamily="18" charset="0"/>
+                                <a:ea typeface="Cambria Math" panose="02040503050406030204" pitchFamily="18" charset="0"/>
+                              </a:rPr>
+                              <m:t>𝑋</m:t>
+                            </m:r>
+                          </m:e>
+                          <m:sub>
+                            <m:r>
+                              <a:rPr lang="en-US" sz="900" i="1">
+                                <a:latin typeface="Cambria Math" panose="02040503050406030204" pitchFamily="18" charset="0"/>
+                                <a:ea typeface="Cambria Math" panose="02040503050406030204" pitchFamily="18" charset="0"/>
+                              </a:rPr>
+                              <m:t>𝑛𝑘</m:t>
+                            </m:r>
+                          </m:sub>
+                        </m:sSub>
+                        <m:r>
+                          <a:rPr lang="en-US" sz="900" i="1">
+                            <a:latin typeface="Cambria Math" panose="02040503050406030204" pitchFamily="18" charset="0"/>
+                            <a:ea typeface="Cambria Math" panose="02040503050406030204" pitchFamily="18" charset="0"/>
+                          </a:rPr>
+                          <m:t>𝑖𝑠</m:t>
+                        </m:r>
+                        <m:r>
+                          <a:rPr lang="en-US" sz="900" i="1">
+                            <a:latin typeface="Cambria Math" panose="02040503050406030204" pitchFamily="18" charset="0"/>
+                            <a:ea typeface="Cambria Math" panose="02040503050406030204" pitchFamily="18" charset="0"/>
+                          </a:rPr>
+                          <m:t> </m:t>
+                        </m:r>
+                        <m:r>
+                          <a:rPr lang="en-US" sz="900" i="1">
+                            <a:latin typeface="Cambria Math" panose="02040503050406030204" pitchFamily="18" charset="0"/>
+                            <a:ea typeface="Cambria Math" panose="02040503050406030204" pitchFamily="18" charset="0"/>
+                          </a:rPr>
+                          <m:t>𝑛𝑜𝑡</m:t>
+                        </m:r>
+                        <m:r>
+                          <a:rPr lang="en-US" sz="900" i="1">
+                            <a:latin typeface="Cambria Math" panose="02040503050406030204" pitchFamily="18" charset="0"/>
+                            <a:ea typeface="Cambria Math" panose="02040503050406030204" pitchFamily="18" charset="0"/>
+                          </a:rPr>
+                          <m:t> </m:t>
+                        </m:r>
+                        <m:r>
+                          <a:rPr lang="en-US" sz="900" i="1">
+                            <a:latin typeface="Cambria Math" panose="02040503050406030204" pitchFamily="18" charset="0"/>
+                            <a:ea typeface="Cambria Math" panose="02040503050406030204" pitchFamily="18" charset="0"/>
+                          </a:rPr>
+                          <m:t>𝑙𝑜𝑐𝑎𝑙𝑙𝑦</m:t>
+                        </m:r>
+                        <m:r>
+                          <a:rPr lang="en-US" sz="900" i="1">
+                            <a:latin typeface="Cambria Math" panose="02040503050406030204" pitchFamily="18" charset="0"/>
+                            <a:ea typeface="Cambria Math" panose="02040503050406030204" pitchFamily="18" charset="0"/>
+                          </a:rPr>
+                          <m:t> </m:t>
+                        </m:r>
+                        <m:r>
+                          <a:rPr lang="en-US" sz="900" i="1">
+                            <a:latin typeface="Cambria Math" panose="02040503050406030204" pitchFamily="18" charset="0"/>
+                            <a:ea typeface="Cambria Math" panose="02040503050406030204" pitchFamily="18" charset="0"/>
+                          </a:rPr>
+                          <m:t>𝑘𝑛𝑜𝑤𝑛</m:t>
+                        </m:r>
+                      </m:sup>
+                    </m:sSubSup>
+                  </m:oMath>
+                </a14:m>
+                <a:endParaRPr lang="en-US" sz="900" dirty="0" smtClean="0"/>
+              </a:p>
+              <a:p>
+                <a:pPr lvl="1"/>
+                <a:r>
+                  <a:rPr lang="en-US" sz="900" dirty="0" smtClean="0"/>
+                  <a:t>Sum the local results</a:t>
+                </a:r>
+              </a:p>
+              <a:p>
+                <a:endParaRPr lang="nl-NL" sz="900" dirty="0" smtClean="0"/>
+              </a:p>
+              <a:p>
+                <a:endParaRPr lang="en-US" sz="900" dirty="0" smtClean="0"/>
+              </a:p>
+              <a:p>
+                <a:endParaRPr lang="nl-NL" sz="900" dirty="0" smtClean="0"/>
+              </a:p>
+              <a:p>
+                <a:endParaRPr lang="nl-NL" sz="900" dirty="0"/>
+              </a:p>
+            </p:txBody>
+          </p:sp>
+        </mc:Choice>
+        <mc:Fallback>
+          <p:sp>
+            <p:nvSpPr>
+              <p:cNvPr id="3" name="Text Placeholder 2"/>
+              <p:cNvSpPr>
+                <a:spLocks noGrp="1" noRot="1" noChangeAspect="1" noMove="1" noResize="1" noEditPoints="1" noAdjustHandles="1" noChangeArrowheads="1" noChangeShapeType="1" noTextEdit="1"/>
+              </p:cNvSpPr>
+              <p:nvPr>
+                <p:ph type="body" idx="1"/>
+              </p:nvPr>
+            </p:nvSpPr>
+            <p:spPr>
+              <a:xfrm>
+                <a:off x="737850" y="1357935"/>
+                <a:ext cx="6034500" cy="3643556"/>
+              </a:xfrm>
+              <a:blipFill>
+                <a:blip r:embed="rId2"/>
+                <a:stretch>
+                  <a:fillRect l="-1717" t="-4858"/>
+                </a:stretch>
+              </a:blipFill>
+            </p:spPr>
+            <p:txBody>
+              <a:bodyPr/>
+              <a:lstStyle/>
+              <a:p>
+                <a:r>
+                  <a:rPr lang="nl-NL">
+                    <a:noFill/>
+                  </a:rPr>
+                  <a:t> </a:t>
+                </a:r>
+              </a:p>
+            </p:txBody>
+          </p:sp>
+        </mc:Fallback>
+      </mc:AlternateContent>
+      <p:sp>
+        <p:nvSpPr>
+          <p:cNvPr id="4" name="Slide Number Placeholder 3"/>
+          <p:cNvSpPr>
+            <a:spLocks noGrp="1"/>
+          </p:cNvSpPr>
+          <p:nvPr>
+            <p:ph type="sldNum" idx="12"/>
+          </p:nvPr>
+        </p:nvSpPr>
+        <p:spPr/>
+        <p:txBody>
+          <a:bodyPr/>
+          <a:lstStyle/>
+          <a:p>
+            <a:pPr marL="0" lvl="0" indent="0" algn="r" rtl="0">
+              <a:spcBef>
+                <a:spcPts val="0"/>
+              </a:spcBef>
+              <a:spcAft>
+                <a:spcPts val="0"/>
+              </a:spcAft>
+              <a:buNone/>
+            </a:pPr>
+            <a:fld id="{00000000-1234-1234-1234-123412341234}" type="slidenum">
+              <a:rPr lang="en" smtClean="0"/>
+              <a:t>16</a:t>
+            </a:fld>
+            <a:endParaRPr lang="en"/>
+          </a:p>
+        </p:txBody>
+      </p:sp>
+    </p:spTree>
+    <p:extLst>
+      <p:ext uri="{BB962C8B-B14F-4D97-AF65-F5344CB8AC3E}">
+        <p14:creationId xmlns:p14="http://schemas.microsoft.com/office/powerpoint/2010/main" val="1993629763"/>
+      </p:ext>
+    </p:extLst>
+  </p:cSld>
+  <p:clrMapOvr>
+    <a:masterClrMapping/>
+  </p:clrMapOvr>
+</p:sld>
+</file>
+
 <file path=ppt/slides/slide2.xml><?xml version="1.0" encoding="utf-8"?>
 <p:sld xmlns:a="http://schemas.openxmlformats.org/drawingml/2006/main" xmlns:r="http://schemas.openxmlformats.org/officeDocument/2006/relationships" xmlns:p="http://schemas.openxmlformats.org/presentationml/2006/main">
   <p:cSld>
@@ -8834,13 +13282,21 @@
           <a:p>
             <a:r>
               <a:rPr lang="en" dirty="0"/>
-              <a:t>Proposed solution</a:t>
+              <a:t>Proposed </a:t>
+            </a:r>
+            <a:r>
+              <a:rPr lang="en" dirty="0" smtClean="0"/>
+              <a:t>solution</a:t>
             </a:r>
           </a:p>
           <a:p>
             <a:r>
+              <a:rPr lang="en" dirty="0" smtClean="0"/>
+              <a:t>Status </a:t>
+            </a:r>
+            <a:r>
               <a:rPr lang="en" dirty="0"/>
-              <a:t>Status &amp; Future work</a:t>
+              <a:t>&amp; Future work</a:t>
             </a:r>
             <a:endParaRPr dirty="0"/>
           </a:p>
@@ -9196,7 +13652,7 @@
           <a:blip r:embed="rId4">
             <a:extLst>
               <a:ext uri="{96DAC541-7B7A-43D3-8B79-37D633B846F1}">
-                <asvg:svgBlip xmlns:asvg="http://schemas.microsoft.com/office/drawing/2016/SVG/main" xmlns="" r:embed="rId5"/>
+                <asvg:svgBlip xmlns="" xmlns:asvg="http://schemas.microsoft.com/office/drawing/2016/SVG/main" r:embed="rId5"/>
               </a:ext>
             </a:extLst>
           </a:blip>
@@ -9232,7 +13688,7 @@
           <a:blip r:embed="rId6">
             <a:extLst>
               <a:ext uri="{96DAC541-7B7A-43D3-8B79-37D633B846F1}">
-                <asvg:svgBlip xmlns:asvg="http://schemas.microsoft.com/office/drawing/2016/SVG/main" xmlns="" r:embed="rId7"/>
+                <asvg:svgBlip xmlns="" xmlns:asvg="http://schemas.microsoft.com/office/drawing/2016/SVG/main" r:embed="rId7"/>
               </a:ext>
             </a:extLst>
           </a:blip>
@@ -9268,7 +13724,7 @@
           <a:blip r:embed="rId8">
             <a:extLst>
               <a:ext uri="{96DAC541-7B7A-43D3-8B79-37D633B846F1}">
-                <asvg:svgBlip xmlns:asvg="http://schemas.microsoft.com/office/drawing/2016/SVG/main" xmlns="" r:embed="rId9"/>
+                <asvg:svgBlip xmlns="" xmlns:asvg="http://schemas.microsoft.com/office/drawing/2016/SVG/main" r:embed="rId9"/>
               </a:ext>
             </a:extLst>
           </a:blip>
@@ -9304,7 +13760,7 @@
           <a:blip r:embed="rId10">
             <a:extLst>
               <a:ext uri="{96DAC541-7B7A-43D3-8B79-37D633B846F1}">
-                <asvg:svgBlip xmlns:asvg="http://schemas.microsoft.com/office/drawing/2016/SVG/main" xmlns="" r:embed="rId11"/>
+                <asvg:svgBlip xmlns="" xmlns:asvg="http://schemas.microsoft.com/office/drawing/2016/SVG/main" r:embed="rId11"/>
               </a:ext>
             </a:extLst>
           </a:blip>
@@ -9340,7 +13796,7 @@
           <a:blip r:embed="rId12">
             <a:extLst>
               <a:ext uri="{96DAC541-7B7A-43D3-8B79-37D633B846F1}">
-                <asvg:svgBlip xmlns:asvg="http://schemas.microsoft.com/office/drawing/2016/SVG/main" xmlns="" r:embed="rId14"/>
+                <asvg:svgBlip xmlns="" xmlns:asvg="http://schemas.microsoft.com/office/drawing/2016/SVG/main" r:embed="rId14"/>
               </a:ext>
             </a:extLst>
           </a:blip>
@@ -9376,7 +13832,7 @@
           <a:blip r:embed="rId15">
             <a:extLst>
               <a:ext uri="{96DAC541-7B7A-43D3-8B79-37D633B846F1}">
-                <asvg:svgBlip xmlns:asvg="http://schemas.microsoft.com/office/drawing/2016/SVG/main" xmlns="" r:embed="rId16"/>
+                <asvg:svgBlip xmlns="" xmlns:asvg="http://schemas.microsoft.com/office/drawing/2016/SVG/main" r:embed="rId16"/>
               </a:ext>
             </a:extLst>
           </a:blip>
@@ -9412,7 +13868,7 @@
           <a:blip r:embed="rId17">
             <a:extLst>
               <a:ext uri="{96DAC541-7B7A-43D3-8B79-37D633B846F1}">
-                <asvg:svgBlip xmlns:asvg="http://schemas.microsoft.com/office/drawing/2016/SVG/main" xmlns="" r:embed="rId18"/>
+                <asvg:svgBlip xmlns="" xmlns:asvg="http://schemas.microsoft.com/office/drawing/2016/SVG/main" r:embed="rId18"/>
               </a:ext>
             </a:extLst>
           </a:blip>
@@ -9448,7 +13904,7 @@
           <a:blip r:embed="rId19">
             <a:extLst>
               <a:ext uri="{96DAC541-7B7A-43D3-8B79-37D633B846F1}">
-                <asvg:svgBlip xmlns:asvg="http://schemas.microsoft.com/office/drawing/2016/SVG/main" xmlns="" r:embed="rId22"/>
+                <asvg:svgBlip xmlns="" xmlns:asvg="http://schemas.microsoft.com/office/drawing/2016/SVG/main" r:embed="rId22"/>
               </a:ext>
             </a:extLst>
           </a:blip>
@@ -9484,7 +13940,7 @@
           <a:blip r:embed="rId23">
             <a:extLst>
               <a:ext uri="{96DAC541-7B7A-43D3-8B79-37D633B846F1}">
-                <asvg:svgBlip xmlns:asvg="http://schemas.microsoft.com/office/drawing/2016/SVG/main" xmlns="" r:embed="rId24"/>
+                <asvg:svgBlip xmlns="" xmlns:asvg="http://schemas.microsoft.com/office/drawing/2016/SVG/main" r:embed="rId24"/>
               </a:ext>
             </a:extLst>
           </a:blip>
@@ -9520,7 +13976,7 @@
           <a:blip r:embed="rId25">
             <a:extLst>
               <a:ext uri="{96DAC541-7B7A-43D3-8B79-37D633B846F1}">
-                <asvg:svgBlip xmlns:asvg="http://schemas.microsoft.com/office/drawing/2016/SVG/main" xmlns="" r:embed="rId26"/>
+                <asvg:svgBlip xmlns="" xmlns:asvg="http://schemas.microsoft.com/office/drawing/2016/SVG/main" r:embed="rId26"/>
               </a:ext>
             </a:extLst>
           </a:blip>
@@ -9556,7 +14012,7 @@
           <a:blip r:embed="rId27">
             <a:extLst>
               <a:ext uri="{96DAC541-7B7A-43D3-8B79-37D633B846F1}">
-                <asvg:svgBlip xmlns:asvg="http://schemas.microsoft.com/office/drawing/2016/SVG/main" xmlns="" r:embed="rId30"/>
+                <asvg:svgBlip xmlns="" xmlns:asvg="http://schemas.microsoft.com/office/drawing/2016/SVG/main" r:embed="rId30"/>
               </a:ext>
             </a:extLst>
           </a:blip>
@@ -9757,7 +14213,7 @@
           <a:blip r:embed="rId31">
             <a:extLst>
               <a:ext uri="{96DAC541-7B7A-43D3-8B79-37D633B846F1}">
-                <asvg:svgBlip xmlns:asvg="http://schemas.microsoft.com/office/drawing/2016/SVG/main" xmlns="" r:embed="rId32"/>
+                <asvg:svgBlip xmlns="" xmlns:asvg="http://schemas.microsoft.com/office/drawing/2016/SVG/main" r:embed="rId32"/>
               </a:ext>
             </a:extLst>
           </a:blip>
@@ -9793,7 +14249,7 @@
           <a:blip r:embed="rId33">
             <a:extLst>
               <a:ext uri="{96DAC541-7B7A-43D3-8B79-37D633B846F1}">
-                <asvg:svgBlip xmlns:asvg="http://schemas.microsoft.com/office/drawing/2016/SVG/main" xmlns="" r:embed="rId34"/>
+                <asvg:svgBlip xmlns="" xmlns:asvg="http://schemas.microsoft.com/office/drawing/2016/SVG/main" r:embed="rId34"/>
               </a:ext>
             </a:extLst>
           </a:blip>
@@ -9829,7 +14285,7 @@
           <a:blip r:embed="rId35">
             <a:extLst>
               <a:ext uri="{96DAC541-7B7A-43D3-8B79-37D633B846F1}">
-                <asvg:svgBlip xmlns:asvg="http://schemas.microsoft.com/office/drawing/2016/SVG/main" xmlns="" r:embed="rId36"/>
+                <asvg:svgBlip xmlns="" xmlns:asvg="http://schemas.microsoft.com/office/drawing/2016/SVG/main" r:embed="rId36"/>
               </a:ext>
             </a:extLst>
           </a:blip>

--- a/Verticox.pptx
+++ b/Verticox.pptx
@@ -29,27 +29,27 @@
   <p:notesSz cx="6858000" cy="9144000"/>
   <p:embeddedFontLst>
     <p:embeddedFont>
-      <p:font typeface="Calibri" panose="020F0502020204030204" pitchFamily="34" charset="0"/>
-      <p:regular r:id="rId19"/>
-      <p:bold r:id="rId20"/>
-      <p:italic r:id="rId21"/>
-      <p:boldItalic r:id="rId22"/>
+      <p:font typeface="Lato Black" panose="020B0604020202020204" charset="0"/>
+      <p:bold r:id="rId19"/>
+      <p:boldItalic r:id="rId20"/>
     </p:embeddedFont>
     <p:embeddedFont>
-      <p:font typeface="Lato Black" panose="020B0604020202020204" charset="0"/>
-      <p:bold r:id="rId23"/>
+      <p:font typeface="Calibri" panose="020F0502020204030204" pitchFamily="34" charset="0"/>
+      <p:regular r:id="rId21"/>
+      <p:bold r:id="rId22"/>
+      <p:italic r:id="rId23"/>
       <p:boldItalic r:id="rId24"/>
     </p:embeddedFont>
     <p:embeddedFont>
-      <p:font typeface="Cambria Math" panose="02040503050406030204" pitchFamily="18" charset="0"/>
+      <p:font typeface="Lato Light" panose="020B0604020202020204" charset="0"/>
       <p:regular r:id="rId25"/>
+      <p:bold r:id="rId26"/>
+      <p:italic r:id="rId27"/>
+      <p:boldItalic r:id="rId28"/>
     </p:embeddedFont>
     <p:embeddedFont>
-      <p:font typeface="Lato Light" panose="020B0604020202020204" charset="0"/>
-      <p:regular r:id="rId26"/>
-      <p:bold r:id="rId27"/>
-      <p:italic r:id="rId28"/>
-      <p:boldItalic r:id="rId29"/>
+      <p:font typeface="Cambria Math" panose="02040503050406030204" pitchFamily="18" charset="0"/>
+      <p:regular r:id="rId29"/>
     </p:embeddedFont>
   </p:embeddedFontLst>
   <p:defaultTextStyle>
@@ -6698,8 +6698,8 @@
           </a:p>
         </p:txBody>
       </p:sp>
-      <mc:AlternateContent xmlns:mc="http://schemas.openxmlformats.org/markup-compatibility/2006">
-        <mc:Choice xmlns:a14="http://schemas.microsoft.com/office/drawing/2010/main" Requires="a14">
+      <mc:AlternateContent xmlns:mc="http://schemas.openxmlformats.org/markup-compatibility/2006" xmlns:a14="http://schemas.microsoft.com/office/drawing/2010/main">
+        <mc:Choice Requires="a14">
           <p:sp>
             <p:nvSpPr>
               <p:cNvPr id="117" name="Google Shape;117;p17"/>
@@ -7296,7 +7296,7 @@
             </p:txBody>
           </p:sp>
         </mc:Choice>
-        <mc:Fallback>
+        <mc:Fallback xmlns="">
           <p:sp>
             <p:nvSpPr>
               <p:cNvPr id="117" name="Google Shape;117;p17"/>
@@ -7920,8 +7920,8 @@
           </a:p>
         </p:txBody>
       </p:sp>
-      <mc:AlternateContent xmlns:mc="http://schemas.openxmlformats.org/markup-compatibility/2006">
-        <mc:Choice xmlns:a14="http://schemas.microsoft.com/office/drawing/2010/main" Requires="a14">
+      <mc:AlternateContent xmlns:mc="http://schemas.openxmlformats.org/markup-compatibility/2006" xmlns:a14="http://schemas.microsoft.com/office/drawing/2010/main">
+        <mc:Choice Requires="a14">
           <p:sp>
             <p:nvSpPr>
               <p:cNvPr id="117" name="Google Shape;117;p17"/>
@@ -8242,7 +8242,7 @@
             </p:txBody>
           </p:sp>
         </mc:Choice>
-        <mc:Fallback>
+        <mc:Fallback xmlns="">
           <p:sp>
             <p:nvSpPr>
               <p:cNvPr id="117" name="Google Shape;117;p17"/>
@@ -8533,11 +8533,39 @@
             <a:pPr lvl="1"/>
             <a:r>
               <a:rPr lang="en-US" sz="1600" dirty="0" smtClean="0"/>
-              <a:t>Adjust local calculation for a hybrid </a:t>
+              <a:t>Determine if </a:t>
+            </a:r>
+            <a:r>
+              <a:rPr lang="en-US" sz="1600" dirty="0" err="1" smtClean="0"/>
+              <a:t>verticox</a:t>
+            </a:r>
+            <a:r>
+              <a:rPr lang="en-US" sz="1600" dirty="0" smtClean="0"/>
+              <a:t> can deal with</a:t>
+            </a:r>
+            <a:r>
+              <a:rPr lang="en-US" sz="1600" dirty="0" smtClean="0"/>
+              <a:t> </a:t>
+            </a:r>
+            <a:r>
+              <a:rPr lang="en-US" sz="1600" dirty="0" smtClean="0"/>
+              <a:t>a hybrid </a:t>
             </a:r>
             <a:r>
               <a:rPr lang="en-US" sz="1600" dirty="0" err="1" smtClean="0"/>
               <a:t>enviroment</a:t>
+            </a:r>
+            <a:endParaRPr lang="en-US" sz="1600" dirty="0" smtClean="0"/>
+          </a:p>
+          <a:p>
+            <a:pPr lvl="2"/>
+            <a:r>
+              <a:rPr lang="en-US" sz="1600" dirty="0" smtClean="0"/>
+              <a:t>If not: s</a:t>
+            </a:r>
+            <a:r>
+              <a:rPr lang="en-US" sz="1600" dirty="0" smtClean="0"/>
+              <a:t>plit local update into several privacy preserving protocols</a:t>
             </a:r>
             <a:endParaRPr lang="en-US" sz="1600" dirty="0" smtClean="0"/>
           </a:p>
@@ -8856,8 +8884,8 @@
           </a:p>
         </p:txBody>
       </p:sp>
-      <mc:AlternateContent xmlns:mc="http://schemas.openxmlformats.org/markup-compatibility/2006">
-        <mc:Choice xmlns:a14="http://schemas.microsoft.com/office/drawing/2010/main" Requires="a14">
+      <mc:AlternateContent xmlns:mc="http://schemas.openxmlformats.org/markup-compatibility/2006" xmlns:a14="http://schemas.microsoft.com/office/drawing/2010/main">
+        <mc:Choice Requires="a14">
           <p:sp>
             <p:nvSpPr>
               <p:cNvPr id="3" name="Text Placeholder 2"/>
@@ -10792,7 +10820,7 @@
             </p:txBody>
           </p:sp>
         </mc:Choice>
-        <mc:Fallback>
+        <mc:Fallback xmlns="">
           <p:sp>
             <p:nvSpPr>
               <p:cNvPr id="3" name="Text Placeholder 2"/>
@@ -11164,13 +11192,19 @@
                   <a:rPr lang="en-US" sz="900" dirty="0" smtClean="0">
                     <a:ea typeface="Cambria Math" panose="02040503050406030204" pitchFamily="18" charset="0"/>
                   </a:rPr>
-                  <a:t>Calculate these using a n-party SSP. The sub-results can be stored in an auxiliary party</a:t>
+                  <a:t>Calculate these using a n-party </a:t>
                 </a:r>
                 <a:r>
-                  <a:rPr lang="en-US" sz="900" smtClean="0">
+                  <a:rPr lang="en-US" sz="900" dirty="0" smtClean="0">
                     <a:ea typeface="Cambria Math" panose="02040503050406030204" pitchFamily="18" charset="0"/>
                   </a:rPr>
-                  <a:t>. </a:t>
+                  <a:t>SSP where locally unknown values are set to 1 in the vectors used. </a:t>
+                </a:r>
+                <a:r>
+                  <a:rPr lang="en-US" sz="900" dirty="0" smtClean="0">
+                    <a:ea typeface="Cambria Math" panose="02040503050406030204" pitchFamily="18" charset="0"/>
+                  </a:rPr>
+                  <a:t>The sub-results can be stored in an auxiliary party. </a:t>
                 </a:r>
                 <a:r>
                   <a:rPr lang="en-US" sz="900" dirty="0" smtClean="0"/>
@@ -13056,7 +13090,7 @@
               <a:blipFill>
                 <a:blip r:embed="rId2"/>
                 <a:stretch>
-                  <a:fillRect l="-1717" t="-4858"/>
+                  <a:fillRect l="-1717" t="-4858" r="-1414"/>
                 </a:stretch>
               </a:blipFill>
             </p:spPr>
@@ -13652,7 +13686,7 @@
           <a:blip r:embed="rId4">
             <a:extLst>
               <a:ext uri="{96DAC541-7B7A-43D3-8B79-37D633B846F1}">
-                <asvg:svgBlip xmlns="" xmlns:asvg="http://schemas.microsoft.com/office/drawing/2016/SVG/main" r:embed="rId5"/>
+                <asvg:svgBlip xmlns:asvg="http://schemas.microsoft.com/office/drawing/2016/SVG/main" xmlns="" r:embed="rId5"/>
               </a:ext>
             </a:extLst>
           </a:blip>
@@ -13688,7 +13722,7 @@
           <a:blip r:embed="rId6">
             <a:extLst>
               <a:ext uri="{96DAC541-7B7A-43D3-8B79-37D633B846F1}">
-                <asvg:svgBlip xmlns="" xmlns:asvg="http://schemas.microsoft.com/office/drawing/2016/SVG/main" r:embed="rId7"/>
+                <asvg:svgBlip xmlns:asvg="http://schemas.microsoft.com/office/drawing/2016/SVG/main" xmlns="" r:embed="rId7"/>
               </a:ext>
             </a:extLst>
           </a:blip>
@@ -13724,7 +13758,7 @@
           <a:blip r:embed="rId8">
             <a:extLst>
               <a:ext uri="{96DAC541-7B7A-43D3-8B79-37D633B846F1}">
-                <asvg:svgBlip xmlns="" xmlns:asvg="http://schemas.microsoft.com/office/drawing/2016/SVG/main" r:embed="rId9"/>
+                <asvg:svgBlip xmlns:asvg="http://schemas.microsoft.com/office/drawing/2016/SVG/main" xmlns="" r:embed="rId9"/>
               </a:ext>
             </a:extLst>
           </a:blip>
@@ -13760,7 +13794,7 @@
           <a:blip r:embed="rId10">
             <a:extLst>
               <a:ext uri="{96DAC541-7B7A-43D3-8B79-37D633B846F1}">
-                <asvg:svgBlip xmlns="" xmlns:asvg="http://schemas.microsoft.com/office/drawing/2016/SVG/main" r:embed="rId11"/>
+                <asvg:svgBlip xmlns:asvg="http://schemas.microsoft.com/office/drawing/2016/SVG/main" xmlns="" r:embed="rId11"/>
               </a:ext>
             </a:extLst>
           </a:blip>
@@ -13796,7 +13830,7 @@
           <a:blip r:embed="rId12">
             <a:extLst>
               <a:ext uri="{96DAC541-7B7A-43D3-8B79-37D633B846F1}">
-                <asvg:svgBlip xmlns="" xmlns:asvg="http://schemas.microsoft.com/office/drawing/2016/SVG/main" r:embed="rId14"/>
+                <asvg:svgBlip xmlns:asvg="http://schemas.microsoft.com/office/drawing/2016/SVG/main" xmlns="" r:embed="rId14"/>
               </a:ext>
             </a:extLst>
           </a:blip>
@@ -13832,7 +13866,7 @@
           <a:blip r:embed="rId15">
             <a:extLst>
               <a:ext uri="{96DAC541-7B7A-43D3-8B79-37D633B846F1}">
-                <asvg:svgBlip xmlns="" xmlns:asvg="http://schemas.microsoft.com/office/drawing/2016/SVG/main" r:embed="rId16"/>
+                <asvg:svgBlip xmlns:asvg="http://schemas.microsoft.com/office/drawing/2016/SVG/main" xmlns="" r:embed="rId16"/>
               </a:ext>
             </a:extLst>
           </a:blip>
@@ -13868,7 +13902,7 @@
           <a:blip r:embed="rId17">
             <a:extLst>
               <a:ext uri="{96DAC541-7B7A-43D3-8B79-37D633B846F1}">
-                <asvg:svgBlip xmlns="" xmlns:asvg="http://schemas.microsoft.com/office/drawing/2016/SVG/main" r:embed="rId18"/>
+                <asvg:svgBlip xmlns:asvg="http://schemas.microsoft.com/office/drawing/2016/SVG/main" xmlns="" r:embed="rId18"/>
               </a:ext>
             </a:extLst>
           </a:blip>
@@ -13904,7 +13938,7 @@
           <a:blip r:embed="rId19">
             <a:extLst>
               <a:ext uri="{96DAC541-7B7A-43D3-8B79-37D633B846F1}">
-                <asvg:svgBlip xmlns="" xmlns:asvg="http://schemas.microsoft.com/office/drawing/2016/SVG/main" r:embed="rId22"/>
+                <asvg:svgBlip xmlns:asvg="http://schemas.microsoft.com/office/drawing/2016/SVG/main" xmlns="" r:embed="rId22"/>
               </a:ext>
             </a:extLst>
           </a:blip>
@@ -13940,7 +13974,7 @@
           <a:blip r:embed="rId23">
             <a:extLst>
               <a:ext uri="{96DAC541-7B7A-43D3-8B79-37D633B846F1}">
-                <asvg:svgBlip xmlns="" xmlns:asvg="http://schemas.microsoft.com/office/drawing/2016/SVG/main" r:embed="rId24"/>
+                <asvg:svgBlip xmlns:asvg="http://schemas.microsoft.com/office/drawing/2016/SVG/main" xmlns="" r:embed="rId24"/>
               </a:ext>
             </a:extLst>
           </a:blip>
@@ -13976,7 +14010,7 @@
           <a:blip r:embed="rId25">
             <a:extLst>
               <a:ext uri="{96DAC541-7B7A-43D3-8B79-37D633B846F1}">
-                <asvg:svgBlip xmlns="" xmlns:asvg="http://schemas.microsoft.com/office/drawing/2016/SVG/main" r:embed="rId26"/>
+                <asvg:svgBlip xmlns:asvg="http://schemas.microsoft.com/office/drawing/2016/SVG/main" xmlns="" r:embed="rId26"/>
               </a:ext>
             </a:extLst>
           </a:blip>
@@ -14012,7 +14046,7 @@
           <a:blip r:embed="rId27">
             <a:extLst>
               <a:ext uri="{96DAC541-7B7A-43D3-8B79-37D633B846F1}">
-                <asvg:svgBlip xmlns="" xmlns:asvg="http://schemas.microsoft.com/office/drawing/2016/SVG/main" r:embed="rId30"/>
+                <asvg:svgBlip xmlns:asvg="http://schemas.microsoft.com/office/drawing/2016/SVG/main" xmlns="" r:embed="rId30"/>
               </a:ext>
             </a:extLst>
           </a:blip>
@@ -14213,7 +14247,7 @@
           <a:blip r:embed="rId31">
             <a:extLst>
               <a:ext uri="{96DAC541-7B7A-43D3-8B79-37D633B846F1}">
-                <asvg:svgBlip xmlns="" xmlns:asvg="http://schemas.microsoft.com/office/drawing/2016/SVG/main" r:embed="rId32"/>
+                <asvg:svgBlip xmlns:asvg="http://schemas.microsoft.com/office/drawing/2016/SVG/main" xmlns="" r:embed="rId32"/>
               </a:ext>
             </a:extLst>
           </a:blip>
@@ -14249,7 +14283,7 @@
           <a:blip r:embed="rId33">
             <a:extLst>
               <a:ext uri="{96DAC541-7B7A-43D3-8B79-37D633B846F1}">
-                <asvg:svgBlip xmlns="" xmlns:asvg="http://schemas.microsoft.com/office/drawing/2016/SVG/main" r:embed="rId34"/>
+                <asvg:svgBlip xmlns:asvg="http://schemas.microsoft.com/office/drawing/2016/SVG/main" xmlns="" r:embed="rId34"/>
               </a:ext>
             </a:extLst>
           </a:blip>
@@ -14285,7 +14319,7 @@
           <a:blip r:embed="rId35">
             <a:extLst>
               <a:ext uri="{96DAC541-7B7A-43D3-8B79-37D633B846F1}">
-                <asvg:svgBlip xmlns="" xmlns:asvg="http://schemas.microsoft.com/office/drawing/2016/SVG/main" r:embed="rId36"/>
+                <asvg:svgBlip xmlns:asvg="http://schemas.microsoft.com/office/drawing/2016/SVG/main" xmlns="" r:embed="rId36"/>
               </a:ext>
             </a:extLst>
           </a:blip>

--- a/Verticox.pptx
+++ b/Verticox.pptx
@@ -29,15 +29,15 @@
   <p:notesSz cx="6858000" cy="9144000"/>
   <p:embeddedFontLst>
     <p:embeddedFont>
-      <p:font typeface="Lato Black" panose="020B0604020202020204" charset="0"/>
-      <p:bold r:id="rId19"/>
-      <p:boldItalic r:id="rId20"/>
+      <p:font typeface="Calibri" panose="020F0502020204030204" pitchFamily="34" charset="0"/>
+      <p:regular r:id="rId19"/>
+      <p:bold r:id="rId20"/>
+      <p:italic r:id="rId21"/>
+      <p:boldItalic r:id="rId22"/>
     </p:embeddedFont>
     <p:embeddedFont>
-      <p:font typeface="Calibri" panose="020F0502020204030204" pitchFamily="34" charset="0"/>
-      <p:regular r:id="rId21"/>
-      <p:bold r:id="rId22"/>
-      <p:italic r:id="rId23"/>
+      <p:font typeface="Lato Black" panose="020B0604020202020204" charset="0"/>
+      <p:bold r:id="rId23"/>
       <p:boldItalic r:id="rId24"/>
     </p:embeddedFont>
     <p:embeddedFont>
@@ -8541,15 +8541,7 @@
             </a:r>
             <a:r>
               <a:rPr lang="en-US" sz="1600" dirty="0" smtClean="0"/>
-              <a:t> can deal with</a:t>
-            </a:r>
-            <a:r>
-              <a:rPr lang="en-US" sz="1600" dirty="0" smtClean="0"/>
-              <a:t> </a:t>
-            </a:r>
-            <a:r>
-              <a:rPr lang="en-US" sz="1600" dirty="0" smtClean="0"/>
-              <a:t>a hybrid </a:t>
+              <a:t> can deal with a hybrid </a:t>
             </a:r>
             <a:r>
               <a:rPr lang="en-US" sz="1600" dirty="0" err="1" smtClean="0"/>
@@ -8561,13 +8553,8 @@
             <a:pPr lvl="2"/>
             <a:r>
               <a:rPr lang="en-US" sz="1600" dirty="0" smtClean="0"/>
-              <a:t>If not: s</a:t>
+              <a:t>If not: split local update into several privacy preserving protocols</a:t>
             </a:r>
-            <a:r>
-              <a:rPr lang="en-US" sz="1600" dirty="0" smtClean="0"/>
-              <a:t>plit local update into several privacy preserving protocols</a:t>
-            </a:r>
-            <a:endParaRPr lang="en-US" sz="1600" dirty="0" smtClean="0"/>
           </a:p>
           <a:p>
             <a:pPr lvl="1"/>
@@ -10961,17 +10948,45 @@
               <a:bodyPr/>
               <a:lstStyle/>
               <a:p>
+                <a:r>
+                  <a:rPr lang="en-US" sz="800" i="1" dirty="0" smtClean="0">
+                    <a:latin typeface="Lato Light" panose="020B0604020202020204" charset="0"/>
+                    <a:ea typeface="Cambria Math" panose="02040503050406030204" pitchFamily="18" charset="0"/>
+                  </a:rPr>
+                  <a:t>Create a virtual data-owner for the hybrid attributes, and only the hybrid predictors</a:t>
+                </a:r>
+              </a:p>
+              <a:p>
+                <a:r>
+                  <a:rPr lang="en-US" sz="800" i="1" dirty="0" smtClean="0">
+                    <a:latin typeface="Lato Light" panose="020B0604020202020204" charset="0"/>
+                    <a:ea typeface="Cambria Math" panose="02040503050406030204" pitchFamily="18" charset="0"/>
+                  </a:rPr>
+                  <a:t>All non-hybrid predictors should be treated as normal</a:t>
+                </a:r>
+                <a:endParaRPr lang="en-US" sz="800" i="1" dirty="0" smtClean="0">
+                  <a:latin typeface="Lato Light" panose="020B0604020202020204" charset="0"/>
+                  <a:ea typeface="Cambria Math" panose="02040503050406030204" pitchFamily="18" charset="0"/>
+                </a:endParaRPr>
+              </a:p>
+              <a:p>
+                <a:endParaRPr lang="en-US" sz="800" b="0" i="1" dirty="0" smtClean="0">
+                  <a:latin typeface="Lato Light" panose="020B0604020202020204" charset="0"/>
+                  <a:ea typeface="Cambria Math" panose="02040503050406030204" pitchFamily="18" charset="0"/>
+                </a:endParaRPr>
+              </a:p>
+              <a:p>
                 <a14:m>
                   <m:oMath xmlns:m="http://schemas.openxmlformats.org/officeDocument/2006/math">
                     <m:r>
-                      <a:rPr lang="en-US" sz="900" b="0" i="1" smtClean="0">
+                      <a:rPr lang="en-US" sz="800" b="0" i="1" smtClean="0">
                         <a:latin typeface="Cambria Math" panose="02040503050406030204" pitchFamily="18" charset="0"/>
                         <a:ea typeface="Cambria Math" panose="02040503050406030204" pitchFamily="18" charset="0"/>
                       </a:rPr>
                       <m:t>𝐴</m:t>
                     </m:r>
                     <m:r>
-                      <a:rPr lang="en-US" sz="900" b="0" i="1" smtClean="0">
+                      <a:rPr lang="en-US" sz="800" b="0" i="1" smtClean="0">
                         <a:latin typeface="Cambria Math" panose="02040503050406030204" pitchFamily="18" charset="0"/>
                         <a:ea typeface="Cambria Math" panose="02040503050406030204" pitchFamily="18" charset="0"/>
                       </a:rPr>
@@ -10980,7 +10995,7 @@
                     <m:sSup>
                       <m:sSupPr>
                         <m:ctrlPr>
-                          <a:rPr lang="en-US" sz="900" i="1">
+                          <a:rPr lang="en-US" sz="800" i="1">
                             <a:latin typeface="Cambria Math" panose="02040503050406030204" pitchFamily="18" charset="0"/>
                             <a:ea typeface="Cambria Math" panose="02040503050406030204" pitchFamily="18" charset="0"/>
                           </a:rPr>
@@ -10992,27 +11007,27 @@
                             <m:begChr m:val="["/>
                             <m:endChr m:val="]"/>
                             <m:ctrlPr>
-                              <a:rPr lang="en-US" sz="900" i="1">
+                              <a:rPr lang="en-US" sz="800" i="1">
                                 <a:latin typeface="Cambria Math" panose="02040503050406030204" pitchFamily="18" charset="0"/>
                               </a:rPr>
                             </m:ctrlPr>
                           </m:dPr>
                           <m:e>
                             <m:r>
-                              <a:rPr lang="en-US" sz="900" i="1">
+                              <a:rPr lang="en-US" sz="800" i="1">
                                 <a:latin typeface="Cambria Math" panose="02040503050406030204" pitchFamily="18" charset="0"/>
                               </a:rPr>
                               <m:t> </m:t>
                             </m:r>
                             <m:r>
-                              <a:rPr lang="en-US" sz="900" i="1">
+                              <a:rPr lang="en-US" sz="800" i="1">
                                 <a:latin typeface="Cambria Math" panose="02040503050406030204" pitchFamily="18" charset="0"/>
                                 <a:ea typeface="Cambria Math" panose="02040503050406030204" pitchFamily="18" charset="0"/>
                               </a:rPr>
                               <m:t>𝜌</m:t>
                             </m:r>
                             <m:r>
-                              <a:rPr lang="en-US" sz="900" i="1">
+                              <a:rPr lang="en-US" sz="800" i="1">
                                 <a:latin typeface="Cambria Math" panose="02040503050406030204" pitchFamily="18" charset="0"/>
                                 <a:ea typeface="Cambria Math" panose="02040503050406030204" pitchFamily="18" charset="0"/>
                               </a:rPr>
@@ -11021,7 +11036,7 @@
                             <m:sSub>
                               <m:sSubPr>
                                 <m:ctrlPr>
-                                  <a:rPr lang="en-US" sz="900" i="1">
+                                  <a:rPr lang="en-US" sz="800" i="1">
                                     <a:latin typeface="Cambria Math" panose="02040503050406030204" pitchFamily="18" charset="0"/>
                                     <a:ea typeface="Cambria Math" panose="02040503050406030204" pitchFamily="18" charset="0"/>
                                   </a:rPr>
@@ -11029,7 +11044,7 @@
                               </m:sSubPr>
                               <m:e>
                                 <m:r>
-                                  <a:rPr lang="en-US" sz="900" i="1">
+                                  <a:rPr lang="en-US" sz="800" i="1">
                                     <a:latin typeface="Cambria Math" panose="02040503050406030204" pitchFamily="18" charset="0"/>
                                     <a:ea typeface="Cambria Math" panose="02040503050406030204" pitchFamily="18" charset="0"/>
                                   </a:rPr>
@@ -11038,7 +11053,7 @@
                               </m:e>
                               <m:sub>
                                 <m:r>
-                                  <a:rPr lang="en-US" sz="900" i="1">
+                                  <a:rPr lang="en-US" sz="800" i="1">
                                     <a:latin typeface="Cambria Math" panose="02040503050406030204" pitchFamily="18" charset="0"/>
                                     <a:ea typeface="Cambria Math" panose="02040503050406030204" pitchFamily="18" charset="0"/>
                                   </a:rPr>
@@ -11049,7 +11064,7 @@
                             <m:sSubSup>
                               <m:sSubSupPr>
                                 <m:ctrlPr>
-                                  <a:rPr lang="en-US" sz="900" i="1">
+                                  <a:rPr lang="en-US" sz="800" i="1">
                                     <a:latin typeface="Cambria Math" panose="02040503050406030204" pitchFamily="18" charset="0"/>
                                     <a:ea typeface="Cambria Math" panose="02040503050406030204" pitchFamily="18" charset="0"/>
                                   </a:rPr>
@@ -11057,7 +11072,7 @@
                               </m:sSubSupPr>
                               <m:e>
                                 <m:r>
-                                  <a:rPr lang="en-US" sz="900" i="1">
+                                  <a:rPr lang="en-US" sz="800" i="1">
                                     <a:latin typeface="Cambria Math" panose="02040503050406030204" pitchFamily="18" charset="0"/>
                                     <a:ea typeface="Cambria Math" panose="02040503050406030204" pitchFamily="18" charset="0"/>
                                   </a:rPr>
@@ -11066,7 +11081,7 @@
                               </m:e>
                               <m:sub>
                                 <m:r>
-                                  <a:rPr lang="en-US" sz="900" i="1">
+                                  <a:rPr lang="en-US" sz="800" i="1">
                                     <a:latin typeface="Cambria Math" panose="02040503050406030204" pitchFamily="18" charset="0"/>
                                     <a:ea typeface="Cambria Math" panose="02040503050406030204" pitchFamily="18" charset="0"/>
                                   </a:rPr>
@@ -11075,7 +11090,7 @@
                               </m:sub>
                               <m:sup>
                                 <m:r>
-                                  <a:rPr lang="en-US" sz="900" i="1">
+                                  <a:rPr lang="en-US" sz="800" i="1">
                                     <a:latin typeface="Cambria Math" panose="02040503050406030204" pitchFamily="18" charset="0"/>
                                     <a:ea typeface="Cambria Math" panose="02040503050406030204" pitchFamily="18" charset="0"/>
                                   </a:rPr>
@@ -11088,7 +11103,7 @@
                       </m:e>
                       <m:sup>
                         <m:r>
-                          <a:rPr lang="en-US" sz="900" i="1">
+                          <a:rPr lang="en-US" sz="800" i="1">
                             <a:latin typeface="Cambria Math" panose="02040503050406030204" pitchFamily="18" charset="0"/>
                             <a:ea typeface="Cambria Math" panose="02040503050406030204" pitchFamily="18" charset="0"/>
                           </a:rPr>
@@ -11098,14 +11113,14 @@
                     </m:sSup>
                   </m:oMath>
                 </a14:m>
-                <a:endParaRPr lang="en-US" sz="900" dirty="0" smtClean="0">
+                <a:endParaRPr lang="en-US" sz="800" dirty="0" smtClean="0">
                   <a:ea typeface="Cambria Math" panose="02040503050406030204" pitchFamily="18" charset="0"/>
                 </a:endParaRPr>
               </a:p>
               <a:p>
                 <a:pPr lvl="1"/>
                 <a:r>
-                  <a:rPr lang="en-US" sz="900" dirty="0" smtClean="0">
+                  <a:rPr lang="en-US" sz="800" dirty="0" smtClean="0">
                     <a:ea typeface="Cambria Math" panose="02040503050406030204" pitchFamily="18" charset="0"/>
                   </a:rPr>
                   <a:t>Divide </a:t>
@@ -11115,7 +11130,7 @@
                     <m:sSub>
                       <m:sSubPr>
                         <m:ctrlPr>
-                          <a:rPr lang="en-US" sz="900" i="1">
+                          <a:rPr lang="en-US" sz="800" i="1">
                             <a:latin typeface="Cambria Math" panose="02040503050406030204" pitchFamily="18" charset="0"/>
                             <a:ea typeface="Cambria Math" panose="02040503050406030204" pitchFamily="18" charset="0"/>
                           </a:rPr>
@@ -11123,7 +11138,7 @@
                       </m:sSubPr>
                       <m:e>
                         <m:r>
-                          <a:rPr lang="en-US" sz="900" i="1">
+                          <a:rPr lang="en-US" sz="800" i="1">
                             <a:latin typeface="Cambria Math" panose="02040503050406030204" pitchFamily="18" charset="0"/>
                             <a:ea typeface="Cambria Math" panose="02040503050406030204" pitchFamily="18" charset="0"/>
                           </a:rPr>
@@ -11132,7 +11147,7 @@
                       </m:e>
                       <m:sub>
                         <m:r>
-                          <a:rPr lang="en-US" sz="900" i="1">
+                          <a:rPr lang="en-US" sz="800" i="1">
                             <a:latin typeface="Cambria Math" panose="02040503050406030204" pitchFamily="18" charset="0"/>
                             <a:ea typeface="Cambria Math" panose="02040503050406030204" pitchFamily="18" charset="0"/>
                           </a:rPr>
@@ -11143,7 +11158,7 @@
                     <m:sSubSup>
                       <m:sSubSupPr>
                         <m:ctrlPr>
-                          <a:rPr lang="en-US" sz="900" i="1">
+                          <a:rPr lang="en-US" sz="800" i="1">
                             <a:latin typeface="Cambria Math" panose="02040503050406030204" pitchFamily="18" charset="0"/>
                             <a:ea typeface="Cambria Math" panose="02040503050406030204" pitchFamily="18" charset="0"/>
                           </a:rPr>
@@ -11151,7 +11166,7 @@
                       </m:sSubSupPr>
                       <m:e>
                         <m:r>
-                          <a:rPr lang="en-US" sz="900" i="1">
+                          <a:rPr lang="en-US" sz="800" i="1">
                             <a:latin typeface="Cambria Math" panose="02040503050406030204" pitchFamily="18" charset="0"/>
                             <a:ea typeface="Cambria Math" panose="02040503050406030204" pitchFamily="18" charset="0"/>
                           </a:rPr>
@@ -11160,7 +11175,7 @@
                       </m:e>
                       <m:sub>
                         <m:r>
-                          <a:rPr lang="en-US" sz="900" i="1">
+                          <a:rPr lang="en-US" sz="800" i="1">
                             <a:latin typeface="Cambria Math" panose="02040503050406030204" pitchFamily="18" charset="0"/>
                             <a:ea typeface="Cambria Math" panose="02040503050406030204" pitchFamily="18" charset="0"/>
                           </a:rPr>
@@ -11169,7 +11184,7 @@
                       </m:sub>
                       <m:sup>
                         <m:r>
-                          <a:rPr lang="en-US" sz="900" i="1">
+                          <a:rPr lang="en-US" sz="800" i="1">
                             <a:latin typeface="Cambria Math" panose="02040503050406030204" pitchFamily="18" charset="0"/>
                             <a:ea typeface="Cambria Math" panose="02040503050406030204" pitchFamily="18" charset="0"/>
                           </a:rPr>
@@ -11180,7 +11195,7 @@
                   </m:oMath>
                 </a14:m>
                 <a:r>
-                  <a:rPr lang="en-US" sz="900" dirty="0" smtClean="0">
+                  <a:rPr lang="en-US" sz="800" dirty="0" smtClean="0">
                     <a:ea typeface="Cambria Math" panose="02040503050406030204" pitchFamily="18" charset="0"/>
                   </a:rPr>
                   <a:t> into the multiplication of it’s individual scalar products.</a:t>
@@ -11189,44 +11204,70 @@
               <a:p>
                 <a:pPr lvl="1"/>
                 <a:r>
-                  <a:rPr lang="en-US" sz="900" dirty="0" smtClean="0">
+                  <a:rPr lang="en-US" sz="800" dirty="0" smtClean="0">
                     <a:ea typeface="Cambria Math" panose="02040503050406030204" pitchFamily="18" charset="0"/>
                   </a:rPr>
-                  <a:t>Calculate these using a n-party </a:t>
+                  <a:t>Calculate these using a n-party SSP where locally unknown values are set to 1 in the vectors used. </a:t>
+                </a:r>
+                <a14:m>
+                  <m:oMath xmlns:m="http://schemas.openxmlformats.org/officeDocument/2006/math">
+                    <m:r>
+                      <a:rPr lang="en-US" sz="800" i="1" dirty="0" smtClean="0">
+                        <a:latin typeface="Cambria Math" panose="02040503050406030204" pitchFamily="18" charset="0"/>
+                        <a:ea typeface="Cambria Math" panose="02040503050406030204" pitchFamily="18" charset="0"/>
+                      </a:rPr>
+                      <m:t>𝐴</m:t>
+                    </m:r>
+                  </m:oMath>
+                </a14:m>
+                <a:r>
+                  <a:rPr lang="en-US" sz="800" dirty="0" smtClean="0">
+                    <a:ea typeface="Cambria Math" panose="02040503050406030204" pitchFamily="18" charset="0"/>
+                  </a:rPr>
+                  <a:t> can be given the </a:t>
                 </a:r>
                 <a:r>
-                  <a:rPr lang="en-US" sz="900" dirty="0" smtClean="0">
+                  <a:rPr lang="en-US" sz="800" dirty="0" err="1" smtClean="0">
                     <a:ea typeface="Cambria Math" panose="02040503050406030204" pitchFamily="18" charset="0"/>
                   </a:rPr>
-                  <a:t>SSP where locally unknown values are set to 1 in the vectors used. </a:t>
+                  <a:t>the</a:t>
                 </a:r>
                 <a:r>
-                  <a:rPr lang="en-US" sz="900" dirty="0" smtClean="0">
+                  <a:rPr lang="en-US" sz="800" dirty="0" smtClean="0">
                     <a:ea typeface="Cambria Math" panose="02040503050406030204" pitchFamily="18" charset="0"/>
                   </a:rPr>
-                  <a:t>The sub-results can be stored in an auxiliary party. </a:t>
+                  <a:t> virtual data-owner</a:t>
+                </a:r>
+              </a:p>
+              <a:p>
+                <a:pPr lvl="1"/>
+                <a:r>
+                  <a:rPr lang="en-US" sz="800" dirty="0" smtClean="0">
+                    <a:ea typeface="Cambria Math" panose="02040503050406030204" pitchFamily="18" charset="0"/>
+                  </a:rPr>
+                  <a:t>Do this in parallel to reduce time complexity</a:t>
                 </a:r>
                 <a:r>
-                  <a:rPr lang="en-US" sz="900" dirty="0" smtClean="0"/>
+                  <a:rPr lang="en-US" sz="800" dirty="0" smtClean="0"/>
                   <a:t/>
                 </a:r>
                 <a:br>
-                  <a:rPr lang="en-US" sz="900" dirty="0" smtClean="0"/>
+                  <a:rPr lang="en-US" sz="800" dirty="0" smtClean="0"/>
                 </a:br>
-                <a:endParaRPr lang="nl-NL" sz="900" dirty="0" smtClean="0"/>
+                <a:endParaRPr lang="nl-NL" sz="800" dirty="0" smtClean="0"/>
               </a:p>
               <a:p>
                 <a14:m>
                   <m:oMath xmlns:m="http://schemas.openxmlformats.org/officeDocument/2006/math">
                     <m:r>
-                      <a:rPr lang="en-US" sz="900" b="0" i="1" smtClean="0">
+                      <a:rPr lang="en-US" sz="800" b="0" i="1" smtClean="0">
                         <a:latin typeface="Cambria Math" panose="02040503050406030204" pitchFamily="18" charset="0"/>
                         <a:ea typeface="Cambria Math" panose="02040503050406030204" pitchFamily="18" charset="0"/>
                       </a:rPr>
                       <m:t>𝐵</m:t>
                     </m:r>
                     <m:r>
-                      <a:rPr lang="en-US" sz="900" b="0" i="1" smtClean="0">
+                      <a:rPr lang="en-US" sz="800" b="0" i="1" smtClean="0">
                         <a:latin typeface="Cambria Math" panose="02040503050406030204" pitchFamily="18" charset="0"/>
                         <a:ea typeface="Cambria Math" panose="02040503050406030204" pitchFamily="18" charset="0"/>
                       </a:rPr>
@@ -11237,7 +11278,7 @@
                         <m:begChr m:val="["/>
                         <m:endChr m:val="]"/>
                         <m:ctrlPr>
-                          <a:rPr lang="en-US" sz="900" i="1">
+                          <a:rPr lang="en-US" sz="800" i="1">
                             <a:latin typeface="Cambria Math" panose="02040503050406030204" pitchFamily="18" charset="0"/>
                             <a:ea typeface="Cambria Math" panose="02040503050406030204" pitchFamily="18" charset="0"/>
                           </a:rPr>
@@ -11245,7 +11286,7 @@
                       </m:dPr>
                       <m:e>
                         <m:r>
-                          <a:rPr lang="en-US" sz="900" i="1">
+                          <a:rPr lang="en-US" sz="800" i="1">
                             <a:latin typeface="Cambria Math" panose="02040503050406030204" pitchFamily="18" charset="0"/>
                           </a:rPr>
                           <m:t> </m:t>
@@ -11254,7 +11295,7 @@
                           <m:naryPr>
                             <m:chr m:val="∑"/>
                             <m:ctrlPr>
-                              <a:rPr lang="en-US" sz="900" i="1">
+                              <a:rPr lang="en-US" sz="800" i="1">
                                 <a:latin typeface="Cambria Math" panose="02040503050406030204" pitchFamily="18" charset="0"/>
                                 <a:ea typeface="Cambria Math" panose="02040503050406030204" pitchFamily="18" charset="0"/>
                               </a:rPr>
@@ -11265,14 +11306,14 @@
                               <m:rPr>
                                 <m:brk m:alnAt="23"/>
                               </m:rPr>
-                              <a:rPr lang="en-US" sz="900" i="1">
+                              <a:rPr lang="en-US" sz="800" i="1">
                                 <a:latin typeface="Cambria Math" panose="02040503050406030204" pitchFamily="18" charset="0"/>
                                 <a:ea typeface="Cambria Math" panose="02040503050406030204" pitchFamily="18" charset="0"/>
                               </a:rPr>
                               <m:t>𝑛</m:t>
                             </m:r>
                             <m:r>
-                              <a:rPr lang="en-US" sz="900" i="1">
+                              <a:rPr lang="en-US" sz="800" i="1">
                                 <a:latin typeface="Cambria Math" panose="02040503050406030204" pitchFamily="18" charset="0"/>
                                 <a:ea typeface="Cambria Math" panose="02040503050406030204" pitchFamily="18" charset="0"/>
                               </a:rPr>
@@ -11281,7 +11322,7 @@
                           </m:sub>
                           <m:sup>
                             <m:r>
-                              <a:rPr lang="en-US" sz="900" i="1">
+                              <a:rPr lang="en-US" sz="800" i="1">
                                 <a:latin typeface="Cambria Math" panose="02040503050406030204" pitchFamily="18" charset="0"/>
                                 <a:ea typeface="Cambria Math" panose="02040503050406030204" pitchFamily="18" charset="0"/>
                               </a:rPr>
@@ -11292,7 +11333,7 @@
                             <m:d>
                               <m:dPr>
                                 <m:ctrlPr>
-                                  <a:rPr lang="en-US" sz="900" i="1">
+                                  <a:rPr lang="en-US" sz="800" i="1">
                                     <a:latin typeface="Cambria Math" panose="02040503050406030204" pitchFamily="18" charset="0"/>
                                     <a:ea typeface="Cambria Math" panose="02040503050406030204" pitchFamily="18" charset="0"/>
                                   </a:rPr>
@@ -11300,7 +11341,7 @@
                               </m:dPr>
                               <m:e>
                                 <m:r>
-                                  <a:rPr lang="en-US" sz="900" i="1">
+                                  <a:rPr lang="en-US" sz="800" i="1">
                                     <a:latin typeface="Cambria Math" panose="02040503050406030204" pitchFamily="18" charset="0"/>
                                     <a:ea typeface="Cambria Math" panose="02040503050406030204" pitchFamily="18" charset="0"/>
                                   </a:rPr>
@@ -11309,7 +11350,7 @@
                                 <m:sSubSup>
                                   <m:sSubSupPr>
                                     <m:ctrlPr>
-                                      <a:rPr lang="en-US" sz="900" i="1">
+                                      <a:rPr lang="en-US" sz="800" i="1">
                                         <a:latin typeface="Cambria Math" panose="02040503050406030204" pitchFamily="18" charset="0"/>
                                         <a:ea typeface="Cambria Math" panose="02040503050406030204" pitchFamily="18" charset="0"/>
                                       </a:rPr>
@@ -11317,7 +11358,7 @@
                                   </m:sSubSupPr>
                                   <m:e>
                                     <m:r>
-                                      <a:rPr lang="en-US" sz="900" i="1">
+                                      <a:rPr lang="en-US" sz="800" i="1">
                                         <a:latin typeface="Cambria Math" panose="02040503050406030204" pitchFamily="18" charset="0"/>
                                         <a:ea typeface="Cambria Math" panose="02040503050406030204" pitchFamily="18" charset="0"/>
                                       </a:rPr>
@@ -11326,7 +11367,7 @@
                                   </m:e>
                                   <m:sub>
                                     <m:r>
-                                      <a:rPr lang="en-US" sz="900" i="1">
+                                      <a:rPr lang="en-US" sz="800" i="1">
                                         <a:latin typeface="Cambria Math" panose="02040503050406030204" pitchFamily="18" charset="0"/>
                                         <a:ea typeface="Cambria Math" panose="02040503050406030204" pitchFamily="18" charset="0"/>
                                       </a:rPr>
@@ -11335,14 +11376,14 @@
                                   </m:sub>
                                   <m:sup>
                                     <m:r>
-                                      <a:rPr lang="en-US" sz="900" i="1">
+                                      <a:rPr lang="en-US" sz="800" i="1">
                                         <a:latin typeface="Cambria Math" panose="02040503050406030204" pitchFamily="18" charset="0"/>
                                         <a:ea typeface="Cambria Math" panose="02040503050406030204" pitchFamily="18" charset="0"/>
                                       </a:rPr>
                                       <m:t>𝑝</m:t>
                                     </m:r>
                                     <m:r>
-                                      <a:rPr lang="en-US" sz="900" i="1">
+                                      <a:rPr lang="en-US" sz="800" i="1">
                                         <a:latin typeface="Cambria Math" panose="02040503050406030204" pitchFamily="18" charset="0"/>
                                         <a:ea typeface="Cambria Math" panose="02040503050406030204" pitchFamily="18" charset="0"/>
                                       </a:rPr>
@@ -11351,7 +11392,7 @@
                                   </m:sup>
                                 </m:sSubSup>
                                 <m:r>
-                                  <a:rPr lang="en-US" sz="900" i="1">
+                                  <a:rPr lang="en-US" sz="800" i="1">
                                     <a:latin typeface="Cambria Math" panose="02040503050406030204" pitchFamily="18" charset="0"/>
                                     <a:ea typeface="Cambria Math" panose="02040503050406030204" pitchFamily="18" charset="0"/>
                                   </a:rPr>
@@ -11360,7 +11401,7 @@
                                 <m:sSubSup>
                                   <m:sSubSupPr>
                                     <m:ctrlPr>
-                                      <a:rPr lang="en-US" sz="900" i="1">
+                                      <a:rPr lang="en-US" sz="800" i="1">
                                         <a:latin typeface="Cambria Math" panose="02040503050406030204" pitchFamily="18" charset="0"/>
                                         <a:ea typeface="Cambria Math" panose="02040503050406030204" pitchFamily="18" charset="0"/>
                                       </a:rPr>
@@ -11368,7 +11409,7 @@
                                   </m:sSubSupPr>
                                   <m:e>
                                     <m:r>
-                                      <a:rPr lang="en-US" sz="900" i="1">
+                                      <a:rPr lang="en-US" sz="800" i="1">
                                         <a:latin typeface="Cambria Math" panose="02040503050406030204" pitchFamily="18" charset="0"/>
                                         <a:ea typeface="Cambria Math" panose="02040503050406030204" pitchFamily="18" charset="0"/>
                                       </a:rPr>
@@ -11377,7 +11418,7 @@
                                   </m:e>
                                   <m:sub>
                                     <m:r>
-                                      <a:rPr lang="en-US" sz="900" i="1">
+                                      <a:rPr lang="en-US" sz="800" i="1">
                                         <a:latin typeface="Cambria Math" panose="02040503050406030204" pitchFamily="18" charset="0"/>
                                         <a:ea typeface="Cambria Math" panose="02040503050406030204" pitchFamily="18" charset="0"/>
                                       </a:rPr>
@@ -11386,14 +11427,14 @@
                                   </m:sub>
                                   <m:sup>
                                     <m:r>
-                                      <a:rPr lang="en-US" sz="900" i="1">
+                                      <a:rPr lang="en-US" sz="800" i="1">
                                         <a:latin typeface="Cambria Math" panose="02040503050406030204" pitchFamily="18" charset="0"/>
                                         <a:ea typeface="Cambria Math" panose="02040503050406030204" pitchFamily="18" charset="0"/>
                                       </a:rPr>
                                       <m:t>𝑝</m:t>
                                     </m:r>
                                     <m:r>
-                                      <a:rPr lang="en-US" sz="900" i="1">
+                                      <a:rPr lang="en-US" sz="800" i="1">
                                         <a:latin typeface="Cambria Math" panose="02040503050406030204" pitchFamily="18" charset="0"/>
                                         <a:ea typeface="Cambria Math" panose="02040503050406030204" pitchFamily="18" charset="0"/>
                                       </a:rPr>
@@ -11408,7 +11449,7 @@
                         <m:sSub>
                           <m:sSubPr>
                             <m:ctrlPr>
-                              <a:rPr lang="en-US" sz="900" i="1">
+                              <a:rPr lang="en-US" sz="800" i="1">
                                 <a:latin typeface="Cambria Math" panose="02040503050406030204" pitchFamily="18" charset="0"/>
                                 <a:ea typeface="Cambria Math" panose="02040503050406030204" pitchFamily="18" charset="0"/>
                               </a:rPr>
@@ -11416,7 +11457,7 @@
                           </m:sSubPr>
                           <m:e>
                             <m:r>
-                              <a:rPr lang="en-US" sz="900" i="1">
+                              <a:rPr lang="en-US" sz="800" i="1">
                                 <a:latin typeface="Cambria Math" panose="02040503050406030204" pitchFamily="18" charset="0"/>
                                 <a:ea typeface="Cambria Math" panose="02040503050406030204" pitchFamily="18" charset="0"/>
                               </a:rPr>
@@ -11425,7 +11466,7 @@
                           </m:e>
                           <m:sub>
                             <m:r>
-                              <a:rPr lang="en-US" sz="900" i="1">
+                              <a:rPr lang="en-US" sz="800" i="1">
                                 <a:latin typeface="Cambria Math" panose="02040503050406030204" pitchFamily="18" charset="0"/>
                                 <a:ea typeface="Cambria Math" panose="02040503050406030204" pitchFamily="18" charset="0"/>
                               </a:rPr>
@@ -11434,7 +11475,7 @@
                           </m:sub>
                         </m:sSub>
                         <m:r>
-                          <a:rPr lang="en-US" sz="900" i="1">
+                          <a:rPr lang="en-US" sz="800" i="1">
                             <a:latin typeface="Cambria Math" panose="02040503050406030204" pitchFamily="18" charset="0"/>
                             <a:ea typeface="Cambria Math" panose="02040503050406030204" pitchFamily="18" charset="0"/>
                           </a:rPr>
@@ -11443,7 +11484,7 @@
                         <m:sSub>
                           <m:sSubPr>
                             <m:ctrlPr>
-                              <a:rPr lang="en-US" sz="900" i="1">
+                              <a:rPr lang="en-US" sz="800" i="1">
                                 <a:latin typeface="Cambria Math" panose="02040503050406030204" pitchFamily="18" charset="0"/>
                                 <a:ea typeface="Cambria Math" panose="02040503050406030204" pitchFamily="18" charset="0"/>
                               </a:rPr>
@@ -11451,7 +11492,7 @@
                           </m:sSubPr>
                           <m:e>
                             <m:r>
-                              <a:rPr lang="en-US" sz="900" i="1">
+                              <a:rPr lang="en-US" sz="800" i="1">
                                 <a:latin typeface="Cambria Math" panose="02040503050406030204" pitchFamily="18" charset="0"/>
                                 <a:ea typeface="Cambria Math" panose="02040503050406030204" pitchFamily="18" charset="0"/>
                               </a:rPr>
@@ -11460,7 +11501,7 @@
                           </m:e>
                           <m:sub>
                             <m:r>
-                              <a:rPr lang="en-US" sz="900" i="1">
+                              <a:rPr lang="en-US" sz="800" i="1">
                                 <a:latin typeface="Cambria Math" panose="02040503050406030204" pitchFamily="18" charset="0"/>
                                 <a:ea typeface="Cambria Math" panose="02040503050406030204" pitchFamily="18" charset="0"/>
                               </a:rPr>
@@ -11469,7 +11510,7 @@
                           </m:sub>
                         </m:sSub>
                         <m:r>
-                          <a:rPr lang="en-US" sz="900" i="1">
+                          <a:rPr lang="en-US" sz="800" i="1">
                             <a:latin typeface="Cambria Math" panose="02040503050406030204" pitchFamily="18" charset="0"/>
                             <a:ea typeface="Cambria Math" panose="02040503050406030204" pitchFamily="18" charset="0"/>
                           </a:rPr>
@@ -11478,14 +11519,14 @@
                         <m:sSubSup>
                           <m:sSubSupPr>
                             <m:ctrlPr>
-                              <a:rPr lang="en-US" sz="900" i="1">
+                              <a:rPr lang="en-US" sz="800" i="1">
                                 <a:latin typeface="Cambria Math" panose="02040503050406030204" pitchFamily="18" charset="0"/>
                               </a:rPr>
                             </m:ctrlPr>
                           </m:sSubSupPr>
                           <m:e>
                             <m:r>
-                              <a:rPr lang="en-US" sz="900" i="1">
+                              <a:rPr lang="en-US" sz="800" i="1">
                                 <a:latin typeface="Cambria Math" panose="02040503050406030204" pitchFamily="18" charset="0"/>
                               </a:rPr>
                               <m:t>𝑉</m:t>
@@ -11493,7 +11534,7 @@
                           </m:e>
                           <m:sub>
                             <m:r>
-                              <a:rPr lang="en-US" sz="900" i="1">
+                              <a:rPr lang="en-US" sz="800" i="1">
                                 <a:latin typeface="Cambria Math" panose="02040503050406030204" pitchFamily="18" charset="0"/>
                               </a:rPr>
                               <m:t>𝑝</m:t>
@@ -11501,13 +11542,13 @@
                           </m:sub>
                           <m:sup>
                             <m:r>
-                              <a:rPr lang="en-US" sz="900" i="1">
+                              <a:rPr lang="en-US" sz="800" i="1">
                                 <a:latin typeface="Cambria Math" panose="02040503050406030204" pitchFamily="18" charset="0"/>
                               </a:rPr>
                               <m:t>𝑡</m:t>
                             </m:r>
                             <m:r>
-                              <a:rPr lang="en-US" sz="900" i="1">
+                              <a:rPr lang="en-US" sz="800" i="1">
                                 <a:latin typeface="Cambria Math" panose="02040503050406030204" pitchFamily="18" charset="0"/>
                                 <a:ea typeface="Cambria Math" panose="02040503050406030204" pitchFamily="18" charset="0"/>
                               </a:rPr>
@@ -11518,7 +11559,7 @@
                                 <m:begChr m:val="["/>
                                 <m:endChr m:val="]"/>
                                 <m:ctrlPr>
-                                  <a:rPr lang="en-US" sz="900" i="1">
+                                  <a:rPr lang="en-US" sz="800" i="1">
                                     <a:latin typeface="Cambria Math" panose="02040503050406030204" pitchFamily="18" charset="0"/>
                                     <a:ea typeface="Cambria Math" panose="02040503050406030204" pitchFamily="18" charset="0"/>
                                   </a:rPr>
@@ -11526,14 +11567,14 @@
                               </m:dPr>
                               <m:e>
                                 <m:r>
-                                  <a:rPr lang="en-US" sz="900" i="1">
+                                  <a:rPr lang="en-US" sz="800" i="1">
                                     <a:latin typeface="Cambria Math" panose="02040503050406030204" pitchFamily="18" charset="0"/>
                                     <a:ea typeface="Cambria Math" panose="02040503050406030204" pitchFamily="18" charset="0"/>
                                   </a:rPr>
                                   <m:t>1,</m:t>
                                 </m:r>
                                 <m:r>
-                                  <a:rPr lang="en-US" sz="900" i="1">
+                                  <a:rPr lang="en-US" sz="800" i="1">
                                     <a:latin typeface="Cambria Math" panose="02040503050406030204" pitchFamily="18" charset="0"/>
                                     <a:ea typeface="Cambria Math" panose="02040503050406030204" pitchFamily="18" charset="0"/>
                                   </a:rPr>
@@ -11544,7 +11585,7 @@
                           </m:sup>
                         </m:sSubSup>
                         <m:r>
-                          <a:rPr lang="en-US" sz="900" i="1">
+                          <a:rPr lang="en-US" sz="800" i="1">
                             <a:latin typeface="Cambria Math" panose="02040503050406030204" pitchFamily="18" charset="0"/>
                             <a:ea typeface="Cambria Math" panose="02040503050406030204" pitchFamily="18" charset="0"/>
                           </a:rPr>
@@ -11554,7 +11595,7 @@
                           <m:rPr>
                             <m:nor/>
                           </m:rPr>
-                          <a:rPr lang="en-US" sz="900" dirty="0">
+                          <a:rPr lang="en-US" sz="800" dirty="0">
                             <a:ea typeface="Cambria Math" panose="02040503050406030204" pitchFamily="18" charset="0"/>
                           </a:rPr>
                           <m:t> </m:t>
@@ -11564,7 +11605,7 @@
                   </m:oMath>
                 </a14:m>
                 <a:r>
-                  <a:rPr lang="en-US" sz="900" dirty="0" smtClean="0">
+                  <a:rPr lang="en-US" sz="800" dirty="0" smtClean="0">
                     <a:ea typeface="Cambria Math" panose="02040503050406030204" pitchFamily="18" charset="0"/>
                   </a:rPr>
                   <a:t> </a:t>
@@ -11573,7 +11614,7 @@
               <a:p>
                 <a:pPr lvl="1"/>
                 <a:r>
-                  <a:rPr lang="en-US" sz="900" dirty="0" smtClean="0"/>
+                  <a:rPr lang="en-US" sz="800" dirty="0" smtClean="0"/>
                   <a:t>Can be separated into </a:t>
                 </a:r>
                 <a14:m>
@@ -11584,7 +11625,7 @@
                         <m:subHide m:val="on"/>
                         <m:supHide m:val="on"/>
                         <m:ctrlPr>
-                          <a:rPr lang="en-US" sz="900" i="1" smtClean="0">
+                          <a:rPr lang="en-US" sz="800" i="1" smtClean="0">
                             <a:latin typeface="Cambria Math" panose="02040503050406030204" pitchFamily="18" charset="0"/>
                           </a:rPr>
                         </m:ctrlPr>
@@ -11595,14 +11636,14 @@
                         <m:sSub>
                           <m:sSubPr>
                             <m:ctrlPr>
-                              <a:rPr lang="en-US" sz="900" i="1" smtClean="0">
+                              <a:rPr lang="en-US" sz="800" i="1" smtClean="0">
                                 <a:latin typeface="Cambria Math" panose="02040503050406030204" pitchFamily="18" charset="0"/>
                               </a:rPr>
                             </m:ctrlPr>
                           </m:sSubPr>
                           <m:e>
                             <m:r>
-                              <a:rPr lang="en-US" sz="900" b="0" i="1" smtClean="0">
+                              <a:rPr lang="en-US" sz="800" b="0" i="1" smtClean="0">
                                 <a:latin typeface="Cambria Math" panose="02040503050406030204" pitchFamily="18" charset="0"/>
                               </a:rPr>
                               <m:t>𝑉</m:t>
@@ -11610,7 +11651,7 @@
                           </m:e>
                           <m:sub>
                             <m:r>
-                              <a:rPr lang="en-US" sz="900" b="0" i="1" smtClean="0">
+                              <a:rPr lang="en-US" sz="800" b="0" i="1" smtClean="0">
                                 <a:latin typeface="Cambria Math" panose="02040503050406030204" pitchFamily="18" charset="0"/>
                               </a:rPr>
                               <m:t>𝑝</m:t>
@@ -11622,7 +11663,7 @@
                   </m:oMath>
                 </a14:m>
                 <a:r>
-                  <a:rPr lang="en-US" sz="900" dirty="0" smtClean="0"/>
+                  <a:rPr lang="en-US" sz="800" dirty="0" smtClean="0"/>
                   <a:t> with a vector </a:t>
                 </a:r>
                 <a14:m>
@@ -11630,14 +11671,14 @@
                     <m:sSub>
                       <m:sSubPr>
                         <m:ctrlPr>
-                          <a:rPr lang="en-US" sz="900" i="1">
+                          <a:rPr lang="en-US" sz="800" i="1">
                             <a:latin typeface="Cambria Math" panose="02040503050406030204" pitchFamily="18" charset="0"/>
                           </a:rPr>
                         </m:ctrlPr>
                       </m:sSubPr>
                       <m:e>
                         <m:r>
-                          <a:rPr lang="en-US" sz="900" i="1">
+                          <a:rPr lang="en-US" sz="800" i="1">
                             <a:latin typeface="Cambria Math" panose="02040503050406030204" pitchFamily="18" charset="0"/>
                           </a:rPr>
                           <m:t>𝑉</m:t>
@@ -11645,7 +11686,7 @@
                       </m:e>
                       <m:sub>
                         <m:r>
-                          <a:rPr lang="en-US" sz="900" i="1">
+                          <a:rPr lang="en-US" sz="800" i="1">
                             <a:latin typeface="Cambria Math" panose="02040503050406030204" pitchFamily="18" charset="0"/>
                           </a:rPr>
                           <m:t>𝑝</m:t>
@@ -11655,20 +11696,20 @@
                   </m:oMath>
                 </a14:m>
                 <a:r>
-                  <a:rPr lang="en-US" sz="900" dirty="0" smtClean="0"/>
+                  <a:rPr lang="en-US" sz="800" dirty="0" smtClean="0"/>
                   <a:t> for each party </a:t>
                 </a:r>
                 <a:br>
-                  <a:rPr lang="en-US" sz="900" dirty="0" smtClean="0"/>
+                  <a:rPr lang="en-US" sz="800" dirty="0" smtClean="0"/>
                 </a:br>
                 <a:r>
-                  <a:rPr lang="en-US" sz="900" dirty="0" smtClean="0"/>
+                  <a:rPr lang="en-US" sz="800" dirty="0" smtClean="0"/>
                   <a:t>where</a:t>
                 </a:r>
                 <a14:m>
                   <m:oMath xmlns:m="http://schemas.openxmlformats.org/officeDocument/2006/math">
                     <m:r>
-                      <a:rPr lang="en-US" sz="900" b="0" i="0" smtClean="0">
+                      <a:rPr lang="en-US" sz="800" b="0" i="0" smtClean="0">
                         <a:latin typeface="Cambria Math" panose="02040503050406030204" pitchFamily="18" charset="0"/>
                         <a:ea typeface="Cambria Math" panose="02040503050406030204" pitchFamily="18" charset="0"/>
                       </a:rPr>
@@ -11677,7 +11718,7 @@
                     <m:sSub>
                       <m:sSubPr>
                         <m:ctrlPr>
-                          <a:rPr lang="en-US" sz="900" i="1">
+                          <a:rPr lang="en-US" sz="800" i="1">
                             <a:latin typeface="Cambria Math" panose="02040503050406030204" pitchFamily="18" charset="0"/>
                             <a:ea typeface="Cambria Math" panose="02040503050406030204" pitchFamily="18" charset="0"/>
                           </a:rPr>
@@ -11685,7 +11726,7 @@
                       </m:sSubPr>
                       <m:e>
                         <m:r>
-                          <a:rPr lang="en-US" sz="900" b="0" i="1" smtClean="0">
+                          <a:rPr lang="en-US" sz="800" b="0" i="1" smtClean="0">
                             <a:latin typeface="Cambria Math" panose="02040503050406030204" pitchFamily="18" charset="0"/>
                             <a:ea typeface="Cambria Math" panose="02040503050406030204" pitchFamily="18" charset="0"/>
                           </a:rPr>
@@ -11694,7 +11735,7 @@
                       </m:e>
                       <m:sub>
                         <m:r>
-                          <a:rPr lang="en-US" sz="900" i="1">
+                          <a:rPr lang="en-US" sz="800" i="1">
                             <a:latin typeface="Cambria Math" panose="02040503050406030204" pitchFamily="18" charset="0"/>
                             <a:ea typeface="Cambria Math" panose="02040503050406030204" pitchFamily="18" charset="0"/>
                           </a:rPr>
@@ -11703,7 +11744,7 @@
                       </m:sub>
                     </m:sSub>
                     <m:r>
-                      <a:rPr lang="en-US" sz="900" i="1">
+                      <a:rPr lang="en-US" sz="800" i="1">
                         <a:latin typeface="Cambria Math" panose="02040503050406030204" pitchFamily="18" charset="0"/>
                       </a:rPr>
                       <m:t>= </m:t>
@@ -11711,14 +11752,14 @@
                     <m:sSubSup>
                       <m:sSubSupPr>
                         <m:ctrlPr>
-                          <a:rPr lang="en-US" sz="900" i="1">
+                          <a:rPr lang="en-US" sz="800" i="1">
                             <a:latin typeface="Cambria Math" panose="02040503050406030204" pitchFamily="18" charset="0"/>
                           </a:rPr>
                         </m:ctrlPr>
                       </m:sSubSupPr>
                       <m:e>
                         <m:r>
-                          <a:rPr lang="en-US" sz="900" i="1">
+                          <a:rPr lang="en-US" sz="800" i="1">
                             <a:latin typeface="Cambria Math" panose="02040503050406030204" pitchFamily="18" charset="0"/>
                           </a:rPr>
                           <m:t>{</m:t>
@@ -11729,7 +11770,7 @@
                           <m:naryPr>
                             <m:chr m:val="∑"/>
                             <m:ctrlPr>
-                              <a:rPr lang="en-US" sz="900" i="1">
+                              <a:rPr lang="en-US" sz="800" i="1">
                                 <a:latin typeface="Cambria Math" panose="02040503050406030204" pitchFamily="18" charset="0"/>
                                 <a:ea typeface="Cambria Math" panose="02040503050406030204" pitchFamily="18" charset="0"/>
                               </a:rPr>
@@ -11740,14 +11781,14 @@
                               <m:rPr>
                                 <m:brk m:alnAt="23"/>
                               </m:rPr>
-                              <a:rPr lang="en-US" sz="900" i="1">
+                              <a:rPr lang="en-US" sz="800" i="1">
                                 <a:latin typeface="Cambria Math" panose="02040503050406030204" pitchFamily="18" charset="0"/>
                                 <a:ea typeface="Cambria Math" panose="02040503050406030204" pitchFamily="18" charset="0"/>
                               </a:rPr>
                               <m:t>𝑛</m:t>
                             </m:r>
                             <m:r>
-                              <a:rPr lang="en-US" sz="900" i="1">
+                              <a:rPr lang="en-US" sz="800" i="1">
                                 <a:latin typeface="Cambria Math" panose="02040503050406030204" pitchFamily="18" charset="0"/>
                                 <a:ea typeface="Cambria Math" panose="02040503050406030204" pitchFamily="18" charset="0"/>
                               </a:rPr>
@@ -11756,7 +11797,7 @@
                           </m:sub>
                           <m:sup>
                             <m:r>
-                              <a:rPr lang="en-US" sz="900" i="1">
+                              <a:rPr lang="en-US" sz="800" i="1">
                                 <a:latin typeface="Cambria Math" panose="02040503050406030204" pitchFamily="18" charset="0"/>
                                 <a:ea typeface="Cambria Math" panose="02040503050406030204" pitchFamily="18" charset="0"/>
                               </a:rPr>
@@ -11767,7 +11808,7 @@
                             <m:d>
                               <m:dPr>
                                 <m:ctrlPr>
-                                  <a:rPr lang="en-US" sz="900" i="1">
+                                  <a:rPr lang="en-US" sz="800" i="1">
                                     <a:latin typeface="Cambria Math" panose="02040503050406030204" pitchFamily="18" charset="0"/>
                                     <a:ea typeface="Cambria Math" panose="02040503050406030204" pitchFamily="18" charset="0"/>
                                   </a:rPr>
@@ -11775,7 +11816,7 @@
                               </m:dPr>
                               <m:e>
                                 <m:r>
-                                  <a:rPr lang="en-US" sz="900" i="1">
+                                  <a:rPr lang="en-US" sz="800" i="1">
                                     <a:latin typeface="Cambria Math" panose="02040503050406030204" pitchFamily="18" charset="0"/>
                                     <a:ea typeface="Cambria Math" panose="02040503050406030204" pitchFamily="18" charset="0"/>
                                   </a:rPr>
@@ -11784,7 +11825,7 @@
                                 <m:sSubSup>
                                   <m:sSubSupPr>
                                     <m:ctrlPr>
-                                      <a:rPr lang="en-US" sz="900" i="1">
+                                      <a:rPr lang="en-US" sz="800" i="1">
                                         <a:latin typeface="Cambria Math" panose="02040503050406030204" pitchFamily="18" charset="0"/>
                                         <a:ea typeface="Cambria Math" panose="02040503050406030204" pitchFamily="18" charset="0"/>
                                       </a:rPr>
@@ -11792,7 +11833,7 @@
                                   </m:sSubSupPr>
                                   <m:e>
                                     <m:r>
-                                      <a:rPr lang="en-US" sz="900" i="1">
+                                      <a:rPr lang="en-US" sz="800" i="1">
                                         <a:latin typeface="Cambria Math" panose="02040503050406030204" pitchFamily="18" charset="0"/>
                                         <a:ea typeface="Cambria Math" panose="02040503050406030204" pitchFamily="18" charset="0"/>
                                       </a:rPr>
@@ -11801,7 +11842,7 @@
                                   </m:e>
                                   <m:sub>
                                     <m:r>
-                                      <a:rPr lang="en-US" sz="900" i="1">
+                                      <a:rPr lang="en-US" sz="800" i="1">
                                         <a:latin typeface="Cambria Math" panose="02040503050406030204" pitchFamily="18" charset="0"/>
                                         <a:ea typeface="Cambria Math" panose="02040503050406030204" pitchFamily="18" charset="0"/>
                                       </a:rPr>
@@ -11810,14 +11851,14 @@
                                   </m:sub>
                                   <m:sup>
                                     <m:r>
-                                      <a:rPr lang="en-US" sz="900" i="1">
+                                      <a:rPr lang="en-US" sz="800" i="1">
                                         <a:latin typeface="Cambria Math" panose="02040503050406030204" pitchFamily="18" charset="0"/>
                                         <a:ea typeface="Cambria Math" panose="02040503050406030204" pitchFamily="18" charset="0"/>
                                       </a:rPr>
                                       <m:t>𝑝</m:t>
                                     </m:r>
                                     <m:r>
-                                      <a:rPr lang="en-US" sz="900" i="1">
+                                      <a:rPr lang="en-US" sz="800" i="1">
                                         <a:latin typeface="Cambria Math" panose="02040503050406030204" pitchFamily="18" charset="0"/>
                                         <a:ea typeface="Cambria Math" panose="02040503050406030204" pitchFamily="18" charset="0"/>
                                       </a:rPr>
@@ -11826,7 +11867,7 @@
                                   </m:sup>
                                 </m:sSubSup>
                                 <m:r>
-                                  <a:rPr lang="en-US" sz="900" i="1">
+                                  <a:rPr lang="en-US" sz="800" i="1">
                                     <a:latin typeface="Cambria Math" panose="02040503050406030204" pitchFamily="18" charset="0"/>
                                     <a:ea typeface="Cambria Math" panose="02040503050406030204" pitchFamily="18" charset="0"/>
                                   </a:rPr>
@@ -11835,7 +11876,7 @@
                                 <m:sSubSup>
                                   <m:sSubSupPr>
                                     <m:ctrlPr>
-                                      <a:rPr lang="en-US" sz="900" i="1">
+                                      <a:rPr lang="en-US" sz="800" i="1">
                                         <a:latin typeface="Cambria Math" panose="02040503050406030204" pitchFamily="18" charset="0"/>
                                         <a:ea typeface="Cambria Math" panose="02040503050406030204" pitchFamily="18" charset="0"/>
                                       </a:rPr>
@@ -11843,7 +11884,7 @@
                                   </m:sSubSupPr>
                                   <m:e>
                                     <m:r>
-                                      <a:rPr lang="en-US" sz="900" i="1">
+                                      <a:rPr lang="en-US" sz="800" i="1">
                                         <a:latin typeface="Cambria Math" panose="02040503050406030204" pitchFamily="18" charset="0"/>
                                         <a:ea typeface="Cambria Math" panose="02040503050406030204" pitchFamily="18" charset="0"/>
                                       </a:rPr>
@@ -11852,7 +11893,7 @@
                                   </m:e>
                                   <m:sub>
                                     <m:r>
-                                      <a:rPr lang="en-US" sz="900" i="1">
+                                      <a:rPr lang="en-US" sz="800" i="1">
                                         <a:latin typeface="Cambria Math" panose="02040503050406030204" pitchFamily="18" charset="0"/>
                                         <a:ea typeface="Cambria Math" panose="02040503050406030204" pitchFamily="18" charset="0"/>
                                       </a:rPr>
@@ -11861,14 +11902,14 @@
                                   </m:sub>
                                   <m:sup>
                                     <m:r>
-                                      <a:rPr lang="en-US" sz="900" i="1">
+                                      <a:rPr lang="en-US" sz="800" i="1">
                                         <a:latin typeface="Cambria Math" panose="02040503050406030204" pitchFamily="18" charset="0"/>
                                         <a:ea typeface="Cambria Math" panose="02040503050406030204" pitchFamily="18" charset="0"/>
                                       </a:rPr>
                                       <m:t>𝑝</m:t>
                                     </m:r>
                                     <m:r>
-                                      <a:rPr lang="en-US" sz="900" i="1">
+                                      <a:rPr lang="en-US" sz="800" i="1">
                                         <a:latin typeface="Cambria Math" panose="02040503050406030204" pitchFamily="18" charset="0"/>
                                         <a:ea typeface="Cambria Math" panose="02040503050406030204" pitchFamily="18" charset="0"/>
                                       </a:rPr>
@@ -11883,7 +11924,7 @@
                         <m:sSub>
                           <m:sSubPr>
                             <m:ctrlPr>
-                              <a:rPr lang="en-US" sz="900" i="1">
+                              <a:rPr lang="en-US" sz="800" i="1">
                                 <a:latin typeface="Cambria Math" panose="02040503050406030204" pitchFamily="18" charset="0"/>
                                 <a:ea typeface="Cambria Math" panose="02040503050406030204" pitchFamily="18" charset="0"/>
                               </a:rPr>
@@ -11891,7 +11932,7 @@
                           </m:sSubPr>
                           <m:e>
                             <m:r>
-                              <a:rPr lang="en-US" sz="900" i="1">
+                              <a:rPr lang="en-US" sz="800" i="1">
                                 <a:latin typeface="Cambria Math" panose="02040503050406030204" pitchFamily="18" charset="0"/>
                                 <a:ea typeface="Cambria Math" panose="02040503050406030204" pitchFamily="18" charset="0"/>
                               </a:rPr>
@@ -11900,7 +11941,7 @@
                           </m:e>
                           <m:sub>
                             <m:r>
-                              <a:rPr lang="en-US" sz="900" i="1">
+                              <a:rPr lang="en-US" sz="800" i="1">
                                 <a:latin typeface="Cambria Math" panose="02040503050406030204" pitchFamily="18" charset="0"/>
                                 <a:ea typeface="Cambria Math" panose="02040503050406030204" pitchFamily="18" charset="0"/>
                               </a:rPr>
@@ -11909,7 +11950,7 @@
                           </m:sub>
                         </m:sSub>
                         <m:r>
-                          <a:rPr lang="en-US" sz="900" i="1">
+                          <a:rPr lang="en-US" sz="800" i="1">
                             <a:latin typeface="Cambria Math" panose="02040503050406030204" pitchFamily="18" charset="0"/>
                             <a:ea typeface="Cambria Math" panose="02040503050406030204" pitchFamily="18" charset="0"/>
                           </a:rPr>
@@ -11918,7 +11959,7 @@
                         <m:sSub>
                           <m:sSubPr>
                             <m:ctrlPr>
-                              <a:rPr lang="en-US" sz="900" i="1">
+                              <a:rPr lang="en-US" sz="800" i="1">
                                 <a:latin typeface="Cambria Math" panose="02040503050406030204" pitchFamily="18" charset="0"/>
                                 <a:ea typeface="Cambria Math" panose="02040503050406030204" pitchFamily="18" charset="0"/>
                               </a:rPr>
@@ -11926,7 +11967,7 @@
                           </m:sSubPr>
                           <m:e>
                             <m:r>
-                              <a:rPr lang="en-US" sz="900" i="1">
+                              <a:rPr lang="en-US" sz="800" i="1">
                                 <a:latin typeface="Cambria Math" panose="02040503050406030204" pitchFamily="18" charset="0"/>
                                 <a:ea typeface="Cambria Math" panose="02040503050406030204" pitchFamily="18" charset="0"/>
                               </a:rPr>
@@ -11935,7 +11976,7 @@
                           </m:e>
                           <m:sub>
                             <m:r>
-                              <a:rPr lang="en-US" sz="900" i="1">
+                              <a:rPr lang="en-US" sz="800" i="1">
                                 <a:latin typeface="Cambria Math" panose="02040503050406030204" pitchFamily="18" charset="0"/>
                                 <a:ea typeface="Cambria Math" panose="02040503050406030204" pitchFamily="18" charset="0"/>
                               </a:rPr>
@@ -11946,7 +11987,7 @@
                         <m:d>
                           <m:dPr>
                             <m:ctrlPr>
-                              <a:rPr lang="en-US" sz="900" i="1">
+                              <a:rPr lang="en-US" sz="800" i="1">
                                 <a:latin typeface="Cambria Math" panose="02040503050406030204" pitchFamily="18" charset="0"/>
                                 <a:ea typeface="Cambria Math" panose="02040503050406030204" pitchFamily="18" charset="0"/>
                               </a:rPr>
@@ -11956,14 +11997,14 @@
                             <m:sSubSup>
                               <m:sSubSupPr>
                                 <m:ctrlPr>
-                                  <a:rPr lang="en-US" sz="900" i="1">
+                                  <a:rPr lang="en-US" sz="800" i="1">
                                     <a:latin typeface="Cambria Math" panose="02040503050406030204" pitchFamily="18" charset="0"/>
                                   </a:rPr>
                                 </m:ctrlPr>
                               </m:sSubSupPr>
                               <m:e>
                                 <m:r>
-                                  <a:rPr lang="en-US" sz="900" i="1">
+                                  <a:rPr lang="en-US" sz="800" i="1">
                                     <a:latin typeface="Cambria Math" panose="02040503050406030204" pitchFamily="18" charset="0"/>
                                   </a:rPr>
                                   <m:t>𝑉</m:t>
@@ -11971,7 +12012,7 @@
                               </m:e>
                               <m:sub>
                                 <m:r>
-                                  <a:rPr lang="en-US" sz="900" i="1">
+                                  <a:rPr lang="en-US" sz="800" i="1">
                                     <a:latin typeface="Cambria Math" panose="02040503050406030204" pitchFamily="18" charset="0"/>
                                   </a:rPr>
                                   <m:t>𝑝</m:t>
@@ -11979,13 +12020,13 @@
                               </m:sub>
                               <m:sup>
                                 <m:r>
-                                  <a:rPr lang="en-US" sz="900" i="1">
+                                  <a:rPr lang="en-US" sz="800" i="1">
                                     <a:latin typeface="Cambria Math" panose="02040503050406030204" pitchFamily="18" charset="0"/>
                                   </a:rPr>
                                   <m:t>𝑡</m:t>
                                 </m:r>
                                 <m:r>
-                                  <a:rPr lang="en-US" sz="900" i="1">
+                                  <a:rPr lang="en-US" sz="800" i="1">
                                     <a:latin typeface="Cambria Math" panose="02040503050406030204" pitchFamily="18" charset="0"/>
                                     <a:ea typeface="Cambria Math" panose="02040503050406030204" pitchFamily="18" charset="0"/>
                                   </a:rPr>
@@ -11996,7 +12037,7 @@
                                     <m:begChr m:val="["/>
                                     <m:endChr m:val="]"/>
                                     <m:ctrlPr>
-                                      <a:rPr lang="en-US" sz="900" i="1">
+                                      <a:rPr lang="en-US" sz="800" i="1">
                                         <a:latin typeface="Cambria Math" panose="02040503050406030204" pitchFamily="18" charset="0"/>
                                         <a:ea typeface="Cambria Math" panose="02040503050406030204" pitchFamily="18" charset="0"/>
                                       </a:rPr>
@@ -12004,14 +12045,14 @@
                                   </m:dPr>
                                   <m:e>
                                     <m:r>
-                                      <a:rPr lang="en-US" sz="900" i="1">
+                                      <a:rPr lang="en-US" sz="800" i="1">
                                         <a:latin typeface="Cambria Math" panose="02040503050406030204" pitchFamily="18" charset="0"/>
                                         <a:ea typeface="Cambria Math" panose="02040503050406030204" pitchFamily="18" charset="0"/>
                                       </a:rPr>
                                       <m:t>1,</m:t>
                                     </m:r>
                                     <m:r>
-                                      <a:rPr lang="en-US" sz="900" i="1">
+                                      <a:rPr lang="en-US" sz="800" i="1">
                                         <a:latin typeface="Cambria Math" panose="02040503050406030204" pitchFamily="18" charset="0"/>
                                         <a:ea typeface="Cambria Math" panose="02040503050406030204" pitchFamily="18" charset="0"/>
                                       </a:rPr>
@@ -12027,13 +12068,13 @@
                           <m:rPr>
                             <m:nor/>
                           </m:rPr>
-                          <a:rPr lang="en-US" sz="900" dirty="0">
+                          <a:rPr lang="en-US" sz="800" dirty="0">
                             <a:ea typeface="Cambria Math" panose="02040503050406030204" pitchFamily="18" charset="0"/>
                           </a:rPr>
                           <m:t>  </m:t>
                         </m:r>
                         <m:r>
-                          <a:rPr lang="en-US" sz="900" i="1">
+                          <a:rPr lang="en-US" sz="800" i="1">
                             <a:latin typeface="Cambria Math" panose="02040503050406030204" pitchFamily="18" charset="0"/>
                           </a:rPr>
                           <m:t>𝑖𝑓</m:t>
@@ -12041,7 +12082,7 @@
                         <m:sSub>
                           <m:sSubPr>
                             <m:ctrlPr>
-                              <a:rPr lang="en-US" sz="900" i="1">
+                              <a:rPr lang="en-US" sz="800" i="1">
                                 <a:latin typeface="Cambria Math" panose="02040503050406030204" pitchFamily="18" charset="0"/>
                                 <a:ea typeface="Cambria Math" panose="02040503050406030204" pitchFamily="18" charset="0"/>
                               </a:rPr>
@@ -12049,14 +12090,14 @@
                           </m:sSubPr>
                           <m:e>
                             <m:r>
-                              <a:rPr lang="en-US" sz="900" b="0" i="1" smtClean="0">
+                              <a:rPr lang="en-US" sz="800" b="0" i="1" smtClean="0">
                                 <a:latin typeface="Cambria Math" panose="02040503050406030204" pitchFamily="18" charset="0"/>
                                 <a:ea typeface="Cambria Math" panose="02040503050406030204" pitchFamily="18" charset="0"/>
                               </a:rPr>
                               <m:t> </m:t>
                             </m:r>
                             <m:r>
-                              <a:rPr lang="en-US" sz="900" i="1">
+                              <a:rPr lang="en-US" sz="800" i="1">
                                 <a:latin typeface="Cambria Math" panose="02040503050406030204" pitchFamily="18" charset="0"/>
                                 <a:ea typeface="Cambria Math" panose="02040503050406030204" pitchFamily="18" charset="0"/>
                               </a:rPr>
@@ -12065,7 +12106,7 @@
                           </m:e>
                           <m:sub>
                             <m:r>
-                              <a:rPr lang="en-US" sz="900" i="1">
+                              <a:rPr lang="en-US" sz="800" i="1">
                                 <a:latin typeface="Cambria Math" panose="02040503050406030204" pitchFamily="18" charset="0"/>
                                 <a:ea typeface="Cambria Math" panose="02040503050406030204" pitchFamily="18" charset="0"/>
                               </a:rPr>
@@ -12074,35 +12115,35 @@
                           </m:sub>
                         </m:sSub>
                         <m:r>
-                          <a:rPr lang="en-US" sz="900" b="0" i="1" smtClean="0">
+                          <a:rPr lang="en-US" sz="800" b="0" i="1" smtClean="0">
                             <a:latin typeface="Cambria Math" panose="02040503050406030204" pitchFamily="18" charset="0"/>
                             <a:ea typeface="Cambria Math" panose="02040503050406030204" pitchFamily="18" charset="0"/>
                           </a:rPr>
                           <m:t>𝑖𝑠</m:t>
                         </m:r>
                         <m:r>
-                          <a:rPr lang="en-US" sz="900" b="0" i="1" smtClean="0">
+                          <a:rPr lang="en-US" sz="800" b="0" i="1" smtClean="0">
                             <a:latin typeface="Cambria Math" panose="02040503050406030204" pitchFamily="18" charset="0"/>
                             <a:ea typeface="Cambria Math" panose="02040503050406030204" pitchFamily="18" charset="0"/>
                           </a:rPr>
                           <m:t> </m:t>
                         </m:r>
                         <m:r>
-                          <a:rPr lang="en-US" sz="900" b="0" i="1" smtClean="0">
+                          <a:rPr lang="en-US" sz="800" b="0" i="1" smtClean="0">
                             <a:latin typeface="Cambria Math" panose="02040503050406030204" pitchFamily="18" charset="0"/>
                             <a:ea typeface="Cambria Math" panose="02040503050406030204" pitchFamily="18" charset="0"/>
                           </a:rPr>
                           <m:t>𝑙𝑜𝑐𝑎𝑙𝑙𝑦</m:t>
                         </m:r>
                         <m:r>
-                          <a:rPr lang="en-US" sz="900" b="0" i="1" smtClean="0">
+                          <a:rPr lang="en-US" sz="800" b="0" i="1" smtClean="0">
                             <a:latin typeface="Cambria Math" panose="02040503050406030204" pitchFamily="18" charset="0"/>
                             <a:ea typeface="Cambria Math" panose="02040503050406030204" pitchFamily="18" charset="0"/>
                           </a:rPr>
                           <m:t> </m:t>
                         </m:r>
                         <m:r>
-                          <a:rPr lang="en-US" sz="900" b="0" i="1" smtClean="0">
+                          <a:rPr lang="en-US" sz="800" b="0" i="1" smtClean="0">
                             <a:latin typeface="Cambria Math" panose="02040503050406030204" pitchFamily="18" charset="0"/>
                             <a:ea typeface="Cambria Math" panose="02040503050406030204" pitchFamily="18" charset="0"/>
                           </a:rPr>
@@ -12111,13 +12152,13 @@
                       </m:sub>
                       <m:sup>
                         <m:r>
-                          <a:rPr lang="en-US" sz="900" b="0" i="1" smtClean="0">
+                          <a:rPr lang="en-US" sz="800" b="0" i="1" smtClean="0">
                             <a:latin typeface="Cambria Math" panose="02040503050406030204" pitchFamily="18" charset="0"/>
                           </a:rPr>
                           <m:t>1 </m:t>
                         </m:r>
                         <m:r>
-                          <a:rPr lang="en-US" sz="900" i="1">
+                          <a:rPr lang="en-US" sz="800" i="1">
                             <a:latin typeface="Cambria Math" panose="02040503050406030204" pitchFamily="18" charset="0"/>
                           </a:rPr>
                           <m:t>𝑖𝑓</m:t>
@@ -12125,7 +12166,7 @@
                         <m:sSub>
                           <m:sSubPr>
                             <m:ctrlPr>
-                              <a:rPr lang="en-US" sz="900" i="1">
+                              <a:rPr lang="en-US" sz="800" i="1">
                                 <a:latin typeface="Cambria Math" panose="02040503050406030204" pitchFamily="18" charset="0"/>
                                 <a:ea typeface="Cambria Math" panose="02040503050406030204" pitchFamily="18" charset="0"/>
                               </a:rPr>
@@ -12133,14 +12174,14 @@
                           </m:sSubPr>
                           <m:e>
                             <m:r>
-                              <a:rPr lang="en-US" sz="900" i="1">
+                              <a:rPr lang="en-US" sz="800" i="1">
                                 <a:latin typeface="Cambria Math" panose="02040503050406030204" pitchFamily="18" charset="0"/>
                                 <a:ea typeface="Cambria Math" panose="02040503050406030204" pitchFamily="18" charset="0"/>
                               </a:rPr>
                               <m:t> </m:t>
                             </m:r>
                             <m:r>
-                              <a:rPr lang="en-US" sz="900" i="1">
+                              <a:rPr lang="en-US" sz="800" i="1">
                                 <a:latin typeface="Cambria Math" panose="02040503050406030204" pitchFamily="18" charset="0"/>
                                 <a:ea typeface="Cambria Math" panose="02040503050406030204" pitchFamily="18" charset="0"/>
                               </a:rPr>
@@ -12149,7 +12190,7 @@
                           </m:e>
                           <m:sub>
                             <m:r>
-                              <a:rPr lang="en-US" sz="900" i="1">
+                              <a:rPr lang="en-US" sz="800" i="1">
                                 <a:latin typeface="Cambria Math" panose="02040503050406030204" pitchFamily="18" charset="0"/>
                                 <a:ea typeface="Cambria Math" panose="02040503050406030204" pitchFamily="18" charset="0"/>
                               </a:rPr>
@@ -12158,49 +12199,49 @@
                           </m:sub>
                         </m:sSub>
                         <m:r>
-                          <a:rPr lang="en-US" sz="900" i="1">
+                          <a:rPr lang="en-US" sz="800" i="1">
                             <a:latin typeface="Cambria Math" panose="02040503050406030204" pitchFamily="18" charset="0"/>
                             <a:ea typeface="Cambria Math" panose="02040503050406030204" pitchFamily="18" charset="0"/>
                           </a:rPr>
                           <m:t>𝑖𝑠</m:t>
                         </m:r>
                         <m:r>
-                          <a:rPr lang="en-US" sz="900" i="1">
+                          <a:rPr lang="en-US" sz="800" i="1">
                             <a:latin typeface="Cambria Math" panose="02040503050406030204" pitchFamily="18" charset="0"/>
                             <a:ea typeface="Cambria Math" panose="02040503050406030204" pitchFamily="18" charset="0"/>
                           </a:rPr>
                           <m:t> </m:t>
                         </m:r>
                         <m:r>
-                          <a:rPr lang="en-US" sz="900" b="0" i="1" smtClean="0">
+                          <a:rPr lang="en-US" sz="800" b="0" i="1" smtClean="0">
                             <a:latin typeface="Cambria Math" panose="02040503050406030204" pitchFamily="18" charset="0"/>
                             <a:ea typeface="Cambria Math" panose="02040503050406030204" pitchFamily="18" charset="0"/>
                           </a:rPr>
                           <m:t>𝑛𝑜𝑡</m:t>
                         </m:r>
                         <m:r>
-                          <a:rPr lang="en-US" sz="900" b="0" i="1" smtClean="0">
+                          <a:rPr lang="en-US" sz="800" b="0" i="1" smtClean="0">
                             <a:latin typeface="Cambria Math" panose="02040503050406030204" pitchFamily="18" charset="0"/>
                             <a:ea typeface="Cambria Math" panose="02040503050406030204" pitchFamily="18" charset="0"/>
                           </a:rPr>
                           <m:t> </m:t>
                         </m:r>
                         <m:r>
-                          <a:rPr lang="en-US" sz="900" i="1">
+                          <a:rPr lang="en-US" sz="800" i="1">
                             <a:latin typeface="Cambria Math" panose="02040503050406030204" pitchFamily="18" charset="0"/>
                             <a:ea typeface="Cambria Math" panose="02040503050406030204" pitchFamily="18" charset="0"/>
                           </a:rPr>
                           <m:t>𝑙𝑜𝑐𝑎𝑙𝑙𝑦</m:t>
                         </m:r>
                         <m:r>
-                          <a:rPr lang="en-US" sz="900" i="1">
+                          <a:rPr lang="en-US" sz="800" i="1">
                             <a:latin typeface="Cambria Math" panose="02040503050406030204" pitchFamily="18" charset="0"/>
                             <a:ea typeface="Cambria Math" panose="02040503050406030204" pitchFamily="18" charset="0"/>
                           </a:rPr>
                           <m:t> </m:t>
                         </m:r>
                         <m:r>
-                          <a:rPr lang="en-US" sz="900" i="1">
+                          <a:rPr lang="en-US" sz="800" i="1">
                             <a:latin typeface="Cambria Math" panose="02040503050406030204" pitchFamily="18" charset="0"/>
                             <a:ea typeface="Cambria Math" panose="02040503050406030204" pitchFamily="18" charset="0"/>
                           </a:rPr>
@@ -12210,20 +12251,28 @@
                     </m:sSubSup>
                   </m:oMath>
                 </a14:m>
-                <a:endParaRPr lang="nl-NL" sz="900" dirty="0" smtClean="0"/>
+                <a:endParaRPr lang="nl-NL" sz="800" dirty="0" smtClean="0"/>
               </a:p>
               <a:p>
                 <a:pPr lvl="1"/>
                 <a:r>
-                  <a:rPr lang="en-US" sz="900" dirty="0" smtClean="0"/>
-                  <a:t>B can be revealed to the auxiliary party provided it does not know </a:t>
+                  <a:rPr lang="en-US" sz="800" dirty="0" smtClean="0"/>
+                  <a:t>B can be revealed to the </a:t>
+                </a:r>
+                <a:r>
+                  <a:rPr lang="en-US" sz="800" dirty="0" smtClean="0"/>
+                  <a:t>virtual data-owner </a:t>
+                </a:r>
+                <a:r>
+                  <a:rPr lang="en-US" sz="800" dirty="0" smtClean="0"/>
+                  <a:t>provided it does not know </a:t>
                 </a:r>
                 <a14:m>
                   <m:oMath xmlns:m="http://schemas.openxmlformats.org/officeDocument/2006/math">
                     <m:sSub>
                       <m:sSubPr>
                         <m:ctrlPr>
-                          <a:rPr lang="en-US" sz="900" i="1">
+                          <a:rPr lang="en-US" sz="800" i="1">
                             <a:latin typeface="Cambria Math" panose="02040503050406030204" pitchFamily="18" charset="0"/>
                             <a:ea typeface="Cambria Math" panose="02040503050406030204" pitchFamily="18" charset="0"/>
                           </a:rPr>
@@ -12231,7 +12280,7 @@
                       </m:sSubPr>
                       <m:e>
                         <m:r>
-                          <a:rPr lang="en-US" sz="900" i="1">
+                          <a:rPr lang="en-US" sz="800" i="1">
                             <a:latin typeface="Cambria Math" panose="02040503050406030204" pitchFamily="18" charset="0"/>
                             <a:ea typeface="Cambria Math" panose="02040503050406030204" pitchFamily="18" charset="0"/>
                           </a:rPr>
@@ -12240,7 +12289,7 @@
                       </m:e>
                       <m:sub>
                         <m:r>
-                          <a:rPr lang="en-US" sz="900" i="1">
+                          <a:rPr lang="en-US" sz="800" i="1">
                             <a:latin typeface="Cambria Math" panose="02040503050406030204" pitchFamily="18" charset="0"/>
                             <a:ea typeface="Cambria Math" panose="02040503050406030204" pitchFamily="18" charset="0"/>
                           </a:rPr>
@@ -12249,7 +12298,7 @@
                       </m:sub>
                     </m:sSub>
                     <m:r>
-                      <a:rPr lang="en-US" sz="900" i="1">
+                      <a:rPr lang="en-US" sz="800" i="1">
                         <a:latin typeface="Cambria Math" panose="02040503050406030204" pitchFamily="18" charset="0"/>
                         <a:ea typeface="Cambria Math" panose="02040503050406030204" pitchFamily="18" charset="0"/>
                       </a:rPr>
@@ -12258,14 +12307,14 @@
                     <m:sSubSup>
                       <m:sSubSupPr>
                         <m:ctrlPr>
-                          <a:rPr lang="en-US" sz="900" i="1">
+                          <a:rPr lang="en-US" sz="800" i="1">
                             <a:latin typeface="Cambria Math" panose="02040503050406030204" pitchFamily="18" charset="0"/>
                           </a:rPr>
                         </m:ctrlPr>
                       </m:sSubSupPr>
                       <m:e>
                         <m:r>
-                          <a:rPr lang="en-US" sz="900" i="1">
+                          <a:rPr lang="en-US" sz="800" i="1">
                             <a:latin typeface="Cambria Math" panose="02040503050406030204" pitchFamily="18" charset="0"/>
                           </a:rPr>
                           <m:t>𝑉</m:t>
@@ -12273,7 +12322,7 @@
                       </m:e>
                       <m:sub>
                         <m:r>
-                          <a:rPr lang="en-US" sz="900" i="1">
+                          <a:rPr lang="en-US" sz="800" i="1">
                             <a:latin typeface="Cambria Math" panose="02040503050406030204" pitchFamily="18" charset="0"/>
                           </a:rPr>
                           <m:t>𝑝</m:t>
@@ -12281,13 +12330,13 @@
                       </m:sub>
                       <m:sup>
                         <m:r>
-                          <a:rPr lang="en-US" sz="900" i="1">
+                          <a:rPr lang="en-US" sz="800" i="1">
                             <a:latin typeface="Cambria Math" panose="02040503050406030204" pitchFamily="18" charset="0"/>
                           </a:rPr>
                           <m:t>𝑡</m:t>
                         </m:r>
                         <m:r>
-                          <a:rPr lang="en-US" sz="900" i="1">
+                          <a:rPr lang="en-US" sz="800" i="1">
                             <a:latin typeface="Cambria Math" panose="02040503050406030204" pitchFamily="18" charset="0"/>
                             <a:ea typeface="Cambria Math" panose="02040503050406030204" pitchFamily="18" charset="0"/>
                           </a:rPr>
@@ -12298,7 +12347,7 @@
                             <m:begChr m:val="["/>
                             <m:endChr m:val="]"/>
                             <m:ctrlPr>
-                              <a:rPr lang="en-US" sz="900" i="1">
+                              <a:rPr lang="en-US" sz="800" i="1">
                                 <a:latin typeface="Cambria Math" panose="02040503050406030204" pitchFamily="18" charset="0"/>
                                 <a:ea typeface="Cambria Math" panose="02040503050406030204" pitchFamily="18" charset="0"/>
                               </a:rPr>
@@ -12306,14 +12355,14 @@
                           </m:dPr>
                           <m:e>
                             <m:r>
-                              <a:rPr lang="en-US" sz="900" i="1">
+                              <a:rPr lang="en-US" sz="800" i="1">
                                 <a:latin typeface="Cambria Math" panose="02040503050406030204" pitchFamily="18" charset="0"/>
                                 <a:ea typeface="Cambria Math" panose="02040503050406030204" pitchFamily="18" charset="0"/>
                               </a:rPr>
                               <m:t>1,</m:t>
                             </m:r>
                             <m:r>
-                              <a:rPr lang="en-US" sz="900" i="1">
+                              <a:rPr lang="en-US" sz="800" i="1">
                                 <a:latin typeface="Cambria Math" panose="02040503050406030204" pitchFamily="18" charset="0"/>
                                 <a:ea typeface="Cambria Math" panose="02040503050406030204" pitchFamily="18" charset="0"/>
                               </a:rPr>
@@ -12324,7 +12373,7 @@
                       </m:sup>
                     </m:sSubSup>
                     <m:r>
-                      <a:rPr lang="en-US" sz="900" i="1">
+                      <a:rPr lang="en-US" sz="800" i="1">
                         <a:latin typeface="Cambria Math" panose="02040503050406030204" pitchFamily="18" charset="0"/>
                         <a:ea typeface="Cambria Math" panose="02040503050406030204" pitchFamily="18" charset="0"/>
                       </a:rPr>
@@ -12334,7 +12383,7 @@
                       <m:rPr>
                         <m:nor/>
                       </m:rPr>
-                      <a:rPr lang="en-US" sz="900" dirty="0">
+                      <a:rPr lang="en-US" sz="800" dirty="0">
                         <a:ea typeface="Cambria Math" panose="02040503050406030204" pitchFamily="18" charset="0"/>
                       </a:rPr>
                       <m:t> </m:t>
@@ -12342,7 +12391,7 @@
                   </m:oMath>
                 </a14:m>
                 <a:r>
-                  <a:rPr lang="en-US" sz="900" dirty="0" smtClean="0"/>
+                  <a:rPr lang="en-US" sz="800" dirty="0" smtClean="0"/>
                   <a:t>and </a:t>
                 </a:r>
                 <a14:m>
@@ -12350,7 +12399,7 @@
                     <m:d>
                       <m:dPr>
                         <m:ctrlPr>
-                          <a:rPr lang="en-US" sz="900" i="1">
+                          <a:rPr lang="en-US" sz="800" i="1">
                             <a:latin typeface="Cambria Math" panose="02040503050406030204" pitchFamily="18" charset="0"/>
                             <a:ea typeface="Cambria Math" panose="02040503050406030204" pitchFamily="18" charset="0"/>
                           </a:rPr>
@@ -12358,7 +12407,7 @@
                       </m:dPr>
                       <m:e>
                         <m:r>
-                          <a:rPr lang="en-US" sz="900" i="1">
+                          <a:rPr lang="en-US" sz="800" i="1">
                             <a:latin typeface="Cambria Math" panose="02040503050406030204" pitchFamily="18" charset="0"/>
                             <a:ea typeface="Cambria Math" panose="02040503050406030204" pitchFamily="18" charset="0"/>
                           </a:rPr>
@@ -12367,7 +12416,7 @@
                         <m:sSubSup>
                           <m:sSubSupPr>
                             <m:ctrlPr>
-                              <a:rPr lang="en-US" sz="900" i="1">
+                              <a:rPr lang="en-US" sz="800" i="1">
                                 <a:latin typeface="Cambria Math" panose="02040503050406030204" pitchFamily="18" charset="0"/>
                                 <a:ea typeface="Cambria Math" panose="02040503050406030204" pitchFamily="18" charset="0"/>
                               </a:rPr>
@@ -12375,7 +12424,7 @@
                           </m:sSubSupPr>
                           <m:e>
                             <m:r>
-                              <a:rPr lang="en-US" sz="900" i="1">
+                              <a:rPr lang="en-US" sz="800" i="1">
                                 <a:latin typeface="Cambria Math" panose="02040503050406030204" pitchFamily="18" charset="0"/>
                                 <a:ea typeface="Cambria Math" panose="02040503050406030204" pitchFamily="18" charset="0"/>
                               </a:rPr>
@@ -12384,7 +12433,7 @@
                           </m:e>
                           <m:sub>
                             <m:r>
-                              <a:rPr lang="en-US" sz="900" i="1">
+                              <a:rPr lang="en-US" sz="800" i="1">
                                 <a:latin typeface="Cambria Math" panose="02040503050406030204" pitchFamily="18" charset="0"/>
                                 <a:ea typeface="Cambria Math" panose="02040503050406030204" pitchFamily="18" charset="0"/>
                               </a:rPr>
@@ -12393,14 +12442,14 @@
                           </m:sub>
                           <m:sup>
                             <m:r>
-                              <a:rPr lang="en-US" sz="900" i="1">
+                              <a:rPr lang="en-US" sz="800" i="1">
                                 <a:latin typeface="Cambria Math" panose="02040503050406030204" pitchFamily="18" charset="0"/>
                                 <a:ea typeface="Cambria Math" panose="02040503050406030204" pitchFamily="18" charset="0"/>
                               </a:rPr>
                               <m:t>𝑝</m:t>
                             </m:r>
                             <m:r>
-                              <a:rPr lang="en-US" sz="900" i="1">
+                              <a:rPr lang="en-US" sz="800" i="1">
                                 <a:latin typeface="Cambria Math" panose="02040503050406030204" pitchFamily="18" charset="0"/>
                                 <a:ea typeface="Cambria Math" panose="02040503050406030204" pitchFamily="18" charset="0"/>
                               </a:rPr>
@@ -12409,7 +12458,7 @@
                           </m:sup>
                         </m:sSubSup>
                         <m:r>
-                          <a:rPr lang="en-US" sz="900" i="1">
+                          <a:rPr lang="en-US" sz="800" i="1">
                             <a:latin typeface="Cambria Math" panose="02040503050406030204" pitchFamily="18" charset="0"/>
                             <a:ea typeface="Cambria Math" panose="02040503050406030204" pitchFamily="18" charset="0"/>
                           </a:rPr>
@@ -12418,7 +12467,7 @@
                         <m:sSubSup>
                           <m:sSubSupPr>
                             <m:ctrlPr>
-                              <a:rPr lang="en-US" sz="900" i="1">
+                              <a:rPr lang="en-US" sz="800" i="1">
                                 <a:latin typeface="Cambria Math" panose="02040503050406030204" pitchFamily="18" charset="0"/>
                                 <a:ea typeface="Cambria Math" panose="02040503050406030204" pitchFamily="18" charset="0"/>
                               </a:rPr>
@@ -12426,7 +12475,7 @@
                           </m:sSubSupPr>
                           <m:e>
                             <m:r>
-                              <a:rPr lang="en-US" sz="900" i="1">
+                              <a:rPr lang="en-US" sz="800" i="1">
                                 <a:latin typeface="Cambria Math" panose="02040503050406030204" pitchFamily="18" charset="0"/>
                                 <a:ea typeface="Cambria Math" panose="02040503050406030204" pitchFamily="18" charset="0"/>
                               </a:rPr>
@@ -12435,7 +12484,7 @@
                           </m:e>
                           <m:sub>
                             <m:r>
-                              <a:rPr lang="en-US" sz="900" i="1">
+                              <a:rPr lang="en-US" sz="800" i="1">
                                 <a:latin typeface="Cambria Math" panose="02040503050406030204" pitchFamily="18" charset="0"/>
                                 <a:ea typeface="Cambria Math" panose="02040503050406030204" pitchFamily="18" charset="0"/>
                               </a:rPr>
@@ -12444,14 +12493,14 @@
                           </m:sub>
                           <m:sup>
                             <m:r>
-                              <a:rPr lang="en-US" sz="900" i="1">
+                              <a:rPr lang="en-US" sz="800" i="1">
                                 <a:latin typeface="Cambria Math" panose="02040503050406030204" pitchFamily="18" charset="0"/>
                                 <a:ea typeface="Cambria Math" panose="02040503050406030204" pitchFamily="18" charset="0"/>
                               </a:rPr>
                               <m:t>𝑝</m:t>
                             </m:r>
                             <m:r>
-                              <a:rPr lang="en-US" sz="900" i="1">
+                              <a:rPr lang="en-US" sz="800" i="1">
                                 <a:latin typeface="Cambria Math" panose="02040503050406030204" pitchFamily="18" charset="0"/>
                                 <a:ea typeface="Cambria Math" panose="02040503050406030204" pitchFamily="18" charset="0"/>
                               </a:rPr>
@@ -12463,18 +12512,11 @@
                     </m:d>
                   </m:oMath>
                 </a14:m>
-                <a:r>
-                  <a:rPr lang="en-US" sz="900" dirty="0" smtClean="0"/>
-                  <a:t> (logical or)</a:t>
-                </a:r>
-              </a:p>
-              <a:p>
-                <a:pPr lvl="1"/>
-                <a:endParaRPr lang="en-US" sz="900" dirty="0"/>
+                <a:endParaRPr lang="en-US" sz="800" dirty="0"/>
               </a:p>
               <a:p>
                 <a:r>
-                  <a:rPr lang="en-US" sz="900" dirty="0" smtClean="0"/>
+                  <a:rPr lang="en-US" sz="800" dirty="0" smtClean="0"/>
                   <a:t>Auxiliary party can calculate </a:t>
                 </a:r>
                 <a14:m>
@@ -12482,7 +12524,7 @@
                     <m:sSup>
                       <m:sSupPr>
                         <m:ctrlPr>
-                          <a:rPr lang="en-US" sz="900" i="1">
+                          <a:rPr lang="en-US" sz="800" i="1">
                             <a:latin typeface="Cambria Math" panose="02040503050406030204" pitchFamily="18" charset="0"/>
                             <a:ea typeface="Cambria Math" panose="02040503050406030204" pitchFamily="18" charset="0"/>
                           </a:rPr>
@@ -12490,35 +12532,35 @@
                       </m:sSupPr>
                       <m:e>
                         <m:r>
-                          <a:rPr lang="en-US" sz="900" i="1">
+                          <a:rPr lang="en-US" sz="800" i="1">
                             <a:latin typeface="Cambria Math" panose="02040503050406030204" pitchFamily="18" charset="0"/>
                             <a:ea typeface="Cambria Math" panose="02040503050406030204" pitchFamily="18" charset="0"/>
                           </a:rPr>
                           <m:t>(</m:t>
                         </m:r>
                         <m:r>
-                          <a:rPr lang="en-US" sz="900" i="1">
+                          <a:rPr lang="en-US" sz="800" i="1">
                             <a:latin typeface="Cambria Math" panose="02040503050406030204" pitchFamily="18" charset="0"/>
                             <a:ea typeface="Cambria Math" panose="02040503050406030204" pitchFamily="18" charset="0"/>
                           </a:rPr>
                           <m:t>𝐴</m:t>
                         </m:r>
                         <m:r>
-                          <a:rPr lang="en-US" sz="900" i="1">
+                          <a:rPr lang="en-US" sz="800" i="1">
                             <a:latin typeface="Cambria Math" panose="02040503050406030204" pitchFamily="18" charset="0"/>
                             <a:ea typeface="Cambria Math" panose="02040503050406030204" pitchFamily="18" charset="0"/>
                           </a:rPr>
                           <m:t>∗</m:t>
                         </m:r>
                         <m:r>
-                          <a:rPr lang="en-US" sz="900" i="1">
+                          <a:rPr lang="en-US" sz="800" i="1">
                             <a:latin typeface="Cambria Math" panose="02040503050406030204" pitchFamily="18" charset="0"/>
                             <a:ea typeface="Cambria Math" panose="02040503050406030204" pitchFamily="18" charset="0"/>
                           </a:rPr>
                           <m:t>𝐵</m:t>
                         </m:r>
                         <m:r>
-                          <a:rPr lang="en-US" sz="900" i="1">
+                          <a:rPr lang="en-US" sz="800" i="1">
                             <a:latin typeface="Cambria Math" panose="02040503050406030204" pitchFamily="18" charset="0"/>
                             <a:ea typeface="Cambria Math" panose="02040503050406030204" pitchFamily="18" charset="0"/>
                           </a:rPr>
@@ -12527,7 +12569,7 @@
                       </m:e>
                       <m:sup>
                         <m:r>
-                          <a:rPr lang="en-US" sz="900" i="1">
+                          <a:rPr lang="en-US" sz="800" i="1">
                             <a:latin typeface="Cambria Math" panose="02040503050406030204" pitchFamily="18" charset="0"/>
                             <a:ea typeface="Cambria Math" panose="02040503050406030204" pitchFamily="18" charset="0"/>
                           </a:rPr>
@@ -12538,12 +12580,12 @@
                   </m:oMath>
                 </a14:m>
                 <a:r>
-                  <a:rPr lang="en-US" sz="900" dirty="0" smtClean="0"/>
+                  <a:rPr lang="en-US" sz="800" dirty="0" smtClean="0"/>
                   <a:t> locally</a:t>
                 </a:r>
               </a:p>
               <a:p>
-                <a:endParaRPr lang="en-US" sz="900" dirty="0" smtClean="0"/>
+                <a:endParaRPr lang="en-US" sz="800" dirty="0" smtClean="0"/>
               </a:p>
               <a:p>
                 <a14:m>
@@ -12551,7 +12593,7 @@
                     <m:sSub>
                       <m:sSubPr>
                         <m:ctrlPr>
-                          <a:rPr lang="en-US" sz="900" i="1">
+                          <a:rPr lang="en-US" sz="800" i="1">
                             <a:latin typeface="Cambria Math" panose="02040503050406030204" pitchFamily="18" charset="0"/>
                             <a:ea typeface="Cambria Math" panose="02040503050406030204" pitchFamily="18" charset="0"/>
                           </a:rPr>
@@ -12559,21 +12601,21 @@
                       </m:sSubPr>
                       <m:e>
                         <m:r>
-                          <a:rPr lang="en-US" sz="900" i="1">
+                          <a:rPr lang="en-US" sz="800" i="1">
                             <a:latin typeface="Cambria Math" panose="02040503050406030204" pitchFamily="18" charset="0"/>
                             <a:ea typeface="Cambria Math" panose="02040503050406030204" pitchFamily="18" charset="0"/>
                           </a:rPr>
                           <m:t>𝐶</m:t>
                         </m:r>
                         <m:r>
-                          <a:rPr lang="en-US" sz="900" i="1">
+                          <a:rPr lang="en-US" sz="800" i="1">
                             <a:latin typeface="Cambria Math" panose="02040503050406030204" pitchFamily="18" charset="0"/>
                             <a:ea typeface="Cambria Math" panose="02040503050406030204" pitchFamily="18" charset="0"/>
                           </a:rPr>
                           <m:t>=</m:t>
                         </m:r>
                         <m:r>
-                          <a:rPr lang="en-US" sz="900" i="1">
+                          <a:rPr lang="en-US" sz="800" i="1">
                             <a:latin typeface="Cambria Math" panose="02040503050406030204" pitchFamily="18" charset="0"/>
                             <a:ea typeface="Cambria Math" panose="02040503050406030204" pitchFamily="18" charset="0"/>
                           </a:rPr>
@@ -12582,7 +12624,7 @@
                       </m:e>
                       <m:sub>
                         <m:r>
-                          <a:rPr lang="en-US" sz="900" i="1">
+                          <a:rPr lang="en-US" sz="800" i="1">
                             <a:latin typeface="Cambria Math" panose="02040503050406030204" pitchFamily="18" charset="0"/>
                             <a:ea typeface="Cambria Math" panose="02040503050406030204" pitchFamily="18" charset="0"/>
                           </a:rPr>
@@ -12592,14 +12634,14 @@
                     </m:sSub>
                   </m:oMath>
                 </a14:m>
-                <a:endParaRPr lang="en-US" sz="900" dirty="0" smtClean="0">
+                <a:endParaRPr lang="en-US" sz="800" dirty="0" smtClean="0">
                   <a:ea typeface="Cambria Math" panose="02040503050406030204" pitchFamily="18" charset="0"/>
                 </a:endParaRPr>
               </a:p>
               <a:p>
                 <a:pPr lvl="1"/>
                 <a:r>
-                  <a:rPr lang="en-US" sz="900" dirty="0" smtClean="0">
+                  <a:rPr lang="en-US" sz="800" dirty="0" smtClean="0">
                     <a:ea typeface="Cambria Math" panose="02040503050406030204" pitchFamily="18" charset="0"/>
                   </a:rPr>
                   <a:t>Locally calculate </a:t>
@@ -12609,7 +12651,7 @@
                     <m:sSup>
                       <m:sSupPr>
                         <m:ctrlPr>
-                          <a:rPr lang="en-US" sz="900" i="1" smtClean="0">
+                          <a:rPr lang="en-US" sz="800" i="1" smtClean="0">
                             <a:latin typeface="Cambria Math" panose="02040503050406030204" pitchFamily="18" charset="0"/>
                             <a:ea typeface="Cambria Math" panose="02040503050406030204" pitchFamily="18" charset="0"/>
                           </a:rPr>
@@ -12617,35 +12659,35 @@
                       </m:sSupPr>
                       <m:e>
                         <m:r>
-                          <a:rPr lang="en-US" sz="900" b="0" i="1" smtClean="0">
+                          <a:rPr lang="en-US" sz="800" b="0" i="1" smtClean="0">
                             <a:latin typeface="Cambria Math" panose="02040503050406030204" pitchFamily="18" charset="0"/>
                             <a:ea typeface="Cambria Math" panose="02040503050406030204" pitchFamily="18" charset="0"/>
                           </a:rPr>
                           <m:t>(</m:t>
                         </m:r>
                         <m:r>
-                          <a:rPr lang="en-US" sz="900" b="0" i="1" smtClean="0">
+                          <a:rPr lang="en-US" sz="800" b="0" i="1" smtClean="0">
                             <a:latin typeface="Cambria Math" panose="02040503050406030204" pitchFamily="18" charset="0"/>
                             <a:ea typeface="Cambria Math" panose="02040503050406030204" pitchFamily="18" charset="0"/>
                           </a:rPr>
                           <m:t>𝐴</m:t>
                         </m:r>
                         <m:r>
-                          <a:rPr lang="en-US" sz="900" b="0" i="1" smtClean="0">
+                          <a:rPr lang="en-US" sz="800" b="0" i="1" smtClean="0">
                             <a:latin typeface="Cambria Math" panose="02040503050406030204" pitchFamily="18" charset="0"/>
                             <a:ea typeface="Cambria Math" panose="02040503050406030204" pitchFamily="18" charset="0"/>
                           </a:rPr>
                           <m:t>∗</m:t>
                         </m:r>
                         <m:r>
-                          <a:rPr lang="en-US" sz="900" b="0" i="1" smtClean="0">
+                          <a:rPr lang="en-US" sz="800" b="0" i="1" smtClean="0">
                             <a:latin typeface="Cambria Math" panose="02040503050406030204" pitchFamily="18" charset="0"/>
                             <a:ea typeface="Cambria Math" panose="02040503050406030204" pitchFamily="18" charset="0"/>
                           </a:rPr>
                           <m:t>𝐵</m:t>
                         </m:r>
                         <m:r>
-                          <a:rPr lang="en-US" sz="900" b="0" i="1" smtClean="0">
+                          <a:rPr lang="en-US" sz="800" b="0" i="1" smtClean="0">
                             <a:latin typeface="Cambria Math" panose="02040503050406030204" pitchFamily="18" charset="0"/>
                             <a:ea typeface="Cambria Math" panose="02040503050406030204" pitchFamily="18" charset="0"/>
                           </a:rPr>
@@ -12654,7 +12696,7 @@
                       </m:e>
                       <m:sup>
                         <m:r>
-                          <a:rPr lang="en-US" sz="900" b="0" i="1" smtClean="0">
+                          <a:rPr lang="en-US" sz="800" b="0" i="1" smtClean="0">
                             <a:latin typeface="Cambria Math" panose="02040503050406030204" pitchFamily="18" charset="0"/>
                             <a:ea typeface="Cambria Math" panose="02040503050406030204" pitchFamily="18" charset="0"/>
                           </a:rPr>
@@ -12663,7 +12705,7 @@
                       </m:sup>
                     </m:sSup>
                     <m:r>
-                      <a:rPr lang="en-US" sz="900" b="0" i="1" smtClean="0">
+                      <a:rPr lang="en-US" sz="800" b="0" i="1" smtClean="0">
                         <a:latin typeface="Cambria Math" panose="02040503050406030204" pitchFamily="18" charset="0"/>
                         <a:ea typeface="Cambria Math" panose="02040503050406030204" pitchFamily="18" charset="0"/>
                       </a:rPr>
@@ -12672,7 +12714,7 @@
                     <m:sSub>
                       <m:sSubPr>
                         <m:ctrlPr>
-                          <a:rPr lang="en-US" sz="900" i="1">
+                          <a:rPr lang="en-US" sz="800" i="1">
                             <a:latin typeface="Cambria Math" panose="02040503050406030204" pitchFamily="18" charset="0"/>
                             <a:ea typeface="Cambria Math" panose="02040503050406030204" pitchFamily="18" charset="0"/>
                           </a:rPr>
@@ -12680,7 +12722,7 @@
                       </m:sSubPr>
                       <m:e>
                         <m:r>
-                          <a:rPr lang="en-US" sz="900" i="1">
+                          <a:rPr lang="en-US" sz="800" i="1">
                             <a:latin typeface="Cambria Math" panose="02040503050406030204" pitchFamily="18" charset="0"/>
                             <a:ea typeface="Cambria Math" panose="02040503050406030204" pitchFamily="18" charset="0"/>
                           </a:rPr>
@@ -12689,7 +12731,7 @@
                       </m:e>
                       <m:sub>
                         <m:r>
-                          <a:rPr lang="en-US" sz="900" i="1">
+                          <a:rPr lang="en-US" sz="800" i="1">
                             <a:latin typeface="Cambria Math" panose="02040503050406030204" pitchFamily="18" charset="0"/>
                             <a:ea typeface="Cambria Math" panose="02040503050406030204" pitchFamily="18" charset="0"/>
                           </a:rPr>
@@ -12700,13 +12742,13 @@
                   </m:oMath>
                 </a14:m>
                 <a:r>
-                  <a:rPr lang="en-US" sz="900" dirty="0" smtClean="0">
+                  <a:rPr lang="en-US" sz="800" dirty="0" smtClean="0">
                     <a:ea typeface="Cambria Math" panose="02040503050406030204" pitchFamily="18" charset="0"/>
                   </a:rPr>
                   <a:t>, where you use a vector</a:t>
                 </a:r>
                 <a:r>
-                  <a:rPr lang="en-US" sz="900" dirty="0">
+                  <a:rPr lang="en-US" sz="800" dirty="0">
                     <a:ea typeface="Cambria Math" panose="02040503050406030204" pitchFamily="18" charset="0"/>
                   </a:rPr>
                   <a:t> </a:t>
@@ -12716,7 +12758,7 @@
                     <m:sSub>
                       <m:sSubPr>
                         <m:ctrlPr>
-                          <a:rPr lang="en-US" sz="900" i="1">
+                          <a:rPr lang="en-US" sz="800" i="1">
                             <a:latin typeface="Cambria Math" panose="02040503050406030204" pitchFamily="18" charset="0"/>
                             <a:ea typeface="Cambria Math" panose="02040503050406030204" pitchFamily="18" charset="0"/>
                           </a:rPr>
@@ -12724,7 +12766,7 @@
                       </m:sSubPr>
                       <m:e>
                         <m:r>
-                          <a:rPr lang="en-US" sz="900" i="1">
+                          <a:rPr lang="en-US" sz="800" i="1">
                             <a:latin typeface="Cambria Math" panose="02040503050406030204" pitchFamily="18" charset="0"/>
                             <a:ea typeface="Cambria Math" panose="02040503050406030204" pitchFamily="18" charset="0"/>
                           </a:rPr>
@@ -12733,7 +12775,7 @@
                       </m:e>
                       <m:sub>
                         <m:r>
-                          <a:rPr lang="en-US" sz="900" b="0" i="1" smtClean="0">
+                          <a:rPr lang="en-US" sz="800" b="0" i="1" smtClean="0">
                             <a:latin typeface="Cambria Math" panose="02040503050406030204" pitchFamily="18" charset="0"/>
                             <a:ea typeface="Cambria Math" panose="02040503050406030204" pitchFamily="18" charset="0"/>
                           </a:rPr>
@@ -12744,18 +12786,18 @@
                   </m:oMath>
                 </a14:m>
                 <a:r>
-                  <a:rPr lang="en-US" sz="900" dirty="0" smtClean="0">
+                  <a:rPr lang="en-US" sz="800" dirty="0" smtClean="0">
                     <a:ea typeface="Cambria Math" panose="02040503050406030204" pitchFamily="18" charset="0"/>
                   </a:rPr>
                   <a:t>for each party </a:t>
                 </a:r>
                 <a:br>
-                  <a:rPr lang="en-US" sz="900" dirty="0" smtClean="0">
+                  <a:rPr lang="en-US" sz="800" dirty="0" smtClean="0">
                     <a:ea typeface="Cambria Math" panose="02040503050406030204" pitchFamily="18" charset="0"/>
                   </a:rPr>
                 </a:br>
                 <a:r>
-                  <a:rPr lang="en-US" sz="900" dirty="0" smtClean="0">
+                  <a:rPr lang="en-US" sz="800" dirty="0" smtClean="0">
                     <a:ea typeface="Cambria Math" panose="02040503050406030204" pitchFamily="18" charset="0"/>
                   </a:rPr>
                   <a:t>where </a:t>
@@ -12765,7 +12807,7 @@
                     <m:sSub>
                       <m:sSubPr>
                         <m:ctrlPr>
-                          <a:rPr lang="en-US" sz="900" i="1">
+                          <a:rPr lang="en-US" sz="800" i="1">
                             <a:latin typeface="Cambria Math" panose="02040503050406030204" pitchFamily="18" charset="0"/>
                             <a:ea typeface="Cambria Math" panose="02040503050406030204" pitchFamily="18" charset="0"/>
                           </a:rPr>
@@ -12773,7 +12815,7 @@
                       </m:sSubPr>
                       <m:e>
                         <m:r>
-                          <a:rPr lang="en-US" sz="900" b="0" i="1" smtClean="0">
+                          <a:rPr lang="en-US" sz="800" b="0" i="1" smtClean="0">
                             <a:latin typeface="Cambria Math" panose="02040503050406030204" pitchFamily="18" charset="0"/>
                             <a:ea typeface="Cambria Math" panose="02040503050406030204" pitchFamily="18" charset="0"/>
                           </a:rPr>
@@ -12782,7 +12824,7 @@
                       </m:e>
                       <m:sub>
                         <m:r>
-                          <a:rPr lang="en-US" sz="900" i="1">
+                          <a:rPr lang="en-US" sz="800" i="1">
                             <a:latin typeface="Cambria Math" panose="02040503050406030204" pitchFamily="18" charset="0"/>
                             <a:ea typeface="Cambria Math" panose="02040503050406030204" pitchFamily="18" charset="0"/>
                           </a:rPr>
@@ -12791,7 +12833,7 @@
                       </m:sub>
                     </m:sSub>
                     <m:r>
-                      <a:rPr lang="en-US" sz="900" i="1">
+                      <a:rPr lang="en-US" sz="800" i="1">
                         <a:latin typeface="Cambria Math" panose="02040503050406030204" pitchFamily="18" charset="0"/>
                       </a:rPr>
                       <m:t>= </m:t>
@@ -12799,14 +12841,14 @@
                     <m:sSubSup>
                       <m:sSubSupPr>
                         <m:ctrlPr>
-                          <a:rPr lang="en-US" sz="900" i="1">
+                          <a:rPr lang="en-US" sz="800" i="1">
                             <a:latin typeface="Cambria Math" panose="02040503050406030204" pitchFamily="18" charset="0"/>
                           </a:rPr>
                         </m:ctrlPr>
                       </m:sSubSupPr>
                       <m:e>
                         <m:r>
-                          <a:rPr lang="en-US" sz="900" i="1">
+                          <a:rPr lang="en-US" sz="800" i="1">
                             <a:latin typeface="Cambria Math" panose="02040503050406030204" pitchFamily="18" charset="0"/>
                           </a:rPr>
                           <m:t>{</m:t>
@@ -12816,7 +12858,7 @@
                         <m:sSub>
                           <m:sSubPr>
                             <m:ctrlPr>
-                              <a:rPr lang="en-US" sz="900" i="1">
+                              <a:rPr lang="en-US" sz="800" i="1">
                                 <a:latin typeface="Cambria Math" panose="02040503050406030204" pitchFamily="18" charset="0"/>
                                 <a:ea typeface="Cambria Math" panose="02040503050406030204" pitchFamily="18" charset="0"/>
                               </a:rPr>
@@ -12824,14 +12866,14 @@
                           </m:sSubPr>
                           <m:e>
                             <m:r>
-                              <a:rPr lang="en-US" sz="900" i="1">
+                              <a:rPr lang="en-US" sz="800" i="1">
                                 <a:latin typeface="Cambria Math" panose="02040503050406030204" pitchFamily="18" charset="0"/>
                                 <a:ea typeface="Cambria Math" panose="02040503050406030204" pitchFamily="18" charset="0"/>
                               </a:rPr>
                               <m:t> </m:t>
                             </m:r>
                             <m:r>
-                              <a:rPr lang="en-US" sz="900" i="1">
+                              <a:rPr lang="en-US" sz="800" i="1">
                                 <a:latin typeface="Cambria Math" panose="02040503050406030204" pitchFamily="18" charset="0"/>
                                 <a:ea typeface="Cambria Math" panose="02040503050406030204" pitchFamily="18" charset="0"/>
                               </a:rPr>
@@ -12840,7 +12882,7 @@
                           </m:e>
                           <m:sub>
                             <m:r>
-                              <a:rPr lang="en-US" sz="900" i="1">
+                              <a:rPr lang="en-US" sz="800" i="1">
                                 <a:latin typeface="Cambria Math" panose="02040503050406030204" pitchFamily="18" charset="0"/>
                                 <a:ea typeface="Cambria Math" panose="02040503050406030204" pitchFamily="18" charset="0"/>
                               </a:rPr>
@@ -12849,14 +12891,14 @@
                           </m:sub>
                         </m:sSub>
                         <m:r>
-                          <a:rPr lang="en-US" sz="900" b="0" i="1" smtClean="0">
+                          <a:rPr lang="en-US" sz="800" b="0" i="1" smtClean="0">
                             <a:latin typeface="Cambria Math" panose="02040503050406030204" pitchFamily="18" charset="0"/>
                             <a:ea typeface="Cambria Math" panose="02040503050406030204" pitchFamily="18" charset="0"/>
                           </a:rPr>
                           <m:t> </m:t>
                         </m:r>
                         <m:r>
-                          <a:rPr lang="en-US" sz="900" i="1">
+                          <a:rPr lang="en-US" sz="800" i="1">
                             <a:latin typeface="Cambria Math" panose="02040503050406030204" pitchFamily="18" charset="0"/>
                           </a:rPr>
                           <m:t>𝑖𝑓</m:t>
@@ -12864,7 +12906,7 @@
                         <m:sSub>
                           <m:sSubPr>
                             <m:ctrlPr>
-                              <a:rPr lang="en-US" sz="900" i="1">
+                              <a:rPr lang="en-US" sz="800" i="1">
                                 <a:latin typeface="Cambria Math" panose="02040503050406030204" pitchFamily="18" charset="0"/>
                                 <a:ea typeface="Cambria Math" panose="02040503050406030204" pitchFamily="18" charset="0"/>
                               </a:rPr>
@@ -12872,14 +12914,14 @@
                           </m:sSubPr>
                           <m:e>
                             <m:r>
-                              <a:rPr lang="en-US" sz="900" i="1">
+                              <a:rPr lang="en-US" sz="800" i="1">
                                 <a:latin typeface="Cambria Math" panose="02040503050406030204" pitchFamily="18" charset="0"/>
                                 <a:ea typeface="Cambria Math" panose="02040503050406030204" pitchFamily="18" charset="0"/>
                               </a:rPr>
                               <m:t> </m:t>
                             </m:r>
                             <m:r>
-                              <a:rPr lang="en-US" sz="900" i="1">
+                              <a:rPr lang="en-US" sz="800" i="1">
                                 <a:latin typeface="Cambria Math" panose="02040503050406030204" pitchFamily="18" charset="0"/>
                                 <a:ea typeface="Cambria Math" panose="02040503050406030204" pitchFamily="18" charset="0"/>
                               </a:rPr>
@@ -12888,7 +12930,7 @@
                           </m:e>
                           <m:sub>
                             <m:r>
-                              <a:rPr lang="en-US" sz="900" i="1">
+                              <a:rPr lang="en-US" sz="800" i="1">
                                 <a:latin typeface="Cambria Math" panose="02040503050406030204" pitchFamily="18" charset="0"/>
                                 <a:ea typeface="Cambria Math" panose="02040503050406030204" pitchFamily="18" charset="0"/>
                               </a:rPr>
@@ -12897,42 +12939,42 @@
                           </m:sub>
                         </m:sSub>
                         <m:r>
-                          <a:rPr lang="en-US" sz="900" b="0" i="1" smtClean="0">
+                          <a:rPr lang="en-US" sz="800" b="0" i="1" smtClean="0">
                             <a:latin typeface="Cambria Math" panose="02040503050406030204" pitchFamily="18" charset="0"/>
                             <a:ea typeface="Cambria Math" panose="02040503050406030204" pitchFamily="18" charset="0"/>
                           </a:rPr>
                           <m:t> </m:t>
                         </m:r>
                         <m:r>
-                          <a:rPr lang="en-US" sz="900" i="1">
+                          <a:rPr lang="en-US" sz="800" i="1">
                             <a:latin typeface="Cambria Math" panose="02040503050406030204" pitchFamily="18" charset="0"/>
                             <a:ea typeface="Cambria Math" panose="02040503050406030204" pitchFamily="18" charset="0"/>
                           </a:rPr>
                           <m:t>𝑖𝑠</m:t>
                         </m:r>
                         <m:r>
-                          <a:rPr lang="en-US" sz="900" i="1">
+                          <a:rPr lang="en-US" sz="800" i="1">
                             <a:latin typeface="Cambria Math" panose="02040503050406030204" pitchFamily="18" charset="0"/>
                             <a:ea typeface="Cambria Math" panose="02040503050406030204" pitchFamily="18" charset="0"/>
                           </a:rPr>
                           <m:t> </m:t>
                         </m:r>
                         <m:r>
-                          <a:rPr lang="en-US" sz="900" i="1">
+                          <a:rPr lang="en-US" sz="800" i="1">
                             <a:latin typeface="Cambria Math" panose="02040503050406030204" pitchFamily="18" charset="0"/>
                             <a:ea typeface="Cambria Math" panose="02040503050406030204" pitchFamily="18" charset="0"/>
                           </a:rPr>
                           <m:t>𝑙𝑜𝑐𝑎𝑙𝑙𝑦</m:t>
                         </m:r>
                         <m:r>
-                          <a:rPr lang="en-US" sz="900" i="1">
+                          <a:rPr lang="en-US" sz="800" i="1">
                             <a:latin typeface="Cambria Math" panose="02040503050406030204" pitchFamily="18" charset="0"/>
                             <a:ea typeface="Cambria Math" panose="02040503050406030204" pitchFamily="18" charset="0"/>
                           </a:rPr>
                           <m:t> </m:t>
                         </m:r>
                         <m:r>
-                          <a:rPr lang="en-US" sz="900" i="1">
+                          <a:rPr lang="en-US" sz="800" i="1">
                             <a:latin typeface="Cambria Math" panose="02040503050406030204" pitchFamily="18" charset="0"/>
                             <a:ea typeface="Cambria Math" panose="02040503050406030204" pitchFamily="18" charset="0"/>
                           </a:rPr>
@@ -12941,20 +12983,20 @@
                       </m:sub>
                       <m:sup>
                         <m:r>
-                          <a:rPr lang="en-US" sz="900" b="0" i="1" smtClean="0">
+                          <a:rPr lang="en-US" sz="800" b="0" i="1" smtClean="0">
                             <a:latin typeface="Cambria Math" panose="02040503050406030204" pitchFamily="18" charset="0"/>
                             <a:ea typeface="Cambria Math" panose="02040503050406030204" pitchFamily="18" charset="0"/>
                           </a:rPr>
                           <m:t>0</m:t>
                         </m:r>
                         <m:r>
-                          <a:rPr lang="en-US" sz="900" i="1">
+                          <a:rPr lang="en-US" sz="800" i="1">
                             <a:latin typeface="Cambria Math" panose="02040503050406030204" pitchFamily="18" charset="0"/>
                           </a:rPr>
                           <m:t> </m:t>
                         </m:r>
                         <m:r>
-                          <a:rPr lang="en-US" sz="900" i="1">
+                          <a:rPr lang="en-US" sz="800" i="1">
                             <a:latin typeface="Cambria Math" panose="02040503050406030204" pitchFamily="18" charset="0"/>
                           </a:rPr>
                           <m:t>𝑖𝑓</m:t>
@@ -12962,7 +13004,7 @@
                         <m:sSub>
                           <m:sSubPr>
                             <m:ctrlPr>
-                              <a:rPr lang="en-US" sz="900" i="1">
+                              <a:rPr lang="en-US" sz="800" i="1">
                                 <a:latin typeface="Cambria Math" panose="02040503050406030204" pitchFamily="18" charset="0"/>
                                 <a:ea typeface="Cambria Math" panose="02040503050406030204" pitchFamily="18" charset="0"/>
                               </a:rPr>
@@ -12970,14 +13012,14 @@
                           </m:sSubPr>
                           <m:e>
                             <m:r>
-                              <a:rPr lang="en-US" sz="900" i="1">
+                              <a:rPr lang="en-US" sz="800" i="1">
                                 <a:latin typeface="Cambria Math" panose="02040503050406030204" pitchFamily="18" charset="0"/>
                                 <a:ea typeface="Cambria Math" panose="02040503050406030204" pitchFamily="18" charset="0"/>
                               </a:rPr>
                               <m:t> </m:t>
                             </m:r>
                             <m:r>
-                              <a:rPr lang="en-US" sz="900" i="1">
+                              <a:rPr lang="en-US" sz="800" i="1">
                                 <a:latin typeface="Cambria Math" panose="02040503050406030204" pitchFamily="18" charset="0"/>
                                 <a:ea typeface="Cambria Math" panose="02040503050406030204" pitchFamily="18" charset="0"/>
                               </a:rPr>
@@ -12986,7 +13028,7 @@
                           </m:e>
                           <m:sub>
                             <m:r>
-                              <a:rPr lang="en-US" sz="900" i="1">
+                              <a:rPr lang="en-US" sz="800" i="1">
                                 <a:latin typeface="Cambria Math" panose="02040503050406030204" pitchFamily="18" charset="0"/>
                                 <a:ea typeface="Cambria Math" panose="02040503050406030204" pitchFamily="18" charset="0"/>
                               </a:rPr>
@@ -12995,49 +13037,49 @@
                           </m:sub>
                         </m:sSub>
                         <m:r>
-                          <a:rPr lang="en-US" sz="900" i="1">
+                          <a:rPr lang="en-US" sz="800" i="1">
                             <a:latin typeface="Cambria Math" panose="02040503050406030204" pitchFamily="18" charset="0"/>
                             <a:ea typeface="Cambria Math" panose="02040503050406030204" pitchFamily="18" charset="0"/>
                           </a:rPr>
                           <m:t>𝑖𝑠</m:t>
                         </m:r>
                         <m:r>
-                          <a:rPr lang="en-US" sz="900" i="1">
+                          <a:rPr lang="en-US" sz="800" i="1">
                             <a:latin typeface="Cambria Math" panose="02040503050406030204" pitchFamily="18" charset="0"/>
                             <a:ea typeface="Cambria Math" panose="02040503050406030204" pitchFamily="18" charset="0"/>
                           </a:rPr>
                           <m:t> </m:t>
                         </m:r>
                         <m:r>
-                          <a:rPr lang="en-US" sz="900" i="1">
+                          <a:rPr lang="en-US" sz="800" i="1">
                             <a:latin typeface="Cambria Math" panose="02040503050406030204" pitchFamily="18" charset="0"/>
                             <a:ea typeface="Cambria Math" panose="02040503050406030204" pitchFamily="18" charset="0"/>
                           </a:rPr>
                           <m:t>𝑛𝑜𝑡</m:t>
                         </m:r>
                         <m:r>
-                          <a:rPr lang="en-US" sz="900" i="1">
+                          <a:rPr lang="en-US" sz="800" i="1">
                             <a:latin typeface="Cambria Math" panose="02040503050406030204" pitchFamily="18" charset="0"/>
                             <a:ea typeface="Cambria Math" panose="02040503050406030204" pitchFamily="18" charset="0"/>
                           </a:rPr>
                           <m:t> </m:t>
                         </m:r>
                         <m:r>
-                          <a:rPr lang="en-US" sz="900" i="1">
+                          <a:rPr lang="en-US" sz="800" i="1">
                             <a:latin typeface="Cambria Math" panose="02040503050406030204" pitchFamily="18" charset="0"/>
                             <a:ea typeface="Cambria Math" panose="02040503050406030204" pitchFamily="18" charset="0"/>
                           </a:rPr>
                           <m:t>𝑙𝑜𝑐𝑎𝑙𝑙𝑦</m:t>
                         </m:r>
                         <m:r>
-                          <a:rPr lang="en-US" sz="900" i="1">
+                          <a:rPr lang="en-US" sz="800" i="1">
                             <a:latin typeface="Cambria Math" panose="02040503050406030204" pitchFamily="18" charset="0"/>
                             <a:ea typeface="Cambria Math" panose="02040503050406030204" pitchFamily="18" charset="0"/>
                           </a:rPr>
                           <m:t> </m:t>
                         </m:r>
                         <m:r>
-                          <a:rPr lang="en-US" sz="900" i="1">
+                          <a:rPr lang="en-US" sz="800" i="1">
                             <a:latin typeface="Cambria Math" panose="02040503050406030204" pitchFamily="18" charset="0"/>
                             <a:ea typeface="Cambria Math" panose="02040503050406030204" pitchFamily="18" charset="0"/>
                           </a:rPr>
@@ -13047,26 +13089,26 @@
                     </m:sSubSup>
                   </m:oMath>
                 </a14:m>
-                <a:endParaRPr lang="en-US" sz="900" dirty="0" smtClean="0"/>
+                <a:endParaRPr lang="en-US" sz="800" dirty="0" smtClean="0"/>
               </a:p>
               <a:p>
                 <a:pPr lvl="1"/>
                 <a:r>
-                  <a:rPr lang="en-US" sz="900" dirty="0" smtClean="0"/>
+                  <a:rPr lang="en-US" sz="800" dirty="0" smtClean="0"/>
                   <a:t>Sum the local results</a:t>
                 </a:r>
               </a:p>
               <a:p>
-                <a:endParaRPr lang="nl-NL" sz="900" dirty="0" smtClean="0"/>
+                <a:endParaRPr lang="nl-NL" sz="800" dirty="0" smtClean="0"/>
               </a:p>
               <a:p>
-                <a:endParaRPr lang="en-US" sz="900" dirty="0" smtClean="0"/>
+                <a:endParaRPr lang="en-US" sz="800" dirty="0" smtClean="0"/>
               </a:p>
               <a:p>
-                <a:endParaRPr lang="nl-NL" sz="900" dirty="0" smtClean="0"/>
+                <a:endParaRPr lang="nl-NL" sz="800" dirty="0" smtClean="0"/>
               </a:p>
               <a:p>
-                <a:endParaRPr lang="nl-NL" sz="900" dirty="0"/>
+                <a:endParaRPr lang="nl-NL" sz="800" dirty="0"/>
               </a:p>
             </p:txBody>
           </p:sp>
@@ -13090,7 +13132,7 @@
               <a:blipFill>
                 <a:blip r:embed="rId2"/>
                 <a:stretch>
-                  <a:fillRect l="-1717" t="-4858" r="-1414"/>
+                  <a:fillRect l="-1717" t="-6030" r="-1515"/>
                 </a:stretch>
               </a:blipFill>
             </p:spPr>
@@ -13686,7 +13728,7 @@
           <a:blip r:embed="rId4">
             <a:extLst>
               <a:ext uri="{96DAC541-7B7A-43D3-8B79-37D633B846F1}">
-                <asvg:svgBlip xmlns:asvg="http://schemas.microsoft.com/office/drawing/2016/SVG/main" xmlns="" r:embed="rId5"/>
+                <asvg:svgBlip xmlns="" xmlns:asvg="http://schemas.microsoft.com/office/drawing/2016/SVG/main" r:embed="rId5"/>
               </a:ext>
             </a:extLst>
           </a:blip>
@@ -13722,7 +13764,7 @@
           <a:blip r:embed="rId6">
             <a:extLst>
               <a:ext uri="{96DAC541-7B7A-43D3-8B79-37D633B846F1}">
-                <asvg:svgBlip xmlns:asvg="http://schemas.microsoft.com/office/drawing/2016/SVG/main" xmlns="" r:embed="rId7"/>
+                <asvg:svgBlip xmlns="" xmlns:asvg="http://schemas.microsoft.com/office/drawing/2016/SVG/main" r:embed="rId7"/>
               </a:ext>
             </a:extLst>
           </a:blip>
@@ -13758,7 +13800,7 @@
           <a:blip r:embed="rId8">
             <a:extLst>
               <a:ext uri="{96DAC541-7B7A-43D3-8B79-37D633B846F1}">
-                <asvg:svgBlip xmlns:asvg="http://schemas.microsoft.com/office/drawing/2016/SVG/main" xmlns="" r:embed="rId9"/>
+                <asvg:svgBlip xmlns="" xmlns:asvg="http://schemas.microsoft.com/office/drawing/2016/SVG/main" r:embed="rId9"/>
               </a:ext>
             </a:extLst>
           </a:blip>
@@ -13794,7 +13836,7 @@
           <a:blip r:embed="rId10">
             <a:extLst>
               <a:ext uri="{96DAC541-7B7A-43D3-8B79-37D633B846F1}">
-                <asvg:svgBlip xmlns:asvg="http://schemas.microsoft.com/office/drawing/2016/SVG/main" xmlns="" r:embed="rId11"/>
+                <asvg:svgBlip xmlns="" xmlns:asvg="http://schemas.microsoft.com/office/drawing/2016/SVG/main" r:embed="rId11"/>
               </a:ext>
             </a:extLst>
           </a:blip>
@@ -13830,7 +13872,7 @@
           <a:blip r:embed="rId12">
             <a:extLst>
               <a:ext uri="{96DAC541-7B7A-43D3-8B79-37D633B846F1}">
-                <asvg:svgBlip xmlns:asvg="http://schemas.microsoft.com/office/drawing/2016/SVG/main" xmlns="" r:embed="rId14"/>
+                <asvg:svgBlip xmlns="" xmlns:asvg="http://schemas.microsoft.com/office/drawing/2016/SVG/main" r:embed="rId14"/>
               </a:ext>
             </a:extLst>
           </a:blip>
@@ -13866,7 +13908,7 @@
           <a:blip r:embed="rId15">
             <a:extLst>
               <a:ext uri="{96DAC541-7B7A-43D3-8B79-37D633B846F1}">
-                <asvg:svgBlip xmlns:asvg="http://schemas.microsoft.com/office/drawing/2016/SVG/main" xmlns="" r:embed="rId16"/>
+                <asvg:svgBlip xmlns="" xmlns:asvg="http://schemas.microsoft.com/office/drawing/2016/SVG/main" r:embed="rId16"/>
               </a:ext>
             </a:extLst>
           </a:blip>
@@ -13902,7 +13944,7 @@
           <a:blip r:embed="rId17">
             <a:extLst>
               <a:ext uri="{96DAC541-7B7A-43D3-8B79-37D633B846F1}">
-                <asvg:svgBlip xmlns:asvg="http://schemas.microsoft.com/office/drawing/2016/SVG/main" xmlns="" r:embed="rId18"/>
+                <asvg:svgBlip xmlns="" xmlns:asvg="http://schemas.microsoft.com/office/drawing/2016/SVG/main" r:embed="rId18"/>
               </a:ext>
             </a:extLst>
           </a:blip>
@@ -13938,7 +13980,7 @@
           <a:blip r:embed="rId19">
             <a:extLst>
               <a:ext uri="{96DAC541-7B7A-43D3-8B79-37D633B846F1}">
-                <asvg:svgBlip xmlns:asvg="http://schemas.microsoft.com/office/drawing/2016/SVG/main" xmlns="" r:embed="rId22"/>
+                <asvg:svgBlip xmlns="" xmlns:asvg="http://schemas.microsoft.com/office/drawing/2016/SVG/main" r:embed="rId22"/>
               </a:ext>
             </a:extLst>
           </a:blip>
@@ -13974,7 +14016,7 @@
           <a:blip r:embed="rId23">
             <a:extLst>
               <a:ext uri="{96DAC541-7B7A-43D3-8B79-37D633B846F1}">
-                <asvg:svgBlip xmlns:asvg="http://schemas.microsoft.com/office/drawing/2016/SVG/main" xmlns="" r:embed="rId24"/>
+                <asvg:svgBlip xmlns="" xmlns:asvg="http://schemas.microsoft.com/office/drawing/2016/SVG/main" r:embed="rId24"/>
               </a:ext>
             </a:extLst>
           </a:blip>
@@ -14010,7 +14052,7 @@
           <a:blip r:embed="rId25">
             <a:extLst>
               <a:ext uri="{96DAC541-7B7A-43D3-8B79-37D633B846F1}">
-                <asvg:svgBlip xmlns:asvg="http://schemas.microsoft.com/office/drawing/2016/SVG/main" xmlns="" r:embed="rId26"/>
+                <asvg:svgBlip xmlns="" xmlns:asvg="http://schemas.microsoft.com/office/drawing/2016/SVG/main" r:embed="rId26"/>
               </a:ext>
             </a:extLst>
           </a:blip>
@@ -14046,7 +14088,7 @@
           <a:blip r:embed="rId27">
             <a:extLst>
               <a:ext uri="{96DAC541-7B7A-43D3-8B79-37D633B846F1}">
-                <asvg:svgBlip xmlns:asvg="http://schemas.microsoft.com/office/drawing/2016/SVG/main" xmlns="" r:embed="rId30"/>
+                <asvg:svgBlip xmlns="" xmlns:asvg="http://schemas.microsoft.com/office/drawing/2016/SVG/main" r:embed="rId30"/>
               </a:ext>
             </a:extLst>
           </a:blip>
@@ -14247,7 +14289,7 @@
           <a:blip r:embed="rId31">
             <a:extLst>
               <a:ext uri="{96DAC541-7B7A-43D3-8B79-37D633B846F1}">
-                <asvg:svgBlip xmlns:asvg="http://schemas.microsoft.com/office/drawing/2016/SVG/main" xmlns="" r:embed="rId32"/>
+                <asvg:svgBlip xmlns="" xmlns:asvg="http://schemas.microsoft.com/office/drawing/2016/SVG/main" r:embed="rId32"/>
               </a:ext>
             </a:extLst>
           </a:blip>
@@ -14283,7 +14325,7 @@
           <a:blip r:embed="rId33">
             <a:extLst>
               <a:ext uri="{96DAC541-7B7A-43D3-8B79-37D633B846F1}">
-                <asvg:svgBlip xmlns:asvg="http://schemas.microsoft.com/office/drawing/2016/SVG/main" xmlns="" r:embed="rId34"/>
+                <asvg:svgBlip xmlns="" xmlns:asvg="http://schemas.microsoft.com/office/drawing/2016/SVG/main" r:embed="rId34"/>
               </a:ext>
             </a:extLst>
           </a:blip>
@@ -14319,7 +14361,7 @@
           <a:blip r:embed="rId35">
             <a:extLst>
               <a:ext uri="{96DAC541-7B7A-43D3-8B79-37D633B846F1}">
-                <asvg:svgBlip xmlns:asvg="http://schemas.microsoft.com/office/drawing/2016/SVG/main" xmlns="" r:embed="rId36"/>
+                <asvg:svgBlip xmlns="" xmlns:asvg="http://schemas.microsoft.com/office/drawing/2016/SVG/main" r:embed="rId36"/>
               </a:ext>
             </a:extLst>
           </a:blip>

--- a/Verticox.pptx
+++ b/Verticox.pptx
@@ -41,15 +41,15 @@
       <p:boldItalic r:id="rId24"/>
     </p:embeddedFont>
     <p:embeddedFont>
-      <p:font typeface="Lato Light" panose="020B0604020202020204" charset="0"/>
+      <p:font typeface="Cambria Math" panose="02040503050406030204" pitchFamily="18" charset="0"/>
       <p:regular r:id="rId25"/>
-      <p:bold r:id="rId26"/>
-      <p:italic r:id="rId27"/>
-      <p:boldItalic r:id="rId28"/>
     </p:embeddedFont>
     <p:embeddedFont>
-      <p:font typeface="Cambria Math" panose="02040503050406030204" pitchFamily="18" charset="0"/>
-      <p:regular r:id="rId29"/>
+      <p:font typeface="Lato Light" panose="020B0604020202020204" charset="0"/>
+      <p:regular r:id="rId26"/>
+      <p:bold r:id="rId27"/>
+      <p:italic r:id="rId28"/>
+      <p:boldItalic r:id="rId29"/>
     </p:embeddedFont>
   </p:embeddedFontLst>
   <p:defaultTextStyle>
@@ -10953,7 +10953,21 @@
                     <a:latin typeface="Lato Light" panose="020B0604020202020204" charset="0"/>
                     <a:ea typeface="Cambria Math" panose="02040503050406030204" pitchFamily="18" charset="0"/>
                   </a:rPr>
-                  <a:t>Create a virtual data-owner for the hybrid attributes, and only the hybrid predictors</a:t>
+                  <a:t>Create a virtual data-owner for the hybrid </a:t>
+                </a:r>
+                <a:r>
+                  <a:rPr lang="en-US" sz="800" i="1" dirty="0">
+                    <a:latin typeface="Lato Light" panose="020B0604020202020204" charset="0"/>
+                    <a:ea typeface="Cambria Math" panose="02040503050406030204" pitchFamily="18" charset="0"/>
+                  </a:rPr>
+                  <a:t>predictors, </a:t>
+                </a:r>
+                <a:r>
+                  <a:rPr lang="en-US" sz="800" i="1" dirty="0" smtClean="0">
+                    <a:latin typeface="Lato Light" panose="020B0604020202020204" charset="0"/>
+                    <a:ea typeface="Cambria Math" panose="02040503050406030204" pitchFamily="18" charset="0"/>
+                  </a:rPr>
+                  <a:t>and only the hybrid predictors</a:t>
                 </a:r>
               </a:p>
               <a:p>
@@ -10964,10 +10978,6 @@
                   </a:rPr>
                   <a:t>All non-hybrid predictors should be treated as normal</a:t>
                 </a:r>
-                <a:endParaRPr lang="en-US" sz="800" i="1" dirty="0" smtClean="0">
-                  <a:latin typeface="Lato Light" panose="020B0604020202020204" charset="0"/>
-                  <a:ea typeface="Cambria Math" panose="02040503050406030204" pitchFamily="18" charset="0"/>
-                </a:endParaRPr>
               </a:p>
               <a:p>
                 <a:endParaRPr lang="en-US" sz="800" b="0" i="1" dirty="0" smtClean="0">
@@ -11224,7 +11234,19 @@
                   <a:rPr lang="en-US" sz="800" dirty="0" smtClean="0">
                     <a:ea typeface="Cambria Math" panose="02040503050406030204" pitchFamily="18" charset="0"/>
                   </a:rPr>
-                  <a:t> can be given the </a:t>
+                  <a:t> can be </a:t>
+                </a:r>
+                <a:r>
+                  <a:rPr lang="en-US" sz="800" smtClean="0">
+                    <a:ea typeface="Cambria Math" panose="02040503050406030204" pitchFamily="18" charset="0"/>
+                  </a:rPr>
+                  <a:t>given </a:t>
+                </a:r>
+                <a:r>
+                  <a:rPr lang="en-US" sz="800" smtClean="0">
+                    <a:ea typeface="Cambria Math" panose="02040503050406030204" pitchFamily="18" charset="0"/>
+                  </a:rPr>
+                  <a:t>to </a:t>
                 </a:r>
                 <a:r>
                   <a:rPr lang="en-US" sz="800" dirty="0" err="1" smtClean="0">
@@ -11245,7 +11267,78 @@
                   <a:rPr lang="en-US" sz="800" dirty="0" smtClean="0">
                     <a:ea typeface="Cambria Math" panose="02040503050406030204" pitchFamily="18" charset="0"/>
                   </a:rPr>
-                  <a:t>Do this in parallel to reduce time complexity</a:t>
+                  <a:t>Do this in parallel to reduce </a:t>
+                </a:r>
+                <a:r>
+                  <a:rPr lang="en-US" sz="800" dirty="0" smtClean="0">
+                    <a:ea typeface="Cambria Math" panose="02040503050406030204" pitchFamily="18" charset="0"/>
+                  </a:rPr>
+                  <a:t>runtime as it this will take </a:t>
+                </a:r>
+                <a14:m>
+                  <m:oMath xmlns:m="http://schemas.openxmlformats.org/officeDocument/2006/math">
+                    <m:r>
+                      <a:rPr lang="en-US" sz="800" i="1" dirty="0" smtClean="0">
+                        <a:latin typeface="Cambria Math" panose="02040503050406030204" pitchFamily="18" charset="0"/>
+                        <a:ea typeface="Cambria Math" panose="02040503050406030204" pitchFamily="18" charset="0"/>
+                      </a:rPr>
+                      <m:t>𝑛</m:t>
+                    </m:r>
+                    <m:r>
+                      <a:rPr lang="en-US" sz="800" i="1" dirty="0" smtClean="0">
+                        <a:latin typeface="Cambria Math" panose="02040503050406030204" pitchFamily="18" charset="0"/>
+                        <a:ea typeface="Cambria Math" panose="02040503050406030204" pitchFamily="18" charset="0"/>
+                      </a:rPr>
+                      <m:t>∗</m:t>
+                    </m:r>
+                    <m:r>
+                      <a:rPr lang="en-US" sz="800" i="1" dirty="0" smtClean="0">
+                        <a:latin typeface="Cambria Math" panose="02040503050406030204" pitchFamily="18" charset="0"/>
+                        <a:ea typeface="Cambria Math" panose="02040503050406030204" pitchFamily="18" charset="0"/>
+                      </a:rPr>
+                      <m:t>𝑚</m:t>
+                    </m:r>
+                  </m:oMath>
+                </a14:m>
+                <a:r>
+                  <a:rPr lang="en-US" sz="800" dirty="0" smtClean="0">
+                    <a:ea typeface="Cambria Math" panose="02040503050406030204" pitchFamily="18" charset="0"/>
+                  </a:rPr>
+                  <a:t> scalar products, where </a:t>
+                </a:r>
+                <a14:m>
+                  <m:oMath xmlns:m="http://schemas.openxmlformats.org/officeDocument/2006/math">
+                    <m:r>
+                      <a:rPr lang="en-US" sz="800" i="1" dirty="0" smtClean="0">
+                        <a:latin typeface="Cambria Math" panose="02040503050406030204" pitchFamily="18" charset="0"/>
+                        <a:ea typeface="Cambria Math" panose="02040503050406030204" pitchFamily="18" charset="0"/>
+                      </a:rPr>
+                      <m:t>𝑚</m:t>
+                    </m:r>
+                  </m:oMath>
+                </a14:m>
+                <a:r>
+                  <a:rPr lang="en-US" sz="800" dirty="0" smtClean="0">
+                    <a:ea typeface="Cambria Math" panose="02040503050406030204" pitchFamily="18" charset="0"/>
+                  </a:rPr>
+                  <a:t> is the number of hybrid predictors and </a:t>
+                </a:r>
+                <a14:m>
+                  <m:oMath xmlns:m="http://schemas.openxmlformats.org/officeDocument/2006/math">
+                    <m:r>
+                      <a:rPr lang="en-US" sz="800" i="1" dirty="0" smtClean="0">
+                        <a:latin typeface="Cambria Math" panose="02040503050406030204" pitchFamily="18" charset="0"/>
+                        <a:ea typeface="Cambria Math" panose="02040503050406030204" pitchFamily="18" charset="0"/>
+                      </a:rPr>
+                      <m:t>𝑛</m:t>
+                    </m:r>
+                  </m:oMath>
+                </a14:m>
+                <a:r>
+                  <a:rPr lang="en-US" sz="800" dirty="0" smtClean="0">
+                    <a:ea typeface="Cambria Math" panose="02040503050406030204" pitchFamily="18" charset="0"/>
+                  </a:rPr>
+                  <a:t> is the population size</a:t>
                 </a:r>
                 <a:r>
                   <a:rPr lang="en-US" sz="800" dirty="0" smtClean="0"/>
@@ -12257,15 +12350,7 @@
                 <a:pPr lvl="1"/>
                 <a:r>
                   <a:rPr lang="en-US" sz="800" dirty="0" smtClean="0"/>
-                  <a:t>B can be revealed to the </a:t>
-                </a:r>
-                <a:r>
-                  <a:rPr lang="en-US" sz="800" dirty="0" smtClean="0"/>
-                  <a:t>virtual data-owner </a:t>
-                </a:r>
-                <a:r>
-                  <a:rPr lang="en-US" sz="800" dirty="0" smtClean="0"/>
-                  <a:t>provided it does not know </a:t>
+                  <a:t>B can be revealed to the virtual data-owner provided it does not know </a:t>
                 </a:r>
                 <a14:m>
                   <m:oMath xmlns:m="http://schemas.openxmlformats.org/officeDocument/2006/math">
@@ -13132,7 +13217,7 @@
               <a:blipFill>
                 <a:blip r:embed="rId2"/>
                 <a:stretch>
-                  <a:fillRect l="-1717" t="-6030" r="-1515"/>
+                  <a:fillRect l="-1717" t="-6030" r="-707"/>
                 </a:stretch>
               </a:blipFill>
             </p:spPr>
@@ -13728,7 +13813,7 @@
           <a:blip r:embed="rId4">
             <a:extLst>
               <a:ext uri="{96DAC541-7B7A-43D3-8B79-37D633B846F1}">
-                <asvg:svgBlip xmlns="" xmlns:asvg="http://schemas.microsoft.com/office/drawing/2016/SVG/main" r:embed="rId5"/>
+                <asvg:svgBlip xmlns:asvg="http://schemas.microsoft.com/office/drawing/2016/SVG/main" xmlns="" r:embed="rId5"/>
               </a:ext>
             </a:extLst>
           </a:blip>
@@ -13764,7 +13849,7 @@
           <a:blip r:embed="rId6">
             <a:extLst>
               <a:ext uri="{96DAC541-7B7A-43D3-8B79-37D633B846F1}">
-                <asvg:svgBlip xmlns="" xmlns:asvg="http://schemas.microsoft.com/office/drawing/2016/SVG/main" r:embed="rId7"/>
+                <asvg:svgBlip xmlns:asvg="http://schemas.microsoft.com/office/drawing/2016/SVG/main" xmlns="" r:embed="rId7"/>
               </a:ext>
             </a:extLst>
           </a:blip>
@@ -13800,7 +13885,7 @@
           <a:blip r:embed="rId8">
             <a:extLst>
               <a:ext uri="{96DAC541-7B7A-43D3-8B79-37D633B846F1}">
-                <asvg:svgBlip xmlns="" xmlns:asvg="http://schemas.microsoft.com/office/drawing/2016/SVG/main" r:embed="rId9"/>
+                <asvg:svgBlip xmlns:asvg="http://schemas.microsoft.com/office/drawing/2016/SVG/main" xmlns="" r:embed="rId9"/>
               </a:ext>
             </a:extLst>
           </a:blip>
@@ -13836,7 +13921,7 @@
           <a:blip r:embed="rId10">
             <a:extLst>
               <a:ext uri="{96DAC541-7B7A-43D3-8B79-37D633B846F1}">
-                <asvg:svgBlip xmlns="" xmlns:asvg="http://schemas.microsoft.com/office/drawing/2016/SVG/main" r:embed="rId11"/>
+                <asvg:svgBlip xmlns:asvg="http://schemas.microsoft.com/office/drawing/2016/SVG/main" xmlns="" r:embed="rId11"/>
               </a:ext>
             </a:extLst>
           </a:blip>
@@ -13872,7 +13957,7 @@
           <a:blip r:embed="rId12">
             <a:extLst>
               <a:ext uri="{96DAC541-7B7A-43D3-8B79-37D633B846F1}">
-                <asvg:svgBlip xmlns="" xmlns:asvg="http://schemas.microsoft.com/office/drawing/2016/SVG/main" r:embed="rId14"/>
+                <asvg:svgBlip xmlns:asvg="http://schemas.microsoft.com/office/drawing/2016/SVG/main" xmlns="" r:embed="rId14"/>
               </a:ext>
             </a:extLst>
           </a:blip>
@@ -13908,7 +13993,7 @@
           <a:blip r:embed="rId15">
             <a:extLst>
               <a:ext uri="{96DAC541-7B7A-43D3-8B79-37D633B846F1}">
-                <asvg:svgBlip xmlns="" xmlns:asvg="http://schemas.microsoft.com/office/drawing/2016/SVG/main" r:embed="rId16"/>
+                <asvg:svgBlip xmlns:asvg="http://schemas.microsoft.com/office/drawing/2016/SVG/main" xmlns="" r:embed="rId16"/>
               </a:ext>
             </a:extLst>
           </a:blip>
@@ -13944,7 +14029,7 @@
           <a:blip r:embed="rId17">
             <a:extLst>
               <a:ext uri="{96DAC541-7B7A-43D3-8B79-37D633B846F1}">
-                <asvg:svgBlip xmlns="" xmlns:asvg="http://schemas.microsoft.com/office/drawing/2016/SVG/main" r:embed="rId18"/>
+                <asvg:svgBlip xmlns:asvg="http://schemas.microsoft.com/office/drawing/2016/SVG/main" xmlns="" r:embed="rId18"/>
               </a:ext>
             </a:extLst>
           </a:blip>
@@ -13980,7 +14065,7 @@
           <a:blip r:embed="rId19">
             <a:extLst>
               <a:ext uri="{96DAC541-7B7A-43D3-8B79-37D633B846F1}">
-                <asvg:svgBlip xmlns="" xmlns:asvg="http://schemas.microsoft.com/office/drawing/2016/SVG/main" r:embed="rId22"/>
+                <asvg:svgBlip xmlns:asvg="http://schemas.microsoft.com/office/drawing/2016/SVG/main" xmlns="" r:embed="rId22"/>
               </a:ext>
             </a:extLst>
           </a:blip>
@@ -14016,7 +14101,7 @@
           <a:blip r:embed="rId23">
             <a:extLst>
               <a:ext uri="{96DAC541-7B7A-43D3-8B79-37D633B846F1}">
-                <asvg:svgBlip xmlns="" xmlns:asvg="http://schemas.microsoft.com/office/drawing/2016/SVG/main" r:embed="rId24"/>
+                <asvg:svgBlip xmlns:asvg="http://schemas.microsoft.com/office/drawing/2016/SVG/main" xmlns="" r:embed="rId24"/>
               </a:ext>
             </a:extLst>
           </a:blip>
@@ -14052,7 +14137,7 @@
           <a:blip r:embed="rId25">
             <a:extLst>
               <a:ext uri="{96DAC541-7B7A-43D3-8B79-37D633B846F1}">
-                <asvg:svgBlip xmlns="" xmlns:asvg="http://schemas.microsoft.com/office/drawing/2016/SVG/main" r:embed="rId26"/>
+                <asvg:svgBlip xmlns:asvg="http://schemas.microsoft.com/office/drawing/2016/SVG/main" xmlns="" r:embed="rId26"/>
               </a:ext>
             </a:extLst>
           </a:blip>
@@ -14088,7 +14173,7 @@
           <a:blip r:embed="rId27">
             <a:extLst>
               <a:ext uri="{96DAC541-7B7A-43D3-8B79-37D633B846F1}">
-                <asvg:svgBlip xmlns="" xmlns:asvg="http://schemas.microsoft.com/office/drawing/2016/SVG/main" r:embed="rId30"/>
+                <asvg:svgBlip xmlns:asvg="http://schemas.microsoft.com/office/drawing/2016/SVG/main" xmlns="" r:embed="rId30"/>
               </a:ext>
             </a:extLst>
           </a:blip>
@@ -14289,7 +14374,7 @@
           <a:blip r:embed="rId31">
             <a:extLst>
               <a:ext uri="{96DAC541-7B7A-43D3-8B79-37D633B846F1}">
-                <asvg:svgBlip xmlns="" xmlns:asvg="http://schemas.microsoft.com/office/drawing/2016/SVG/main" r:embed="rId32"/>
+                <asvg:svgBlip xmlns:asvg="http://schemas.microsoft.com/office/drawing/2016/SVG/main" xmlns="" r:embed="rId32"/>
               </a:ext>
             </a:extLst>
           </a:blip>
@@ -14325,7 +14410,7 @@
           <a:blip r:embed="rId33">
             <a:extLst>
               <a:ext uri="{96DAC541-7B7A-43D3-8B79-37D633B846F1}">
-                <asvg:svgBlip xmlns="" xmlns:asvg="http://schemas.microsoft.com/office/drawing/2016/SVG/main" r:embed="rId34"/>
+                <asvg:svgBlip xmlns:asvg="http://schemas.microsoft.com/office/drawing/2016/SVG/main" xmlns="" r:embed="rId34"/>
               </a:ext>
             </a:extLst>
           </a:blip>
@@ -14361,7 +14446,7 @@
           <a:blip r:embed="rId35">
             <a:extLst>
               <a:ext uri="{96DAC541-7B7A-43D3-8B79-37D633B846F1}">
-                <asvg:svgBlip xmlns="" xmlns:asvg="http://schemas.microsoft.com/office/drawing/2016/SVG/main" r:embed="rId36"/>
+                <asvg:svgBlip xmlns:asvg="http://schemas.microsoft.com/office/drawing/2016/SVG/main" xmlns="" r:embed="rId36"/>
               </a:ext>
             </a:extLst>
           </a:blip>

--- a/Verticox.pptx
+++ b/Verticox.pptx
@@ -11234,31 +11234,19 @@
                   <a:rPr lang="en-US" sz="800" dirty="0" smtClean="0">
                     <a:ea typeface="Cambria Math" panose="02040503050406030204" pitchFamily="18" charset="0"/>
                   </a:rPr>
-                  <a:t> can be </a:t>
+                  <a:t> can be given </a:t>
                 </a:r>
                 <a:r>
-                  <a:rPr lang="en-US" sz="800" smtClean="0">
-                    <a:ea typeface="Cambria Math" panose="02040503050406030204" pitchFamily="18" charset="0"/>
-                  </a:rPr>
-                  <a:t>given </a:t>
-                </a:r>
-                <a:r>
-                  <a:rPr lang="en-US" sz="800" smtClean="0">
+                  <a:rPr lang="en-US" sz="800" dirty="0" smtClean="0">
                     <a:ea typeface="Cambria Math" panose="02040503050406030204" pitchFamily="18" charset="0"/>
                   </a:rPr>
                   <a:t>to </a:t>
                 </a:r>
                 <a:r>
-                  <a:rPr lang="en-US" sz="800" dirty="0" err="1" smtClean="0">
-                    <a:ea typeface="Cambria Math" panose="02040503050406030204" pitchFamily="18" charset="0"/>
-                  </a:rPr>
-                  <a:t>the</a:t>
-                </a:r>
-                <a:r>
                   <a:rPr lang="en-US" sz="800" dirty="0" smtClean="0">
                     <a:ea typeface="Cambria Math" panose="02040503050406030204" pitchFamily="18" charset="0"/>
                   </a:rPr>
-                  <a:t> virtual data-owner</a:t>
+                  <a:t>the virtual data-owner</a:t>
                 </a:r>
               </a:p>
               <a:p>
@@ -12247,8 +12235,15 @@
                         <m:r>
                           <a:rPr lang="en-US" sz="800" b="0" i="1" smtClean="0">
                             <a:latin typeface="Cambria Math" panose="02040503050406030204" pitchFamily="18" charset="0"/>
-                          </a:rPr>
-                          <m:t>1 </m:t>
+                            <a:ea typeface="Cambria Math" panose="02040503050406030204" pitchFamily="18" charset="0"/>
+                          </a:rPr>
+                          <m:t>0</m:t>
+                        </m:r>
+                        <m:r>
+                          <a:rPr lang="en-US" sz="800" b="0" i="1" smtClean="0">
+                            <a:latin typeface="Cambria Math" panose="02040503050406030204" pitchFamily="18" charset="0"/>
+                          </a:rPr>
+                          <m:t> </m:t>
                         </m:r>
                         <m:r>
                           <a:rPr lang="en-US" sz="800" i="1">
